--- a/Banco de Dados/Banco de Dados.pptx
+++ b/Banco de Dados/Banco de Dados.pptx
@@ -5,7 +5,7 @@
     <p:sldMasterId id="2147483672" r:id="rId1"/>
   </p:sldMasterIdLst>
   <p:notesMasterIdLst>
-    <p:notesMasterId r:id="rId19"/>
+    <p:notesMasterId r:id="rId21"/>
   </p:notesMasterIdLst>
   <p:sldIdLst>
     <p:sldId id="256" r:id="rId2"/>
@@ -25,6 +25,8 @@
     <p:sldId id="275" r:id="rId16"/>
     <p:sldId id="276" r:id="rId17"/>
     <p:sldId id="277" r:id="rId18"/>
+    <p:sldId id="278" r:id="rId19"/>
+    <p:sldId id="279" r:id="rId20"/>
   </p:sldIdLst>
   <p:sldSz cx="12192000" cy="6858000"/>
   <p:notesSz cx="6858000" cy="9144000"/>
@@ -132,15 +134,28 @@
 </file>
 
 <file path=ppt/diagrams/colors1.xml><?xml version="1.0" encoding="utf-8"?>
-<dgm:colorsDef xmlns:dgm="http://schemas.openxmlformats.org/drawingml/2006/diagram" xmlns:a="http://schemas.openxmlformats.org/drawingml/2006/main" uniqueId="urn:microsoft.com/office/officeart/2005/8/colors/accent1_2">
+<dgm:colorsDef xmlns:dgm="http://schemas.openxmlformats.org/drawingml/2006/diagram" xmlns:a="http://schemas.openxmlformats.org/drawingml/2006/main" uniqueId="urn:microsoft.com/office/officeart/2005/8/colors/colorful4">
   <dgm:title val=""/>
   <dgm:desc val=""/>
   <dgm:catLst>
-    <dgm:cat type="accent1" pri="11200"/>
+    <dgm:cat type="colorful" pri="10400"/>
   </dgm:catLst>
   <dgm:styleLbl name="node0">
     <dgm:fillClrLst meth="repeat">
-      <a:schemeClr val="accent1"/>
+      <a:schemeClr val="accent3"/>
+    </dgm:fillClrLst>
+    <dgm:linClrLst meth="repeat">
+      <a:schemeClr val="lt1"/>
+    </dgm:linClrLst>
+    <dgm:effectClrLst/>
+    <dgm:txLinClrLst/>
+    <dgm:txFillClrLst/>
+    <dgm:txEffectClrLst/>
+  </dgm:styleLbl>
+  <dgm:styleLbl name="node1">
+    <dgm:fillClrLst>
+      <a:schemeClr val="accent4"/>
+      <a:schemeClr val="accent5"/>
     </dgm:fillClrLst>
     <dgm:linClrLst meth="repeat">
       <a:schemeClr val="lt1"/>
@@ -151,23 +166,13 @@
     <dgm:txEffectClrLst/>
   </dgm:styleLbl>
   <dgm:styleLbl name="alignNode1">
-    <dgm:fillClrLst meth="repeat">
-      <a:schemeClr val="accent1"/>
+    <dgm:fillClrLst>
+      <a:schemeClr val="accent4"/>
+      <a:schemeClr val="accent5"/>
     </dgm:fillClrLst>
-    <dgm:linClrLst meth="repeat">
-      <a:schemeClr val="accent1"/>
-    </dgm:linClrLst>
-    <dgm:effectClrLst/>
-    <dgm:txLinClrLst/>
-    <dgm:txFillClrLst/>
-    <dgm:txEffectClrLst/>
-  </dgm:styleLbl>
-  <dgm:styleLbl name="node1">
-    <dgm:fillClrLst meth="repeat">
-      <a:schemeClr val="accent1"/>
-    </dgm:fillClrLst>
-    <dgm:linClrLst meth="repeat">
-      <a:schemeClr val="lt1"/>
+    <dgm:linClrLst>
+      <a:schemeClr val="accent4"/>
+      <a:schemeClr val="accent5"/>
     </dgm:linClrLst>
     <dgm:effectClrLst/>
     <dgm:txLinClrLst/>
@@ -175,8 +180,9 @@
     <dgm:txEffectClrLst/>
   </dgm:styleLbl>
   <dgm:styleLbl name="lnNode1">
-    <dgm:fillClrLst meth="repeat">
-      <a:schemeClr val="accent1"/>
+    <dgm:fillClrLst>
+      <a:schemeClr val="accent4"/>
+      <a:schemeClr val="accent5"/>
     </dgm:fillClrLst>
     <dgm:linClrLst meth="repeat">
       <a:schemeClr val="lt1"/>
@@ -187,8 +193,11 @@
     <dgm:txEffectClrLst/>
   </dgm:styleLbl>
   <dgm:styleLbl name="vennNode1">
-    <dgm:fillClrLst meth="repeat">
-      <a:schemeClr val="accent1">
+    <dgm:fillClrLst>
+      <a:schemeClr val="accent4">
+        <a:alpha val="50000"/>
+      </a:schemeClr>
+      <a:schemeClr val="accent5">
         <a:alpha val="50000"/>
       </a:schemeClr>
     </dgm:fillClrLst>
@@ -201,8 +210,8 @@
     <dgm:txEffectClrLst/>
   </dgm:styleLbl>
   <dgm:styleLbl name="node2">
-    <dgm:fillClrLst meth="repeat">
-      <a:schemeClr val="accent1"/>
+    <dgm:fillClrLst>
+      <a:schemeClr val="accent5"/>
     </dgm:fillClrLst>
     <dgm:linClrLst meth="repeat">
       <a:schemeClr val="lt1"/>
@@ -213,8 +222,8 @@
     <dgm:txEffectClrLst/>
   </dgm:styleLbl>
   <dgm:styleLbl name="node3">
-    <dgm:fillClrLst meth="repeat">
-      <a:schemeClr val="accent1"/>
+    <dgm:fillClrLst>
+      <a:schemeClr val="accent6"/>
     </dgm:fillClrLst>
     <dgm:linClrLst meth="repeat">
       <a:schemeClr val="lt1"/>
@@ -225,7 +234,7 @@
     <dgm:txEffectClrLst/>
   </dgm:styleLbl>
   <dgm:styleLbl name="node4">
-    <dgm:fillClrLst meth="repeat">
+    <dgm:fillClrLst>
       <a:schemeClr val="accent1"/>
     </dgm:fillClrLst>
     <dgm:linClrLst meth="repeat">
@@ -237,8 +246,11 @@
     <dgm:txEffectClrLst/>
   </dgm:styleLbl>
   <dgm:styleLbl name="fgImgPlace1">
-    <dgm:fillClrLst meth="repeat">
-      <a:schemeClr val="accent1">
+    <dgm:fillClrLst>
+      <a:schemeClr val="accent4">
+        <a:tint val="50000"/>
+      </a:schemeClr>
+      <a:schemeClr val="accent5">
         <a:tint val="50000"/>
       </a:schemeClr>
     </dgm:fillClrLst>
@@ -253,9 +265,12 @@
     <dgm:txEffectClrLst/>
   </dgm:styleLbl>
   <dgm:styleLbl name="alignImgPlace1">
-    <dgm:fillClrLst meth="repeat">
-      <a:schemeClr val="accent1">
+    <dgm:fillClrLst>
+      <a:schemeClr val="accent4">
         <a:tint val="50000"/>
+      </a:schemeClr>
+      <a:schemeClr val="accent5">
+        <a:tint val="20000"/>
       </a:schemeClr>
     </dgm:fillClrLst>
     <dgm:linClrLst meth="repeat">
@@ -269,9 +284,12 @@
     <dgm:txEffectClrLst/>
   </dgm:styleLbl>
   <dgm:styleLbl name="bgImgPlace1">
-    <dgm:fillClrLst meth="repeat">
-      <a:schemeClr val="accent1">
+    <dgm:fillClrLst>
+      <a:schemeClr val="accent4">
         <a:tint val="50000"/>
+      </a:schemeClr>
+      <a:schemeClr val="accent5">
+        <a:tint val="20000"/>
       </a:schemeClr>
     </dgm:fillClrLst>
     <dgm:linClrLst meth="repeat">
@@ -285,15 +303,12 @@
     <dgm:txEffectClrLst/>
   </dgm:styleLbl>
   <dgm:styleLbl name="sibTrans2D1">
-    <dgm:fillClrLst meth="repeat">
-      <a:schemeClr val="accent1">
-        <a:tint val="60000"/>
-      </a:schemeClr>
+    <dgm:fillClrLst>
+      <a:schemeClr val="accent4"/>
+      <a:schemeClr val="accent5"/>
     </dgm:fillClrLst>
     <dgm:linClrLst meth="repeat">
-      <a:schemeClr val="accent1">
-        <a:tint val="60000"/>
-      </a:schemeClr>
+      <a:schemeClr val="lt1"/>
     </dgm:linClrLst>
     <dgm:effectClrLst/>
     <dgm:txLinClrLst/>
@@ -301,43 +316,40 @@
     <dgm:txEffectClrLst/>
   </dgm:styleLbl>
   <dgm:styleLbl name="fgSibTrans2D1">
-    <dgm:fillClrLst meth="repeat">
-      <a:schemeClr val="accent1">
-        <a:tint val="60000"/>
-      </a:schemeClr>
+    <dgm:fillClrLst>
+      <a:schemeClr val="accent4"/>
+      <a:schemeClr val="accent5"/>
     </dgm:fillClrLst>
     <dgm:linClrLst meth="repeat">
-      <a:schemeClr val="accent1">
-        <a:tint val="60000"/>
-      </a:schemeClr>
+      <a:schemeClr val="lt1"/>
     </dgm:linClrLst>
     <dgm:effectClrLst/>
     <dgm:txLinClrLst/>
-    <dgm:txFillClrLst/>
+    <dgm:txFillClrLst meth="repeat">
+      <a:schemeClr val="lt1"/>
+    </dgm:txFillClrLst>
     <dgm:txEffectClrLst/>
   </dgm:styleLbl>
   <dgm:styleLbl name="bgSibTrans2D1">
-    <dgm:fillClrLst meth="repeat">
-      <a:schemeClr val="accent1">
-        <a:tint val="60000"/>
-      </a:schemeClr>
+    <dgm:fillClrLst>
+      <a:schemeClr val="accent4"/>
+      <a:schemeClr val="accent5"/>
     </dgm:fillClrLst>
     <dgm:linClrLst meth="repeat">
-      <a:schemeClr val="accent1">
-        <a:tint val="60000"/>
-      </a:schemeClr>
+      <a:schemeClr val="lt1"/>
     </dgm:linClrLst>
     <dgm:effectClrLst/>
     <dgm:txLinClrLst/>
-    <dgm:txFillClrLst/>
+    <dgm:txFillClrLst meth="repeat">
+      <a:schemeClr val="lt1"/>
+    </dgm:txFillClrLst>
     <dgm:txEffectClrLst/>
   </dgm:styleLbl>
   <dgm:styleLbl name="sibTrans1D1">
-    <dgm:fillClrLst meth="repeat">
-      <a:schemeClr val="accent1"/>
-    </dgm:fillClrLst>
-    <dgm:linClrLst meth="repeat">
-      <a:schemeClr val="accent1"/>
+    <dgm:fillClrLst/>
+    <dgm:linClrLst>
+      <a:schemeClr val="accent4"/>
+      <a:schemeClr val="accent5"/>
     </dgm:linClrLst>
     <dgm:effectClrLst/>
     <dgm:txLinClrLst/>
@@ -348,10 +360,10 @@
   </dgm:styleLbl>
   <dgm:styleLbl name="callout">
     <dgm:fillClrLst meth="repeat">
-      <a:schemeClr val="accent1"/>
+      <a:schemeClr val="accent4"/>
     </dgm:fillClrLst>
     <dgm:linClrLst meth="repeat">
-      <a:schemeClr val="accent1">
+      <a:schemeClr val="accent4">
         <a:tint val="50000"/>
       </a:schemeClr>
     </dgm:linClrLst>
@@ -364,10 +376,12 @@
   </dgm:styleLbl>
   <dgm:styleLbl name="asst0">
     <dgm:fillClrLst meth="repeat">
-      <a:schemeClr val="accent1"/>
+      <a:schemeClr val="accent4"/>
     </dgm:fillClrLst>
     <dgm:linClrLst meth="repeat">
-      <a:schemeClr val="lt1"/>
+      <a:schemeClr val="lt1">
+        <a:shade val="80000"/>
+      </a:schemeClr>
     </dgm:linClrLst>
     <dgm:effectClrLst/>
     <dgm:txLinClrLst/>
@@ -376,10 +390,12 @@
   </dgm:styleLbl>
   <dgm:styleLbl name="asst1">
     <dgm:fillClrLst meth="repeat">
-      <a:schemeClr val="accent1"/>
+      <a:schemeClr val="accent5"/>
     </dgm:fillClrLst>
     <dgm:linClrLst meth="repeat">
-      <a:schemeClr val="lt1"/>
+      <a:schemeClr val="lt1">
+        <a:shade val="80000"/>
+      </a:schemeClr>
     </dgm:linClrLst>
     <dgm:effectClrLst/>
     <dgm:txLinClrLst/>
@@ -387,8 +403,8 @@
     <dgm:txEffectClrLst/>
   </dgm:styleLbl>
   <dgm:styleLbl name="asst2">
-    <dgm:fillClrLst meth="repeat">
-      <a:schemeClr val="accent1"/>
+    <dgm:fillClrLst>
+      <a:schemeClr val="accent6"/>
     </dgm:fillClrLst>
     <dgm:linClrLst meth="repeat">
       <a:schemeClr val="lt1"/>
@@ -399,7 +415,7 @@
     <dgm:txEffectClrLst/>
   </dgm:styleLbl>
   <dgm:styleLbl name="asst3">
-    <dgm:fillClrLst meth="repeat">
+    <dgm:fillClrLst>
       <a:schemeClr val="accent1"/>
     </dgm:fillClrLst>
     <dgm:linClrLst meth="repeat">
@@ -411,8 +427,8 @@
     <dgm:txEffectClrLst/>
   </dgm:styleLbl>
   <dgm:styleLbl name="asst4">
-    <dgm:fillClrLst meth="repeat">
-      <a:schemeClr val="accent1"/>
+    <dgm:fillClrLst>
+      <a:schemeClr val="accent2"/>
     </dgm:fillClrLst>
     <dgm:linClrLst meth="repeat">
       <a:schemeClr val="lt1"/>
@@ -424,14 +440,10 @@
   </dgm:styleLbl>
   <dgm:styleLbl name="parChTrans2D1">
     <dgm:fillClrLst meth="repeat">
-      <a:schemeClr val="accent1">
-        <a:tint val="60000"/>
-      </a:schemeClr>
+      <a:schemeClr val="accent4"/>
     </dgm:fillClrLst>
     <dgm:linClrLst meth="repeat">
-      <a:schemeClr val="accent1">
-        <a:tint val="60000"/>
-      </a:schemeClr>
+      <a:schemeClr val="lt1"/>
     </dgm:linClrLst>
     <dgm:effectClrLst/>
     <dgm:txLinClrLst/>
@@ -442,38 +454,34 @@
   </dgm:styleLbl>
   <dgm:styleLbl name="parChTrans2D2">
     <dgm:fillClrLst meth="repeat">
-      <a:schemeClr val="accent1"/>
+      <a:schemeClr val="accent5"/>
     </dgm:fillClrLst>
     <dgm:linClrLst meth="repeat">
-      <a:schemeClr val="accent1"/>
+      <a:schemeClr val="lt1"/>
     </dgm:linClrLst>
     <dgm:effectClrLst/>
     <dgm:txLinClrLst/>
-    <dgm:txFillClrLst meth="repeat">
-      <a:schemeClr val="lt1"/>
-    </dgm:txFillClrLst>
+    <dgm:txFillClrLst/>
     <dgm:txEffectClrLst/>
   </dgm:styleLbl>
   <dgm:styleLbl name="parChTrans2D3">
     <dgm:fillClrLst meth="repeat">
-      <a:schemeClr val="accent1"/>
+      <a:schemeClr val="accent5"/>
     </dgm:fillClrLst>
     <dgm:linClrLst meth="repeat">
-      <a:schemeClr val="accent1"/>
+      <a:schemeClr val="lt1"/>
     </dgm:linClrLst>
     <dgm:effectClrLst/>
     <dgm:txLinClrLst/>
-    <dgm:txFillClrLst meth="repeat">
-      <a:schemeClr val="lt1"/>
-    </dgm:txFillClrLst>
+    <dgm:txFillClrLst/>
     <dgm:txEffectClrLst/>
   </dgm:styleLbl>
   <dgm:styleLbl name="parChTrans2D4">
     <dgm:fillClrLst meth="repeat">
-      <a:schemeClr val="accent1"/>
+      <a:schemeClr val="accent6"/>
     </dgm:fillClrLst>
     <dgm:linClrLst meth="repeat">
-      <a:schemeClr val="accent1"/>
+      <a:schemeClr val="lt1"/>
     </dgm:linClrLst>
     <dgm:effectClrLst/>
     <dgm:txLinClrLst/>
@@ -484,12 +492,10 @@
   </dgm:styleLbl>
   <dgm:styleLbl name="parChTrans1D1">
     <dgm:fillClrLst meth="repeat">
-      <a:schemeClr val="accent1"/>
+      <a:schemeClr val="accent4"/>
     </dgm:fillClrLst>
     <dgm:linClrLst meth="repeat">
-      <a:schemeClr val="accent1">
-        <a:shade val="60000"/>
-      </a:schemeClr>
+      <a:schemeClr val="accent4"/>
     </dgm:linClrLst>
     <dgm:effectClrLst/>
     <dgm:txLinClrLst/>
@@ -500,12 +506,12 @@
   </dgm:styleLbl>
   <dgm:styleLbl name="parChTrans1D2">
     <dgm:fillClrLst meth="repeat">
-      <a:schemeClr val="accent1"/>
+      <a:schemeClr val="accent4">
+        <a:tint val="90000"/>
+      </a:schemeClr>
     </dgm:fillClrLst>
     <dgm:linClrLst meth="repeat">
-      <a:schemeClr val="accent1">
-        <a:shade val="60000"/>
-      </a:schemeClr>
+      <a:schemeClr val="accent5"/>
     </dgm:linClrLst>
     <dgm:effectClrLst/>
     <dgm:txLinClrLst/>
@@ -516,12 +522,12 @@
   </dgm:styleLbl>
   <dgm:styleLbl name="parChTrans1D3">
     <dgm:fillClrLst meth="repeat">
-      <a:schemeClr val="accent1"/>
+      <a:schemeClr val="accent4">
+        <a:tint val="70000"/>
+      </a:schemeClr>
     </dgm:fillClrLst>
     <dgm:linClrLst meth="repeat">
-      <a:schemeClr val="accent1">
-        <a:shade val="80000"/>
-      </a:schemeClr>
+      <a:schemeClr val="accent6"/>
     </dgm:linClrLst>
     <dgm:effectClrLst/>
     <dgm:txLinClrLst/>
@@ -532,12 +538,12 @@
   </dgm:styleLbl>
   <dgm:styleLbl name="parChTrans1D4">
     <dgm:fillClrLst meth="repeat">
-      <a:schemeClr val="accent1"/>
+      <a:schemeClr val="accent4">
+        <a:tint val="50000"/>
+      </a:schemeClr>
     </dgm:fillClrLst>
     <dgm:linClrLst meth="repeat">
-      <a:schemeClr val="accent1">
-        <a:shade val="80000"/>
-      </a:schemeClr>
+      <a:schemeClr val="accent1"/>
     </dgm:linClrLst>
     <dgm:effectClrLst/>
     <dgm:txLinClrLst/>
@@ -552,8 +558,9 @@
         <a:alpha val="90000"/>
       </a:schemeClr>
     </dgm:fillClrLst>
-    <dgm:linClrLst meth="repeat">
-      <a:schemeClr val="accent1"/>
+    <dgm:linClrLst>
+      <a:schemeClr val="accent4"/>
+      <a:schemeClr val="accent5"/>
     </dgm:linClrLst>
     <dgm:effectClrLst/>
     <dgm:txLinClrLst/>
@@ -568,8 +575,9 @@
         <a:alpha val="90000"/>
       </a:schemeClr>
     </dgm:fillClrLst>
-    <dgm:linClrLst meth="repeat">
-      <a:schemeClr val="accent1"/>
+    <dgm:linClrLst>
+      <a:schemeClr val="accent4"/>
+      <a:schemeClr val="accent5"/>
     </dgm:linClrLst>
     <dgm:effectClrLst/>
     <dgm:txLinClrLst/>
@@ -584,8 +592,9 @@
         <a:alpha val="90000"/>
       </a:schemeClr>
     </dgm:fillClrLst>
-    <dgm:linClrLst meth="repeat">
-      <a:schemeClr val="accent1"/>
+    <dgm:linClrLst>
+      <a:schemeClr val="accent4"/>
+      <a:schemeClr val="accent5"/>
     </dgm:linClrLst>
     <dgm:effectClrLst/>
     <dgm:txLinClrLst/>
@@ -601,7 +610,7 @@
       </a:schemeClr>
     </dgm:fillClrLst>
     <dgm:linClrLst meth="repeat">
-      <a:schemeClr val="accent1"/>
+      <a:schemeClr val="accent4"/>
     </dgm:linClrLst>
     <dgm:effectClrLst/>
     <dgm:txLinClrLst/>
@@ -616,8 +625,9 @@
         <a:alpha val="90000"/>
       </a:schemeClr>
     </dgm:fillClrLst>
-    <dgm:linClrLst meth="repeat">
-      <a:schemeClr val="accent1"/>
+    <dgm:linClrLst>
+      <a:schemeClr val="accent4"/>
+      <a:schemeClr val="accent5"/>
     </dgm:linClrLst>
     <dgm:effectClrLst/>
     <dgm:txLinClrLst/>
@@ -630,8 +640,9 @@
     <dgm:fillClrLst meth="repeat">
       <a:schemeClr val="lt1"/>
     </dgm:fillClrLst>
-    <dgm:linClrLst meth="repeat">
-      <a:schemeClr val="accent1"/>
+    <dgm:linClrLst>
+      <a:schemeClr val="accent4"/>
+      <a:schemeClr val="accent5"/>
     </dgm:linClrLst>
     <dgm:effectClrLst/>
     <dgm:txLinClrLst/>
@@ -644,8 +655,9 @@
     <dgm:fillClrLst meth="repeat">
       <a:schemeClr val="lt1"/>
     </dgm:fillClrLst>
-    <dgm:linClrLst meth="repeat">
-      <a:schemeClr val="accent1"/>
+    <dgm:linClrLst>
+      <a:schemeClr val="accent4"/>
+      <a:schemeClr val="accent5"/>
     </dgm:linClrLst>
     <dgm:effectClrLst/>
     <dgm:txLinClrLst/>
@@ -658,8 +670,9 @@
     <dgm:fillClrLst meth="repeat">
       <a:schemeClr val="lt1"/>
     </dgm:fillClrLst>
-    <dgm:linClrLst meth="repeat">
-      <a:schemeClr val="accent1"/>
+    <dgm:linClrLst>
+      <a:schemeClr val="accent4"/>
+      <a:schemeClr val="accent5"/>
     </dgm:linClrLst>
     <dgm:effectClrLst/>
     <dgm:txLinClrLst/>
@@ -669,16 +682,24 @@
     <dgm:txEffectClrLst/>
   </dgm:styleLbl>
   <dgm:styleLbl name="fgAccFollowNode1">
-    <dgm:fillClrLst meth="repeat">
-      <a:schemeClr val="accent1">
+    <dgm:fillClrLst>
+      <a:schemeClr val="accent4">
+        <a:tint val="40000"/>
         <a:alpha val="90000"/>
+      </a:schemeClr>
+      <a:schemeClr val="accent5">
         <a:tint val="40000"/>
+        <a:alpha val="90000"/>
       </a:schemeClr>
     </dgm:fillClrLst>
-    <dgm:linClrLst meth="repeat">
-      <a:schemeClr val="accent1">
+    <dgm:linClrLst>
+      <a:schemeClr val="accent4">
+        <a:tint val="40000"/>
         <a:alpha val="90000"/>
+      </a:schemeClr>
+      <a:schemeClr val="accent5">
         <a:tint val="40000"/>
+        <a:alpha val="90000"/>
       </a:schemeClr>
     </dgm:linClrLst>
     <dgm:effectClrLst/>
@@ -689,16 +710,24 @@
     <dgm:txEffectClrLst/>
   </dgm:styleLbl>
   <dgm:styleLbl name="alignAccFollowNode1">
-    <dgm:fillClrLst meth="repeat">
-      <a:schemeClr val="accent1">
+    <dgm:fillClrLst>
+      <a:schemeClr val="accent4">
+        <a:tint val="40000"/>
         <a:alpha val="90000"/>
+      </a:schemeClr>
+      <a:schemeClr val="accent5">
         <a:tint val="40000"/>
+        <a:alpha val="90000"/>
       </a:schemeClr>
     </dgm:fillClrLst>
-    <dgm:linClrLst meth="repeat">
-      <a:schemeClr val="accent1">
+    <dgm:linClrLst>
+      <a:schemeClr val="accent4">
+        <a:tint val="40000"/>
         <a:alpha val="90000"/>
+      </a:schemeClr>
+      <a:schemeClr val="accent5">
         <a:tint val="40000"/>
+        <a:alpha val="90000"/>
       </a:schemeClr>
     </dgm:linClrLst>
     <dgm:effectClrLst/>
@@ -709,16 +738,24 @@
     <dgm:txEffectClrLst/>
   </dgm:styleLbl>
   <dgm:styleLbl name="bgAccFollowNode1">
-    <dgm:fillClrLst meth="repeat">
-      <a:schemeClr val="accent1">
+    <dgm:fillClrLst>
+      <a:schemeClr val="accent4">
+        <a:tint val="40000"/>
         <a:alpha val="90000"/>
+      </a:schemeClr>
+      <a:schemeClr val="accent5">
         <a:tint val="40000"/>
+        <a:alpha val="90000"/>
       </a:schemeClr>
     </dgm:fillClrLst>
-    <dgm:linClrLst meth="repeat">
-      <a:schemeClr val="accent1">
+    <dgm:linClrLst>
+      <a:schemeClr val="accent4">
+        <a:tint val="40000"/>
         <a:alpha val="90000"/>
+      </a:schemeClr>
+      <a:schemeClr val="accent5">
         <a:tint val="40000"/>
+        <a:alpha val="90000"/>
       </a:schemeClr>
     </dgm:linClrLst>
     <dgm:effectClrLst/>
@@ -734,8 +771,8 @@
         <a:alpha val="90000"/>
       </a:schemeClr>
     </dgm:fillClrLst>
-    <dgm:linClrLst meth="repeat">
-      <a:schemeClr val="accent1"/>
+    <dgm:linClrLst>
+      <a:schemeClr val="accent3"/>
     </dgm:linClrLst>
     <dgm:effectClrLst/>
     <dgm:txLinClrLst/>
@@ -750,8 +787,8 @@
         <a:alpha val="90000"/>
       </a:schemeClr>
     </dgm:fillClrLst>
-    <dgm:linClrLst meth="repeat">
-      <a:schemeClr val="accent1"/>
+    <dgm:linClrLst>
+      <a:schemeClr val="accent5"/>
     </dgm:linClrLst>
     <dgm:effectClrLst/>
     <dgm:txLinClrLst/>
@@ -766,8 +803,8 @@
         <a:alpha val="90000"/>
       </a:schemeClr>
     </dgm:fillClrLst>
-    <dgm:linClrLst meth="repeat">
-      <a:schemeClr val="accent1"/>
+    <dgm:linClrLst>
+      <a:schemeClr val="accent6"/>
     </dgm:linClrLst>
     <dgm:effectClrLst/>
     <dgm:txLinClrLst/>
@@ -782,7 +819,7 @@
         <a:alpha val="90000"/>
       </a:schemeClr>
     </dgm:fillClrLst>
-    <dgm:linClrLst meth="repeat">
+    <dgm:linClrLst>
       <a:schemeClr val="accent1"/>
     </dgm:linClrLst>
     <dgm:effectClrLst/>
@@ -794,12 +831,12 @@
   </dgm:styleLbl>
   <dgm:styleLbl name="bgShp">
     <dgm:fillClrLst meth="repeat">
-      <a:schemeClr val="accent1">
+      <a:schemeClr val="accent4">
         <a:tint val="40000"/>
       </a:schemeClr>
     </dgm:fillClrLst>
     <dgm:linClrLst meth="repeat">
-      <a:schemeClr val="accent1"/>
+      <a:schemeClr val="dk1"/>
     </dgm:linClrLst>
     <dgm:effectClrLst/>
     <dgm:txLinClrLst/>
@@ -810,12 +847,12 @@
   </dgm:styleLbl>
   <dgm:styleLbl name="dkBgShp">
     <dgm:fillClrLst meth="repeat">
-      <a:schemeClr val="accent1">
-        <a:shade val="80000"/>
+      <a:schemeClr val="accent4">
+        <a:shade val="90000"/>
       </a:schemeClr>
     </dgm:fillClrLst>
     <dgm:linClrLst meth="repeat">
-      <a:schemeClr val="accent1"/>
+      <a:schemeClr val="dk1"/>
     </dgm:linClrLst>
     <dgm:effectClrLst/>
     <dgm:txLinClrLst/>
@@ -826,13 +863,13 @@
   </dgm:styleLbl>
   <dgm:styleLbl name="trBgShp">
     <dgm:fillClrLst meth="repeat">
-      <a:schemeClr val="accent1">
+      <a:schemeClr val="accent4">
         <a:tint val="50000"/>
         <a:alpha val="40000"/>
       </a:schemeClr>
     </dgm:fillClrLst>
     <dgm:linClrLst meth="repeat">
-      <a:schemeClr val="accent1"/>
+      <a:schemeClr val="accent4"/>
     </dgm:linClrLst>
     <dgm:effectClrLst/>
     <dgm:txLinClrLst/>
@@ -843,8 +880,8 @@
   </dgm:styleLbl>
   <dgm:styleLbl name="fgShp">
     <dgm:fillClrLst meth="repeat">
-      <a:schemeClr val="accent1">
-        <a:tint val="60000"/>
+      <a:schemeClr val="accent4">
+        <a:tint val="40000"/>
       </a:schemeClr>
     </dgm:fillClrLst>
     <dgm:linClrLst meth="repeat">
@@ -882,25 +919,20 @@
 <dgm:dataModel xmlns:dgm="http://schemas.openxmlformats.org/drawingml/2006/diagram" xmlns:a="http://schemas.openxmlformats.org/drawingml/2006/main">
   <dgm:ptLst>
     <dgm:pt modelId="{50A68ACB-36DF-40BF-B63B-69CA303B50FC}" type="doc">
-      <dgm:prSet loTypeId="urn:microsoft.com/office/officeart/2005/8/layout/process2" loCatId="process" qsTypeId="urn:microsoft.com/office/officeart/2005/8/quickstyle/simple1" qsCatId="simple" csTypeId="urn:microsoft.com/office/officeart/2005/8/colors/accent1_2" csCatId="accent1" phldr="1"/>
+      <dgm:prSet loTypeId="urn:microsoft.com/office/officeart/2005/8/layout/process2" loCatId="process" qsTypeId="urn:microsoft.com/office/officeart/2005/8/quickstyle/simple1" qsCatId="simple" csTypeId="urn:microsoft.com/office/officeart/2005/8/colors/colorful4" csCatId="colorful" phldr="1"/>
       <dgm:spPr/>
     </dgm:pt>
     <dgm:pt modelId="{690EC6D6-287E-49C7-AABA-61E7FF51CA91}">
       <dgm:prSet phldrT="[Texto]"/>
-      <dgm:spPr>
-        <a:solidFill>
-          <a:srgbClr val="90AA3C"/>
-        </a:solidFill>
-      </dgm:spPr>
+      <dgm:spPr/>
       <dgm:t>
         <a:bodyPr/>
         <a:lstStyle/>
         <a:p>
           <a:r>
-            <a:rPr lang="pt-BR" dirty="0" smtClean="0"/>
+            <a:rPr lang="pt-BR" dirty="0"/>
             <a:t>Modelo Conceitual</a:t>
           </a:r>
-          <a:endParaRPr lang="pt-BR" dirty="0"/>
         </a:p>
       </dgm:t>
     </dgm:pt>
@@ -917,11 +949,7 @@
     </dgm:pt>
     <dgm:pt modelId="{A7A3B3FB-701B-4A53-B8D6-06EA1C567454}" type="sibTrans" cxnId="{241F6CD4-FCA0-48C6-AEB9-D22CB36C9CD9}">
       <dgm:prSet/>
-      <dgm:spPr>
-        <a:solidFill>
-          <a:srgbClr val="7DD5AB"/>
-        </a:solidFill>
-      </dgm:spPr>
+      <dgm:spPr/>
       <dgm:t>
         <a:bodyPr/>
         <a:lstStyle/>
@@ -932,20 +960,15 @@
     </dgm:pt>
     <dgm:pt modelId="{2439F2C9-9671-4DDD-AB18-5004641B0823}">
       <dgm:prSet phldrT="[Texto]"/>
-      <dgm:spPr>
-        <a:solidFill>
-          <a:srgbClr val="90AA3C"/>
-        </a:solidFill>
-      </dgm:spPr>
+      <dgm:spPr/>
       <dgm:t>
         <a:bodyPr/>
         <a:lstStyle/>
         <a:p>
           <a:r>
-            <a:rPr lang="pt-BR" dirty="0" smtClean="0"/>
+            <a:rPr lang="pt-BR" dirty="0"/>
             <a:t>Modelo Lógico</a:t>
           </a:r>
-          <a:endParaRPr lang="pt-BR" dirty="0"/>
         </a:p>
       </dgm:t>
     </dgm:pt>
@@ -962,11 +985,7 @@
     </dgm:pt>
     <dgm:pt modelId="{0439C27F-ADF3-4D56-914D-CD4833DF8B89}" type="sibTrans" cxnId="{81B505C4-AEF2-4499-A5F8-AF2EBD99E6D3}">
       <dgm:prSet/>
-      <dgm:spPr>
-        <a:solidFill>
-          <a:srgbClr val="7DD5AB"/>
-        </a:solidFill>
-      </dgm:spPr>
+      <dgm:spPr/>
       <dgm:t>
         <a:bodyPr/>
         <a:lstStyle/>
@@ -977,20 +996,15 @@
     </dgm:pt>
     <dgm:pt modelId="{B475D5D5-966C-4F5C-AB6C-C3A3AC2DDDB0}">
       <dgm:prSet phldrT="[Texto]"/>
-      <dgm:spPr>
-        <a:solidFill>
-          <a:srgbClr val="90AA3C"/>
-        </a:solidFill>
-      </dgm:spPr>
+      <dgm:spPr/>
       <dgm:t>
         <a:bodyPr/>
         <a:lstStyle/>
         <a:p>
           <a:r>
-            <a:rPr lang="pt-BR" dirty="0" smtClean="0"/>
+            <a:rPr lang="pt-BR" dirty="0"/>
             <a:t>Modelo Físico</a:t>
           </a:r>
-          <a:endParaRPr lang="pt-BR" dirty="0"/>
         </a:p>
       </dgm:t>
     </dgm:pt>
@@ -1047,13 +1061,6 @@
         </dgm:presLayoutVars>
       </dgm:prSet>
       <dgm:spPr/>
-      <dgm:t>
-        <a:bodyPr/>
-        <a:lstStyle/>
-        <a:p>
-          <a:endParaRPr lang="pt-BR"/>
-        </a:p>
-      </dgm:t>
     </dgm:pt>
     <dgm:pt modelId="{73B91226-3E9A-4A52-815F-511238FE970A}" type="pres">
       <dgm:prSet presAssocID="{0439C27F-ADF3-4D56-914D-CD4833DF8B89}" presName="sibTrans" presStyleLbl="sibTrans2D1" presStyleIdx="1" presStyleCnt="2"/>
@@ -1073,16 +1080,16 @@
     </dgm:pt>
   </dgm:ptLst>
   <dgm:cxnLst>
+    <dgm:cxn modelId="{D9FE2627-A0DD-4E8E-ACEF-815C32F60EA4}" srcId="{50A68ACB-36DF-40BF-B63B-69CA303B50FC}" destId="{B475D5D5-966C-4F5C-AB6C-C3A3AC2DDDB0}" srcOrd="2" destOrd="0" parTransId="{B1C7C836-C7CF-457B-B900-5802E93E18A5}" sibTransId="{76C2644C-E5AB-4F21-B732-5F5B40BB4FB5}"/>
+    <dgm:cxn modelId="{6B14E562-026C-49EF-98BB-F6B19150B63B}" type="presOf" srcId="{0439C27F-ADF3-4D56-914D-CD4833DF8B89}" destId="{DB412759-4EFA-40B7-B72C-A7038BE29F0F}" srcOrd="1" destOrd="0" presId="urn:microsoft.com/office/officeart/2005/8/layout/process2"/>
+    <dgm:cxn modelId="{567A8963-5180-4A8C-968A-BCE5EF047CB5}" type="presOf" srcId="{A7A3B3FB-701B-4A53-B8D6-06EA1C567454}" destId="{4D20C74A-9347-4A0C-A0D0-50AB19E27B00}" srcOrd="1" destOrd="0" presId="urn:microsoft.com/office/officeart/2005/8/layout/process2"/>
+    <dgm:cxn modelId="{F7B02983-6DA4-49DD-BEF4-EE4E28BB363E}" type="presOf" srcId="{50A68ACB-36DF-40BF-B63B-69CA303B50FC}" destId="{344C8044-1B56-48EC-8D27-6C269A3860B8}" srcOrd="0" destOrd="0" presId="urn:microsoft.com/office/officeart/2005/8/layout/process2"/>
+    <dgm:cxn modelId="{24CC6487-7C9F-4BCA-A0F1-C04BD08671D0}" type="presOf" srcId="{690EC6D6-287E-49C7-AABA-61E7FF51CA91}" destId="{58D5694F-A2D5-4789-AFFF-1D11A972640F}" srcOrd="0" destOrd="0" presId="urn:microsoft.com/office/officeart/2005/8/layout/process2"/>
+    <dgm:cxn modelId="{A20BDDB1-8DDD-4235-A0C0-ABA8924CA3FC}" type="presOf" srcId="{2439F2C9-9671-4DDD-AB18-5004641B0823}" destId="{83E645D5-8EFE-4BE4-A604-DF583EB7D1E7}" srcOrd="0" destOrd="0" presId="urn:microsoft.com/office/officeart/2005/8/layout/process2"/>
+    <dgm:cxn modelId="{EB0EE0B7-7A8A-4161-9C4C-C4D48D688CCF}" type="presOf" srcId="{A7A3B3FB-701B-4A53-B8D6-06EA1C567454}" destId="{5F369866-7A7B-4DAE-B6B9-C0288D40CB8B}" srcOrd="0" destOrd="0" presId="urn:microsoft.com/office/officeart/2005/8/layout/process2"/>
+    <dgm:cxn modelId="{81B505C4-AEF2-4499-A5F8-AF2EBD99E6D3}" srcId="{50A68ACB-36DF-40BF-B63B-69CA303B50FC}" destId="{2439F2C9-9671-4DDD-AB18-5004641B0823}" srcOrd="1" destOrd="0" parTransId="{82C73283-E4AC-49F6-A121-9622F1F2135B}" sibTransId="{0439C27F-ADF3-4D56-914D-CD4833DF8B89}"/>
+    <dgm:cxn modelId="{C9AB29CF-C82C-4BDE-896D-DDFC8B891DFD}" type="presOf" srcId="{0439C27F-ADF3-4D56-914D-CD4833DF8B89}" destId="{73B91226-3E9A-4A52-815F-511238FE970A}" srcOrd="0" destOrd="0" presId="urn:microsoft.com/office/officeart/2005/8/layout/process2"/>
     <dgm:cxn modelId="{241F6CD4-FCA0-48C6-AEB9-D22CB36C9CD9}" srcId="{50A68ACB-36DF-40BF-B63B-69CA303B50FC}" destId="{690EC6D6-287E-49C7-AABA-61E7FF51CA91}" srcOrd="0" destOrd="0" parTransId="{4513D146-8FD1-474C-B953-DA0F110E130A}" sibTransId="{A7A3B3FB-701B-4A53-B8D6-06EA1C567454}"/>
-    <dgm:cxn modelId="{81B505C4-AEF2-4499-A5F8-AF2EBD99E6D3}" srcId="{50A68ACB-36DF-40BF-B63B-69CA303B50FC}" destId="{2439F2C9-9671-4DDD-AB18-5004641B0823}" srcOrd="1" destOrd="0" parTransId="{82C73283-E4AC-49F6-A121-9622F1F2135B}" sibTransId="{0439C27F-ADF3-4D56-914D-CD4833DF8B89}"/>
-    <dgm:cxn modelId="{567A8963-5180-4A8C-968A-BCE5EF047CB5}" type="presOf" srcId="{A7A3B3FB-701B-4A53-B8D6-06EA1C567454}" destId="{4D20C74A-9347-4A0C-A0D0-50AB19E27B00}" srcOrd="1" destOrd="0" presId="urn:microsoft.com/office/officeart/2005/8/layout/process2"/>
-    <dgm:cxn modelId="{D9FE2627-A0DD-4E8E-ACEF-815C32F60EA4}" srcId="{50A68ACB-36DF-40BF-B63B-69CA303B50FC}" destId="{B475D5D5-966C-4F5C-AB6C-C3A3AC2DDDB0}" srcOrd="2" destOrd="0" parTransId="{B1C7C836-C7CF-457B-B900-5802E93E18A5}" sibTransId="{76C2644C-E5AB-4F21-B732-5F5B40BB4FB5}"/>
-    <dgm:cxn modelId="{C9AB29CF-C82C-4BDE-896D-DDFC8B891DFD}" type="presOf" srcId="{0439C27F-ADF3-4D56-914D-CD4833DF8B89}" destId="{73B91226-3E9A-4A52-815F-511238FE970A}" srcOrd="0" destOrd="0" presId="urn:microsoft.com/office/officeart/2005/8/layout/process2"/>
-    <dgm:cxn modelId="{EB0EE0B7-7A8A-4161-9C4C-C4D48D688CCF}" type="presOf" srcId="{A7A3B3FB-701B-4A53-B8D6-06EA1C567454}" destId="{5F369866-7A7B-4DAE-B6B9-C0288D40CB8B}" srcOrd="0" destOrd="0" presId="urn:microsoft.com/office/officeart/2005/8/layout/process2"/>
-    <dgm:cxn modelId="{F7B02983-6DA4-49DD-BEF4-EE4E28BB363E}" type="presOf" srcId="{50A68ACB-36DF-40BF-B63B-69CA303B50FC}" destId="{344C8044-1B56-48EC-8D27-6C269A3860B8}" srcOrd="0" destOrd="0" presId="urn:microsoft.com/office/officeart/2005/8/layout/process2"/>
-    <dgm:cxn modelId="{6B14E562-026C-49EF-98BB-F6B19150B63B}" type="presOf" srcId="{0439C27F-ADF3-4D56-914D-CD4833DF8B89}" destId="{DB412759-4EFA-40B7-B72C-A7038BE29F0F}" srcOrd="1" destOrd="0" presId="urn:microsoft.com/office/officeart/2005/8/layout/process2"/>
-    <dgm:cxn modelId="{A20BDDB1-8DDD-4235-A0C0-ABA8924CA3FC}" type="presOf" srcId="{2439F2C9-9671-4DDD-AB18-5004641B0823}" destId="{83E645D5-8EFE-4BE4-A604-DF583EB7D1E7}" srcOrd="0" destOrd="0" presId="urn:microsoft.com/office/officeart/2005/8/layout/process2"/>
-    <dgm:cxn modelId="{24CC6487-7C9F-4BCA-A0F1-C04BD08671D0}" type="presOf" srcId="{690EC6D6-287E-49C7-AABA-61E7FF51CA91}" destId="{58D5694F-A2D5-4789-AFFF-1D11A972640F}" srcOrd="0" destOrd="0" presId="urn:microsoft.com/office/officeart/2005/8/layout/process2"/>
     <dgm:cxn modelId="{D46A43F3-4679-4ED6-82B9-EE210D7DF6F7}" type="presOf" srcId="{B475D5D5-966C-4F5C-AB6C-C3A3AC2DDDB0}" destId="{A419CA9C-27D2-4695-A37C-9068BA28D35B}" srcOrd="0" destOrd="0" presId="urn:microsoft.com/office/officeart/2005/8/layout/process2"/>
     <dgm:cxn modelId="{45D83319-8953-48F4-BEB0-221D581BF218}" type="presParOf" srcId="{344C8044-1B56-48EC-8D27-6C269A3860B8}" destId="{58D5694F-A2D5-4789-AFFF-1D11A972640F}" srcOrd="0" destOrd="0" presId="urn:microsoft.com/office/officeart/2005/8/layout/process2"/>
     <dgm:cxn modelId="{46EAD134-456D-4A3D-96C3-11739D0B769E}" type="presParOf" srcId="{344C8044-1B56-48EC-8D27-6C269A3860B8}" destId="{5F369866-7A7B-4DAE-B6B9-C0288D40CB8B}" srcOrd="1" destOrd="0" presId="urn:microsoft.com/office/officeart/2005/8/layout/process2"/>
@@ -1126,7 +1133,12 @@
           </a:avLst>
         </a:prstGeom>
         <a:solidFill>
-          <a:srgbClr val="90AA3C"/>
+          <a:schemeClr val="accent4">
+            <a:hueOff val="0"/>
+            <a:satOff val="0"/>
+            <a:lumOff val="0"/>
+            <a:alphaOff val="0"/>
+          </a:schemeClr>
         </a:solidFill>
         <a:ln w="12700" cap="flat" cmpd="sng" algn="ctr">
           <a:solidFill>
@@ -1162,7 +1174,7 @@
         </a:bodyPr>
         <a:lstStyle/>
         <a:p>
-          <a:pPr lvl="0" algn="ctr" defTabSz="1778000">
+          <a:pPr marL="0" lvl="0" indent="0" algn="ctr" defTabSz="1778000">
             <a:lnSpc>
               <a:spcPct val="90000"/>
             </a:lnSpc>
@@ -1172,12 +1184,12 @@
             <a:spcAft>
               <a:spcPct val="35000"/>
             </a:spcAft>
+            <a:buNone/>
           </a:pPr>
           <a:r>
-            <a:rPr lang="pt-BR" sz="4000" kern="1200" dirty="0" smtClean="0"/>
+            <a:rPr lang="pt-BR" sz="4000" kern="1200" dirty="0"/>
             <a:t>Modelo Conceitual</a:t>
           </a:r>
-          <a:endParaRPr lang="pt-BR" sz="4000" kern="1200" dirty="0"/>
         </a:p>
       </dsp:txBody>
       <dsp:txXfrm>
@@ -1202,7 +1214,12 @@
           </a:avLst>
         </a:prstGeom>
         <a:solidFill>
-          <a:srgbClr val="7DD5AB"/>
+          <a:schemeClr val="accent4">
+            <a:hueOff val="0"/>
+            <a:satOff val="0"/>
+            <a:lumOff val="0"/>
+            <a:alphaOff val="0"/>
+          </a:schemeClr>
         </a:solidFill>
         <a:ln>
           <a:noFill/>
@@ -1229,7 +1246,7 @@
         </a:bodyPr>
         <a:lstStyle/>
         <a:p>
-          <a:pPr lvl="0" algn="ctr" defTabSz="889000">
+          <a:pPr marL="0" lvl="0" indent="0" algn="ctr" defTabSz="889000">
             <a:lnSpc>
               <a:spcPct val="90000"/>
             </a:lnSpc>
@@ -1239,6 +1256,7 @@
             <a:spcAft>
               <a:spcPct val="35000"/>
             </a:spcAft>
+            <a:buNone/>
           </a:pPr>
           <a:endParaRPr lang="pt-BR" sz="2000" kern="1200"/>
         </a:p>
@@ -1264,7 +1282,12 @@
           </a:avLst>
         </a:prstGeom>
         <a:solidFill>
-          <a:srgbClr val="90AA3C"/>
+          <a:schemeClr val="accent4">
+            <a:hueOff val="5197846"/>
+            <a:satOff val="-23984"/>
+            <a:lumOff val="883"/>
+            <a:alphaOff val="0"/>
+          </a:schemeClr>
         </a:solidFill>
         <a:ln w="12700" cap="flat" cmpd="sng" algn="ctr">
           <a:solidFill>
@@ -1300,7 +1323,7 @@
         </a:bodyPr>
         <a:lstStyle/>
         <a:p>
-          <a:pPr lvl="0" algn="ctr" defTabSz="1733550">
+          <a:pPr marL="0" lvl="0" indent="0" algn="ctr" defTabSz="1733550">
             <a:lnSpc>
               <a:spcPct val="90000"/>
             </a:lnSpc>
@@ -1310,12 +1333,12 @@
             <a:spcAft>
               <a:spcPct val="35000"/>
             </a:spcAft>
+            <a:buNone/>
           </a:pPr>
           <a:r>
-            <a:rPr lang="pt-BR" sz="3900" kern="1200" dirty="0" smtClean="0"/>
+            <a:rPr lang="pt-BR" sz="3900" kern="1200" dirty="0"/>
             <a:t>Modelo Lógico</a:t>
           </a:r>
-          <a:endParaRPr lang="pt-BR" sz="3900" kern="1200" dirty="0"/>
         </a:p>
       </dsp:txBody>
       <dsp:txXfrm>
@@ -1340,7 +1363,12 @@
           </a:avLst>
         </a:prstGeom>
         <a:solidFill>
-          <a:srgbClr val="7DD5AB"/>
+          <a:schemeClr val="accent4">
+            <a:hueOff val="10395692"/>
+            <a:satOff val="-47968"/>
+            <a:lumOff val="1765"/>
+            <a:alphaOff val="0"/>
+          </a:schemeClr>
         </a:solidFill>
         <a:ln>
           <a:noFill/>
@@ -1367,7 +1395,7 @@
         </a:bodyPr>
         <a:lstStyle/>
         <a:p>
-          <a:pPr lvl="0" algn="ctr" defTabSz="889000">
+          <a:pPr marL="0" lvl="0" indent="0" algn="ctr" defTabSz="889000">
             <a:lnSpc>
               <a:spcPct val="90000"/>
             </a:lnSpc>
@@ -1377,6 +1405,7 @@
             <a:spcAft>
               <a:spcPct val="35000"/>
             </a:spcAft>
+            <a:buNone/>
           </a:pPr>
           <a:endParaRPr lang="pt-BR" sz="2000" kern="1200"/>
         </a:p>
@@ -1402,7 +1431,12 @@
           </a:avLst>
         </a:prstGeom>
         <a:solidFill>
-          <a:srgbClr val="90AA3C"/>
+          <a:schemeClr val="accent4">
+            <a:hueOff val="10395692"/>
+            <a:satOff val="-47968"/>
+            <a:lumOff val="1765"/>
+            <a:alphaOff val="0"/>
+          </a:schemeClr>
         </a:solidFill>
         <a:ln w="12700" cap="flat" cmpd="sng" algn="ctr">
           <a:solidFill>
@@ -1438,7 +1472,7 @@
         </a:bodyPr>
         <a:lstStyle/>
         <a:p>
-          <a:pPr lvl="0" algn="ctr" defTabSz="1733550">
+          <a:pPr marL="0" lvl="0" indent="0" algn="ctr" defTabSz="1733550">
             <a:lnSpc>
               <a:spcPct val="90000"/>
             </a:lnSpc>
@@ -1448,12 +1482,12 @@
             <a:spcAft>
               <a:spcPct val="35000"/>
             </a:spcAft>
+            <a:buNone/>
           </a:pPr>
           <a:r>
-            <a:rPr lang="pt-BR" sz="3900" kern="1200" dirty="0" smtClean="0"/>
+            <a:rPr lang="pt-BR" sz="3900" kern="1200" dirty="0"/>
             <a:t>Modelo Físico</a:t>
           </a:r>
-          <a:endParaRPr lang="pt-BR" sz="3900" kern="1200" dirty="0"/>
         </a:p>
       </dsp:txBody>
       <dsp:txXfrm>
@@ -2730,7 +2764,7 @@
           <a:p>
             <a:fld id="{B133922B-4D9C-44BA-8929-9A88D8C173BC}" type="datetimeFigureOut">
               <a:rPr lang="pt-BR" smtClean="0"/>
-              <a:t>24/07/2017</a:t>
+              <a:t>26/07/2017</a:t>
             </a:fld>
             <a:endParaRPr lang="pt-BR"/>
           </a:p>
@@ -2794,38 +2828,37 @@
           <a:p>
             <a:pPr lvl="0"/>
             <a:r>
-              <a:rPr lang="pt-BR" smtClean="0"/>
+              <a:rPr lang="pt-BR"/>
               <a:t>Editar estilos de texto Mestre</a:t>
             </a:r>
           </a:p>
           <a:p>
             <a:pPr lvl="1"/>
             <a:r>
-              <a:rPr lang="pt-BR" smtClean="0"/>
+              <a:rPr lang="pt-BR"/>
               <a:t>Segundo nível</a:t>
             </a:r>
           </a:p>
           <a:p>
             <a:pPr lvl="2"/>
             <a:r>
-              <a:rPr lang="pt-BR" smtClean="0"/>
+              <a:rPr lang="pt-BR"/>
               <a:t>Terceiro nível</a:t>
             </a:r>
           </a:p>
           <a:p>
             <a:pPr lvl="3"/>
             <a:r>
-              <a:rPr lang="pt-BR" smtClean="0"/>
+              <a:rPr lang="pt-BR"/>
               <a:t>Quarto nível</a:t>
             </a:r>
           </a:p>
           <a:p>
             <a:pPr lvl="4"/>
             <a:r>
-              <a:rPr lang="pt-BR" smtClean="0"/>
+              <a:rPr lang="pt-BR"/>
               <a:t>Quinto nível</a:t>
             </a:r>
-            <a:endParaRPr lang="pt-BR"/>
           </a:p>
         </p:txBody>
       </p:sp>
@@ -3060,7 +3093,7 @@
               <a:defRPr/>
             </a:pPr>
             <a:r>
-              <a:rPr lang="pt-BR" sz="1200" kern="1200" dirty="0" smtClean="0">
+              <a:rPr lang="pt-BR" sz="1200" kern="1200" dirty="0">
                 <a:solidFill>
                   <a:schemeClr val="tx1"/>
                 </a:solidFill>
@@ -3172,7 +3205,7 @@
               <a:defRPr/>
             </a:pPr>
             <a:r>
-              <a:rPr lang="pt-BR" sz="1200" kern="1200" dirty="0" smtClean="0">
+              <a:rPr lang="pt-BR" sz="1200" kern="1200" dirty="0">
                 <a:solidFill>
                   <a:schemeClr val="tx1"/>
                 </a:solidFill>
@@ -3284,7 +3317,7 @@
               <a:defRPr/>
             </a:pPr>
             <a:r>
-              <a:rPr lang="pt-BR" sz="1200" kern="1200" dirty="0" smtClean="0">
+              <a:rPr lang="pt-BR" sz="1200" kern="1200" dirty="0">
                 <a:solidFill>
                   <a:schemeClr val="tx1"/>
                 </a:solidFill>
@@ -3396,7 +3429,7 @@
               <a:defRPr/>
             </a:pPr>
             <a:r>
-              <a:rPr lang="pt-BR" sz="1200" kern="1200" dirty="0" smtClean="0">
+              <a:rPr lang="pt-BR" sz="1200" kern="1200" dirty="0">
                 <a:solidFill>
                   <a:schemeClr val="tx1"/>
                 </a:solidFill>
@@ -3508,7 +3541,7 @@
               <a:defRPr/>
             </a:pPr>
             <a:r>
-              <a:rPr lang="pt-BR" sz="1200" kern="1200" dirty="0" smtClean="0">
+              <a:rPr lang="pt-BR" sz="1200" kern="1200" dirty="0">
                 <a:solidFill>
                   <a:schemeClr val="tx1"/>
                 </a:solidFill>
@@ -3620,7 +3653,7 @@
               <a:defRPr/>
             </a:pPr>
             <a:r>
-              <a:rPr lang="pt-BR" sz="1200" kern="1200" dirty="0" smtClean="0">
+              <a:rPr lang="pt-BR" sz="1200" kern="1200" dirty="0">
                 <a:solidFill>
                   <a:schemeClr val="tx1"/>
                 </a:solidFill>
@@ -3732,7 +3765,7 @@
               <a:defRPr/>
             </a:pPr>
             <a:r>
-              <a:rPr lang="pt-BR" sz="1200" kern="1200" dirty="0" smtClean="0">
+              <a:rPr lang="pt-BR" sz="1200" kern="1200" dirty="0">
                 <a:solidFill>
                   <a:schemeClr val="tx1"/>
                 </a:solidFill>
@@ -3773,6 +3806,251 @@
     <p:extLst>
       <p:ext uri="{BB962C8B-B14F-4D97-AF65-F5344CB8AC3E}">
         <p14:creationId xmlns:p14="http://schemas.microsoft.com/office/powerpoint/2010/main" val="1411733111"/>
+      </p:ext>
+    </p:extLst>
+  </p:cSld>
+  <p:clrMapOvr>
+    <a:masterClrMapping/>
+  </p:clrMapOvr>
+</p:notes>
+</file>
+
+<file path=ppt/notesSlides/notesSlide16.xml><?xml version="1.0" encoding="utf-8"?>
+<p:notes xmlns:a="http://schemas.openxmlformats.org/drawingml/2006/main" xmlns:r="http://schemas.openxmlformats.org/officeDocument/2006/relationships" xmlns:p="http://schemas.openxmlformats.org/presentationml/2006/main">
+  <p:cSld>
+    <p:spTree>
+      <p:nvGrpSpPr>
+        <p:cNvPr id="1" name=""/>
+        <p:cNvGrpSpPr/>
+        <p:nvPr/>
+      </p:nvGrpSpPr>
+      <p:grpSpPr>
+        <a:xfrm>
+          <a:off x="0" y="0"/>
+          <a:ext cx="0" cy="0"/>
+          <a:chOff x="0" y="0"/>
+          <a:chExt cx="0" cy="0"/>
+        </a:xfrm>
+      </p:grpSpPr>
+      <p:sp>
+        <p:nvSpPr>
+          <p:cNvPr id="2" name="Espaço Reservado para Imagem de Slide 1"/>
+          <p:cNvSpPr>
+            <a:spLocks noGrp="1" noRot="1" noChangeAspect="1"/>
+          </p:cNvSpPr>
+          <p:nvPr>
+            <p:ph type="sldImg"/>
+          </p:nvPr>
+        </p:nvSpPr>
+        <p:spPr/>
+      </p:sp>
+      <p:sp>
+        <p:nvSpPr>
+          <p:cNvPr id="3" name="Espaço Reservado para Anotações 2"/>
+          <p:cNvSpPr>
+            <a:spLocks noGrp="1"/>
+          </p:cNvSpPr>
+          <p:nvPr>
+            <p:ph type="body" idx="1"/>
+          </p:nvPr>
+        </p:nvSpPr>
+        <p:spPr/>
+        <p:txBody>
+          <a:bodyPr/>
+          <a:lstStyle/>
+          <a:p>
+            <a:pPr marL="0" marR="0" indent="0" algn="l" defTabSz="914400" rtl="0" eaLnBrk="1" fontAlgn="auto" latinLnBrk="0" hangingPunct="1">
+              <a:lnSpc>
+                <a:spcPct val="100000"/>
+              </a:lnSpc>
+              <a:spcBef>
+                <a:spcPts val="0"/>
+              </a:spcBef>
+              <a:spcAft>
+                <a:spcPts val="0"/>
+              </a:spcAft>
+              <a:buClrTx/>
+              <a:buSzTx/>
+              <a:buFontTx/>
+              <a:buNone/>
+              <a:tabLst/>
+              <a:defRPr/>
+            </a:pPr>
+            <a:r>
+              <a:rPr lang="pt-BR" sz="1200" kern="1200" dirty="0">
+                <a:solidFill>
+                  <a:schemeClr val="tx1"/>
+                </a:solidFill>
+                <a:effectLst/>
+                <a:latin typeface="+mn-lt"/>
+                <a:ea typeface="+mn-ea"/>
+                <a:cs typeface="+mn-cs"/>
+              </a:rPr>
+              <a:t>Depende do minimundo</a:t>
+            </a:r>
+            <a:r>
+              <a:rPr lang="pt-BR" sz="1200" kern="1200" baseline="0" dirty="0">
+                <a:solidFill>
+                  <a:schemeClr val="tx1"/>
+                </a:solidFill>
+                <a:effectLst/>
+                <a:latin typeface="+mn-lt"/>
+                <a:ea typeface="+mn-ea"/>
+                <a:cs typeface="+mn-cs"/>
+              </a:rPr>
+              <a:t>. Do contexto do sistema do BD.</a:t>
+            </a:r>
+            <a:endParaRPr lang="pt-BR" sz="1200" kern="1200" dirty="0">
+              <a:solidFill>
+                <a:schemeClr val="tx1"/>
+              </a:solidFill>
+              <a:effectLst/>
+              <a:latin typeface="+mn-lt"/>
+              <a:ea typeface="+mn-ea"/>
+              <a:cs typeface="+mn-cs"/>
+            </a:endParaRPr>
+          </a:p>
+        </p:txBody>
+      </p:sp>
+      <p:sp>
+        <p:nvSpPr>
+          <p:cNvPr id="4" name="Espaço Reservado para Número de Slide 3"/>
+          <p:cNvSpPr>
+            <a:spLocks noGrp="1"/>
+          </p:cNvSpPr>
+          <p:nvPr>
+            <p:ph type="sldNum" sz="quarter" idx="10"/>
+          </p:nvPr>
+        </p:nvSpPr>
+        <p:spPr/>
+        <p:txBody>
+          <a:bodyPr/>
+          <a:lstStyle/>
+          <a:p>
+            <a:fld id="{B01B1A7E-8D18-4E30-BAA7-1D756AD2B49F}" type="slidenum">
+              <a:rPr lang="pt-BR" smtClean="0"/>
+              <a:t>18</a:t>
+            </a:fld>
+            <a:endParaRPr lang="pt-BR"/>
+          </a:p>
+        </p:txBody>
+      </p:sp>
+    </p:spTree>
+    <p:extLst>
+      <p:ext uri="{BB962C8B-B14F-4D97-AF65-F5344CB8AC3E}">
+        <p14:creationId xmlns:p14="http://schemas.microsoft.com/office/powerpoint/2010/main" val="2711497852"/>
+      </p:ext>
+    </p:extLst>
+  </p:cSld>
+  <p:clrMapOvr>
+    <a:masterClrMapping/>
+  </p:clrMapOvr>
+</p:notes>
+</file>
+
+<file path=ppt/notesSlides/notesSlide17.xml><?xml version="1.0" encoding="utf-8"?>
+<p:notes xmlns:a="http://schemas.openxmlformats.org/drawingml/2006/main" xmlns:r="http://schemas.openxmlformats.org/officeDocument/2006/relationships" xmlns:p="http://schemas.openxmlformats.org/presentationml/2006/main">
+  <p:cSld>
+    <p:spTree>
+      <p:nvGrpSpPr>
+        <p:cNvPr id="1" name=""/>
+        <p:cNvGrpSpPr/>
+        <p:nvPr/>
+      </p:nvGrpSpPr>
+      <p:grpSpPr>
+        <a:xfrm>
+          <a:off x="0" y="0"/>
+          <a:ext cx="0" cy="0"/>
+          <a:chOff x="0" y="0"/>
+          <a:chExt cx="0" cy="0"/>
+        </a:xfrm>
+      </p:grpSpPr>
+      <p:sp>
+        <p:nvSpPr>
+          <p:cNvPr id="2" name="Espaço Reservado para Imagem de Slide 1"/>
+          <p:cNvSpPr>
+            <a:spLocks noGrp="1" noRot="1" noChangeAspect="1"/>
+          </p:cNvSpPr>
+          <p:nvPr>
+            <p:ph type="sldImg"/>
+          </p:nvPr>
+        </p:nvSpPr>
+        <p:spPr/>
+      </p:sp>
+      <p:sp>
+        <p:nvSpPr>
+          <p:cNvPr id="3" name="Espaço Reservado para Anotações 2"/>
+          <p:cNvSpPr>
+            <a:spLocks noGrp="1"/>
+          </p:cNvSpPr>
+          <p:nvPr>
+            <p:ph type="body" idx="1"/>
+          </p:nvPr>
+        </p:nvSpPr>
+        <p:spPr/>
+        <p:txBody>
+          <a:bodyPr/>
+          <a:lstStyle/>
+          <a:p>
+            <a:pPr marL="0" marR="0" indent="0" algn="l" defTabSz="914400" rtl="0" eaLnBrk="1" fontAlgn="auto" latinLnBrk="0" hangingPunct="1">
+              <a:lnSpc>
+                <a:spcPct val="100000"/>
+              </a:lnSpc>
+              <a:spcBef>
+                <a:spcPts val="0"/>
+              </a:spcBef>
+              <a:spcAft>
+                <a:spcPts val="0"/>
+              </a:spcAft>
+              <a:buClrTx/>
+              <a:buSzTx/>
+              <a:buFontTx/>
+              <a:buNone/>
+              <a:tabLst/>
+              <a:defRPr/>
+            </a:pPr>
+            <a:r>
+              <a:rPr lang="pt-BR" sz="1200" kern="1200" dirty="0">
+                <a:solidFill>
+                  <a:schemeClr val="tx1"/>
+                </a:solidFill>
+                <a:effectLst/>
+                <a:latin typeface="+mn-lt"/>
+                <a:ea typeface="+mn-ea"/>
+                <a:cs typeface="+mn-cs"/>
+              </a:rPr>
+              <a:t>E é o modelo mais utilizado para o projeto conceitual de aplicações de BD. Muitas ferramentas de projeto de banco de dados fazem uso dos seus conceitos. Até a UML emprega conceitos do ER: diagrama de classe.</a:t>
+            </a:r>
+          </a:p>
+        </p:txBody>
+      </p:sp>
+      <p:sp>
+        <p:nvSpPr>
+          <p:cNvPr id="4" name="Espaço Reservado para Número de Slide 3"/>
+          <p:cNvSpPr>
+            <a:spLocks noGrp="1"/>
+          </p:cNvSpPr>
+          <p:nvPr>
+            <p:ph type="sldNum" sz="quarter" idx="10"/>
+          </p:nvPr>
+        </p:nvSpPr>
+        <p:spPr/>
+        <p:txBody>
+          <a:bodyPr/>
+          <a:lstStyle/>
+          <a:p>
+            <a:fld id="{B01B1A7E-8D18-4E30-BAA7-1D756AD2B49F}" type="slidenum">
+              <a:rPr lang="pt-BR" smtClean="0"/>
+              <a:t>19</a:t>
+            </a:fld>
+            <a:endParaRPr lang="pt-BR"/>
+          </a:p>
+        </p:txBody>
+      </p:sp>
+    </p:spTree>
+    <p:extLst>
+      <p:ext uri="{BB962C8B-B14F-4D97-AF65-F5344CB8AC3E}">
+        <p14:creationId xmlns:p14="http://schemas.microsoft.com/office/powerpoint/2010/main" val="1962103958"/>
       </p:ext>
     </p:extLst>
   </p:cSld>
@@ -3844,7 +4122,7 @@
               <a:defRPr/>
             </a:pPr>
             <a:r>
-              <a:rPr lang="pt-BR" sz="1200" kern="1200" dirty="0" smtClean="0">
+              <a:rPr lang="pt-BR" sz="1200" kern="1200" dirty="0">
                 <a:solidFill>
                   <a:schemeClr val="tx1"/>
                 </a:solidFill>
@@ -3956,7 +4234,7 @@
               <a:defRPr/>
             </a:pPr>
             <a:r>
-              <a:rPr lang="pt-BR" sz="1200" kern="1200" dirty="0" smtClean="0">
+              <a:rPr lang="pt-BR" sz="1200" kern="1200" dirty="0">
                 <a:solidFill>
                   <a:schemeClr val="tx1"/>
                 </a:solidFill>
@@ -4068,7 +4346,7 @@
               <a:defRPr/>
             </a:pPr>
             <a:r>
-              <a:rPr lang="pt-BR" sz="1200" kern="1200" dirty="0" smtClean="0">
+              <a:rPr lang="pt-BR" sz="1200" kern="1200" dirty="0">
                 <a:solidFill>
                   <a:schemeClr val="tx1"/>
                 </a:solidFill>
@@ -4180,7 +4458,7 @@
               <a:defRPr/>
             </a:pPr>
             <a:r>
-              <a:rPr lang="pt-BR" sz="1200" kern="1200" dirty="0" smtClean="0">
+              <a:rPr lang="pt-BR" sz="1200" kern="1200" dirty="0">
                 <a:solidFill>
                   <a:schemeClr val="tx1"/>
                 </a:solidFill>
@@ -4192,7 +4470,7 @@
               <a:t>Conceitual: descrição abstrata, independente de implementação. Usado para entender como o </a:t>
             </a:r>
             <a:r>
-              <a:rPr lang="pt-BR" sz="1200" kern="1200" dirty="0" err="1" smtClean="0">
+              <a:rPr lang="pt-BR" sz="1200" kern="1200" dirty="0" err="1">
                 <a:solidFill>
                   <a:schemeClr val="tx1"/>
                 </a:solidFill>
@@ -4204,7 +4482,7 @@
               <a:t>bd</a:t>
             </a:r>
             <a:r>
-              <a:rPr lang="pt-BR" sz="1200" kern="1200" dirty="0" smtClean="0">
+              <a:rPr lang="pt-BR" sz="1200" kern="1200" dirty="0">
                 <a:solidFill>
                   <a:schemeClr val="tx1"/>
                 </a:solidFill>
@@ -4216,7 +4494,7 @@
               <a:t> será sem se preocupar com detalhes de armazenamento e implementação.</a:t>
             </a:r>
             <a:r>
-              <a:rPr lang="pt-BR" sz="1200" kern="1200" baseline="0" dirty="0" smtClean="0">
+              <a:rPr lang="pt-BR" sz="1200" kern="1200" baseline="0" dirty="0">
                 <a:solidFill>
                   <a:schemeClr val="tx1"/>
                 </a:solidFill>
@@ -4228,7 +4506,7 @@
               <a:t> </a:t>
             </a:r>
             <a:br>
-              <a:rPr lang="pt-BR" sz="1200" kern="1200" baseline="0" dirty="0" smtClean="0">
+              <a:rPr lang="pt-BR" sz="1200" kern="1200" baseline="0" dirty="0">
                 <a:solidFill>
                   <a:schemeClr val="tx1"/>
                 </a:solidFill>
@@ -4239,7 +4517,7 @@
               </a:rPr>
             </a:br>
             <a:r>
-              <a:rPr lang="pt-BR" sz="1200" kern="1200" dirty="0" smtClean="0">
+              <a:rPr lang="pt-BR" sz="1200" kern="1200" dirty="0">
                 <a:solidFill>
                   <a:schemeClr val="tx1"/>
                 </a:solidFill>
@@ -4251,7 +4529,7 @@
               <a:t>Lógico:</a:t>
             </a:r>
             <a:r>
-              <a:rPr lang="pt-BR" sz="1200" kern="1200" baseline="0" dirty="0" smtClean="0">
+              <a:rPr lang="pt-BR" sz="1200" kern="1200" baseline="0" dirty="0">
                 <a:solidFill>
                   <a:schemeClr val="tx1"/>
                 </a:solidFill>
@@ -4263,7 +4541,7 @@
               <a:t> </a:t>
             </a:r>
             <a:r>
-              <a:rPr lang="pt-BR" sz="1200" kern="1200" dirty="0" smtClean="0">
+              <a:rPr lang="pt-BR" sz="1200" kern="1200" dirty="0">
                 <a:solidFill>
                   <a:schemeClr val="tx1"/>
                 </a:solidFill>
@@ -4275,7 +4553,7 @@
               <a:t>ocultam detalhes do armazenamento, mas podem ser implementados em um sistema de computador. Ex.: </a:t>
             </a:r>
             <a:r>
-              <a:rPr lang="pt-BR" sz="1200" kern="1200" baseline="0" dirty="0" smtClean="0">
+              <a:rPr lang="pt-BR" sz="1200" kern="1200" baseline="0" dirty="0">
                 <a:solidFill>
                   <a:schemeClr val="tx1"/>
                 </a:solidFill>
@@ -4287,7 +4565,7 @@
               <a:t>relacional. </a:t>
             </a:r>
             <a:r>
-              <a:rPr lang="pt-BR" sz="1200" b="0" i="0" kern="1200" baseline="0" dirty="0" smtClean="0">
+              <a:rPr lang="pt-BR" sz="1200" b="0" i="0" kern="1200" baseline="0" dirty="0">
                 <a:solidFill>
                   <a:schemeClr val="tx1"/>
                 </a:solidFill>
@@ -4299,7 +4577,7 @@
               <a:t>Normalização, pode ser implementado com um SGBD </a:t>
             </a:r>
             <a:br>
-              <a:rPr lang="pt-BR" sz="1200" b="0" i="0" kern="1200" baseline="0" dirty="0" smtClean="0">
+              <a:rPr lang="pt-BR" sz="1200" b="0" i="0" kern="1200" baseline="0" dirty="0">
                 <a:solidFill>
                   <a:schemeClr val="tx1"/>
                 </a:solidFill>
@@ -4310,7 +4588,7 @@
               </a:rPr>
             </a:br>
             <a:r>
-              <a:rPr lang="pt-BR" sz="1200" kern="1200" dirty="0" smtClean="0">
+              <a:rPr lang="pt-BR" sz="1200" kern="1200" dirty="0">
                 <a:solidFill>
                   <a:schemeClr val="tx1"/>
                 </a:solidFill>
@@ -4322,7 +4600,7 @@
               <a:t>Físicos: oferecem conceitos que descrevem os detalhes de como os dados são armazenados no computador.</a:t>
             </a:r>
             <a:r>
-              <a:rPr lang="pt-BR" sz="1200" kern="1200" baseline="0" dirty="0" smtClean="0">
+              <a:rPr lang="pt-BR" sz="1200" kern="1200" baseline="0" dirty="0">
                 <a:solidFill>
                   <a:schemeClr val="tx1"/>
                 </a:solidFill>
@@ -4334,7 +4612,7 @@
               <a:t> </a:t>
             </a:r>
             <a:r>
-              <a:rPr lang="pt-BR" sz="1200" kern="1200" dirty="0" smtClean="0">
+              <a:rPr lang="pt-BR" sz="1200" kern="1200" dirty="0">
                 <a:solidFill>
                   <a:schemeClr val="tx1"/>
                 </a:solidFill>
@@ -4364,7 +4642,7 @@
               <a:tabLst/>
               <a:defRPr/>
             </a:pPr>
-            <a:endParaRPr lang="pt-BR" sz="1200" b="0" i="0" kern="1200" dirty="0" smtClean="0">
+            <a:endParaRPr lang="pt-BR" sz="1200" b="0" i="0" kern="1200" dirty="0">
               <a:solidFill>
                 <a:schemeClr val="tx1"/>
               </a:solidFill>
@@ -4392,7 +4670,7 @@
               <a:tabLst/>
               <a:defRPr/>
             </a:pPr>
-            <a:endParaRPr lang="pt-BR" sz="1200" kern="1200" dirty="0" smtClean="0">
+            <a:endParaRPr lang="pt-BR" sz="1200" kern="1200" dirty="0">
               <a:solidFill>
                 <a:schemeClr val="tx1"/>
               </a:solidFill>
@@ -4502,7 +4780,7 @@
               <a:defRPr/>
             </a:pPr>
             <a:r>
-              <a:rPr lang="pt-BR" sz="1200" kern="1200" dirty="0" smtClean="0">
+              <a:rPr lang="pt-BR" sz="1200" kern="1200" dirty="0">
                 <a:solidFill>
                   <a:schemeClr val="tx1"/>
                 </a:solidFill>
@@ -4614,7 +4892,7 @@
               <a:defRPr/>
             </a:pPr>
             <a:r>
-              <a:rPr lang="pt-BR" sz="1200" kern="1200" dirty="0" smtClean="0">
+              <a:rPr lang="pt-BR" sz="1200" kern="1200" dirty="0">
                 <a:solidFill>
                   <a:schemeClr val="tx1"/>
                 </a:solidFill>
@@ -4726,7 +5004,7 @@
               <a:defRPr/>
             </a:pPr>
             <a:r>
-              <a:rPr lang="pt-BR" sz="1200" kern="1200" dirty="0" smtClean="0">
+              <a:rPr lang="pt-BR" sz="1200" kern="1200" dirty="0">
                 <a:solidFill>
                   <a:schemeClr val="tx1"/>
                 </a:solidFill>
@@ -4838,7 +5116,7 @@
               <a:defRPr/>
             </a:pPr>
             <a:r>
-              <a:rPr lang="pt-BR" sz="1200" kern="1200" dirty="0" smtClean="0">
+              <a:rPr lang="pt-BR" sz="1200" kern="1200" dirty="0">
                 <a:solidFill>
                   <a:schemeClr val="tx1"/>
                 </a:solidFill>
@@ -5008,7 +5286,7 @@
           </a:lstStyle>
           <a:p>
             <a:r>
-              <a:rPr lang="pt-BR" dirty="0" smtClean="0"/>
+              <a:rPr lang="pt-BR" dirty="0"/>
               <a:t>Clique para editar o título mestre</a:t>
             </a:r>
             <a:endParaRPr lang="en-US" dirty="0"/>
@@ -5083,7 +5361,7 @@
           </a:lstStyle>
           <a:p>
             <a:r>
-              <a:rPr lang="pt-BR" dirty="0" smtClean="0"/>
+              <a:rPr lang="pt-BR" dirty="0"/>
               <a:t>Clique para editar o estilo do subtítulo Mestre</a:t>
             </a:r>
             <a:endParaRPr lang="en-US" dirty="0"/>
@@ -5107,7 +5385,7 @@
           <a:p>
             <a:fld id="{5016A1E5-8C4E-445F-8556-EA14A44E4278}" type="datetimeFigureOut">
               <a:rPr lang="pt-BR" smtClean="0"/>
-              <a:t>24/07/2017</a:t>
+              <a:t>26/07/2017</a:t>
             </a:fld>
             <a:endParaRPr lang="pt-BR"/>
           </a:p>
@@ -5195,13 +5473,6 @@
   <p:clrMapOvr>
     <a:masterClrMapping/>
   </p:clrMapOvr>
-  <p:timing>
-    <p:tnLst>
-      <p:par>
-        <p:cTn id="1" dur="indefinite" restart="never" nodeType="tmRoot"/>
-      </p:par>
-    </p:tnLst>
-  </p:timing>
 </p:sldLayout>
 </file>
 
@@ -5238,7 +5509,7 @@
           <a:lstStyle/>
           <a:p>
             <a:r>
-              <a:rPr lang="pt-BR" smtClean="0"/>
+              <a:rPr lang="pt-BR"/>
               <a:t>Clique para editar o título mestre</a:t>
             </a:r>
             <a:endParaRPr lang="en-US" dirty="0"/>
@@ -5262,35 +5533,35 @@
           <a:p>
             <a:pPr lvl="0"/>
             <a:r>
-              <a:rPr lang="pt-BR" smtClean="0"/>
+              <a:rPr lang="pt-BR"/>
               <a:t>Editar estilos de texto Mestre</a:t>
             </a:r>
           </a:p>
           <a:p>
             <a:pPr lvl="1"/>
             <a:r>
-              <a:rPr lang="pt-BR" smtClean="0"/>
+              <a:rPr lang="pt-BR"/>
               <a:t>Segundo nível</a:t>
             </a:r>
           </a:p>
           <a:p>
             <a:pPr lvl="2"/>
             <a:r>
-              <a:rPr lang="pt-BR" smtClean="0"/>
+              <a:rPr lang="pt-BR"/>
               <a:t>Terceiro nível</a:t>
             </a:r>
           </a:p>
           <a:p>
             <a:pPr lvl="3"/>
             <a:r>
-              <a:rPr lang="pt-BR" smtClean="0"/>
+              <a:rPr lang="pt-BR"/>
               <a:t>Quarto nível</a:t>
             </a:r>
           </a:p>
           <a:p>
             <a:pPr lvl="4"/>
             <a:r>
-              <a:rPr lang="pt-BR" smtClean="0"/>
+              <a:rPr lang="pt-BR"/>
               <a:t>Quinto nível</a:t>
             </a:r>
             <a:endParaRPr lang="en-US" dirty="0"/>
@@ -5314,7 +5585,7 @@
           <a:p>
             <a:fld id="{5016A1E5-8C4E-445F-8556-EA14A44E4278}" type="datetimeFigureOut">
               <a:rPr lang="pt-BR" smtClean="0"/>
-              <a:t>24/07/2017</a:t>
+              <a:t>26/07/2017</a:t>
             </a:fld>
             <a:endParaRPr lang="pt-BR"/>
           </a:p>
@@ -5413,7 +5684,7 @@
           <a:lstStyle/>
           <a:p>
             <a:r>
-              <a:rPr lang="pt-BR" smtClean="0"/>
+              <a:rPr lang="pt-BR"/>
               <a:t>Clique para editar o título mestre</a:t>
             </a:r>
             <a:endParaRPr lang="en-US" dirty="0"/>
@@ -5442,35 +5713,35 @@
           <a:p>
             <a:pPr lvl="0"/>
             <a:r>
-              <a:rPr lang="pt-BR" smtClean="0"/>
+              <a:rPr lang="pt-BR"/>
               <a:t>Editar estilos de texto Mestre</a:t>
             </a:r>
           </a:p>
           <a:p>
             <a:pPr lvl="1"/>
             <a:r>
-              <a:rPr lang="pt-BR" smtClean="0"/>
+              <a:rPr lang="pt-BR"/>
               <a:t>Segundo nível</a:t>
             </a:r>
           </a:p>
           <a:p>
             <a:pPr lvl="2"/>
             <a:r>
-              <a:rPr lang="pt-BR" smtClean="0"/>
+              <a:rPr lang="pt-BR"/>
               <a:t>Terceiro nível</a:t>
             </a:r>
           </a:p>
           <a:p>
             <a:pPr lvl="3"/>
             <a:r>
-              <a:rPr lang="pt-BR" smtClean="0"/>
+              <a:rPr lang="pt-BR"/>
               <a:t>Quarto nível</a:t>
             </a:r>
           </a:p>
           <a:p>
             <a:pPr lvl="4"/>
             <a:r>
-              <a:rPr lang="pt-BR" smtClean="0"/>
+              <a:rPr lang="pt-BR"/>
               <a:t>Quinto nível</a:t>
             </a:r>
             <a:endParaRPr lang="en-US" dirty="0"/>
@@ -5494,7 +5765,7 @@
           <a:p>
             <a:fld id="{5016A1E5-8C4E-445F-8556-EA14A44E4278}" type="datetimeFigureOut">
               <a:rPr lang="pt-BR" smtClean="0"/>
-              <a:t>24/07/2017</a:t>
+              <a:t>26/07/2017</a:t>
             </a:fld>
             <a:endParaRPr lang="pt-BR"/>
           </a:p>
@@ -5652,7 +5923,7 @@
           </a:lstStyle>
           <a:p>
             <a:r>
-              <a:rPr lang="pt-BR" dirty="0" smtClean="0"/>
+              <a:rPr lang="pt-BR" dirty="0"/>
               <a:t>Clique para editar o título mestre</a:t>
             </a:r>
             <a:endParaRPr lang="en-US" dirty="0"/>
@@ -5742,35 +6013,35 @@
           <a:p>
             <a:pPr lvl="0"/>
             <a:r>
-              <a:rPr lang="pt-BR" dirty="0" smtClean="0"/>
+              <a:rPr lang="pt-BR" dirty="0"/>
               <a:t>Editar estilos de texto Mestre</a:t>
             </a:r>
           </a:p>
           <a:p>
             <a:pPr lvl="1"/>
             <a:r>
-              <a:rPr lang="pt-BR" dirty="0" smtClean="0"/>
+              <a:rPr lang="pt-BR" dirty="0"/>
               <a:t>Segundo nível</a:t>
             </a:r>
           </a:p>
           <a:p>
             <a:pPr lvl="2"/>
             <a:r>
-              <a:rPr lang="pt-BR" dirty="0" smtClean="0"/>
+              <a:rPr lang="pt-BR" dirty="0"/>
               <a:t>Terceiro nível</a:t>
             </a:r>
           </a:p>
           <a:p>
             <a:pPr lvl="3"/>
             <a:r>
-              <a:rPr lang="pt-BR" dirty="0" smtClean="0"/>
+              <a:rPr lang="pt-BR" dirty="0"/>
               <a:t>Quarto nível</a:t>
             </a:r>
           </a:p>
           <a:p>
             <a:pPr lvl="4"/>
             <a:r>
-              <a:rPr lang="pt-BR" dirty="0" smtClean="0"/>
+              <a:rPr lang="pt-BR" dirty="0"/>
               <a:t>Quinto nível</a:t>
             </a:r>
             <a:endParaRPr lang="en-US" dirty="0"/>
@@ -5794,7 +6065,7 @@
           <a:p>
             <a:fld id="{5016A1E5-8C4E-445F-8556-EA14A44E4278}" type="datetimeFigureOut">
               <a:rPr lang="pt-BR" smtClean="0"/>
-              <a:t>24/07/2017</a:t>
+              <a:t>26/07/2017</a:t>
             </a:fld>
             <a:endParaRPr lang="pt-BR"/>
           </a:p>
@@ -5882,13 +6153,6 @@
   <p:clrMapOvr>
     <a:masterClrMapping/>
   </p:clrMapOvr>
-  <p:timing>
-    <p:tnLst>
-      <p:par>
-        <p:cTn id="1" dur="indefinite" restart="never" nodeType="tmRoot"/>
-      </p:par>
-    </p:tnLst>
-  </p:timing>
 </p:sldLayout>
 </file>
 
@@ -5934,7 +6198,7 @@
           </a:lstStyle>
           <a:p>
             <a:r>
-              <a:rPr lang="pt-BR" smtClean="0"/>
+              <a:rPr lang="pt-BR"/>
               <a:t>Clique para editar o título mestre</a:t>
             </a:r>
             <a:endParaRPr lang="en-US" dirty="0"/>
@@ -6054,7 +6318,7 @@
           <a:p>
             <a:pPr lvl="0"/>
             <a:r>
-              <a:rPr lang="pt-BR" smtClean="0"/>
+              <a:rPr lang="pt-BR"/>
               <a:t>Editar estilos de texto Mestre</a:t>
             </a:r>
           </a:p>
@@ -6077,7 +6341,7 @@
           <a:p>
             <a:fld id="{5016A1E5-8C4E-445F-8556-EA14A44E4278}" type="datetimeFigureOut">
               <a:rPr lang="pt-BR" smtClean="0"/>
-              <a:t>24/07/2017</a:t>
+              <a:t>26/07/2017</a:t>
             </a:fld>
             <a:endParaRPr lang="pt-BR"/>
           </a:p>
@@ -6171,7 +6435,7 @@
           <a:lstStyle/>
           <a:p>
             <a:r>
-              <a:rPr lang="pt-BR" smtClean="0"/>
+              <a:rPr lang="pt-BR"/>
               <a:t>Clique para editar o título mestre</a:t>
             </a:r>
             <a:endParaRPr lang="en-US" dirty="0"/>
@@ -6200,35 +6464,35 @@
           <a:p>
             <a:pPr lvl="0"/>
             <a:r>
-              <a:rPr lang="pt-BR" smtClean="0"/>
+              <a:rPr lang="pt-BR"/>
               <a:t>Editar estilos de texto Mestre</a:t>
             </a:r>
           </a:p>
           <a:p>
             <a:pPr lvl="1"/>
             <a:r>
-              <a:rPr lang="pt-BR" smtClean="0"/>
+              <a:rPr lang="pt-BR"/>
               <a:t>Segundo nível</a:t>
             </a:r>
           </a:p>
           <a:p>
             <a:pPr lvl="2"/>
             <a:r>
-              <a:rPr lang="pt-BR" smtClean="0"/>
+              <a:rPr lang="pt-BR"/>
               <a:t>Terceiro nível</a:t>
             </a:r>
           </a:p>
           <a:p>
             <a:pPr lvl="3"/>
             <a:r>
-              <a:rPr lang="pt-BR" smtClean="0"/>
+              <a:rPr lang="pt-BR"/>
               <a:t>Quarto nível</a:t>
             </a:r>
           </a:p>
           <a:p>
             <a:pPr lvl="4"/>
             <a:r>
-              <a:rPr lang="pt-BR" smtClean="0"/>
+              <a:rPr lang="pt-BR"/>
               <a:t>Quinto nível</a:t>
             </a:r>
             <a:endParaRPr lang="en-US" dirty="0"/>
@@ -6257,35 +6521,35 @@
           <a:p>
             <a:pPr lvl="0"/>
             <a:r>
-              <a:rPr lang="pt-BR" smtClean="0"/>
+              <a:rPr lang="pt-BR"/>
               <a:t>Editar estilos de texto Mestre</a:t>
             </a:r>
           </a:p>
           <a:p>
             <a:pPr lvl="1"/>
             <a:r>
-              <a:rPr lang="pt-BR" smtClean="0"/>
+              <a:rPr lang="pt-BR"/>
               <a:t>Segundo nível</a:t>
             </a:r>
           </a:p>
           <a:p>
             <a:pPr lvl="2"/>
             <a:r>
-              <a:rPr lang="pt-BR" smtClean="0"/>
+              <a:rPr lang="pt-BR"/>
               <a:t>Terceiro nível</a:t>
             </a:r>
           </a:p>
           <a:p>
             <a:pPr lvl="3"/>
             <a:r>
-              <a:rPr lang="pt-BR" smtClean="0"/>
+              <a:rPr lang="pt-BR"/>
               <a:t>Quarto nível</a:t>
             </a:r>
           </a:p>
           <a:p>
             <a:pPr lvl="4"/>
             <a:r>
-              <a:rPr lang="pt-BR" smtClean="0"/>
+              <a:rPr lang="pt-BR"/>
               <a:t>Quinto nível</a:t>
             </a:r>
             <a:endParaRPr lang="en-US" dirty="0"/>
@@ -6309,7 +6573,7 @@
           <a:p>
             <a:fld id="{5016A1E5-8C4E-445F-8556-EA14A44E4278}" type="datetimeFigureOut">
               <a:rPr lang="pt-BR" smtClean="0"/>
-              <a:t>24/07/2017</a:t>
+              <a:t>26/07/2017</a:t>
             </a:fld>
             <a:endParaRPr lang="pt-BR"/>
           </a:p>
@@ -6408,7 +6672,7 @@
           <a:lstStyle/>
           <a:p>
             <a:r>
-              <a:rPr lang="pt-BR" smtClean="0"/>
+              <a:rPr lang="pt-BR"/>
               <a:t>Clique para editar o título mestre</a:t>
             </a:r>
             <a:endParaRPr lang="en-US" dirty="0"/>
@@ -6474,7 +6738,7 @@
           <a:p>
             <a:pPr lvl="0"/>
             <a:r>
-              <a:rPr lang="pt-BR" smtClean="0"/>
+              <a:rPr lang="pt-BR"/>
               <a:t>Editar estilos de texto Mestre</a:t>
             </a:r>
           </a:p>
@@ -6502,35 +6766,35 @@
           <a:p>
             <a:pPr lvl="0"/>
             <a:r>
-              <a:rPr lang="pt-BR" smtClean="0"/>
+              <a:rPr lang="pt-BR"/>
               <a:t>Editar estilos de texto Mestre</a:t>
             </a:r>
           </a:p>
           <a:p>
             <a:pPr lvl="1"/>
             <a:r>
-              <a:rPr lang="pt-BR" smtClean="0"/>
+              <a:rPr lang="pt-BR"/>
               <a:t>Segundo nível</a:t>
             </a:r>
           </a:p>
           <a:p>
             <a:pPr lvl="2"/>
             <a:r>
-              <a:rPr lang="pt-BR" smtClean="0"/>
+              <a:rPr lang="pt-BR"/>
               <a:t>Terceiro nível</a:t>
             </a:r>
           </a:p>
           <a:p>
             <a:pPr lvl="3"/>
             <a:r>
-              <a:rPr lang="pt-BR" smtClean="0"/>
+              <a:rPr lang="pt-BR"/>
               <a:t>Quarto nível</a:t>
             </a:r>
           </a:p>
           <a:p>
             <a:pPr lvl="4"/>
             <a:r>
-              <a:rPr lang="pt-BR" smtClean="0"/>
+              <a:rPr lang="pt-BR"/>
               <a:t>Quinto nível</a:t>
             </a:r>
             <a:endParaRPr lang="en-US" dirty="0"/>
@@ -6596,7 +6860,7 @@
           <a:p>
             <a:pPr lvl="0"/>
             <a:r>
-              <a:rPr lang="pt-BR" smtClean="0"/>
+              <a:rPr lang="pt-BR"/>
               <a:t>Editar estilos de texto Mestre</a:t>
             </a:r>
           </a:p>
@@ -6624,35 +6888,35 @@
           <a:p>
             <a:pPr lvl="0"/>
             <a:r>
-              <a:rPr lang="pt-BR" smtClean="0"/>
+              <a:rPr lang="pt-BR"/>
               <a:t>Editar estilos de texto Mestre</a:t>
             </a:r>
           </a:p>
           <a:p>
             <a:pPr lvl="1"/>
             <a:r>
-              <a:rPr lang="pt-BR" smtClean="0"/>
+              <a:rPr lang="pt-BR"/>
               <a:t>Segundo nível</a:t>
             </a:r>
           </a:p>
           <a:p>
             <a:pPr lvl="2"/>
             <a:r>
-              <a:rPr lang="pt-BR" smtClean="0"/>
+              <a:rPr lang="pt-BR"/>
               <a:t>Terceiro nível</a:t>
             </a:r>
           </a:p>
           <a:p>
             <a:pPr lvl="3"/>
             <a:r>
-              <a:rPr lang="pt-BR" smtClean="0"/>
+              <a:rPr lang="pt-BR"/>
               <a:t>Quarto nível</a:t>
             </a:r>
           </a:p>
           <a:p>
             <a:pPr lvl="4"/>
             <a:r>
-              <a:rPr lang="pt-BR" smtClean="0"/>
+              <a:rPr lang="pt-BR"/>
               <a:t>Quinto nível</a:t>
             </a:r>
             <a:endParaRPr lang="en-US" dirty="0"/>
@@ -6676,7 +6940,7 @@
           <a:p>
             <a:fld id="{5016A1E5-8C4E-445F-8556-EA14A44E4278}" type="datetimeFigureOut">
               <a:rPr lang="pt-BR" smtClean="0"/>
-              <a:t>24/07/2017</a:t>
+              <a:t>26/07/2017</a:t>
             </a:fld>
             <a:endParaRPr lang="pt-BR"/>
           </a:p>
@@ -6770,7 +7034,7 @@
           <a:lstStyle/>
           <a:p>
             <a:r>
-              <a:rPr lang="pt-BR" smtClean="0"/>
+              <a:rPr lang="pt-BR"/>
               <a:t>Clique para editar o título mestre</a:t>
             </a:r>
             <a:endParaRPr lang="en-US" dirty="0"/>
@@ -6794,7 +7058,7 @@
           <a:p>
             <a:fld id="{5016A1E5-8C4E-445F-8556-EA14A44E4278}" type="datetimeFigureOut">
               <a:rPr lang="pt-BR" smtClean="0"/>
-              <a:t>24/07/2017</a:t>
+              <a:t>26/07/2017</a:t>
             </a:fld>
             <a:endParaRPr lang="pt-BR"/>
           </a:p>
@@ -6889,7 +7153,7 @@
           <a:p>
             <a:fld id="{5016A1E5-8C4E-445F-8556-EA14A44E4278}" type="datetimeFigureOut">
               <a:rPr lang="pt-BR" smtClean="0"/>
-              <a:t>24/07/2017</a:t>
+              <a:t>26/07/2017</a:t>
             </a:fld>
             <a:endParaRPr lang="pt-BR"/>
           </a:p>
@@ -6947,13 +7211,6 @@
   <p:clrMapOvr>
     <a:masterClrMapping/>
   </p:clrMapOvr>
-  <p:timing>
-    <p:tnLst>
-      <p:par>
-        <p:cTn id="1" dur="indefinite" restart="never" nodeType="tmRoot"/>
-      </p:par>
-    </p:tnLst>
-  </p:timing>
 </p:sldLayout>
 </file>
 
@@ -6999,7 +7256,7 @@
           </a:lstStyle>
           <a:p>
             <a:r>
-              <a:rPr lang="pt-BR" smtClean="0"/>
+              <a:rPr lang="pt-BR"/>
               <a:t>Clique para editar o título mestre</a:t>
             </a:r>
             <a:endParaRPr lang="en-US" dirty="0"/>
@@ -7056,35 +7313,35 @@
           <a:p>
             <a:pPr lvl="0"/>
             <a:r>
-              <a:rPr lang="pt-BR" smtClean="0"/>
+              <a:rPr lang="pt-BR"/>
               <a:t>Editar estilos de texto Mestre</a:t>
             </a:r>
           </a:p>
           <a:p>
             <a:pPr lvl="1"/>
             <a:r>
-              <a:rPr lang="pt-BR" smtClean="0"/>
+              <a:rPr lang="pt-BR"/>
               <a:t>Segundo nível</a:t>
             </a:r>
           </a:p>
           <a:p>
             <a:pPr lvl="2"/>
             <a:r>
-              <a:rPr lang="pt-BR" smtClean="0"/>
+              <a:rPr lang="pt-BR"/>
               <a:t>Terceiro nível</a:t>
             </a:r>
           </a:p>
           <a:p>
             <a:pPr lvl="3"/>
             <a:r>
-              <a:rPr lang="pt-BR" smtClean="0"/>
+              <a:rPr lang="pt-BR"/>
               <a:t>Quarto nível</a:t>
             </a:r>
           </a:p>
           <a:p>
             <a:pPr lvl="4"/>
             <a:r>
-              <a:rPr lang="pt-BR" smtClean="0"/>
+              <a:rPr lang="pt-BR"/>
               <a:t>Quinto nível</a:t>
             </a:r>
             <a:endParaRPr lang="en-US" dirty="0"/>
@@ -7150,7 +7407,7 @@
           <a:p>
             <a:pPr lvl="0"/>
             <a:r>
-              <a:rPr lang="pt-BR" smtClean="0"/>
+              <a:rPr lang="pt-BR"/>
               <a:t>Editar estilos de texto Mestre</a:t>
             </a:r>
           </a:p>
@@ -7173,7 +7430,7 @@
           <a:p>
             <a:fld id="{5016A1E5-8C4E-445F-8556-EA14A44E4278}" type="datetimeFigureOut">
               <a:rPr lang="pt-BR" smtClean="0"/>
-              <a:t>24/07/2017</a:t>
+              <a:t>26/07/2017</a:t>
             </a:fld>
             <a:endParaRPr lang="pt-BR"/>
           </a:p>
@@ -7276,7 +7533,7 @@
           </a:lstStyle>
           <a:p>
             <a:r>
-              <a:rPr lang="pt-BR" smtClean="0"/>
+              <a:rPr lang="pt-BR"/>
               <a:t>Clique para editar o título mestre</a:t>
             </a:r>
             <a:endParaRPr lang="en-US" dirty="0"/>
@@ -7341,7 +7598,7 @@
           </a:lstStyle>
           <a:p>
             <a:r>
-              <a:rPr lang="pt-BR" smtClean="0"/>
+              <a:rPr lang="pt-BR"/>
               <a:t>Clique no ícone para adicionar uma imagem</a:t>
             </a:r>
             <a:endParaRPr lang="en-US" dirty="0"/>
@@ -7407,7 +7664,7 @@
           <a:p>
             <a:pPr lvl="0"/>
             <a:r>
-              <a:rPr lang="pt-BR" smtClean="0"/>
+              <a:rPr lang="pt-BR"/>
               <a:t>Editar estilos de texto Mestre</a:t>
             </a:r>
           </a:p>
@@ -7430,7 +7687,7 @@
           <a:p>
             <a:fld id="{5016A1E5-8C4E-445F-8556-EA14A44E4278}" type="datetimeFigureOut">
               <a:rPr lang="pt-BR" smtClean="0"/>
-              <a:t>24/07/2017</a:t>
+              <a:t>26/07/2017</a:t>
             </a:fld>
             <a:endParaRPr lang="pt-BR"/>
           </a:p>
@@ -7539,7 +7796,7 @@
           <a:lstStyle/>
           <a:p>
             <a:r>
-              <a:rPr lang="pt-BR" smtClean="0"/>
+              <a:rPr lang="pt-BR"/>
               <a:t>Clique para editar o título mestre</a:t>
             </a:r>
             <a:endParaRPr lang="en-US" dirty="0"/>
@@ -7573,35 +7830,35 @@
           <a:p>
             <a:pPr lvl="0"/>
             <a:r>
-              <a:rPr lang="pt-BR" smtClean="0"/>
+              <a:rPr lang="pt-BR"/>
               <a:t>Editar estilos de texto Mestre</a:t>
             </a:r>
           </a:p>
           <a:p>
             <a:pPr lvl="1"/>
             <a:r>
-              <a:rPr lang="pt-BR" smtClean="0"/>
+              <a:rPr lang="pt-BR"/>
               <a:t>Segundo nível</a:t>
             </a:r>
           </a:p>
           <a:p>
             <a:pPr lvl="2"/>
             <a:r>
-              <a:rPr lang="pt-BR" smtClean="0"/>
+              <a:rPr lang="pt-BR"/>
               <a:t>Terceiro nível</a:t>
             </a:r>
           </a:p>
           <a:p>
             <a:pPr lvl="3"/>
             <a:r>
-              <a:rPr lang="pt-BR" smtClean="0"/>
+              <a:rPr lang="pt-BR"/>
               <a:t>Quarto nível</a:t>
             </a:r>
           </a:p>
           <a:p>
             <a:pPr lvl="4"/>
             <a:r>
-              <a:rPr lang="pt-BR" smtClean="0"/>
+              <a:rPr lang="pt-BR"/>
               <a:t>Quinto nível</a:t>
             </a:r>
             <a:endParaRPr lang="en-US" dirty="0"/>
@@ -7643,7 +7900,7 @@
           <a:p>
             <a:fld id="{5016A1E5-8C4E-445F-8556-EA14A44E4278}" type="datetimeFigureOut">
               <a:rPr lang="pt-BR" smtClean="0"/>
-              <a:t>24/07/2017</a:t>
+              <a:t>26/07/2017</a:t>
             </a:fld>
             <a:endParaRPr lang="pt-BR"/>
           </a:p>
@@ -8071,7 +8328,7 @@
           <a:lstStyle/>
           <a:p>
             <a:r>
-              <a:rPr lang="pt-BR" sz="5300" dirty="0" smtClean="0">
+              <a:rPr lang="pt-BR" sz="5300" dirty="0">
                 <a:effectLst>
                   <a:outerShdw blurRad="38100" dist="38100" dir="2700000" algn="tl">
                     <a:srgbClr val="000000">
@@ -8080,31 +8337,7 @@
                   </a:outerShdw>
                 </a:effectLst>
               </a:rPr>
-              <a:t>Modelo </a:t>
-            </a:r>
-            <a:r>
-              <a:rPr lang="pt-BR" sz="5300" dirty="0" smtClean="0">
-                <a:effectLst>
-                  <a:outerShdw blurRad="38100" dist="38100" dir="2700000" algn="tl">
-                    <a:srgbClr val="000000">
-                      <a:alpha val="43137"/>
-                    </a:srgbClr>
-                  </a:outerShdw>
-                </a:effectLst>
-              </a:rPr>
-              <a:t>e</a:t>
-            </a:r>
-            <a:r>
-              <a:rPr lang="pt-BR" sz="5300" dirty="0" smtClean="0">
-                <a:effectLst>
-                  <a:outerShdw blurRad="38100" dist="38100" dir="2700000" algn="tl">
-                    <a:srgbClr val="000000">
-                      <a:alpha val="43137"/>
-                    </a:srgbClr>
-                  </a:outerShdw>
-                </a:effectLst>
-              </a:rPr>
-              <a:t>ntidade-relacionamento</a:t>
+              <a:t>Modelo entidade-relacionamento</a:t>
             </a:r>
             <a:endParaRPr lang="pt-BR" sz="6400" dirty="0">
               <a:effectLst>
@@ -8141,7 +8374,7 @@
           <a:lstStyle/>
           <a:p>
             <a:r>
-              <a:rPr lang="pt-BR" sz="4400" dirty="0" smtClean="0">
+              <a:rPr lang="pt-BR" sz="4400" dirty="0">
                 <a:effectLst>
                   <a:outerShdw blurRad="38100" dist="38100" dir="2700000" algn="tl">
                     <a:srgbClr val="000000">
@@ -8152,15 +8385,6 @@
               </a:rPr>
               <a:t>Lucas Soares de Araujo</a:t>
             </a:r>
-            <a:endParaRPr lang="pt-BR" sz="4400" dirty="0">
-              <a:effectLst>
-                <a:outerShdw blurRad="38100" dist="38100" dir="2700000" algn="tl">
-                  <a:srgbClr val="000000">
-                    <a:alpha val="43137"/>
-                  </a:srgbClr>
-                </a:outerShdw>
-              </a:effectLst>
-            </a:endParaRPr>
           </a:p>
         </p:txBody>
       </p:sp>
@@ -8174,13 +8398,6 @@
   <p:clrMapOvr>
     <a:masterClrMapping/>
   </p:clrMapOvr>
-  <p:timing>
-    <p:tnLst>
-      <p:par>
-        <p:cTn id="1" dur="indefinite" restart="never" nodeType="tmRoot"/>
-      </p:par>
-    </p:tnLst>
-  </p:timing>
 </p:sld>
 </file>
 
@@ -8201,36 +8418,1469 @@
           <a:chExt cx="0" cy="0"/>
         </a:xfrm>
       </p:grpSpPr>
-      <p:pic>
-        <p:nvPicPr>
-          <p:cNvPr id="3" name="Imagem 2"/>
-          <p:cNvPicPr>
-            <a:picLocks noChangeAspect="1"/>
-          </p:cNvPicPr>
+      <p:grpSp>
+        <p:nvGrpSpPr>
+          <p:cNvPr id="67" name="Agrupar 66"/>
+          <p:cNvGrpSpPr/>
           <p:nvPr/>
-        </p:nvPicPr>
-        <p:blipFill>
-          <a:blip r:embed="rId2">
-            <a:extLst>
-              <a:ext uri="{28A0092B-C50C-407E-A947-70E740481C1C}">
-                <a14:useLocalDpi xmlns:a14="http://schemas.microsoft.com/office/drawing/2010/main" val="0"/>
-              </a:ext>
-            </a:extLst>
-          </a:blip>
-          <a:stretch>
-            <a:fillRect/>
-          </a:stretch>
-        </p:blipFill>
-        <p:spPr>
+        </p:nvGrpSpPr>
+        <p:grpSpPr>
           <a:xfrm>
-            <a:off x="2610124" y="131355"/>
-            <a:ext cx="6466143" cy="6625047"/>
+            <a:off x="3135083" y="228600"/>
+            <a:ext cx="5962956" cy="6275310"/>
+            <a:chOff x="3135083" y="217714"/>
+            <a:chExt cx="5962956" cy="6275310"/>
           </a:xfrm>
-          <a:prstGeom prst="rect">
-            <a:avLst/>
-          </a:prstGeom>
-        </p:spPr>
-      </p:pic>
+        </p:grpSpPr>
+        <p:sp>
+          <p:nvSpPr>
+            <p:cNvPr id="2" name="Elipse 1"/>
+            <p:cNvSpPr/>
+            <p:nvPr/>
+          </p:nvSpPr>
+          <p:spPr>
+            <a:xfrm>
+              <a:off x="5159829" y="217714"/>
+              <a:ext cx="1578429" cy="860698"/>
+            </a:xfrm>
+            <a:prstGeom prst="ellipse">
+              <a:avLst/>
+            </a:prstGeom>
+            <a:solidFill>
+              <a:schemeClr val="bg1"/>
+            </a:solidFill>
+            <a:ln>
+              <a:solidFill>
+                <a:schemeClr val="tx1"/>
+              </a:solidFill>
+            </a:ln>
+          </p:spPr>
+          <p:style>
+            <a:lnRef idx="2">
+              <a:schemeClr val="accent1">
+                <a:shade val="50000"/>
+              </a:schemeClr>
+            </a:lnRef>
+            <a:fillRef idx="1">
+              <a:schemeClr val="accent1"/>
+            </a:fillRef>
+            <a:effectRef idx="0">
+              <a:schemeClr val="accent1"/>
+            </a:effectRef>
+            <a:fontRef idx="minor">
+              <a:schemeClr val="lt1"/>
+            </a:fontRef>
+          </p:style>
+          <p:txBody>
+            <a:bodyPr rtlCol="0" anchor="ctr"/>
+            <a:lstStyle/>
+            <a:p>
+              <a:pPr algn="ctr"/>
+              <a:r>
+                <a:rPr lang="pt-BR" sz="1500" dirty="0">
+                  <a:solidFill>
+                    <a:schemeClr val="tx1"/>
+                  </a:solidFill>
+                </a:rPr>
+                <a:t>Minimundo</a:t>
+              </a:r>
+            </a:p>
+          </p:txBody>
+        </p:sp>
+        <p:sp>
+          <p:nvSpPr>
+            <p:cNvPr id="6" name="Retângulo 5"/>
+            <p:cNvSpPr/>
+            <p:nvPr/>
+          </p:nvSpPr>
+          <p:spPr>
+            <a:xfrm>
+              <a:off x="5159829" y="1491343"/>
+              <a:ext cx="1578429" cy="762000"/>
+            </a:xfrm>
+            <a:prstGeom prst="rect">
+              <a:avLst/>
+            </a:prstGeom>
+            <a:solidFill>
+              <a:schemeClr val="bg1"/>
+            </a:solidFill>
+            <a:ln>
+              <a:solidFill>
+                <a:schemeClr val="tx1"/>
+              </a:solidFill>
+            </a:ln>
+          </p:spPr>
+          <p:style>
+            <a:lnRef idx="2">
+              <a:schemeClr val="accent1">
+                <a:shade val="50000"/>
+              </a:schemeClr>
+            </a:lnRef>
+            <a:fillRef idx="1">
+              <a:schemeClr val="accent1"/>
+            </a:fillRef>
+            <a:effectRef idx="0">
+              <a:schemeClr val="accent1"/>
+            </a:effectRef>
+            <a:fontRef idx="minor">
+              <a:schemeClr val="lt1"/>
+            </a:fontRef>
+          </p:style>
+          <p:txBody>
+            <a:bodyPr rtlCol="0" anchor="ctr"/>
+            <a:lstStyle/>
+            <a:p>
+              <a:pPr algn="ctr"/>
+              <a:r>
+                <a:rPr lang="pt-BR" sz="1600" dirty="0">
+                  <a:solidFill>
+                    <a:schemeClr val="tx1"/>
+                  </a:solidFill>
+                </a:rPr>
+                <a:t>Levantamento e Análise das Necessidades</a:t>
+              </a:r>
+            </a:p>
+          </p:txBody>
+        </p:sp>
+        <p:cxnSp>
+          <p:nvCxnSpPr>
+            <p:cNvPr id="8" name="Conector de Seta Reta 7"/>
+            <p:cNvCxnSpPr>
+              <a:endCxn id="6" idx="0"/>
+            </p:cNvCxnSpPr>
+            <p:nvPr/>
+          </p:nvCxnSpPr>
+          <p:spPr>
+            <a:xfrm>
+              <a:off x="5949043" y="1078412"/>
+              <a:ext cx="1" cy="412931"/>
+            </a:xfrm>
+            <a:prstGeom prst="straightConnector1">
+              <a:avLst/>
+            </a:prstGeom>
+            <a:ln>
+              <a:solidFill>
+                <a:schemeClr val="tx1"/>
+              </a:solidFill>
+              <a:tailEnd type="triangle"/>
+            </a:ln>
+          </p:spPr>
+          <p:style>
+            <a:lnRef idx="1">
+              <a:schemeClr val="accent1"/>
+            </a:lnRef>
+            <a:fillRef idx="0">
+              <a:schemeClr val="accent1"/>
+            </a:fillRef>
+            <a:effectRef idx="0">
+              <a:schemeClr val="accent1"/>
+            </a:effectRef>
+            <a:fontRef idx="minor">
+              <a:schemeClr val="tx1"/>
+            </a:fontRef>
+          </p:style>
+        </p:cxnSp>
+        <p:grpSp>
+          <p:nvGrpSpPr>
+            <p:cNvPr id="13" name="Agrupar 12"/>
+            <p:cNvGrpSpPr/>
+            <p:nvPr/>
+          </p:nvGrpSpPr>
+          <p:grpSpPr>
+            <a:xfrm>
+              <a:off x="4212771" y="1872343"/>
+              <a:ext cx="947058" cy="729343"/>
+              <a:chOff x="4212771" y="1872343"/>
+              <a:chExt cx="947058" cy="729343"/>
+            </a:xfrm>
+          </p:grpSpPr>
+          <p:cxnSp>
+            <p:nvCxnSpPr>
+              <p:cNvPr id="10" name="Conector reto 9"/>
+              <p:cNvCxnSpPr>
+                <a:stCxn id="6" idx="1"/>
+              </p:cNvCxnSpPr>
+              <p:nvPr/>
+            </p:nvCxnSpPr>
+            <p:spPr>
+              <a:xfrm flipH="1">
+                <a:off x="4212771" y="1872343"/>
+                <a:ext cx="947058" cy="0"/>
+              </a:xfrm>
+              <a:prstGeom prst="line">
+                <a:avLst/>
+              </a:prstGeom>
+              <a:ln>
+                <a:solidFill>
+                  <a:schemeClr val="tx1"/>
+                </a:solidFill>
+              </a:ln>
+            </p:spPr>
+            <p:style>
+              <a:lnRef idx="1">
+                <a:schemeClr val="accent1"/>
+              </a:lnRef>
+              <a:fillRef idx="0">
+                <a:schemeClr val="accent1"/>
+              </a:fillRef>
+              <a:effectRef idx="0">
+                <a:schemeClr val="accent1"/>
+              </a:effectRef>
+              <a:fontRef idx="minor">
+                <a:schemeClr val="tx1"/>
+              </a:fontRef>
+            </p:style>
+          </p:cxnSp>
+          <p:cxnSp>
+            <p:nvCxnSpPr>
+              <p:cNvPr id="12" name="Conector de Seta Reta 11"/>
+              <p:cNvCxnSpPr/>
+              <p:nvPr/>
+            </p:nvCxnSpPr>
+            <p:spPr>
+              <a:xfrm>
+                <a:off x="4212771" y="1872343"/>
+                <a:ext cx="0" cy="729343"/>
+              </a:xfrm>
+              <a:prstGeom prst="straightConnector1">
+                <a:avLst/>
+              </a:prstGeom>
+              <a:ln>
+                <a:solidFill>
+                  <a:schemeClr val="tx1"/>
+                </a:solidFill>
+                <a:tailEnd type="triangle"/>
+              </a:ln>
+            </p:spPr>
+            <p:style>
+              <a:lnRef idx="1">
+                <a:schemeClr val="accent1"/>
+              </a:lnRef>
+              <a:fillRef idx="0">
+                <a:schemeClr val="accent1"/>
+              </a:fillRef>
+              <a:effectRef idx="0">
+                <a:schemeClr val="accent1"/>
+              </a:effectRef>
+              <a:fontRef idx="minor">
+                <a:schemeClr val="tx1"/>
+              </a:fontRef>
+            </p:style>
+          </p:cxnSp>
+        </p:grpSp>
+        <p:grpSp>
+          <p:nvGrpSpPr>
+            <p:cNvPr id="14" name="Agrupar 13"/>
+            <p:cNvGrpSpPr/>
+            <p:nvPr/>
+          </p:nvGrpSpPr>
+          <p:grpSpPr>
+            <a:xfrm flipH="1">
+              <a:off x="6764924" y="1872342"/>
+              <a:ext cx="947058" cy="729343"/>
+              <a:chOff x="4212771" y="1872343"/>
+              <a:chExt cx="947058" cy="729343"/>
+            </a:xfrm>
+          </p:grpSpPr>
+          <p:cxnSp>
+            <p:nvCxnSpPr>
+              <p:cNvPr id="15" name="Conector reto 14"/>
+              <p:cNvCxnSpPr/>
+              <p:nvPr/>
+            </p:nvCxnSpPr>
+            <p:spPr>
+              <a:xfrm flipH="1">
+                <a:off x="4212771" y="1872343"/>
+                <a:ext cx="947058" cy="0"/>
+              </a:xfrm>
+              <a:prstGeom prst="line">
+                <a:avLst/>
+              </a:prstGeom>
+              <a:ln>
+                <a:solidFill>
+                  <a:schemeClr val="tx1"/>
+                </a:solidFill>
+              </a:ln>
+            </p:spPr>
+            <p:style>
+              <a:lnRef idx="1">
+                <a:schemeClr val="accent1"/>
+              </a:lnRef>
+              <a:fillRef idx="0">
+                <a:schemeClr val="accent1"/>
+              </a:fillRef>
+              <a:effectRef idx="0">
+                <a:schemeClr val="accent1"/>
+              </a:effectRef>
+              <a:fontRef idx="minor">
+                <a:schemeClr val="tx1"/>
+              </a:fontRef>
+            </p:style>
+          </p:cxnSp>
+          <p:cxnSp>
+            <p:nvCxnSpPr>
+              <p:cNvPr id="16" name="Conector de Seta Reta 15"/>
+              <p:cNvCxnSpPr/>
+              <p:nvPr/>
+            </p:nvCxnSpPr>
+            <p:spPr>
+              <a:xfrm>
+                <a:off x="4212771" y="1872343"/>
+                <a:ext cx="0" cy="729343"/>
+              </a:xfrm>
+              <a:prstGeom prst="straightConnector1">
+                <a:avLst/>
+              </a:prstGeom>
+              <a:ln>
+                <a:solidFill>
+                  <a:schemeClr val="tx1"/>
+                </a:solidFill>
+                <a:tailEnd type="triangle"/>
+              </a:ln>
+            </p:spPr>
+            <p:style>
+              <a:lnRef idx="1">
+                <a:schemeClr val="accent1"/>
+              </a:lnRef>
+              <a:fillRef idx="0">
+                <a:schemeClr val="accent1"/>
+              </a:fillRef>
+              <a:effectRef idx="0">
+                <a:schemeClr val="accent1"/>
+              </a:effectRef>
+              <a:fontRef idx="minor">
+                <a:schemeClr val="tx1"/>
+              </a:fontRef>
+            </p:style>
+          </p:cxnSp>
+        </p:grpSp>
+        <p:sp>
+          <p:nvSpPr>
+            <p:cNvPr id="17" name="CaixaDeTexto 16"/>
+            <p:cNvSpPr txBox="1"/>
+            <p:nvPr/>
+          </p:nvSpPr>
+          <p:spPr>
+            <a:xfrm>
+              <a:off x="3145971" y="2599861"/>
+              <a:ext cx="2155371" cy="338554"/>
+            </a:xfrm>
+            <a:prstGeom prst="rect">
+              <a:avLst/>
+            </a:prstGeom>
+            <a:noFill/>
+          </p:spPr>
+          <p:txBody>
+            <a:bodyPr wrap="square" rtlCol="0">
+              <a:spAutoFit/>
+            </a:bodyPr>
+            <a:lstStyle/>
+            <a:p>
+              <a:pPr algn="ctr"/>
+              <a:r>
+                <a:rPr lang="pt-BR" sz="1600" dirty="0"/>
+                <a:t>Requisitos Funcionais</a:t>
+              </a:r>
+            </a:p>
+          </p:txBody>
+        </p:sp>
+        <p:sp>
+          <p:nvSpPr>
+            <p:cNvPr id="18" name="CaixaDeTexto 17"/>
+            <p:cNvSpPr txBox="1"/>
+            <p:nvPr/>
+          </p:nvSpPr>
+          <p:spPr>
+            <a:xfrm>
+              <a:off x="6337964" y="2599861"/>
+              <a:ext cx="2760075" cy="338554"/>
+            </a:xfrm>
+            <a:prstGeom prst="rect">
+              <a:avLst/>
+            </a:prstGeom>
+            <a:noFill/>
+          </p:spPr>
+          <p:txBody>
+            <a:bodyPr wrap="square" rtlCol="0">
+              <a:spAutoFit/>
+            </a:bodyPr>
+            <a:lstStyle/>
+            <a:p>
+              <a:pPr algn="ctr"/>
+              <a:r>
+                <a:rPr lang="pt-BR" sz="1600" dirty="0"/>
+                <a:t>Requisitos do Banco de Dados</a:t>
+              </a:r>
+            </a:p>
+          </p:txBody>
+        </p:sp>
+        <p:sp>
+          <p:nvSpPr>
+            <p:cNvPr id="19" name="Retângulo 18"/>
+            <p:cNvSpPr/>
+            <p:nvPr/>
+          </p:nvSpPr>
+          <p:spPr>
+            <a:xfrm>
+              <a:off x="3287485" y="3211286"/>
+              <a:ext cx="1861458" cy="402771"/>
+            </a:xfrm>
+            <a:prstGeom prst="rect">
+              <a:avLst/>
+            </a:prstGeom>
+            <a:solidFill>
+              <a:schemeClr val="bg1"/>
+            </a:solidFill>
+            <a:ln>
+              <a:solidFill>
+                <a:schemeClr val="tx1"/>
+              </a:solidFill>
+            </a:ln>
+          </p:spPr>
+          <p:style>
+            <a:lnRef idx="2">
+              <a:schemeClr val="accent1">
+                <a:shade val="50000"/>
+              </a:schemeClr>
+            </a:lnRef>
+            <a:fillRef idx="1">
+              <a:schemeClr val="accent1"/>
+            </a:fillRef>
+            <a:effectRef idx="0">
+              <a:schemeClr val="accent1"/>
+            </a:effectRef>
+            <a:fontRef idx="minor">
+              <a:schemeClr val="lt1"/>
+            </a:fontRef>
+          </p:style>
+          <p:txBody>
+            <a:bodyPr rtlCol="0" anchor="ctr"/>
+            <a:lstStyle/>
+            <a:p>
+              <a:pPr algn="ctr"/>
+              <a:r>
+                <a:rPr lang="pt-BR" sz="1600" dirty="0">
+                  <a:solidFill>
+                    <a:schemeClr val="tx1"/>
+                  </a:solidFill>
+                </a:rPr>
+                <a:t>Análise Funcional</a:t>
+              </a:r>
+            </a:p>
+          </p:txBody>
+        </p:sp>
+        <p:cxnSp>
+          <p:nvCxnSpPr>
+            <p:cNvPr id="30" name="Conector de Seta Reta 29"/>
+            <p:cNvCxnSpPr/>
+            <p:nvPr/>
+          </p:nvCxnSpPr>
+          <p:spPr>
+            <a:xfrm flipH="1">
+              <a:off x="4212770" y="2883984"/>
+              <a:ext cx="1" cy="288000"/>
+            </a:xfrm>
+            <a:prstGeom prst="straightConnector1">
+              <a:avLst/>
+            </a:prstGeom>
+            <a:ln>
+              <a:solidFill>
+                <a:schemeClr val="tx1"/>
+              </a:solidFill>
+              <a:tailEnd type="triangle"/>
+            </a:ln>
+          </p:spPr>
+          <p:style>
+            <a:lnRef idx="1">
+              <a:schemeClr val="accent1"/>
+            </a:lnRef>
+            <a:fillRef idx="0">
+              <a:schemeClr val="accent1"/>
+            </a:fillRef>
+            <a:effectRef idx="0">
+              <a:schemeClr val="accent1"/>
+            </a:effectRef>
+            <a:fontRef idx="minor">
+              <a:schemeClr val="tx1"/>
+            </a:fontRef>
+          </p:style>
+        </p:cxnSp>
+        <p:cxnSp>
+          <p:nvCxnSpPr>
+            <p:cNvPr id="31" name="Conector de Seta Reta 30"/>
+            <p:cNvCxnSpPr/>
+            <p:nvPr/>
+          </p:nvCxnSpPr>
+          <p:spPr>
+            <a:xfrm flipH="1">
+              <a:off x="7701095" y="2899111"/>
+              <a:ext cx="1" cy="288000"/>
+            </a:xfrm>
+            <a:prstGeom prst="straightConnector1">
+              <a:avLst/>
+            </a:prstGeom>
+            <a:ln>
+              <a:solidFill>
+                <a:schemeClr val="tx1"/>
+              </a:solidFill>
+              <a:tailEnd type="triangle"/>
+            </a:ln>
+          </p:spPr>
+          <p:style>
+            <a:lnRef idx="1">
+              <a:schemeClr val="accent1"/>
+            </a:lnRef>
+            <a:fillRef idx="0">
+              <a:schemeClr val="accent1"/>
+            </a:fillRef>
+            <a:effectRef idx="0">
+              <a:schemeClr val="accent1"/>
+            </a:effectRef>
+            <a:fontRef idx="minor">
+              <a:schemeClr val="tx1"/>
+            </a:fontRef>
+          </p:style>
+        </p:cxnSp>
+        <p:sp>
+          <p:nvSpPr>
+            <p:cNvPr id="32" name="Retângulo 31"/>
+            <p:cNvSpPr/>
+            <p:nvPr/>
+          </p:nvSpPr>
+          <p:spPr>
+            <a:xfrm>
+              <a:off x="6786696" y="3211286"/>
+              <a:ext cx="1861458" cy="402771"/>
+            </a:xfrm>
+            <a:prstGeom prst="rect">
+              <a:avLst/>
+            </a:prstGeom>
+            <a:solidFill>
+              <a:schemeClr val="bg1"/>
+            </a:solidFill>
+            <a:ln>
+              <a:solidFill>
+                <a:schemeClr val="tx1"/>
+              </a:solidFill>
+            </a:ln>
+          </p:spPr>
+          <p:style>
+            <a:lnRef idx="2">
+              <a:schemeClr val="accent1">
+                <a:shade val="50000"/>
+              </a:schemeClr>
+            </a:lnRef>
+            <a:fillRef idx="1">
+              <a:schemeClr val="accent1"/>
+            </a:fillRef>
+            <a:effectRef idx="0">
+              <a:schemeClr val="accent1"/>
+            </a:effectRef>
+            <a:fontRef idx="minor">
+              <a:schemeClr val="lt1"/>
+            </a:fontRef>
+          </p:style>
+          <p:txBody>
+            <a:bodyPr rtlCol="0" anchor="ctr"/>
+            <a:lstStyle/>
+            <a:p>
+              <a:pPr algn="ctr"/>
+              <a:r>
+                <a:rPr lang="pt-BR" sz="1600" dirty="0">
+                  <a:solidFill>
+                    <a:schemeClr val="tx1"/>
+                  </a:solidFill>
+                </a:rPr>
+                <a:t>Projeto Conceitual</a:t>
+              </a:r>
+            </a:p>
+          </p:txBody>
+        </p:sp>
+        <p:cxnSp>
+          <p:nvCxnSpPr>
+            <p:cNvPr id="33" name="Conector de Seta Reta 32"/>
+            <p:cNvCxnSpPr/>
+            <p:nvPr/>
+          </p:nvCxnSpPr>
+          <p:spPr>
+            <a:xfrm flipH="1">
+              <a:off x="4212769" y="3618105"/>
+              <a:ext cx="1" cy="288000"/>
+            </a:xfrm>
+            <a:prstGeom prst="straightConnector1">
+              <a:avLst/>
+            </a:prstGeom>
+            <a:ln>
+              <a:solidFill>
+                <a:schemeClr val="tx1"/>
+              </a:solidFill>
+              <a:tailEnd type="triangle"/>
+            </a:ln>
+          </p:spPr>
+          <p:style>
+            <a:lnRef idx="1">
+              <a:schemeClr val="accent1"/>
+            </a:lnRef>
+            <a:fillRef idx="0">
+              <a:schemeClr val="accent1"/>
+            </a:fillRef>
+            <a:effectRef idx="0">
+              <a:schemeClr val="accent1"/>
+            </a:effectRef>
+            <a:fontRef idx="minor">
+              <a:schemeClr val="tx1"/>
+            </a:fontRef>
+          </p:style>
+        </p:cxnSp>
+        <p:cxnSp>
+          <p:nvCxnSpPr>
+            <p:cNvPr id="34" name="Conector de Seta Reta 33"/>
+            <p:cNvCxnSpPr/>
+            <p:nvPr/>
+          </p:nvCxnSpPr>
+          <p:spPr>
+            <a:xfrm flipH="1">
+              <a:off x="7690209" y="3607218"/>
+              <a:ext cx="1" cy="288000"/>
+            </a:xfrm>
+            <a:prstGeom prst="straightConnector1">
+              <a:avLst/>
+            </a:prstGeom>
+            <a:ln>
+              <a:solidFill>
+                <a:schemeClr val="tx1"/>
+              </a:solidFill>
+              <a:tailEnd type="triangle"/>
+            </a:ln>
+          </p:spPr>
+          <p:style>
+            <a:lnRef idx="1">
+              <a:schemeClr val="accent1"/>
+            </a:lnRef>
+            <a:fillRef idx="0">
+              <a:schemeClr val="accent1"/>
+            </a:fillRef>
+            <a:effectRef idx="0">
+              <a:schemeClr val="accent1"/>
+            </a:effectRef>
+            <a:fontRef idx="minor">
+              <a:schemeClr val="tx1"/>
+            </a:fontRef>
+          </p:style>
+        </p:cxnSp>
+        <p:sp>
+          <p:nvSpPr>
+            <p:cNvPr id="35" name="CaixaDeTexto 34"/>
+            <p:cNvSpPr txBox="1"/>
+            <p:nvPr/>
+          </p:nvSpPr>
+          <p:spPr>
+            <a:xfrm>
+              <a:off x="3135083" y="3845825"/>
+              <a:ext cx="2155371" cy="584775"/>
+            </a:xfrm>
+            <a:prstGeom prst="rect">
+              <a:avLst/>
+            </a:prstGeom>
+            <a:noFill/>
+          </p:spPr>
+          <p:txBody>
+            <a:bodyPr wrap="square" rtlCol="0">
+              <a:spAutoFit/>
+            </a:bodyPr>
+            <a:lstStyle/>
+            <a:p>
+              <a:pPr algn="ctr"/>
+              <a:r>
+                <a:rPr lang="pt-BR" sz="1600" dirty="0"/>
+                <a:t>Especificação de</a:t>
+              </a:r>
+              <a:br>
+                <a:rPr lang="pt-BR" sz="1600" dirty="0"/>
+              </a:br>
+              <a:r>
+                <a:rPr lang="pt-BR" sz="1600" dirty="0"/>
+                <a:t>Transações e Rotinas</a:t>
+              </a:r>
+            </a:p>
+          </p:txBody>
+        </p:sp>
+        <p:sp>
+          <p:nvSpPr>
+            <p:cNvPr id="36" name="CaixaDeTexto 35"/>
+            <p:cNvSpPr txBox="1"/>
+            <p:nvPr/>
+          </p:nvSpPr>
+          <p:spPr>
+            <a:xfrm>
+              <a:off x="6519997" y="3845825"/>
+              <a:ext cx="2383970" cy="584775"/>
+            </a:xfrm>
+            <a:prstGeom prst="rect">
+              <a:avLst/>
+            </a:prstGeom>
+            <a:noFill/>
+          </p:spPr>
+          <p:txBody>
+            <a:bodyPr wrap="square" rtlCol="0">
+              <a:spAutoFit/>
+            </a:bodyPr>
+            <a:lstStyle/>
+            <a:p>
+              <a:pPr algn="ctr"/>
+              <a:r>
+                <a:rPr lang="pt-BR" sz="1600" dirty="0"/>
+                <a:t>Esquema Conceitual</a:t>
+              </a:r>
+              <a:br>
+                <a:rPr lang="pt-BR" sz="1600" dirty="0"/>
+              </a:br>
+              <a:r>
+                <a:rPr lang="pt-BR" sz="1600" dirty="0"/>
+                <a:t>Num Modelo de Dados</a:t>
+              </a:r>
+            </a:p>
+          </p:txBody>
+        </p:sp>
+        <p:cxnSp>
+          <p:nvCxnSpPr>
+            <p:cNvPr id="37" name="Conector de Seta Reta 36"/>
+            <p:cNvCxnSpPr/>
+            <p:nvPr/>
+          </p:nvCxnSpPr>
+          <p:spPr>
+            <a:xfrm flipH="1">
+              <a:off x="4212767" y="4399239"/>
+              <a:ext cx="1" cy="288000"/>
+            </a:xfrm>
+            <a:prstGeom prst="straightConnector1">
+              <a:avLst/>
+            </a:prstGeom>
+            <a:ln>
+              <a:solidFill>
+                <a:schemeClr val="tx1"/>
+              </a:solidFill>
+              <a:tailEnd type="triangle"/>
+            </a:ln>
+          </p:spPr>
+          <p:style>
+            <a:lnRef idx="1">
+              <a:schemeClr val="accent1"/>
+            </a:lnRef>
+            <a:fillRef idx="0">
+              <a:schemeClr val="accent1"/>
+            </a:fillRef>
+            <a:effectRef idx="0">
+              <a:schemeClr val="accent1"/>
+            </a:effectRef>
+            <a:fontRef idx="minor">
+              <a:schemeClr val="tx1"/>
+            </a:fontRef>
+          </p:style>
+        </p:cxnSp>
+        <p:cxnSp>
+          <p:nvCxnSpPr>
+            <p:cNvPr id="38" name="Conector de Seta Reta 37"/>
+            <p:cNvCxnSpPr/>
+            <p:nvPr/>
+          </p:nvCxnSpPr>
+          <p:spPr>
+            <a:xfrm flipH="1">
+              <a:off x="7690208" y="4399239"/>
+              <a:ext cx="1" cy="288000"/>
+            </a:xfrm>
+            <a:prstGeom prst="straightConnector1">
+              <a:avLst/>
+            </a:prstGeom>
+            <a:ln>
+              <a:solidFill>
+                <a:schemeClr val="tx1"/>
+              </a:solidFill>
+              <a:tailEnd type="triangle"/>
+            </a:ln>
+          </p:spPr>
+          <p:style>
+            <a:lnRef idx="1">
+              <a:schemeClr val="accent1"/>
+            </a:lnRef>
+            <a:fillRef idx="0">
+              <a:schemeClr val="accent1"/>
+            </a:fillRef>
+            <a:effectRef idx="0">
+              <a:schemeClr val="accent1"/>
+            </a:effectRef>
+            <a:fontRef idx="minor">
+              <a:schemeClr val="tx1"/>
+            </a:fontRef>
+          </p:style>
+        </p:cxnSp>
+        <p:sp>
+          <p:nvSpPr>
+            <p:cNvPr id="39" name="Retângulo 38"/>
+            <p:cNvSpPr/>
+            <p:nvPr/>
+          </p:nvSpPr>
+          <p:spPr>
+            <a:xfrm>
+              <a:off x="3298371" y="4741840"/>
+              <a:ext cx="1861458" cy="402771"/>
+            </a:xfrm>
+            <a:prstGeom prst="rect">
+              <a:avLst/>
+            </a:prstGeom>
+            <a:solidFill>
+              <a:schemeClr val="bg1"/>
+            </a:solidFill>
+            <a:ln>
+              <a:solidFill>
+                <a:schemeClr val="tx1"/>
+              </a:solidFill>
+            </a:ln>
+          </p:spPr>
+          <p:style>
+            <a:lnRef idx="2">
+              <a:schemeClr val="accent1">
+                <a:shade val="50000"/>
+              </a:schemeClr>
+            </a:lnRef>
+            <a:fillRef idx="1">
+              <a:schemeClr val="accent1"/>
+            </a:fillRef>
+            <a:effectRef idx="0">
+              <a:schemeClr val="accent1"/>
+            </a:effectRef>
+            <a:fontRef idx="minor">
+              <a:schemeClr val="lt1"/>
+            </a:fontRef>
+          </p:style>
+          <p:txBody>
+            <a:bodyPr rtlCol="0" anchor="ctr"/>
+            <a:lstStyle/>
+            <a:p>
+              <a:pPr algn="ctr"/>
+              <a:r>
+                <a:rPr lang="pt-BR" sz="1400" dirty="0">
+                  <a:solidFill>
+                    <a:schemeClr val="tx1"/>
+                  </a:solidFill>
+                </a:rPr>
+                <a:t>Projeto dos Programas Aplicativos</a:t>
+              </a:r>
+            </a:p>
+          </p:txBody>
+        </p:sp>
+        <p:sp>
+          <p:nvSpPr>
+            <p:cNvPr id="40" name="Retângulo 39"/>
+            <p:cNvSpPr/>
+            <p:nvPr/>
+          </p:nvSpPr>
+          <p:spPr>
+            <a:xfrm>
+              <a:off x="6781253" y="4741839"/>
+              <a:ext cx="1861458" cy="402771"/>
+            </a:xfrm>
+            <a:prstGeom prst="rect">
+              <a:avLst/>
+            </a:prstGeom>
+            <a:solidFill>
+              <a:schemeClr val="bg1"/>
+            </a:solidFill>
+            <a:ln>
+              <a:solidFill>
+                <a:schemeClr val="tx1"/>
+              </a:solidFill>
+            </a:ln>
+          </p:spPr>
+          <p:style>
+            <a:lnRef idx="2">
+              <a:schemeClr val="accent1">
+                <a:shade val="50000"/>
+              </a:schemeClr>
+            </a:lnRef>
+            <a:fillRef idx="1">
+              <a:schemeClr val="accent1"/>
+            </a:fillRef>
+            <a:effectRef idx="0">
+              <a:schemeClr val="accent1"/>
+            </a:effectRef>
+            <a:fontRef idx="minor">
+              <a:schemeClr val="lt1"/>
+            </a:fontRef>
+          </p:style>
+          <p:txBody>
+            <a:bodyPr rtlCol="0" anchor="ctr"/>
+            <a:lstStyle/>
+            <a:p>
+              <a:pPr algn="ctr"/>
+              <a:r>
+                <a:rPr lang="pt-BR" sz="1400" dirty="0">
+                  <a:solidFill>
+                    <a:schemeClr val="tx1"/>
+                  </a:solidFill>
+                </a:rPr>
+                <a:t>Projeto Lógico do</a:t>
+              </a:r>
+              <a:br>
+                <a:rPr lang="pt-BR" sz="1400" dirty="0">
+                  <a:solidFill>
+                    <a:schemeClr val="tx1"/>
+                  </a:solidFill>
+                </a:rPr>
+              </a:br>
+              <a:r>
+                <a:rPr lang="pt-BR" sz="1400" dirty="0">
+                  <a:solidFill>
+                    <a:schemeClr val="tx1"/>
+                  </a:solidFill>
+                </a:rPr>
+                <a:t>Banco de Dados</a:t>
+              </a:r>
+            </a:p>
+          </p:txBody>
+        </p:sp>
+        <p:cxnSp>
+          <p:nvCxnSpPr>
+            <p:cNvPr id="41" name="Conector de Seta Reta 40"/>
+            <p:cNvCxnSpPr/>
+            <p:nvPr/>
+          </p:nvCxnSpPr>
+          <p:spPr>
+            <a:xfrm flipH="1">
+              <a:off x="7690207" y="5164040"/>
+              <a:ext cx="1" cy="288000"/>
+            </a:xfrm>
+            <a:prstGeom prst="straightConnector1">
+              <a:avLst/>
+            </a:prstGeom>
+            <a:ln>
+              <a:solidFill>
+                <a:schemeClr val="tx1"/>
+              </a:solidFill>
+              <a:tailEnd type="triangle"/>
+            </a:ln>
+          </p:spPr>
+          <p:style>
+            <a:lnRef idx="1">
+              <a:schemeClr val="accent1"/>
+            </a:lnRef>
+            <a:fillRef idx="0">
+              <a:schemeClr val="accent1"/>
+            </a:fillRef>
+            <a:effectRef idx="0">
+              <a:schemeClr val="accent1"/>
+            </a:effectRef>
+            <a:fontRef idx="minor">
+              <a:schemeClr val="tx1"/>
+            </a:fontRef>
+          </p:style>
+        </p:cxnSp>
+        <p:sp>
+          <p:nvSpPr>
+            <p:cNvPr id="42" name="CaixaDeTexto 41"/>
+            <p:cNvSpPr txBox="1"/>
+            <p:nvPr/>
+          </p:nvSpPr>
+          <p:spPr>
+            <a:xfrm>
+              <a:off x="6519997" y="5434500"/>
+              <a:ext cx="2383970" cy="338554"/>
+            </a:xfrm>
+            <a:prstGeom prst="rect">
+              <a:avLst/>
+            </a:prstGeom>
+            <a:noFill/>
+          </p:spPr>
+          <p:txBody>
+            <a:bodyPr wrap="square" rtlCol="0">
+              <a:spAutoFit/>
+            </a:bodyPr>
+            <a:lstStyle/>
+            <a:p>
+              <a:pPr algn="ctr"/>
+              <a:r>
+                <a:rPr lang="pt-BR" sz="1600" dirty="0"/>
+                <a:t>Esquema Lógico</a:t>
+              </a:r>
+            </a:p>
+          </p:txBody>
+        </p:sp>
+        <p:cxnSp>
+          <p:nvCxnSpPr>
+            <p:cNvPr id="43" name="Conector de Seta Reta 42"/>
+            <p:cNvCxnSpPr/>
+            <p:nvPr/>
+          </p:nvCxnSpPr>
+          <p:spPr>
+            <a:xfrm flipH="1">
+              <a:off x="7690206" y="5791367"/>
+              <a:ext cx="1" cy="288000"/>
+            </a:xfrm>
+            <a:prstGeom prst="straightConnector1">
+              <a:avLst/>
+            </a:prstGeom>
+            <a:ln>
+              <a:solidFill>
+                <a:schemeClr val="tx1"/>
+              </a:solidFill>
+              <a:tailEnd type="triangle"/>
+            </a:ln>
+          </p:spPr>
+          <p:style>
+            <a:lnRef idx="1">
+              <a:schemeClr val="accent1"/>
+            </a:lnRef>
+            <a:fillRef idx="0">
+              <a:schemeClr val="accent1"/>
+            </a:fillRef>
+            <a:effectRef idx="0">
+              <a:schemeClr val="accent1"/>
+            </a:effectRef>
+            <a:fontRef idx="minor">
+              <a:schemeClr val="tx1"/>
+            </a:fontRef>
+          </p:style>
+        </p:cxnSp>
+        <p:sp>
+          <p:nvSpPr>
+            <p:cNvPr id="44" name="Retângulo 43"/>
+            <p:cNvSpPr/>
+            <p:nvPr/>
+          </p:nvSpPr>
+          <p:spPr>
+            <a:xfrm>
+              <a:off x="6781253" y="6090253"/>
+              <a:ext cx="1861458" cy="402771"/>
+            </a:xfrm>
+            <a:prstGeom prst="rect">
+              <a:avLst/>
+            </a:prstGeom>
+            <a:solidFill>
+              <a:schemeClr val="bg1"/>
+            </a:solidFill>
+            <a:ln>
+              <a:solidFill>
+                <a:schemeClr val="tx1"/>
+              </a:solidFill>
+            </a:ln>
+          </p:spPr>
+          <p:style>
+            <a:lnRef idx="2">
+              <a:schemeClr val="accent1">
+                <a:shade val="50000"/>
+              </a:schemeClr>
+            </a:lnRef>
+            <a:fillRef idx="1">
+              <a:schemeClr val="accent1"/>
+            </a:fillRef>
+            <a:effectRef idx="0">
+              <a:schemeClr val="accent1"/>
+            </a:effectRef>
+            <a:fontRef idx="minor">
+              <a:schemeClr val="lt1"/>
+            </a:fontRef>
+          </p:style>
+          <p:txBody>
+            <a:bodyPr rtlCol="0" anchor="ctr"/>
+            <a:lstStyle/>
+            <a:p>
+              <a:pPr algn="ctr"/>
+              <a:r>
+                <a:rPr lang="pt-BR" sz="1400" dirty="0">
+                  <a:solidFill>
+                    <a:schemeClr val="tx1"/>
+                  </a:solidFill>
+                </a:rPr>
+                <a:t>Projeto Físico do</a:t>
+              </a:r>
+              <a:br>
+                <a:rPr lang="pt-BR" sz="1400" dirty="0">
+                  <a:solidFill>
+                    <a:schemeClr val="tx1"/>
+                  </a:solidFill>
+                </a:rPr>
+              </a:br>
+              <a:r>
+                <a:rPr lang="pt-BR" sz="1400" dirty="0">
+                  <a:solidFill>
+                    <a:schemeClr val="tx1"/>
+                  </a:solidFill>
+                </a:rPr>
+                <a:t>Banco de Dados</a:t>
+              </a:r>
+            </a:p>
+          </p:txBody>
+        </p:sp>
+        <p:sp>
+          <p:nvSpPr>
+            <p:cNvPr id="45" name="Retângulo 44"/>
+            <p:cNvSpPr/>
+            <p:nvPr/>
+          </p:nvSpPr>
+          <p:spPr>
+            <a:xfrm>
+              <a:off x="3298371" y="6090253"/>
+              <a:ext cx="1861458" cy="402771"/>
+            </a:xfrm>
+            <a:prstGeom prst="rect">
+              <a:avLst/>
+            </a:prstGeom>
+            <a:solidFill>
+              <a:schemeClr val="bg1"/>
+            </a:solidFill>
+            <a:ln>
+              <a:solidFill>
+                <a:schemeClr val="tx1"/>
+              </a:solidFill>
+            </a:ln>
+          </p:spPr>
+          <p:style>
+            <a:lnRef idx="2">
+              <a:schemeClr val="accent1">
+                <a:shade val="50000"/>
+              </a:schemeClr>
+            </a:lnRef>
+            <a:fillRef idx="1">
+              <a:schemeClr val="accent1"/>
+            </a:fillRef>
+            <a:effectRef idx="0">
+              <a:schemeClr val="accent1"/>
+            </a:effectRef>
+            <a:fontRef idx="minor">
+              <a:schemeClr val="lt1"/>
+            </a:fontRef>
+          </p:style>
+          <p:txBody>
+            <a:bodyPr rtlCol="0" anchor="ctr"/>
+            <a:lstStyle/>
+            <a:p>
+              <a:pPr algn="ctr"/>
+              <a:r>
+                <a:rPr lang="pt-BR" sz="1400" dirty="0">
+                  <a:solidFill>
+                    <a:schemeClr val="tx1"/>
+                  </a:solidFill>
+                </a:rPr>
+                <a:t>Implementação de Transações e Rotinas </a:t>
+              </a:r>
+            </a:p>
+          </p:txBody>
+        </p:sp>
+        <p:cxnSp>
+          <p:nvCxnSpPr>
+            <p:cNvPr id="46" name="Conector de Seta Reta 45"/>
+            <p:cNvCxnSpPr/>
+            <p:nvPr/>
+          </p:nvCxnSpPr>
+          <p:spPr>
+            <a:xfrm>
+              <a:off x="4212768" y="5199212"/>
+              <a:ext cx="10888" cy="880155"/>
+            </a:xfrm>
+            <a:prstGeom prst="straightConnector1">
+              <a:avLst/>
+            </a:prstGeom>
+            <a:ln>
+              <a:solidFill>
+                <a:schemeClr val="tx1"/>
+              </a:solidFill>
+              <a:tailEnd type="triangle"/>
+            </a:ln>
+          </p:spPr>
+          <p:style>
+            <a:lnRef idx="1">
+              <a:schemeClr val="accent1"/>
+            </a:lnRef>
+            <a:fillRef idx="0">
+              <a:schemeClr val="accent1"/>
+            </a:fillRef>
+            <a:effectRef idx="0">
+              <a:schemeClr val="accent1"/>
+            </a:effectRef>
+            <a:fontRef idx="minor">
+              <a:schemeClr val="tx1"/>
+            </a:fontRef>
+          </p:style>
+        </p:cxnSp>
+        <p:grpSp>
+          <p:nvGrpSpPr>
+            <p:cNvPr id="56" name="Agrupar 55"/>
+            <p:cNvGrpSpPr/>
+            <p:nvPr/>
+          </p:nvGrpSpPr>
+          <p:grpSpPr>
+            <a:xfrm>
+              <a:off x="4952999" y="4138212"/>
+              <a:ext cx="1811925" cy="2153426"/>
+              <a:chOff x="4952999" y="4138212"/>
+              <a:chExt cx="1811925" cy="2153426"/>
+            </a:xfrm>
+          </p:grpSpPr>
+          <p:cxnSp>
+            <p:nvCxnSpPr>
+              <p:cNvPr id="49" name="Conector reto 48"/>
+              <p:cNvCxnSpPr/>
+              <p:nvPr/>
+            </p:nvCxnSpPr>
+            <p:spPr>
+              <a:xfrm>
+                <a:off x="4952999" y="4138212"/>
+                <a:ext cx="868424" cy="0"/>
+              </a:xfrm>
+              <a:prstGeom prst="line">
+                <a:avLst/>
+              </a:prstGeom>
+              <a:ln>
+                <a:solidFill>
+                  <a:schemeClr val="tx1"/>
+                </a:solidFill>
+              </a:ln>
+            </p:spPr>
+            <p:style>
+              <a:lnRef idx="1">
+                <a:schemeClr val="accent1"/>
+              </a:lnRef>
+              <a:fillRef idx="0">
+                <a:schemeClr val="accent1"/>
+              </a:fillRef>
+              <a:effectRef idx="0">
+                <a:schemeClr val="accent1"/>
+              </a:effectRef>
+              <a:fontRef idx="minor">
+                <a:schemeClr val="tx1"/>
+              </a:fontRef>
+            </p:style>
+          </p:cxnSp>
+          <p:cxnSp>
+            <p:nvCxnSpPr>
+              <p:cNvPr id="53" name="Conector reto 52"/>
+              <p:cNvCxnSpPr/>
+              <p:nvPr/>
+            </p:nvCxnSpPr>
+            <p:spPr>
+              <a:xfrm>
+                <a:off x="5821423" y="4138212"/>
+                <a:ext cx="0" cy="2153426"/>
+              </a:xfrm>
+              <a:prstGeom prst="line">
+                <a:avLst/>
+              </a:prstGeom>
+              <a:ln>
+                <a:solidFill>
+                  <a:schemeClr val="tx1"/>
+                </a:solidFill>
+              </a:ln>
+            </p:spPr>
+            <p:style>
+              <a:lnRef idx="1">
+                <a:schemeClr val="accent1"/>
+              </a:lnRef>
+              <a:fillRef idx="0">
+                <a:schemeClr val="accent1"/>
+              </a:fillRef>
+              <a:effectRef idx="0">
+                <a:schemeClr val="accent1"/>
+              </a:effectRef>
+              <a:fontRef idx="minor">
+                <a:schemeClr val="tx1"/>
+              </a:fontRef>
+            </p:style>
+          </p:cxnSp>
+          <p:cxnSp>
+            <p:nvCxnSpPr>
+              <p:cNvPr id="55" name="Conector de Seta Reta 54"/>
+              <p:cNvCxnSpPr/>
+              <p:nvPr/>
+            </p:nvCxnSpPr>
+            <p:spPr>
+              <a:xfrm>
+                <a:off x="5821423" y="6291638"/>
+                <a:ext cx="943501" cy="0"/>
+              </a:xfrm>
+              <a:prstGeom prst="straightConnector1">
+                <a:avLst/>
+              </a:prstGeom>
+              <a:ln>
+                <a:solidFill>
+                  <a:schemeClr val="tx1"/>
+                </a:solidFill>
+                <a:tailEnd type="triangle"/>
+              </a:ln>
+            </p:spPr>
+            <p:style>
+              <a:lnRef idx="1">
+                <a:schemeClr val="accent1"/>
+              </a:lnRef>
+              <a:fillRef idx="0">
+                <a:schemeClr val="accent1"/>
+              </a:fillRef>
+              <a:effectRef idx="0">
+                <a:schemeClr val="accent1"/>
+              </a:effectRef>
+              <a:fontRef idx="minor">
+                <a:schemeClr val="tx1"/>
+              </a:fontRef>
+            </p:style>
+          </p:cxnSp>
+        </p:grpSp>
+        <p:grpSp>
+          <p:nvGrpSpPr>
+            <p:cNvPr id="63" name="Agrupar 62"/>
+            <p:cNvGrpSpPr/>
+            <p:nvPr/>
+          </p:nvGrpSpPr>
+          <p:grpSpPr>
+            <a:xfrm>
+              <a:off x="5159829" y="4943224"/>
+              <a:ext cx="1872342" cy="660553"/>
+              <a:chOff x="5159829" y="4943224"/>
+              <a:chExt cx="1872342" cy="660553"/>
+            </a:xfrm>
+          </p:grpSpPr>
+          <p:cxnSp>
+            <p:nvCxnSpPr>
+              <p:cNvPr id="58" name="Conector reto 57"/>
+              <p:cNvCxnSpPr/>
+              <p:nvPr/>
+            </p:nvCxnSpPr>
+            <p:spPr>
+              <a:xfrm flipH="1">
+                <a:off x="6204857" y="5603777"/>
+                <a:ext cx="827314" cy="0"/>
+              </a:xfrm>
+              <a:prstGeom prst="line">
+                <a:avLst/>
+              </a:prstGeom>
+              <a:ln>
+                <a:solidFill>
+                  <a:schemeClr val="tx1"/>
+                </a:solidFill>
+              </a:ln>
+            </p:spPr>
+            <p:style>
+              <a:lnRef idx="1">
+                <a:schemeClr val="accent1"/>
+              </a:lnRef>
+              <a:fillRef idx="0">
+                <a:schemeClr val="accent1"/>
+              </a:fillRef>
+              <a:effectRef idx="0">
+                <a:schemeClr val="accent1"/>
+              </a:effectRef>
+              <a:fontRef idx="minor">
+                <a:schemeClr val="tx1"/>
+              </a:fontRef>
+            </p:style>
+          </p:cxnSp>
+          <p:cxnSp>
+            <p:nvCxnSpPr>
+              <p:cNvPr id="60" name="Conector reto 59"/>
+              <p:cNvCxnSpPr/>
+              <p:nvPr/>
+            </p:nvCxnSpPr>
+            <p:spPr>
+              <a:xfrm flipV="1">
+                <a:off x="6216971" y="4943224"/>
+                <a:ext cx="0" cy="660553"/>
+              </a:xfrm>
+              <a:prstGeom prst="line">
+                <a:avLst/>
+              </a:prstGeom>
+              <a:ln>
+                <a:solidFill>
+                  <a:schemeClr val="tx1"/>
+                </a:solidFill>
+              </a:ln>
+            </p:spPr>
+            <p:style>
+              <a:lnRef idx="1">
+                <a:schemeClr val="accent1"/>
+              </a:lnRef>
+              <a:fillRef idx="0">
+                <a:schemeClr val="accent1"/>
+              </a:fillRef>
+              <a:effectRef idx="0">
+                <a:schemeClr val="accent1"/>
+              </a:effectRef>
+              <a:fontRef idx="minor">
+                <a:schemeClr val="tx1"/>
+              </a:fontRef>
+            </p:style>
+          </p:cxnSp>
+          <p:cxnSp>
+            <p:nvCxnSpPr>
+              <p:cNvPr id="62" name="Conector de Seta Reta 61"/>
+              <p:cNvCxnSpPr/>
+              <p:nvPr/>
+            </p:nvCxnSpPr>
+            <p:spPr>
+              <a:xfrm flipH="1">
+                <a:off x="5159829" y="4943224"/>
+                <a:ext cx="1057142" cy="0"/>
+              </a:xfrm>
+              <a:prstGeom prst="straightConnector1">
+                <a:avLst/>
+              </a:prstGeom>
+              <a:ln>
+                <a:solidFill>
+                  <a:schemeClr val="tx1"/>
+                </a:solidFill>
+                <a:tailEnd type="triangle"/>
+              </a:ln>
+            </p:spPr>
+            <p:style>
+              <a:lnRef idx="1">
+                <a:schemeClr val="accent1"/>
+              </a:lnRef>
+              <a:fillRef idx="0">
+                <a:schemeClr val="accent1"/>
+              </a:fillRef>
+              <a:effectRef idx="0">
+                <a:schemeClr val="accent1"/>
+              </a:effectRef>
+              <a:fontRef idx="minor">
+                <a:schemeClr val="tx1"/>
+              </a:fontRef>
+            </p:style>
+          </p:cxnSp>
+        </p:grpSp>
+        <p:cxnSp>
+          <p:nvCxnSpPr>
+            <p:cNvPr id="65" name="Conector de Seta Reta 64"/>
+            <p:cNvCxnSpPr/>
+            <p:nvPr/>
+          </p:nvCxnSpPr>
+          <p:spPr>
+            <a:xfrm flipH="1" flipV="1">
+              <a:off x="5176158" y="6400913"/>
+              <a:ext cx="1562101" cy="10773"/>
+            </a:xfrm>
+            <a:prstGeom prst="straightConnector1">
+              <a:avLst/>
+            </a:prstGeom>
+            <a:ln>
+              <a:solidFill>
+                <a:schemeClr val="tx1"/>
+              </a:solidFill>
+              <a:tailEnd type="triangle"/>
+            </a:ln>
+          </p:spPr>
+          <p:style>
+            <a:lnRef idx="1">
+              <a:schemeClr val="accent1"/>
+            </a:lnRef>
+            <a:fillRef idx="0">
+              <a:schemeClr val="accent1"/>
+            </a:fillRef>
+            <a:effectRef idx="0">
+              <a:schemeClr val="accent1"/>
+            </a:effectRef>
+            <a:fontRef idx="minor">
+              <a:schemeClr val="tx1"/>
+            </a:fontRef>
+          </p:style>
+        </p:cxnSp>
+      </p:grpSp>
     </p:spTree>
     <p:extLst>
       <p:ext uri="{BB962C8B-B14F-4D97-AF65-F5344CB8AC3E}">
@@ -8241,13 +9891,6 @@
   <p:clrMapOvr>
     <a:masterClrMapping/>
   </p:clrMapOvr>
-  <p:timing>
-    <p:tnLst>
-      <p:par>
-        <p:cTn id="1" dur="indefinite" restart="never" nodeType="tmRoot"/>
-      </p:par>
-    </p:tnLst>
-  </p:timing>
 </p:sld>
 </file>
 
@@ -8289,18 +9932,6 @@
           <a:lstStyle/>
           <a:p>
             <a:r>
-              <a:rPr lang="pt-BR" dirty="0" smtClean="0">
-                <a:effectLst>
-                  <a:outerShdw blurRad="38100" dist="38100" dir="2700000" algn="tl">
-                    <a:srgbClr val="000000">
-                      <a:alpha val="43137"/>
-                    </a:srgbClr>
-                  </a:outerShdw>
-                </a:effectLst>
-              </a:rPr>
-              <a:t>Modelo entidade </a:t>
-            </a:r>
-            <a:r>
               <a:rPr lang="pt-BR" dirty="0">
                 <a:effectLst>
                   <a:outerShdw blurRad="38100" dist="38100" dir="2700000" algn="tl">
@@ -8310,29 +9941,8 @@
                   </a:outerShdw>
                 </a:effectLst>
               </a:rPr>
-              <a:t>r</a:t>
-            </a:r>
-            <a:r>
-              <a:rPr lang="pt-BR" dirty="0" smtClean="0">
-                <a:effectLst>
-                  <a:outerShdw blurRad="38100" dist="38100" dir="2700000" algn="tl">
-                    <a:srgbClr val="000000">
-                      <a:alpha val="43137"/>
-                    </a:srgbClr>
-                  </a:outerShdw>
-                </a:effectLst>
-              </a:rPr>
-              <a:t>elacionamento</a:t>
-            </a:r>
-            <a:endParaRPr lang="pt-BR" dirty="0">
-              <a:effectLst>
-                <a:outerShdw blurRad="38100" dist="38100" dir="2700000" algn="tl">
-                  <a:srgbClr val="000000">
-                    <a:alpha val="43137"/>
-                  </a:srgbClr>
-                </a:outerShdw>
-              </a:effectLst>
-            </a:endParaRPr>
+              <a:t>Modelo entidade relacionamento</a:t>
+            </a:r>
           </a:p>
         </p:txBody>
       </p:sp>
@@ -8362,12 +9972,8 @@
               <a:buNone/>
             </a:pPr>
             <a:r>
-              <a:rPr lang="pt-BR" sz="4000" dirty="0" smtClean="0"/>
-              <a:t>“Apesar </a:t>
-            </a:r>
-            <a:r>
               <a:rPr lang="pt-BR" sz="4000" dirty="0"/>
-              <a:t>do modelo ER não ser implementado em </a:t>
+              <a:t>“Apesar do modelo ER não ser implementado em </a:t>
             </a:r>
             <a:r>
               <a:rPr lang="pt-BR" sz="4000" dirty="0" err="1"/>
@@ -8375,36 +9981,27 @@
             </a:r>
             <a:r>
               <a:rPr lang="pt-BR" sz="4000" dirty="0"/>
-              <a:t> ele apresenta um bom ponto de partida para a compreensão entre os elementos existentes em um determinado contexto e as relações entre os mesmo</a:t>
-            </a:r>
-            <a:r>
-              <a:rPr lang="pt-BR" sz="4000" dirty="0" smtClean="0"/>
-              <a:t>.“</a:t>
+              <a:t> ele apresenta um bom ponto de partida para a compreensão entre os elementos existentes em um determinado contexto e as relações entre os mesmo.“</a:t>
             </a:r>
           </a:p>
           <a:p>
             <a:pPr marL="0" indent="0" algn="r">
               <a:buNone/>
             </a:pPr>
-            <a:endParaRPr lang="pt-BR" sz="3800" dirty="0" smtClean="0"/>
+            <a:endParaRPr lang="pt-BR" sz="3800" dirty="0"/>
           </a:p>
           <a:p>
             <a:pPr marL="0" indent="0" algn="r">
               <a:buNone/>
             </a:pPr>
             <a:r>
-              <a:rPr lang="pt-BR" sz="3800" dirty="0" err="1" smtClean="0"/>
+              <a:rPr lang="pt-BR" sz="3800" dirty="0" err="1"/>
               <a:t>Frontino</a:t>
             </a:r>
             <a:r>
-              <a:rPr lang="pt-BR" sz="3800" dirty="0" smtClean="0"/>
-              <a:t> </a:t>
-            </a:r>
-            <a:r>
               <a:rPr lang="pt-BR" sz="3800" dirty="0"/>
-              <a:t>de Medeiros</a:t>
-            </a:r>
-            <a:endParaRPr lang="pt-BR" sz="3800" dirty="0" smtClean="0"/>
+              <a:t> de Medeiros</a:t>
+            </a:r>
           </a:p>
         </p:txBody>
       </p:sp>
@@ -8623,13 +10220,6 @@
   <p:clrMapOvr>
     <a:masterClrMapping/>
   </p:clrMapOvr>
-  <p:timing>
-    <p:tnLst>
-      <p:par>
-        <p:cTn id="1" dur="indefinite" restart="never" nodeType="tmRoot"/>
-      </p:par>
-    </p:tnLst>
-  </p:timing>
 </p:sld>
 </file>
 
@@ -8671,18 +10261,6 @@
           <a:lstStyle/>
           <a:p>
             <a:r>
-              <a:rPr lang="pt-BR" dirty="0" smtClean="0">
-                <a:effectLst>
-                  <a:outerShdw blurRad="38100" dist="38100" dir="2700000" algn="tl">
-                    <a:srgbClr val="000000">
-                      <a:alpha val="43137"/>
-                    </a:srgbClr>
-                  </a:outerShdw>
-                </a:effectLst>
-              </a:rPr>
-              <a:t>Modelo entidade </a:t>
-            </a:r>
-            <a:r>
               <a:rPr lang="pt-BR" dirty="0">
                 <a:effectLst>
                   <a:outerShdw blurRad="38100" dist="38100" dir="2700000" algn="tl">
@@ -8692,29 +10270,8 @@
                   </a:outerShdw>
                 </a:effectLst>
               </a:rPr>
-              <a:t>r</a:t>
-            </a:r>
-            <a:r>
-              <a:rPr lang="pt-BR" dirty="0" smtClean="0">
-                <a:effectLst>
-                  <a:outerShdw blurRad="38100" dist="38100" dir="2700000" algn="tl">
-                    <a:srgbClr val="000000">
-                      <a:alpha val="43137"/>
-                    </a:srgbClr>
-                  </a:outerShdw>
-                </a:effectLst>
-              </a:rPr>
-              <a:t>elacionamento</a:t>
-            </a:r>
-            <a:endParaRPr lang="pt-BR" dirty="0">
-              <a:effectLst>
-                <a:outerShdw blurRad="38100" dist="38100" dir="2700000" algn="tl">
-                  <a:srgbClr val="000000">
-                    <a:alpha val="43137"/>
-                  </a:srgbClr>
-                </a:outerShdw>
-              </a:effectLst>
-            </a:endParaRPr>
+              <a:t>Modelo entidade relacionamento</a:t>
+            </a:r>
           </a:p>
         </p:txBody>
       </p:sp>
@@ -8741,35 +10298,18 @@
           <a:lstStyle/>
           <a:p>
             <a:r>
-              <a:rPr lang="pt-BR" sz="3600" dirty="0" smtClean="0"/>
-              <a:t>Foi criado em 1976 por Peter Chen com base na teoria de banco de dados relacionais de </a:t>
-            </a:r>
-            <a:r>
-              <a:rPr lang="pt-BR" sz="3600" dirty="0" err="1" smtClean="0"/>
-              <a:t>Edigard</a:t>
-            </a:r>
-            <a:r>
-              <a:rPr lang="pt-BR" sz="3600" dirty="0" smtClean="0"/>
-              <a:t> F. </a:t>
-            </a:r>
-            <a:r>
-              <a:rPr lang="pt-BR" sz="3600" dirty="0" err="1" smtClean="0"/>
-              <a:t>Codd</a:t>
-            </a:r>
-            <a:r>
-              <a:rPr lang="pt-BR" sz="3600" dirty="0" smtClean="0"/>
-              <a:t>.</a:t>
-            </a:r>
-          </a:p>
-          <a:p>
-            <a:endParaRPr lang="pt-BR" sz="3600" dirty="0" smtClean="0"/>
-          </a:p>
-          <a:p>
-            <a:r>
-              <a:rPr lang="pt-BR" sz="3600" dirty="0" smtClean="0"/>
+              <a:rPr lang="pt-BR" sz="3600" dirty="0"/>
+              <a:t>Foi criado em 1976 por Peter Chen com base na teoria de banco de dados relacionais.</a:t>
+            </a:r>
+          </a:p>
+          <a:p>
+            <a:endParaRPr lang="pt-BR" sz="3600" dirty="0"/>
+          </a:p>
+          <a:p>
+            <a:r>
+              <a:rPr lang="pt-BR" sz="3600" dirty="0"/>
               <a:t>Pode ser considerado como um padrão de fato para a modelagem conceitual.</a:t>
             </a:r>
-            <a:endParaRPr lang="pt-BR" sz="3600" dirty="0" smtClean="0"/>
           </a:p>
         </p:txBody>
       </p:sp>
@@ -8988,13 +10528,6 @@
   <p:clrMapOvr>
     <a:masterClrMapping/>
   </p:clrMapOvr>
-  <p:timing>
-    <p:tnLst>
-      <p:par>
-        <p:cTn id="1" dur="indefinite" restart="never" nodeType="tmRoot"/>
-      </p:par>
-    </p:tnLst>
-  </p:timing>
 </p:sld>
 </file>
 
@@ -9036,7 +10569,7 @@
           <a:lstStyle/>
           <a:p>
             <a:r>
-              <a:rPr lang="pt-BR" dirty="0" smtClean="0">
+              <a:rPr lang="pt-BR" dirty="0">
                 <a:effectLst>
                   <a:outerShdw blurRad="38100" dist="38100" dir="2700000" algn="tl">
                     <a:srgbClr val="000000">
@@ -9047,15 +10580,6 @@
               </a:rPr>
               <a:t>Hora da questão!</a:t>
             </a:r>
-            <a:endParaRPr lang="pt-BR" dirty="0">
-              <a:effectLst>
-                <a:outerShdw blurRad="38100" dist="38100" dir="2700000" algn="tl">
-                  <a:srgbClr val="000000">
-                    <a:alpha val="43137"/>
-                  </a:srgbClr>
-                </a:outerShdw>
-              </a:effectLst>
-            </a:endParaRPr>
           </a:p>
         </p:txBody>
       </p:sp>
@@ -9077,7 +10601,7 @@
         </p:spPr>
         <p:txBody>
           <a:bodyPr>
-            <a:normAutofit fontScale="92500"/>
+            <a:normAutofit/>
           </a:bodyPr>
           <a:lstStyle/>
           <a:p>
@@ -9085,7 +10609,7 @@
               <a:buNone/>
             </a:pPr>
             <a:r>
-              <a:rPr lang="pt-BR" sz="2200" dirty="0" smtClean="0"/>
+              <a:rPr lang="pt-BR" sz="2200" dirty="0"/>
               <a:t>FCC 2010 DPE-SP – Administrador de Banco de Dados</a:t>
             </a:r>
           </a:p>
@@ -9094,16 +10618,8 @@
               <a:buNone/>
             </a:pPr>
             <a:r>
-              <a:rPr lang="pt-BR" sz="3200" dirty="0" smtClean="0"/>
-              <a:t>O </a:t>
-            </a:r>
-            <a:r>
               <a:rPr lang="pt-BR" sz="3200" dirty="0"/>
-              <a:t>Modelo Entidade-Relacionamento é utilizado </a:t>
-            </a:r>
-            <a:r>
-              <a:rPr lang="pt-BR" sz="3200" dirty="0" smtClean="0"/>
-              <a:t>para:</a:t>
+              <a:t>O Modelo Entidade-Relacionamento é utilizado para:</a:t>
             </a:r>
           </a:p>
           <a:p>
@@ -9111,7 +10627,7 @@
               <a:buNone/>
             </a:pPr>
             <a:r>
-              <a:rPr lang="pt-BR" sz="3200" dirty="0" smtClean="0"/>
+              <a:rPr lang="pt-BR" sz="3200" dirty="0"/>
               <a:t>a) Modelar os processos de negócio;</a:t>
             </a:r>
           </a:p>
@@ -9120,7 +10636,7 @@
               <a:buNone/>
             </a:pPr>
             <a:r>
-              <a:rPr lang="pt-BR" sz="3200" dirty="0" smtClean="0"/>
+              <a:rPr lang="pt-BR" sz="3200" dirty="0"/>
               <a:t>b) Mapear as principais funções de negócio de um sistema;</a:t>
             </a:r>
           </a:p>
@@ -9129,7 +10645,7 @@
               <a:buNone/>
             </a:pPr>
             <a:r>
-              <a:rPr lang="pt-BR" sz="3200" dirty="0" smtClean="0"/>
+              <a:rPr lang="pt-BR" sz="3200" dirty="0"/>
               <a:t>c) Avaliar a necessidade de índices de acesso às estruturas de armazenamento.</a:t>
             </a:r>
           </a:p>
@@ -9138,7 +10654,7 @@
               <a:buNone/>
             </a:pPr>
             <a:r>
-              <a:rPr lang="pt-BR" sz="3200" dirty="0" smtClean="0"/>
+              <a:rPr lang="pt-BR" sz="3200" dirty="0"/>
               <a:t>d) Replicar os dados necessários à execução das funções de negócio do sistema</a:t>
             </a:r>
           </a:p>
@@ -9147,7 +10663,7 @@
               <a:buNone/>
             </a:pPr>
             <a:r>
-              <a:rPr lang="pt-BR" sz="3200" dirty="0" smtClean="0"/>
+              <a:rPr lang="pt-BR" sz="3200" dirty="0"/>
               <a:t>e) Compreender os dados necessários às funções do sistema e obter uma base para o projeto do banco de dados.</a:t>
             </a:r>
           </a:p>
@@ -9398,13 +10914,6 @@
   <p:clrMapOvr>
     <a:masterClrMapping/>
   </p:clrMapOvr>
-  <p:timing>
-    <p:tnLst>
-      <p:par>
-        <p:cTn id="1" dur="indefinite" restart="never" nodeType="tmRoot"/>
-      </p:par>
-    </p:tnLst>
-  </p:timing>
 </p:sld>
 </file>
 
@@ -9446,7 +10955,7 @@
           <a:lstStyle/>
           <a:p>
             <a:r>
-              <a:rPr lang="pt-BR" dirty="0" smtClean="0">
+              <a:rPr lang="pt-BR" dirty="0">
                 <a:effectLst>
                   <a:outerShdw blurRad="38100" dist="38100" dir="2700000" algn="tl">
                     <a:srgbClr val="000000">
@@ -9457,15 +10966,6 @@
               </a:rPr>
               <a:t>Hora da questão!</a:t>
             </a:r>
-            <a:endParaRPr lang="pt-BR" dirty="0">
-              <a:effectLst>
-                <a:outerShdw blurRad="38100" dist="38100" dir="2700000" algn="tl">
-                  <a:srgbClr val="000000">
-                    <a:alpha val="43137"/>
-                  </a:srgbClr>
-                </a:outerShdw>
-              </a:effectLst>
-            </a:endParaRPr>
           </a:p>
         </p:txBody>
       </p:sp>
@@ -9487,7 +10987,7 @@
         </p:spPr>
         <p:txBody>
           <a:bodyPr>
-            <a:normAutofit fontScale="92500"/>
+            <a:normAutofit/>
           </a:bodyPr>
           <a:lstStyle/>
           <a:p>
@@ -9495,7 +10995,7 @@
               <a:buNone/>
             </a:pPr>
             <a:r>
-              <a:rPr lang="pt-BR" sz="2200" dirty="0" smtClean="0"/>
+              <a:rPr lang="pt-BR" sz="2200" dirty="0"/>
               <a:t>FCC 2010 DPE-SP – Administrador de Banco de Dados</a:t>
             </a:r>
           </a:p>
@@ -9504,16 +11004,8 @@
               <a:buNone/>
             </a:pPr>
             <a:r>
-              <a:rPr lang="pt-BR" sz="3200" dirty="0" smtClean="0"/>
-              <a:t>O </a:t>
-            </a:r>
-            <a:r>
               <a:rPr lang="pt-BR" sz="3200" dirty="0"/>
-              <a:t>Modelo Entidade-Relacionamento é utilizado </a:t>
-            </a:r>
-            <a:r>
-              <a:rPr lang="pt-BR" sz="3200" dirty="0" smtClean="0"/>
-              <a:t>para:</a:t>
+              <a:t>O Modelo Entidade-Relacionamento é utilizado para:</a:t>
             </a:r>
           </a:p>
           <a:p>
@@ -9521,11 +11013,11 @@
               <a:buNone/>
             </a:pPr>
             <a:r>
-              <a:rPr lang="pt-BR" sz="3200" dirty="0" smtClean="0"/>
+              <a:rPr lang="pt-BR" sz="3200" dirty="0"/>
               <a:t>a) Modelar os </a:t>
             </a:r>
             <a:r>
-              <a:rPr lang="pt-BR" sz="3200" dirty="0" smtClean="0">
+              <a:rPr lang="pt-BR" sz="3200" dirty="0">
                 <a:solidFill>
                   <a:srgbClr val="FF0000"/>
                 </a:solidFill>
@@ -9533,7 +11025,7 @@
               <a:t>processos de negócio</a:t>
             </a:r>
             <a:r>
-              <a:rPr lang="pt-BR" sz="3200" dirty="0" smtClean="0"/>
+              <a:rPr lang="pt-BR" sz="3200" dirty="0"/>
               <a:t>;</a:t>
             </a:r>
           </a:p>
@@ -9542,11 +11034,11 @@
               <a:buNone/>
             </a:pPr>
             <a:r>
-              <a:rPr lang="pt-BR" sz="3200" dirty="0" smtClean="0"/>
+              <a:rPr lang="pt-BR" sz="3200" dirty="0"/>
               <a:t>b) Mapear as principais </a:t>
             </a:r>
             <a:r>
-              <a:rPr lang="pt-BR" sz="3200" dirty="0" smtClean="0">
+              <a:rPr lang="pt-BR" sz="3200" dirty="0">
                 <a:solidFill>
                   <a:srgbClr val="FF0000"/>
                 </a:solidFill>
@@ -9554,7 +11046,7 @@
               <a:t>funções de negócio </a:t>
             </a:r>
             <a:r>
-              <a:rPr lang="pt-BR" sz="3200" dirty="0" smtClean="0"/>
+              <a:rPr lang="pt-BR" sz="3200" dirty="0"/>
               <a:t>de um sistema;</a:t>
             </a:r>
           </a:p>
@@ -9563,11 +11055,11 @@
               <a:buNone/>
             </a:pPr>
             <a:r>
-              <a:rPr lang="pt-BR" sz="3200" dirty="0" smtClean="0"/>
+              <a:rPr lang="pt-BR" sz="3200" dirty="0"/>
               <a:t>c) Avaliar a necessidade de </a:t>
             </a:r>
             <a:r>
-              <a:rPr lang="pt-BR" sz="3200" dirty="0" smtClean="0">
+              <a:rPr lang="pt-BR" sz="3200" dirty="0">
                 <a:solidFill>
                   <a:srgbClr val="FF0000"/>
                 </a:solidFill>
@@ -9575,7 +11067,7 @@
               <a:t>índices de acesso às estruturas de armazenamento</a:t>
             </a:r>
             <a:r>
-              <a:rPr lang="pt-BR" sz="3200" dirty="0" smtClean="0"/>
+              <a:rPr lang="pt-BR" sz="3200" dirty="0"/>
               <a:t>.</a:t>
             </a:r>
           </a:p>
@@ -9584,11 +11076,11 @@
               <a:buNone/>
             </a:pPr>
             <a:r>
-              <a:rPr lang="pt-BR" sz="3200" dirty="0" smtClean="0"/>
+              <a:rPr lang="pt-BR" sz="3200" dirty="0"/>
               <a:t>d) </a:t>
             </a:r>
             <a:r>
-              <a:rPr lang="pt-BR" sz="3200" dirty="0" smtClean="0">
+              <a:rPr lang="pt-BR" sz="3200" dirty="0">
                 <a:solidFill>
                   <a:srgbClr val="FF0000"/>
                 </a:solidFill>
@@ -9596,7 +11088,7 @@
               <a:t>Replicar os dados necessários à execução </a:t>
             </a:r>
             <a:r>
-              <a:rPr lang="pt-BR" sz="3200" dirty="0" smtClean="0"/>
+              <a:rPr lang="pt-BR" sz="3200" dirty="0"/>
               <a:t>das funções de negócio do sistema</a:t>
             </a:r>
           </a:p>
@@ -9605,7 +11097,7 @@
               <a:buNone/>
             </a:pPr>
             <a:r>
-              <a:rPr lang="pt-BR" sz="3200" dirty="0" smtClean="0">
+              <a:rPr lang="pt-BR" sz="3200" dirty="0">
                 <a:solidFill>
                   <a:srgbClr val="00B050"/>
                 </a:solidFill>
@@ -9860,13 +11352,6 @@
   <p:clrMapOvr>
     <a:masterClrMapping/>
   </p:clrMapOvr>
-  <p:timing>
-    <p:tnLst>
-      <p:par>
-        <p:cTn id="1" dur="indefinite" restart="never" nodeType="tmRoot"/>
-      </p:par>
-    </p:tnLst>
-  </p:timing>
 </p:sld>
 </file>
 
@@ -9908,7 +11393,7 @@
           <a:lstStyle/>
           <a:p>
             <a:r>
-              <a:rPr lang="pt-BR" dirty="0" smtClean="0">
+              <a:rPr lang="pt-BR" dirty="0">
                 <a:effectLst>
                   <a:outerShdw blurRad="38100" dist="38100" dir="2700000" algn="tl">
                     <a:srgbClr val="000000">
@@ -9919,15 +11404,6 @@
               </a:rPr>
               <a:t>Hora da questão!</a:t>
             </a:r>
-            <a:endParaRPr lang="pt-BR" dirty="0">
-              <a:effectLst>
-                <a:outerShdw blurRad="38100" dist="38100" dir="2700000" algn="tl">
-                  <a:srgbClr val="000000">
-                    <a:alpha val="43137"/>
-                  </a:srgbClr>
-                </a:outerShdw>
-              </a:effectLst>
-            </a:endParaRPr>
           </a:p>
         </p:txBody>
       </p:sp>
@@ -9957,7 +11433,7 @@
               <a:buNone/>
             </a:pPr>
             <a:r>
-              <a:rPr lang="pt-BR" sz="2200" dirty="0" smtClean="0"/>
+              <a:rPr lang="pt-BR" sz="2200" dirty="0"/>
               <a:t>AOCP 2012 TCE-PA – Assessor Técnico de Informática</a:t>
             </a:r>
           </a:p>
@@ -9966,16 +11442,8 @@
               <a:buNone/>
             </a:pPr>
             <a:r>
-              <a:rPr lang="pt-BR" sz="3400" dirty="0" smtClean="0"/>
-              <a:t>Um </a:t>
-            </a:r>
-            <a:r>
               <a:rPr lang="pt-BR" sz="3400" dirty="0"/>
-              <a:t>Modelo Entidade-Relacionamento </a:t>
-            </a:r>
-            <a:r>
-              <a:rPr lang="pt-BR" sz="3400" dirty="0" smtClean="0"/>
-              <a:t>é:</a:t>
+              <a:t>Um Modelo Entidade-Relacionamento é:</a:t>
             </a:r>
           </a:p>
           <a:p>
@@ -9983,7 +11451,7 @@
               <a:buNone/>
             </a:pPr>
             <a:r>
-              <a:rPr lang="pt-BR" sz="3400" dirty="0" smtClean="0"/>
+              <a:rPr lang="pt-BR" sz="3400" dirty="0"/>
               <a:t>a) É um conjunto de ferramentas aplicadas no projeto do banco de dados;</a:t>
             </a:r>
           </a:p>
@@ -9992,7 +11460,7 @@
               <a:buNone/>
             </a:pPr>
             <a:r>
-              <a:rPr lang="pt-BR" sz="3400" dirty="0" smtClean="0"/>
+              <a:rPr lang="pt-BR" sz="3400" dirty="0"/>
               <a:t>b) É um diagrama do conjunto de ferramentas utilizadas na modelagem;</a:t>
             </a:r>
           </a:p>
@@ -10001,7 +11469,7 @@
               <a:buNone/>
             </a:pPr>
             <a:r>
-              <a:rPr lang="pt-BR" sz="3400" dirty="0" smtClean="0"/>
+              <a:rPr lang="pt-BR" sz="3400" dirty="0"/>
               <a:t>c) Representa graficamente detalhes do projeto do banco de dados.</a:t>
             </a:r>
           </a:p>
@@ -10010,7 +11478,7 @@
               <a:buNone/>
             </a:pPr>
             <a:r>
-              <a:rPr lang="pt-BR" sz="3400" dirty="0" smtClean="0"/>
+              <a:rPr lang="pt-BR" sz="3400" dirty="0"/>
               <a:t>d) É um conjunto de conceitos aplicados na modelagem de dados;</a:t>
             </a:r>
           </a:p>
@@ -10019,7 +11487,7 @@
               <a:buNone/>
             </a:pPr>
             <a:r>
-              <a:rPr lang="pt-BR" sz="3400" dirty="0" smtClean="0"/>
+              <a:rPr lang="pt-BR" sz="3400" dirty="0"/>
               <a:t>e) É um conjunto de regras dos dados de um modelo.</a:t>
             </a:r>
           </a:p>
@@ -10270,13 +11738,6 @@
   <p:clrMapOvr>
     <a:masterClrMapping/>
   </p:clrMapOvr>
-  <p:timing>
-    <p:tnLst>
-      <p:par>
-        <p:cTn id="1" dur="indefinite" restart="never" nodeType="tmRoot"/>
-      </p:par>
-    </p:tnLst>
-  </p:timing>
 </p:sld>
 </file>
 
@@ -10318,7 +11779,7 @@
           <a:lstStyle/>
           <a:p>
             <a:r>
-              <a:rPr lang="pt-BR" dirty="0" smtClean="0">
+              <a:rPr lang="pt-BR" dirty="0">
                 <a:effectLst>
                   <a:outerShdw blurRad="38100" dist="38100" dir="2700000" algn="tl">
                     <a:srgbClr val="000000">
@@ -10329,15 +11790,6 @@
               </a:rPr>
               <a:t>Hora da questão!</a:t>
             </a:r>
-            <a:endParaRPr lang="pt-BR" dirty="0">
-              <a:effectLst>
-                <a:outerShdw blurRad="38100" dist="38100" dir="2700000" algn="tl">
-                  <a:srgbClr val="000000">
-                    <a:alpha val="43137"/>
-                  </a:srgbClr>
-                </a:outerShdw>
-              </a:effectLst>
-            </a:endParaRPr>
           </a:p>
         </p:txBody>
       </p:sp>
@@ -10367,7 +11819,7 @@
               <a:buNone/>
             </a:pPr>
             <a:r>
-              <a:rPr lang="pt-BR" sz="2200" dirty="0" smtClean="0"/>
+              <a:rPr lang="pt-BR" sz="2200" dirty="0"/>
               <a:t>AOCP 2012 TCE-PA – Assessor Técnico de Informática</a:t>
             </a:r>
           </a:p>
@@ -10376,16 +11828,8 @@
               <a:buNone/>
             </a:pPr>
             <a:r>
-              <a:rPr lang="pt-BR" sz="3400" dirty="0" smtClean="0"/>
-              <a:t>Um </a:t>
-            </a:r>
-            <a:r>
               <a:rPr lang="pt-BR" sz="3400" dirty="0"/>
-              <a:t>Modelo Entidade-Relacionamento </a:t>
-            </a:r>
-            <a:r>
-              <a:rPr lang="pt-BR" sz="3400" dirty="0" smtClean="0"/>
-              <a:t>é:</a:t>
+              <a:t>Um Modelo Entidade-Relacionamento é:</a:t>
             </a:r>
           </a:p>
           <a:p>
@@ -10393,11 +11837,11 @@
               <a:buNone/>
             </a:pPr>
             <a:r>
-              <a:rPr lang="pt-BR" sz="3400" dirty="0" smtClean="0"/>
+              <a:rPr lang="pt-BR" sz="3400" dirty="0"/>
               <a:t>a) É um </a:t>
             </a:r>
             <a:r>
-              <a:rPr lang="pt-BR" sz="3400" dirty="0" smtClean="0">
+              <a:rPr lang="pt-BR" sz="3400" dirty="0">
                 <a:solidFill>
                   <a:srgbClr val="FF0000"/>
                 </a:solidFill>
@@ -10405,7 +11849,7 @@
               <a:t>conjunto de ferramentas</a:t>
             </a:r>
             <a:r>
-              <a:rPr lang="pt-BR" sz="3400" dirty="0" smtClean="0"/>
+              <a:rPr lang="pt-BR" sz="3400" dirty="0"/>
               <a:t> aplicadas no projeto do banco de dados;</a:t>
             </a:r>
           </a:p>
@@ -10414,11 +11858,11 @@
               <a:buNone/>
             </a:pPr>
             <a:r>
-              <a:rPr lang="pt-BR" sz="3400" dirty="0" smtClean="0"/>
+              <a:rPr lang="pt-BR" sz="3400" dirty="0"/>
               <a:t>b) É um </a:t>
             </a:r>
             <a:r>
-              <a:rPr lang="pt-BR" sz="3400" dirty="0" smtClean="0">
+              <a:rPr lang="pt-BR" sz="3400" dirty="0">
                 <a:solidFill>
                   <a:srgbClr val="FF0000"/>
                 </a:solidFill>
@@ -10426,7 +11870,7 @@
               <a:t>diagrama do conjunto </a:t>
             </a:r>
             <a:r>
-              <a:rPr lang="pt-BR" sz="3400" dirty="0" smtClean="0"/>
+              <a:rPr lang="pt-BR" sz="3400" dirty="0"/>
               <a:t>de ferramentas utilizadas na modelagem;</a:t>
             </a:r>
           </a:p>
@@ -10435,11 +11879,11 @@
               <a:buNone/>
             </a:pPr>
             <a:r>
-              <a:rPr lang="pt-BR" sz="3400" dirty="0" smtClean="0"/>
+              <a:rPr lang="pt-BR" sz="3400" dirty="0"/>
               <a:t>c) </a:t>
             </a:r>
             <a:r>
-              <a:rPr lang="pt-BR" sz="3400" dirty="0" smtClean="0">
+              <a:rPr lang="pt-BR" sz="3400" dirty="0">
                 <a:solidFill>
                   <a:srgbClr val="FF0000"/>
                 </a:solidFill>
@@ -10447,7 +11891,7 @@
               <a:t>Representa graficamente detalhes do projeto </a:t>
             </a:r>
             <a:r>
-              <a:rPr lang="pt-BR" sz="3400" dirty="0" smtClean="0"/>
+              <a:rPr lang="pt-BR" sz="3400" dirty="0"/>
               <a:t>do banco de dados.</a:t>
             </a:r>
           </a:p>
@@ -10456,7 +11900,7 @@
               <a:buNone/>
             </a:pPr>
             <a:r>
-              <a:rPr lang="pt-BR" sz="3400" dirty="0" smtClean="0">
+              <a:rPr lang="pt-BR" sz="3400" dirty="0">
                 <a:solidFill>
                   <a:srgbClr val="00B050"/>
                 </a:solidFill>
@@ -10469,11 +11913,11 @@
               <a:buNone/>
             </a:pPr>
             <a:r>
-              <a:rPr lang="pt-BR" sz="3400" dirty="0" smtClean="0"/>
+              <a:rPr lang="pt-BR" sz="3400" dirty="0"/>
               <a:t>e) É um conjunto de </a:t>
             </a:r>
             <a:r>
-              <a:rPr lang="pt-BR" sz="3400" dirty="0" smtClean="0">
+              <a:rPr lang="pt-BR" sz="3400" dirty="0">
                 <a:solidFill>
                   <a:srgbClr val="FF0000"/>
                 </a:solidFill>
@@ -10481,7 +11925,7 @@
               <a:t>regras dos dados </a:t>
             </a:r>
             <a:r>
-              <a:rPr lang="pt-BR" sz="3400" dirty="0" smtClean="0"/>
+              <a:rPr lang="pt-BR" sz="3400" dirty="0"/>
               <a:t>de um modelo.</a:t>
             </a:r>
           </a:p>
@@ -10732,13 +12176,6 @@
   <p:clrMapOvr>
     <a:masterClrMapping/>
   </p:clrMapOvr>
-  <p:timing>
-    <p:tnLst>
-      <p:par>
-        <p:cTn id="1" dur="indefinite" restart="never" nodeType="tmRoot"/>
-      </p:par>
-    </p:tnLst>
-  </p:timing>
 </p:sld>
 </file>
 
@@ -10780,7 +12217,7 @@
           <a:lstStyle/>
           <a:p>
             <a:r>
-              <a:rPr lang="pt-BR" dirty="0" smtClean="0">
+              <a:rPr lang="pt-BR" dirty="0">
                 <a:effectLst>
                   <a:outerShdw blurRad="38100" dist="38100" dir="2700000" algn="tl">
                     <a:srgbClr val="000000">
@@ -10791,15 +12228,6 @@
               </a:rPr>
               <a:t>Fique atento!</a:t>
             </a:r>
-            <a:endParaRPr lang="pt-BR" dirty="0">
-              <a:effectLst>
-                <a:outerShdw blurRad="38100" dist="38100" dir="2700000" algn="tl">
-                  <a:srgbClr val="000000">
-                    <a:alpha val="43137"/>
-                  </a:srgbClr>
-                </a:outerShdw>
-              </a:effectLst>
-            </a:endParaRPr>
           </a:p>
         </p:txBody>
       </p:sp>
@@ -10842,13 +12270,13 @@
           <p:nvPr>
             <p:extLst>
               <p:ext uri="{D42A27DB-BD31-4B8C-83A1-F6EECF244321}">
-                <p14:modId xmlns:p14="http://schemas.microsoft.com/office/powerpoint/2010/main" val="2165314286"/>
+                <p14:modId xmlns:p14="http://schemas.microsoft.com/office/powerpoint/2010/main" val="569646088"/>
               </p:ext>
             </p:extLst>
           </p:nvPr>
         </p:nvGraphicFramePr>
         <p:xfrm>
-          <a:off x="1286134" y="2942210"/>
+          <a:off x="1003104" y="2942210"/>
           <a:ext cx="10067666" cy="1646722"/>
         </p:xfrm>
         <a:graphic>
@@ -10881,10 +12309,9 @@
                     <a:p>
                       <a:pPr algn="ctr"/>
                       <a:r>
-                        <a:rPr lang="pt-BR" sz="4000" dirty="0" smtClean="0"/>
+                        <a:rPr lang="pt-BR" sz="4000" dirty="0"/>
                         <a:t>Modelo ER</a:t>
                       </a:r>
-                      <a:endParaRPr lang="pt-BR" sz="4000" dirty="0"/>
                     </a:p>
                   </a:txBody>
                   <a:tcPr anchor="ctr"/>
@@ -10896,10 +12323,9 @@
                     <a:p>
                       <a:pPr algn="ctr"/>
                       <a:r>
-                        <a:rPr lang="pt-BR" sz="4000" dirty="0" smtClean="0"/>
+                        <a:rPr lang="pt-BR" sz="4000" dirty="0"/>
                         <a:t>Diagrama ER</a:t>
                       </a:r>
-                      <a:endParaRPr lang="pt-BR" sz="4000" dirty="0"/>
                     </a:p>
                   </a:txBody>
                   <a:tcPr anchor="ctr"/>
@@ -10918,10 +12344,9 @@
                     <a:p>
                       <a:pPr algn="ctr"/>
                       <a:r>
-                        <a:rPr lang="pt-BR" sz="4000" dirty="0" smtClean="0"/>
+                        <a:rPr lang="pt-BR" sz="4000" dirty="0"/>
                         <a:t>Conceitos</a:t>
                       </a:r>
-                      <a:endParaRPr lang="pt-BR" sz="4000" dirty="0"/>
                     </a:p>
                   </a:txBody>
                   <a:tcPr/>
@@ -10931,11 +12356,11 @@
                     <a:bodyPr/>
                     <a:lstStyle/>
                     <a:p>
+                      <a:pPr algn="ctr"/>
                       <a:r>
-                        <a:rPr lang="pt-BR" sz="4000" dirty="0" smtClean="0"/>
+                        <a:rPr lang="pt-BR" sz="4000" dirty="0"/>
                         <a:t>Representação gráfica</a:t>
                       </a:r>
-                      <a:endParaRPr lang="pt-BR" sz="4000" dirty="0"/>
                     </a:p>
                   </a:txBody>
                   <a:tcPr/>
@@ -10960,17 +12385,10 @@
   <p:clrMapOvr>
     <a:masterClrMapping/>
   </p:clrMapOvr>
-  <p:timing>
-    <p:tnLst>
-      <p:par>
-        <p:cTn id="1" dur="indefinite" restart="never" nodeType="tmRoot"/>
-      </p:par>
-    </p:tnLst>
-  </p:timing>
 </p:sld>
 </file>
 
-<file path=ppt/slides/slide2.xml><?xml version="1.0" encoding="utf-8"?>
+<file path=ppt/slides/slide18.xml><?xml version="1.0" encoding="utf-8"?>
 <p:sld xmlns:a="http://schemas.openxmlformats.org/drawingml/2006/main" xmlns:r="http://schemas.openxmlformats.org/officeDocument/2006/relationships" xmlns:p="http://schemas.openxmlformats.org/presentationml/2006/main">
   <p:cSld>
     <p:spTree>
@@ -11008,7 +12426,7 @@
           <a:lstStyle/>
           <a:p>
             <a:r>
-              <a:rPr lang="pt-BR" dirty="0" smtClean="0">
+              <a:rPr lang="pt-BR" dirty="0">
                 <a:effectLst>
                   <a:outerShdw blurRad="38100" dist="38100" dir="2700000" algn="tl">
                     <a:srgbClr val="000000">
@@ -11017,17 +12435,8 @@
                   </a:outerShdw>
                 </a:effectLst>
               </a:rPr>
-              <a:t>Em aulas anteriores...</a:t>
-            </a:r>
-            <a:endParaRPr lang="pt-BR" dirty="0">
-              <a:effectLst>
-                <a:outerShdw blurRad="38100" dist="38100" dir="2700000" algn="tl">
-                  <a:srgbClr val="000000">
-                    <a:alpha val="43137"/>
-                  </a:srgbClr>
-                </a:outerShdw>
-              </a:effectLst>
-            </a:endParaRPr>
+              <a:t>Entidade</a:t>
+            </a:r>
           </a:p>
         </p:txBody>
       </p:sp>
@@ -11043,8 +12452,8 @@
         </p:nvSpPr>
         <p:spPr>
           <a:xfrm>
-            <a:off x="250372" y="2299718"/>
-            <a:ext cx="11649891" cy="3082834"/>
+            <a:off x="250372" y="1953930"/>
+            <a:ext cx="11649891" cy="1356528"/>
           </a:xfrm>
         </p:spPr>
         <p:txBody>
@@ -11057,72 +12466,10 @@
               <a:buNone/>
             </a:pPr>
             <a:r>
-              <a:rPr lang="pt-BR" sz="3600" dirty="0" smtClean="0">
-                <a:effectLst>
-                  <a:outerShdw blurRad="38100" dist="38100" dir="2700000" algn="tl">
-                    <a:srgbClr val="000000">
-                      <a:alpha val="43137"/>
-                    </a:srgbClr>
-                  </a:outerShdw>
-                </a:effectLst>
-              </a:rPr>
-              <a:t>Conceitos básicos de banco de dados:</a:t>
-            </a:r>
-          </a:p>
-          <a:p>
-            <a:pPr lvl="1"/>
-            <a:r>
-              <a:rPr lang="pt-BR" sz="3200" dirty="0" smtClean="0"/>
-              <a:t>Definição</a:t>
-            </a:r>
-          </a:p>
-          <a:p>
-            <a:pPr lvl="1"/>
-            <a:r>
-              <a:rPr lang="pt-BR" sz="3200" dirty="0" smtClean="0"/>
-              <a:t>Características</a:t>
-            </a:r>
-          </a:p>
-          <a:p>
-            <a:pPr lvl="1"/>
-            <a:r>
-              <a:rPr lang="pt-BR" sz="3200" dirty="0" smtClean="0"/>
-              <a:t>Benefícios</a:t>
-            </a:r>
-          </a:p>
-          <a:p>
-            <a:pPr lvl="1"/>
-            <a:endParaRPr lang="pt-BR" sz="3200" dirty="0" smtClean="0">
-              <a:effectLst>
-                <a:outerShdw blurRad="38100" dist="38100" dir="2700000" algn="tl">
-                  <a:srgbClr val="000000">
-                    <a:alpha val="43137"/>
-                  </a:srgbClr>
-                </a:outerShdw>
-              </a:effectLst>
-            </a:endParaRPr>
-          </a:p>
-          <a:p>
-            <a:endParaRPr lang="pt-BR" sz="3600" dirty="0" smtClean="0">
-              <a:effectLst>
-                <a:outerShdw blurRad="38100" dist="38100" dir="2700000" algn="tl">
-                  <a:srgbClr val="000000">
-                    <a:alpha val="43137"/>
-                  </a:srgbClr>
-                </a:outerShdw>
-              </a:effectLst>
-            </a:endParaRPr>
-          </a:p>
-          <a:p>
-            <a:endParaRPr lang="pt-BR" sz="3600" dirty="0" smtClean="0">
-              <a:effectLst>
-                <a:outerShdw blurRad="38100" dist="38100" dir="2700000" algn="tl">
-                  <a:srgbClr val="000000">
-                    <a:alpha val="43137"/>
-                  </a:srgbClr>
-                </a:outerShdw>
-              </a:effectLst>
-            </a:endParaRPr>
+              <a:rPr lang="pt-BR" sz="3600" dirty="0"/>
+              <a:t>É o conjunto de objetos da realidade modelada sobre os quais deseja-se manter informações no banco de dados.</a:t>
+            </a:r>
+            <a:endParaRPr lang="pt-BR" sz="4400" dirty="0"/>
           </a:p>
         </p:txBody>
       </p:sp>
@@ -11331,6 +12678,1144 @@
           </a:p>
         </p:txBody>
       </p:sp>
+      <p:sp>
+        <p:nvSpPr>
+          <p:cNvPr id="12" name="Retângulo: Cantos Arredondados 11"/>
+          <p:cNvSpPr/>
+          <p:nvPr/>
+        </p:nvSpPr>
+        <p:spPr>
+          <a:xfrm>
+            <a:off x="395338" y="3482724"/>
+            <a:ext cx="5436159" cy="2578510"/>
+          </a:xfrm>
+          <a:prstGeom prst="roundRect">
+            <a:avLst/>
+          </a:prstGeom>
+          <a:noFill/>
+          <a:ln>
+            <a:solidFill>
+              <a:srgbClr val="92D050"/>
+            </a:solidFill>
+          </a:ln>
+        </p:spPr>
+        <p:style>
+          <a:lnRef idx="2">
+            <a:schemeClr val="accent1">
+              <a:shade val="50000"/>
+            </a:schemeClr>
+          </a:lnRef>
+          <a:fillRef idx="1">
+            <a:schemeClr val="accent1"/>
+          </a:fillRef>
+          <a:effectRef idx="0">
+            <a:schemeClr val="accent1"/>
+          </a:effectRef>
+          <a:fontRef idx="minor">
+            <a:schemeClr val="lt1"/>
+          </a:fontRef>
+        </p:style>
+        <p:txBody>
+          <a:bodyPr rtlCol="0" anchor="t"/>
+          <a:lstStyle/>
+          <a:p>
+            <a:pPr algn="ctr"/>
+            <a:r>
+              <a:rPr lang="pt-BR" sz="2800" dirty="0">
+                <a:ln w="0"/>
+                <a:solidFill>
+                  <a:schemeClr val="tx1"/>
+                </a:solidFill>
+                <a:effectLst>
+                  <a:outerShdw blurRad="38100" dist="19050" dir="2700000" algn="tl" rotWithShape="0">
+                    <a:schemeClr val="dk1">
+                      <a:alpha val="40000"/>
+                    </a:schemeClr>
+                  </a:outerShdw>
+                </a:effectLst>
+              </a:rPr>
+              <a:t>Banco de dados de um hospital</a:t>
+            </a:r>
+          </a:p>
+        </p:txBody>
+      </p:sp>
+      <p:sp>
+        <p:nvSpPr>
+          <p:cNvPr id="17" name="Retângulo: Cantos Arredondados 16"/>
+          <p:cNvSpPr/>
+          <p:nvPr/>
+        </p:nvSpPr>
+        <p:spPr>
+          <a:xfrm>
+            <a:off x="6286814" y="3488846"/>
+            <a:ext cx="5436159" cy="2578510"/>
+          </a:xfrm>
+          <a:prstGeom prst="roundRect">
+            <a:avLst/>
+          </a:prstGeom>
+          <a:noFill/>
+          <a:ln>
+            <a:solidFill>
+              <a:srgbClr val="92D050"/>
+            </a:solidFill>
+          </a:ln>
+        </p:spPr>
+        <p:style>
+          <a:lnRef idx="2">
+            <a:schemeClr val="accent1">
+              <a:shade val="50000"/>
+            </a:schemeClr>
+          </a:lnRef>
+          <a:fillRef idx="1">
+            <a:schemeClr val="accent1"/>
+          </a:fillRef>
+          <a:effectRef idx="0">
+            <a:schemeClr val="accent1"/>
+          </a:effectRef>
+          <a:fontRef idx="minor">
+            <a:schemeClr val="lt1"/>
+          </a:fontRef>
+        </p:style>
+        <p:txBody>
+          <a:bodyPr rtlCol="0" anchor="t"/>
+          <a:lstStyle/>
+          <a:p>
+            <a:pPr algn="ctr"/>
+            <a:r>
+              <a:rPr lang="pt-BR" sz="2800" dirty="0">
+                <a:ln w="0"/>
+                <a:solidFill>
+                  <a:schemeClr val="tx1"/>
+                </a:solidFill>
+                <a:effectLst>
+                  <a:outerShdw blurRad="38100" dist="19050" dir="2700000" algn="tl" rotWithShape="0">
+                    <a:schemeClr val="dk1">
+                      <a:alpha val="40000"/>
+                    </a:schemeClr>
+                  </a:outerShdw>
+                </a:effectLst>
+              </a:rPr>
+              <a:t>Banco de dados de uma livraria</a:t>
+            </a:r>
+          </a:p>
+        </p:txBody>
+      </p:sp>
+      <p:grpSp>
+        <p:nvGrpSpPr>
+          <p:cNvPr id="24" name="Agrupar 23"/>
+          <p:cNvGrpSpPr/>
+          <p:nvPr/>
+        </p:nvGrpSpPr>
+        <p:grpSpPr>
+          <a:xfrm>
+            <a:off x="6698444" y="4298976"/>
+            <a:ext cx="4642350" cy="1399890"/>
+            <a:chOff x="6698444" y="4298976"/>
+            <a:chExt cx="4642350" cy="1399890"/>
+          </a:xfrm>
+        </p:grpSpPr>
+        <p:pic>
+          <p:nvPicPr>
+            <p:cNvPr id="19" name="Imagem 18"/>
+            <p:cNvPicPr>
+              <a:picLocks noChangeAspect="1"/>
+            </p:cNvPicPr>
+            <p:nvPr/>
+          </p:nvPicPr>
+          <p:blipFill>
+            <a:blip r:embed="rId3">
+              <a:extLst>
+                <a:ext uri="{28A0092B-C50C-407E-A947-70E740481C1C}">
+                  <a14:useLocalDpi xmlns:a14="http://schemas.microsoft.com/office/drawing/2010/main" val="0"/>
+                </a:ext>
+              </a:extLst>
+            </a:blip>
+            <a:stretch>
+              <a:fillRect/>
+            </a:stretch>
+          </p:blipFill>
+          <p:spPr>
+            <a:xfrm>
+              <a:off x="6698444" y="4329123"/>
+              <a:ext cx="1209600" cy="1209600"/>
+            </a:xfrm>
+            <a:prstGeom prst="rect">
+              <a:avLst/>
+            </a:prstGeom>
+          </p:spPr>
+        </p:pic>
+        <p:pic>
+          <p:nvPicPr>
+            <p:cNvPr id="21" name="Imagem 20"/>
+            <p:cNvPicPr>
+              <a:picLocks noChangeAspect="1"/>
+            </p:cNvPicPr>
+            <p:nvPr/>
+          </p:nvPicPr>
+          <p:blipFill>
+            <a:blip r:embed="rId4">
+              <a:extLst>
+                <a:ext uri="{28A0092B-C50C-407E-A947-70E740481C1C}">
+                  <a14:useLocalDpi xmlns:a14="http://schemas.microsoft.com/office/drawing/2010/main" val="0"/>
+                </a:ext>
+              </a:extLst>
+            </a:blip>
+            <a:stretch>
+              <a:fillRect/>
+            </a:stretch>
+          </p:blipFill>
+          <p:spPr>
+            <a:xfrm>
+              <a:off x="8319674" y="4298976"/>
+              <a:ext cx="1399890" cy="1399890"/>
+            </a:xfrm>
+            <a:prstGeom prst="rect">
+              <a:avLst/>
+            </a:prstGeom>
+          </p:spPr>
+        </p:pic>
+        <p:pic>
+          <p:nvPicPr>
+            <p:cNvPr id="23" name="Imagem 22"/>
+            <p:cNvPicPr>
+              <a:picLocks noChangeAspect="1"/>
+            </p:cNvPicPr>
+            <p:nvPr/>
+          </p:nvPicPr>
+          <p:blipFill>
+            <a:blip r:embed="rId5">
+              <a:extLst>
+                <a:ext uri="{28A0092B-C50C-407E-A947-70E740481C1C}">
+                  <a14:useLocalDpi xmlns:a14="http://schemas.microsoft.com/office/drawing/2010/main" val="0"/>
+                </a:ext>
+              </a:extLst>
+            </a:blip>
+            <a:stretch>
+              <a:fillRect/>
+            </a:stretch>
+          </p:blipFill>
+          <p:spPr>
+            <a:xfrm>
+              <a:off x="10131194" y="4329123"/>
+              <a:ext cx="1209600" cy="1209600"/>
+            </a:xfrm>
+            <a:prstGeom prst="rect">
+              <a:avLst/>
+            </a:prstGeom>
+          </p:spPr>
+        </p:pic>
+      </p:grpSp>
+      <p:grpSp>
+        <p:nvGrpSpPr>
+          <p:cNvPr id="31" name="Agrupar 30"/>
+          <p:cNvGrpSpPr/>
+          <p:nvPr/>
+        </p:nvGrpSpPr>
+        <p:grpSpPr>
+          <a:xfrm>
+            <a:off x="840607" y="4331077"/>
+            <a:ext cx="1207646" cy="1653567"/>
+            <a:chOff x="850655" y="4331077"/>
+            <a:chExt cx="1207646" cy="1653567"/>
+          </a:xfrm>
+        </p:grpSpPr>
+        <p:pic>
+          <p:nvPicPr>
+            <p:cNvPr id="7" name="Imagem 6"/>
+            <p:cNvPicPr>
+              <a:picLocks noChangeAspect="1"/>
+            </p:cNvPicPr>
+            <p:nvPr/>
+          </p:nvPicPr>
+          <p:blipFill>
+            <a:blip r:embed="rId6">
+              <a:extLst>
+                <a:ext uri="{28A0092B-C50C-407E-A947-70E740481C1C}">
+                  <a14:useLocalDpi xmlns:a14="http://schemas.microsoft.com/office/drawing/2010/main" val="0"/>
+                </a:ext>
+              </a:extLst>
+            </a:blip>
+            <a:stretch>
+              <a:fillRect/>
+            </a:stretch>
+          </p:blipFill>
+          <p:spPr>
+            <a:xfrm>
+              <a:off x="850655" y="4331077"/>
+              <a:ext cx="1207646" cy="1207646"/>
+            </a:xfrm>
+            <a:prstGeom prst="rect">
+              <a:avLst/>
+            </a:prstGeom>
+          </p:spPr>
+        </p:pic>
+        <p:sp>
+          <p:nvSpPr>
+            <p:cNvPr id="25" name="CaixaDeTexto 24"/>
+            <p:cNvSpPr txBox="1"/>
+            <p:nvPr/>
+          </p:nvSpPr>
+          <p:spPr>
+            <a:xfrm>
+              <a:off x="1009644" y="5615312"/>
+              <a:ext cx="889667" cy="369332"/>
+            </a:xfrm>
+            <a:prstGeom prst="rect">
+              <a:avLst/>
+            </a:prstGeom>
+            <a:noFill/>
+          </p:spPr>
+          <p:txBody>
+            <a:bodyPr wrap="none" rtlCol="0">
+              <a:spAutoFit/>
+            </a:bodyPr>
+            <a:lstStyle/>
+            <a:p>
+              <a:r>
+                <a:rPr lang="pt-BR" dirty="0"/>
+                <a:t>Médico</a:t>
+              </a:r>
+            </a:p>
+          </p:txBody>
+        </p:sp>
+      </p:grpSp>
+      <p:grpSp>
+        <p:nvGrpSpPr>
+          <p:cNvPr id="29" name="Agrupar 28"/>
+          <p:cNvGrpSpPr/>
+          <p:nvPr/>
+        </p:nvGrpSpPr>
+        <p:grpSpPr>
+          <a:xfrm>
+            <a:off x="2248005" y="4140787"/>
+            <a:ext cx="1588226" cy="1843857"/>
+            <a:chOff x="2268101" y="4140787"/>
+            <a:chExt cx="1588226" cy="1843857"/>
+          </a:xfrm>
+        </p:grpSpPr>
+        <p:pic>
+          <p:nvPicPr>
+            <p:cNvPr id="9" name="Imagem 8"/>
+            <p:cNvPicPr>
+              <a:picLocks noChangeAspect="1"/>
+            </p:cNvPicPr>
+            <p:nvPr/>
+          </p:nvPicPr>
+          <p:blipFill>
+            <a:blip r:embed="rId7">
+              <a:extLst>
+                <a:ext uri="{28A0092B-C50C-407E-A947-70E740481C1C}">
+                  <a14:useLocalDpi xmlns:a14="http://schemas.microsoft.com/office/drawing/2010/main" val="0"/>
+                </a:ext>
+              </a:extLst>
+            </a:blip>
+            <a:stretch>
+              <a:fillRect/>
+            </a:stretch>
+          </p:blipFill>
+          <p:spPr>
+            <a:xfrm>
+              <a:off x="2268101" y="4140787"/>
+              <a:ext cx="1588226" cy="1588226"/>
+            </a:xfrm>
+            <a:prstGeom prst="rect">
+              <a:avLst/>
+            </a:prstGeom>
+          </p:spPr>
+        </p:pic>
+        <p:sp>
+          <p:nvSpPr>
+            <p:cNvPr id="26" name="CaixaDeTexto 25"/>
+            <p:cNvSpPr txBox="1"/>
+            <p:nvPr/>
+          </p:nvSpPr>
+          <p:spPr>
+            <a:xfrm>
+              <a:off x="2509389" y="5615312"/>
+              <a:ext cx="984629" cy="369332"/>
+            </a:xfrm>
+            <a:prstGeom prst="rect">
+              <a:avLst/>
+            </a:prstGeom>
+            <a:noFill/>
+          </p:spPr>
+          <p:txBody>
+            <a:bodyPr wrap="none" rtlCol="0">
+              <a:spAutoFit/>
+            </a:bodyPr>
+            <a:lstStyle/>
+            <a:p>
+              <a:r>
+                <a:rPr lang="pt-BR" dirty="0"/>
+                <a:t>Paciente</a:t>
+              </a:r>
+            </a:p>
+          </p:txBody>
+        </p:sp>
+      </p:grpSp>
+      <p:grpSp>
+        <p:nvGrpSpPr>
+          <p:cNvPr id="28" name="Agrupar 27"/>
+          <p:cNvGrpSpPr/>
+          <p:nvPr/>
+        </p:nvGrpSpPr>
+        <p:grpSpPr>
+          <a:xfrm>
+            <a:off x="3908934" y="4331077"/>
+            <a:ext cx="1584216" cy="1653567"/>
+            <a:chOff x="3878790" y="4331077"/>
+            <a:chExt cx="1584216" cy="1653567"/>
+          </a:xfrm>
+        </p:grpSpPr>
+        <p:pic>
+          <p:nvPicPr>
+            <p:cNvPr id="11" name="Imagem 10"/>
+            <p:cNvPicPr>
+              <a:picLocks noChangeAspect="1"/>
+            </p:cNvPicPr>
+            <p:nvPr/>
+          </p:nvPicPr>
+          <p:blipFill>
+            <a:blip r:embed="rId8">
+              <a:extLst>
+                <a:ext uri="{28A0092B-C50C-407E-A947-70E740481C1C}">
+                  <a14:useLocalDpi xmlns:a14="http://schemas.microsoft.com/office/drawing/2010/main" val="0"/>
+                </a:ext>
+              </a:extLst>
+            </a:blip>
+            <a:stretch>
+              <a:fillRect/>
+            </a:stretch>
+          </p:blipFill>
+          <p:spPr>
+            <a:xfrm>
+              <a:off x="4066098" y="4331077"/>
+              <a:ext cx="1209600" cy="1209600"/>
+            </a:xfrm>
+            <a:prstGeom prst="rect">
+              <a:avLst/>
+            </a:prstGeom>
+          </p:spPr>
+        </p:pic>
+        <p:sp>
+          <p:nvSpPr>
+            <p:cNvPr id="27" name="CaixaDeTexto 26"/>
+            <p:cNvSpPr txBox="1"/>
+            <p:nvPr/>
+          </p:nvSpPr>
+          <p:spPr>
+            <a:xfrm>
+              <a:off x="3878790" y="5615312"/>
+              <a:ext cx="1584216" cy="369332"/>
+            </a:xfrm>
+            <a:prstGeom prst="rect">
+              <a:avLst/>
+            </a:prstGeom>
+            <a:noFill/>
+          </p:spPr>
+          <p:txBody>
+            <a:bodyPr wrap="none" rtlCol="0">
+              <a:spAutoFit/>
+            </a:bodyPr>
+            <a:lstStyle/>
+            <a:p>
+              <a:r>
+                <a:rPr lang="pt-BR" dirty="0"/>
+                <a:t>Medicamentos</a:t>
+              </a:r>
+            </a:p>
+          </p:txBody>
+        </p:sp>
+      </p:grpSp>
+    </p:spTree>
+    <p:extLst>
+      <p:ext uri="{BB962C8B-B14F-4D97-AF65-F5344CB8AC3E}">
+        <p14:creationId xmlns:p14="http://schemas.microsoft.com/office/powerpoint/2010/main" val="2139332676"/>
+      </p:ext>
+    </p:extLst>
+  </p:cSld>
+  <p:clrMapOvr>
+    <a:masterClrMapping/>
+  </p:clrMapOvr>
+</p:sld>
+</file>
+
+<file path=ppt/slides/slide19.xml><?xml version="1.0" encoding="utf-8"?>
+<p:sld xmlns:a="http://schemas.openxmlformats.org/drawingml/2006/main" xmlns:r="http://schemas.openxmlformats.org/officeDocument/2006/relationships" xmlns:p="http://schemas.openxmlformats.org/presentationml/2006/main">
+  <p:cSld>
+    <p:spTree>
+      <p:nvGrpSpPr>
+        <p:cNvPr id="1" name=""/>
+        <p:cNvGrpSpPr/>
+        <p:nvPr/>
+      </p:nvGrpSpPr>
+      <p:grpSpPr>
+        <a:xfrm>
+          <a:off x="0" y="0"/>
+          <a:ext cx="0" cy="0"/>
+          <a:chOff x="0" y="0"/>
+          <a:chExt cx="0" cy="0"/>
+        </a:xfrm>
+      </p:grpSpPr>
+      <p:sp>
+        <p:nvSpPr>
+          <p:cNvPr id="2" name="Título 1"/>
+          <p:cNvSpPr>
+            <a:spLocks noGrp="1"/>
+          </p:cNvSpPr>
+          <p:nvPr>
+            <p:ph type="title"/>
+          </p:nvPr>
+        </p:nvSpPr>
+        <p:spPr>
+          <a:xfrm>
+            <a:off x="250372" y="72023"/>
+            <a:ext cx="10515600" cy="1325563"/>
+          </a:xfrm>
+        </p:spPr>
+        <p:txBody>
+          <a:bodyPr/>
+          <a:lstStyle/>
+          <a:p>
+            <a:r>
+              <a:rPr lang="pt-BR" dirty="0">
+                <a:effectLst>
+                  <a:outerShdw blurRad="38100" dist="38100" dir="2700000" algn="tl">
+                    <a:srgbClr val="000000">
+                      <a:alpha val="43137"/>
+                    </a:srgbClr>
+                  </a:outerShdw>
+                </a:effectLst>
+              </a:rPr>
+              <a:t>Entidade</a:t>
+            </a:r>
+          </a:p>
+        </p:txBody>
+      </p:sp>
+      <p:sp>
+        <p:nvSpPr>
+          <p:cNvPr id="4" name="Espaço Reservado para Conteúdo 2"/>
+          <p:cNvSpPr txBox="1">
+            <a:spLocks/>
+          </p:cNvSpPr>
+          <p:nvPr/>
+        </p:nvSpPr>
+        <p:spPr>
+          <a:xfrm>
+            <a:off x="838200" y="2063828"/>
+            <a:ext cx="10515600" cy="878386"/>
+          </a:xfrm>
+          <a:prstGeom prst="rect">
+            <a:avLst/>
+          </a:prstGeom>
+        </p:spPr>
+        <p:txBody>
+          <a:bodyPr vert="horz" lIns="91440" tIns="45720" rIns="91440" bIns="45720" rtlCol="0">
+            <a:normAutofit/>
+          </a:bodyPr>
+          <a:lstStyle>
+            <a:lvl1pPr marL="228600" indent="-228600" algn="l" defTabSz="914400" rtl="0" eaLnBrk="1" latinLnBrk="0" hangingPunct="1">
+              <a:lnSpc>
+                <a:spcPct val="90000"/>
+              </a:lnSpc>
+              <a:spcBef>
+                <a:spcPts val="1000"/>
+              </a:spcBef>
+              <a:buFont typeface="Arial" panose="020B0604020202020204" pitchFamily="34" charset="0"/>
+              <a:buChar char="•"/>
+              <a:defRPr sz="2800" kern="1200">
+                <a:solidFill>
+                  <a:schemeClr val="tx1">
+                    <a:lumMod val="85000"/>
+                    <a:lumOff val="15000"/>
+                  </a:schemeClr>
+                </a:solidFill>
+                <a:latin typeface="Open Sans Semibold" panose="020B0706030804020204" pitchFamily="34" charset="0"/>
+                <a:ea typeface="Open Sans Semibold" panose="020B0706030804020204" pitchFamily="34" charset="0"/>
+                <a:cs typeface="Open Sans Semibold" panose="020B0706030804020204" pitchFamily="34" charset="0"/>
+              </a:defRPr>
+            </a:lvl1pPr>
+            <a:lvl2pPr marL="685800" indent="-228600" algn="l" defTabSz="914400" rtl="0" eaLnBrk="1" latinLnBrk="0" hangingPunct="1">
+              <a:lnSpc>
+                <a:spcPct val="90000"/>
+              </a:lnSpc>
+              <a:spcBef>
+                <a:spcPts val="500"/>
+              </a:spcBef>
+              <a:buFont typeface="Arial" panose="020B0604020202020204" pitchFamily="34" charset="0"/>
+              <a:buChar char="•"/>
+              <a:defRPr sz="2400" kern="1200">
+                <a:solidFill>
+                  <a:schemeClr val="tx1">
+                    <a:lumMod val="85000"/>
+                    <a:lumOff val="15000"/>
+                  </a:schemeClr>
+                </a:solidFill>
+                <a:latin typeface="Open Sans Semibold" panose="020B0706030804020204" pitchFamily="34" charset="0"/>
+                <a:ea typeface="Open Sans Semibold" panose="020B0706030804020204" pitchFamily="34" charset="0"/>
+                <a:cs typeface="Open Sans Semibold" panose="020B0706030804020204" pitchFamily="34" charset="0"/>
+              </a:defRPr>
+            </a:lvl2pPr>
+            <a:lvl3pPr marL="1143000" indent="-228600" algn="l" defTabSz="914400" rtl="0" eaLnBrk="1" latinLnBrk="0" hangingPunct="1">
+              <a:lnSpc>
+                <a:spcPct val="90000"/>
+              </a:lnSpc>
+              <a:spcBef>
+                <a:spcPts val="500"/>
+              </a:spcBef>
+              <a:buFont typeface="Arial" panose="020B0604020202020204" pitchFamily="34" charset="0"/>
+              <a:buChar char="•"/>
+              <a:defRPr sz="2000" kern="1200">
+                <a:solidFill>
+                  <a:schemeClr val="tx1">
+                    <a:lumMod val="85000"/>
+                    <a:lumOff val="15000"/>
+                  </a:schemeClr>
+                </a:solidFill>
+                <a:latin typeface="Open Sans Semibold" panose="020B0706030804020204" pitchFamily="34" charset="0"/>
+                <a:ea typeface="Open Sans Semibold" panose="020B0706030804020204" pitchFamily="34" charset="0"/>
+                <a:cs typeface="Open Sans Semibold" panose="020B0706030804020204" pitchFamily="34" charset="0"/>
+              </a:defRPr>
+            </a:lvl3pPr>
+            <a:lvl4pPr marL="1600200" indent="-228600" algn="l" defTabSz="914400" rtl="0" eaLnBrk="1" latinLnBrk="0" hangingPunct="1">
+              <a:lnSpc>
+                <a:spcPct val="90000"/>
+              </a:lnSpc>
+              <a:spcBef>
+                <a:spcPts val="500"/>
+              </a:spcBef>
+              <a:buFont typeface="Arial" panose="020B0604020202020204" pitchFamily="34" charset="0"/>
+              <a:buChar char="•"/>
+              <a:defRPr sz="1800" kern="1200">
+                <a:solidFill>
+                  <a:schemeClr val="tx1">
+                    <a:lumMod val="85000"/>
+                    <a:lumOff val="15000"/>
+                  </a:schemeClr>
+                </a:solidFill>
+                <a:latin typeface="Open Sans Semibold" panose="020B0706030804020204" pitchFamily="34" charset="0"/>
+                <a:ea typeface="Open Sans Semibold" panose="020B0706030804020204" pitchFamily="34" charset="0"/>
+                <a:cs typeface="Open Sans Semibold" panose="020B0706030804020204" pitchFamily="34" charset="0"/>
+              </a:defRPr>
+            </a:lvl4pPr>
+            <a:lvl5pPr marL="2057400" indent="-228600" algn="l" defTabSz="914400" rtl="0" eaLnBrk="1" latinLnBrk="0" hangingPunct="1">
+              <a:lnSpc>
+                <a:spcPct val="90000"/>
+              </a:lnSpc>
+              <a:spcBef>
+                <a:spcPts val="500"/>
+              </a:spcBef>
+              <a:buFont typeface="Arial" panose="020B0604020202020204" pitchFamily="34" charset="0"/>
+              <a:buChar char="•"/>
+              <a:defRPr sz="1800" kern="1200">
+                <a:solidFill>
+                  <a:schemeClr val="tx1">
+                    <a:lumMod val="85000"/>
+                    <a:lumOff val="15000"/>
+                  </a:schemeClr>
+                </a:solidFill>
+                <a:latin typeface="Open Sans Semibold" panose="020B0706030804020204" pitchFamily="34" charset="0"/>
+                <a:ea typeface="Open Sans Semibold" panose="020B0706030804020204" pitchFamily="34" charset="0"/>
+                <a:cs typeface="Open Sans Semibold" panose="020B0706030804020204" pitchFamily="34" charset="0"/>
+              </a:defRPr>
+            </a:lvl5pPr>
+            <a:lvl6pPr marL="2514600" indent="-228600" algn="l" defTabSz="914400" rtl="0" eaLnBrk="1" latinLnBrk="0" hangingPunct="1">
+              <a:lnSpc>
+                <a:spcPct val="90000"/>
+              </a:lnSpc>
+              <a:spcBef>
+                <a:spcPts val="500"/>
+              </a:spcBef>
+              <a:buFont typeface="Arial" panose="020B0604020202020204" pitchFamily="34" charset="0"/>
+              <a:buChar char="•"/>
+              <a:defRPr sz="1800" kern="1200">
+                <a:solidFill>
+                  <a:schemeClr val="tx1"/>
+                </a:solidFill>
+                <a:latin typeface="+mn-lt"/>
+                <a:ea typeface="+mn-ea"/>
+                <a:cs typeface="+mn-cs"/>
+              </a:defRPr>
+            </a:lvl6pPr>
+            <a:lvl7pPr marL="2971800" indent="-228600" algn="l" defTabSz="914400" rtl="0" eaLnBrk="1" latinLnBrk="0" hangingPunct="1">
+              <a:lnSpc>
+                <a:spcPct val="90000"/>
+              </a:lnSpc>
+              <a:spcBef>
+                <a:spcPts val="500"/>
+              </a:spcBef>
+              <a:buFont typeface="Arial" panose="020B0604020202020204" pitchFamily="34" charset="0"/>
+              <a:buChar char="•"/>
+              <a:defRPr sz="1800" kern="1200">
+                <a:solidFill>
+                  <a:schemeClr val="tx1"/>
+                </a:solidFill>
+                <a:latin typeface="+mn-lt"/>
+                <a:ea typeface="+mn-ea"/>
+                <a:cs typeface="+mn-cs"/>
+              </a:defRPr>
+            </a:lvl7pPr>
+            <a:lvl8pPr marL="3429000" indent="-228600" algn="l" defTabSz="914400" rtl="0" eaLnBrk="1" latinLnBrk="0" hangingPunct="1">
+              <a:lnSpc>
+                <a:spcPct val="90000"/>
+              </a:lnSpc>
+              <a:spcBef>
+                <a:spcPts val="500"/>
+              </a:spcBef>
+              <a:buFont typeface="Arial" panose="020B0604020202020204" pitchFamily="34" charset="0"/>
+              <a:buChar char="•"/>
+              <a:defRPr sz="1800" kern="1200">
+                <a:solidFill>
+                  <a:schemeClr val="tx1"/>
+                </a:solidFill>
+                <a:latin typeface="+mn-lt"/>
+                <a:ea typeface="+mn-ea"/>
+                <a:cs typeface="+mn-cs"/>
+              </a:defRPr>
+            </a:lvl8pPr>
+            <a:lvl9pPr marL="3886200" indent="-228600" algn="l" defTabSz="914400" rtl="0" eaLnBrk="1" latinLnBrk="0" hangingPunct="1">
+              <a:lnSpc>
+                <a:spcPct val="90000"/>
+              </a:lnSpc>
+              <a:spcBef>
+                <a:spcPts val="500"/>
+              </a:spcBef>
+              <a:buFont typeface="Arial" panose="020B0604020202020204" pitchFamily="34" charset="0"/>
+              <a:buChar char="•"/>
+              <a:defRPr sz="1800" kern="1200">
+                <a:solidFill>
+                  <a:schemeClr val="tx1"/>
+                </a:solidFill>
+                <a:latin typeface="+mn-lt"/>
+                <a:ea typeface="+mn-ea"/>
+                <a:cs typeface="+mn-cs"/>
+              </a:defRPr>
+            </a:lvl9pPr>
+          </a:lstStyle>
+          <a:p>
+            <a:endParaRPr lang="pt-BR" dirty="0"/>
+          </a:p>
+        </p:txBody>
+      </p:sp>
+      <p:sp>
+        <p:nvSpPr>
+          <p:cNvPr id="5" name="Retângulo: Cantos Arredondados 4"/>
+          <p:cNvSpPr/>
+          <p:nvPr/>
+        </p:nvSpPr>
+        <p:spPr>
+          <a:xfrm>
+            <a:off x="838200" y="2003538"/>
+            <a:ext cx="10515600" cy="1195754"/>
+          </a:xfrm>
+          <a:prstGeom prst="roundRect">
+            <a:avLst/>
+          </a:prstGeom>
+          <a:solidFill>
+            <a:schemeClr val="accent6"/>
+          </a:solidFill>
+          <a:ln>
+            <a:noFill/>
+          </a:ln>
+        </p:spPr>
+        <p:style>
+          <a:lnRef idx="0">
+            <a:scrgbClr r="0" g="0" b="0"/>
+          </a:lnRef>
+          <a:fillRef idx="0">
+            <a:scrgbClr r="0" g="0" b="0"/>
+          </a:fillRef>
+          <a:effectRef idx="0">
+            <a:scrgbClr r="0" g="0" b="0"/>
+          </a:effectRef>
+          <a:fontRef idx="minor">
+            <a:schemeClr val="lt1"/>
+          </a:fontRef>
+        </p:style>
+        <p:txBody>
+          <a:bodyPr rtlCol="0" anchor="ctr"/>
+          <a:lstStyle/>
+          <a:p>
+            <a:pPr algn="ctr"/>
+            <a:r>
+              <a:rPr lang="pt-BR" sz="2800" dirty="0"/>
+              <a:t>O objeto básico que o modelo ER representa é uma entidade, </a:t>
+            </a:r>
+          </a:p>
+          <a:p>
+            <a:pPr algn="ctr"/>
+            <a:r>
+              <a:rPr lang="pt-BR" sz="2800" dirty="0"/>
+              <a:t>que é algo no mundo real com uma existência independente.</a:t>
+            </a:r>
+          </a:p>
+        </p:txBody>
+      </p:sp>
+    </p:spTree>
+    <p:extLst>
+      <p:ext uri="{BB962C8B-B14F-4D97-AF65-F5344CB8AC3E}">
+        <p14:creationId xmlns:p14="http://schemas.microsoft.com/office/powerpoint/2010/main" val="3481350108"/>
+      </p:ext>
+    </p:extLst>
+  </p:cSld>
+  <p:clrMapOvr>
+    <a:masterClrMapping/>
+  </p:clrMapOvr>
+</p:sld>
+</file>
+
+<file path=ppt/slides/slide2.xml><?xml version="1.0" encoding="utf-8"?>
+<p:sld xmlns:a="http://schemas.openxmlformats.org/drawingml/2006/main" xmlns:r="http://schemas.openxmlformats.org/officeDocument/2006/relationships" xmlns:p="http://schemas.openxmlformats.org/presentationml/2006/main">
+  <p:cSld>
+    <p:spTree>
+      <p:nvGrpSpPr>
+        <p:cNvPr id="1" name=""/>
+        <p:cNvGrpSpPr/>
+        <p:nvPr/>
+      </p:nvGrpSpPr>
+      <p:grpSpPr>
+        <a:xfrm>
+          <a:off x="0" y="0"/>
+          <a:ext cx="0" cy="0"/>
+          <a:chOff x="0" y="0"/>
+          <a:chExt cx="0" cy="0"/>
+        </a:xfrm>
+      </p:grpSpPr>
+      <p:sp>
+        <p:nvSpPr>
+          <p:cNvPr id="2" name="Título 1"/>
+          <p:cNvSpPr>
+            <a:spLocks noGrp="1"/>
+          </p:cNvSpPr>
+          <p:nvPr>
+            <p:ph type="title"/>
+          </p:nvPr>
+        </p:nvSpPr>
+        <p:spPr>
+          <a:xfrm>
+            <a:off x="250372" y="72023"/>
+            <a:ext cx="10515600" cy="1325563"/>
+          </a:xfrm>
+        </p:spPr>
+        <p:txBody>
+          <a:bodyPr/>
+          <a:lstStyle/>
+          <a:p>
+            <a:r>
+              <a:rPr lang="pt-BR" dirty="0">
+                <a:effectLst>
+                  <a:outerShdw blurRad="38100" dist="38100" dir="2700000" algn="tl">
+                    <a:srgbClr val="000000">
+                      <a:alpha val="43137"/>
+                    </a:srgbClr>
+                  </a:outerShdw>
+                </a:effectLst>
+              </a:rPr>
+              <a:t>Em aulas anteriores...</a:t>
+            </a:r>
+          </a:p>
+        </p:txBody>
+      </p:sp>
+      <p:sp>
+        <p:nvSpPr>
+          <p:cNvPr id="3" name="Espaço Reservado para Conteúdo 2"/>
+          <p:cNvSpPr>
+            <a:spLocks noGrp="1"/>
+          </p:cNvSpPr>
+          <p:nvPr>
+            <p:ph idx="1"/>
+          </p:nvPr>
+        </p:nvSpPr>
+        <p:spPr>
+          <a:xfrm>
+            <a:off x="250372" y="2299718"/>
+            <a:ext cx="11649891" cy="3082834"/>
+          </a:xfrm>
+        </p:spPr>
+        <p:txBody>
+          <a:bodyPr>
+            <a:normAutofit/>
+          </a:bodyPr>
+          <a:lstStyle/>
+          <a:p>
+            <a:pPr marL="0" indent="0">
+              <a:buNone/>
+            </a:pPr>
+            <a:r>
+              <a:rPr lang="pt-BR" sz="3600" dirty="0">
+                <a:effectLst>
+                  <a:outerShdw blurRad="38100" dist="38100" dir="2700000" algn="tl">
+                    <a:srgbClr val="000000">
+                      <a:alpha val="43137"/>
+                    </a:srgbClr>
+                  </a:outerShdw>
+                </a:effectLst>
+              </a:rPr>
+              <a:t>Conceitos básicos de banco de dados:</a:t>
+            </a:r>
+          </a:p>
+          <a:p>
+            <a:pPr lvl="1"/>
+            <a:r>
+              <a:rPr lang="pt-BR" sz="3200" dirty="0"/>
+              <a:t>Definição</a:t>
+            </a:r>
+          </a:p>
+          <a:p>
+            <a:pPr lvl="1"/>
+            <a:r>
+              <a:rPr lang="pt-BR" sz="3200" dirty="0"/>
+              <a:t>Características</a:t>
+            </a:r>
+          </a:p>
+          <a:p>
+            <a:pPr lvl="1"/>
+            <a:r>
+              <a:rPr lang="pt-BR" sz="3200" dirty="0"/>
+              <a:t>Benefícios</a:t>
+            </a:r>
+          </a:p>
+          <a:p>
+            <a:pPr lvl="1"/>
+            <a:endParaRPr lang="pt-BR" sz="3200" dirty="0">
+              <a:effectLst>
+                <a:outerShdw blurRad="38100" dist="38100" dir="2700000" algn="tl">
+                  <a:srgbClr val="000000">
+                    <a:alpha val="43137"/>
+                  </a:srgbClr>
+                </a:outerShdw>
+              </a:effectLst>
+            </a:endParaRPr>
+          </a:p>
+          <a:p>
+            <a:endParaRPr lang="pt-BR" sz="3600" dirty="0">
+              <a:effectLst>
+                <a:outerShdw blurRad="38100" dist="38100" dir="2700000" algn="tl">
+                  <a:srgbClr val="000000">
+                    <a:alpha val="43137"/>
+                  </a:srgbClr>
+                </a:outerShdw>
+              </a:effectLst>
+            </a:endParaRPr>
+          </a:p>
+          <a:p>
+            <a:endParaRPr lang="pt-BR" sz="3600" dirty="0">
+              <a:effectLst>
+                <a:outerShdw blurRad="38100" dist="38100" dir="2700000" algn="tl">
+                  <a:srgbClr val="000000">
+                    <a:alpha val="43137"/>
+                  </a:srgbClr>
+                </a:outerShdw>
+              </a:effectLst>
+            </a:endParaRPr>
+          </a:p>
+        </p:txBody>
+      </p:sp>
+      <p:sp>
+        <p:nvSpPr>
+          <p:cNvPr id="4" name="Espaço Reservado para Conteúdo 2"/>
+          <p:cNvSpPr txBox="1">
+            <a:spLocks/>
+          </p:cNvSpPr>
+          <p:nvPr/>
+        </p:nvSpPr>
+        <p:spPr>
+          <a:xfrm>
+            <a:off x="838200" y="2063828"/>
+            <a:ext cx="10515600" cy="878386"/>
+          </a:xfrm>
+          <a:prstGeom prst="rect">
+            <a:avLst/>
+          </a:prstGeom>
+        </p:spPr>
+        <p:txBody>
+          <a:bodyPr vert="horz" lIns="91440" tIns="45720" rIns="91440" bIns="45720" rtlCol="0">
+            <a:normAutofit/>
+          </a:bodyPr>
+          <a:lstStyle>
+            <a:lvl1pPr marL="228600" indent="-228600" algn="l" defTabSz="914400" rtl="0" eaLnBrk="1" latinLnBrk="0" hangingPunct="1">
+              <a:lnSpc>
+                <a:spcPct val="90000"/>
+              </a:lnSpc>
+              <a:spcBef>
+                <a:spcPts val="1000"/>
+              </a:spcBef>
+              <a:buFont typeface="Arial" panose="020B0604020202020204" pitchFamily="34" charset="0"/>
+              <a:buChar char="•"/>
+              <a:defRPr sz="2800" kern="1200">
+                <a:solidFill>
+                  <a:schemeClr val="tx1">
+                    <a:lumMod val="85000"/>
+                    <a:lumOff val="15000"/>
+                  </a:schemeClr>
+                </a:solidFill>
+                <a:latin typeface="Open Sans Semibold" panose="020B0706030804020204" pitchFamily="34" charset="0"/>
+                <a:ea typeface="Open Sans Semibold" panose="020B0706030804020204" pitchFamily="34" charset="0"/>
+                <a:cs typeface="Open Sans Semibold" panose="020B0706030804020204" pitchFamily="34" charset="0"/>
+              </a:defRPr>
+            </a:lvl1pPr>
+            <a:lvl2pPr marL="685800" indent="-228600" algn="l" defTabSz="914400" rtl="0" eaLnBrk="1" latinLnBrk="0" hangingPunct="1">
+              <a:lnSpc>
+                <a:spcPct val="90000"/>
+              </a:lnSpc>
+              <a:spcBef>
+                <a:spcPts val="500"/>
+              </a:spcBef>
+              <a:buFont typeface="Arial" panose="020B0604020202020204" pitchFamily="34" charset="0"/>
+              <a:buChar char="•"/>
+              <a:defRPr sz="2400" kern="1200">
+                <a:solidFill>
+                  <a:schemeClr val="tx1">
+                    <a:lumMod val="85000"/>
+                    <a:lumOff val="15000"/>
+                  </a:schemeClr>
+                </a:solidFill>
+                <a:latin typeface="Open Sans Semibold" panose="020B0706030804020204" pitchFamily="34" charset="0"/>
+                <a:ea typeface="Open Sans Semibold" panose="020B0706030804020204" pitchFamily="34" charset="0"/>
+                <a:cs typeface="Open Sans Semibold" panose="020B0706030804020204" pitchFamily="34" charset="0"/>
+              </a:defRPr>
+            </a:lvl2pPr>
+            <a:lvl3pPr marL="1143000" indent="-228600" algn="l" defTabSz="914400" rtl="0" eaLnBrk="1" latinLnBrk="0" hangingPunct="1">
+              <a:lnSpc>
+                <a:spcPct val="90000"/>
+              </a:lnSpc>
+              <a:spcBef>
+                <a:spcPts val="500"/>
+              </a:spcBef>
+              <a:buFont typeface="Arial" panose="020B0604020202020204" pitchFamily="34" charset="0"/>
+              <a:buChar char="•"/>
+              <a:defRPr sz="2000" kern="1200">
+                <a:solidFill>
+                  <a:schemeClr val="tx1">
+                    <a:lumMod val="85000"/>
+                    <a:lumOff val="15000"/>
+                  </a:schemeClr>
+                </a:solidFill>
+                <a:latin typeface="Open Sans Semibold" panose="020B0706030804020204" pitchFamily="34" charset="0"/>
+                <a:ea typeface="Open Sans Semibold" panose="020B0706030804020204" pitchFamily="34" charset="0"/>
+                <a:cs typeface="Open Sans Semibold" panose="020B0706030804020204" pitchFamily="34" charset="0"/>
+              </a:defRPr>
+            </a:lvl3pPr>
+            <a:lvl4pPr marL="1600200" indent="-228600" algn="l" defTabSz="914400" rtl="0" eaLnBrk="1" latinLnBrk="0" hangingPunct="1">
+              <a:lnSpc>
+                <a:spcPct val="90000"/>
+              </a:lnSpc>
+              <a:spcBef>
+                <a:spcPts val="500"/>
+              </a:spcBef>
+              <a:buFont typeface="Arial" panose="020B0604020202020204" pitchFamily="34" charset="0"/>
+              <a:buChar char="•"/>
+              <a:defRPr sz="1800" kern="1200">
+                <a:solidFill>
+                  <a:schemeClr val="tx1">
+                    <a:lumMod val="85000"/>
+                    <a:lumOff val="15000"/>
+                  </a:schemeClr>
+                </a:solidFill>
+                <a:latin typeface="Open Sans Semibold" panose="020B0706030804020204" pitchFamily="34" charset="0"/>
+                <a:ea typeface="Open Sans Semibold" panose="020B0706030804020204" pitchFamily="34" charset="0"/>
+                <a:cs typeface="Open Sans Semibold" panose="020B0706030804020204" pitchFamily="34" charset="0"/>
+              </a:defRPr>
+            </a:lvl4pPr>
+            <a:lvl5pPr marL="2057400" indent="-228600" algn="l" defTabSz="914400" rtl="0" eaLnBrk="1" latinLnBrk="0" hangingPunct="1">
+              <a:lnSpc>
+                <a:spcPct val="90000"/>
+              </a:lnSpc>
+              <a:spcBef>
+                <a:spcPts val="500"/>
+              </a:spcBef>
+              <a:buFont typeface="Arial" panose="020B0604020202020204" pitchFamily="34" charset="0"/>
+              <a:buChar char="•"/>
+              <a:defRPr sz="1800" kern="1200">
+                <a:solidFill>
+                  <a:schemeClr val="tx1">
+                    <a:lumMod val="85000"/>
+                    <a:lumOff val="15000"/>
+                  </a:schemeClr>
+                </a:solidFill>
+                <a:latin typeface="Open Sans Semibold" panose="020B0706030804020204" pitchFamily="34" charset="0"/>
+                <a:ea typeface="Open Sans Semibold" panose="020B0706030804020204" pitchFamily="34" charset="0"/>
+                <a:cs typeface="Open Sans Semibold" panose="020B0706030804020204" pitchFamily="34" charset="0"/>
+              </a:defRPr>
+            </a:lvl5pPr>
+            <a:lvl6pPr marL="2514600" indent="-228600" algn="l" defTabSz="914400" rtl="0" eaLnBrk="1" latinLnBrk="0" hangingPunct="1">
+              <a:lnSpc>
+                <a:spcPct val="90000"/>
+              </a:lnSpc>
+              <a:spcBef>
+                <a:spcPts val="500"/>
+              </a:spcBef>
+              <a:buFont typeface="Arial" panose="020B0604020202020204" pitchFamily="34" charset="0"/>
+              <a:buChar char="•"/>
+              <a:defRPr sz="1800" kern="1200">
+                <a:solidFill>
+                  <a:schemeClr val="tx1"/>
+                </a:solidFill>
+                <a:latin typeface="+mn-lt"/>
+                <a:ea typeface="+mn-ea"/>
+                <a:cs typeface="+mn-cs"/>
+              </a:defRPr>
+            </a:lvl6pPr>
+            <a:lvl7pPr marL="2971800" indent="-228600" algn="l" defTabSz="914400" rtl="0" eaLnBrk="1" latinLnBrk="0" hangingPunct="1">
+              <a:lnSpc>
+                <a:spcPct val="90000"/>
+              </a:lnSpc>
+              <a:spcBef>
+                <a:spcPts val="500"/>
+              </a:spcBef>
+              <a:buFont typeface="Arial" panose="020B0604020202020204" pitchFamily="34" charset="0"/>
+              <a:buChar char="•"/>
+              <a:defRPr sz="1800" kern="1200">
+                <a:solidFill>
+                  <a:schemeClr val="tx1"/>
+                </a:solidFill>
+                <a:latin typeface="+mn-lt"/>
+                <a:ea typeface="+mn-ea"/>
+                <a:cs typeface="+mn-cs"/>
+              </a:defRPr>
+            </a:lvl7pPr>
+            <a:lvl8pPr marL="3429000" indent="-228600" algn="l" defTabSz="914400" rtl="0" eaLnBrk="1" latinLnBrk="0" hangingPunct="1">
+              <a:lnSpc>
+                <a:spcPct val="90000"/>
+              </a:lnSpc>
+              <a:spcBef>
+                <a:spcPts val="500"/>
+              </a:spcBef>
+              <a:buFont typeface="Arial" panose="020B0604020202020204" pitchFamily="34" charset="0"/>
+              <a:buChar char="•"/>
+              <a:defRPr sz="1800" kern="1200">
+                <a:solidFill>
+                  <a:schemeClr val="tx1"/>
+                </a:solidFill>
+                <a:latin typeface="+mn-lt"/>
+                <a:ea typeface="+mn-ea"/>
+                <a:cs typeface="+mn-cs"/>
+              </a:defRPr>
+            </a:lvl8pPr>
+            <a:lvl9pPr marL="3886200" indent="-228600" algn="l" defTabSz="914400" rtl="0" eaLnBrk="1" latinLnBrk="0" hangingPunct="1">
+              <a:lnSpc>
+                <a:spcPct val="90000"/>
+              </a:lnSpc>
+              <a:spcBef>
+                <a:spcPts val="500"/>
+              </a:spcBef>
+              <a:buFont typeface="Arial" panose="020B0604020202020204" pitchFamily="34" charset="0"/>
+              <a:buChar char="•"/>
+              <a:defRPr sz="1800" kern="1200">
+                <a:solidFill>
+                  <a:schemeClr val="tx1"/>
+                </a:solidFill>
+                <a:latin typeface="+mn-lt"/>
+                <a:ea typeface="+mn-ea"/>
+                <a:cs typeface="+mn-cs"/>
+              </a:defRPr>
+            </a:lvl9pPr>
+          </a:lstStyle>
+          <a:p>
+            <a:endParaRPr lang="pt-BR" dirty="0"/>
+          </a:p>
+        </p:txBody>
+      </p:sp>
     </p:spTree>
     <p:extLst>
       <p:ext uri="{BB962C8B-B14F-4D97-AF65-F5344CB8AC3E}">
@@ -11341,13 +13826,6 @@
   <p:clrMapOvr>
     <a:masterClrMapping/>
   </p:clrMapOvr>
-  <p:timing>
-    <p:tnLst>
-      <p:par>
-        <p:cTn id="1" dur="indefinite" restart="never" nodeType="tmRoot"/>
-      </p:par>
-    </p:tnLst>
-  </p:timing>
 </p:sld>
 </file>
 
@@ -11389,7 +13867,7 @@
           <a:lstStyle/>
           <a:p>
             <a:r>
-              <a:rPr lang="pt-BR" dirty="0" smtClean="0">
+              <a:rPr lang="pt-BR" dirty="0">
                 <a:effectLst>
                   <a:outerShdw blurRad="38100" dist="38100" dir="2700000" algn="tl">
                     <a:srgbClr val="000000">
@@ -11400,15 +13878,6 @@
               </a:rPr>
               <a:t>Em aulas anteriores...</a:t>
             </a:r>
-            <a:endParaRPr lang="pt-BR" dirty="0">
-              <a:effectLst>
-                <a:outerShdw blurRad="38100" dist="38100" dir="2700000" algn="tl">
-                  <a:srgbClr val="000000">
-                    <a:alpha val="43137"/>
-                  </a:srgbClr>
-                </a:outerShdw>
-              </a:effectLst>
-            </a:endParaRPr>
           </a:p>
         </p:txBody>
       </p:sp>
@@ -11438,11 +13907,11 @@
               <a:buNone/>
             </a:pPr>
             <a:r>
-              <a:rPr lang="pt-BR" sz="4000" dirty="0" smtClean="0"/>
+              <a:rPr lang="pt-BR" sz="4000" dirty="0"/>
               <a:t>Um </a:t>
             </a:r>
             <a:r>
-              <a:rPr lang="pt-BR" sz="4000" dirty="0" smtClean="0">
+              <a:rPr lang="pt-BR" sz="4000" dirty="0">
                 <a:effectLst>
                   <a:outerShdw blurRad="38100" dist="38100" dir="2700000" algn="tl">
                     <a:srgbClr val="000000">
@@ -11454,16 +13923,15 @@
               <a:t>sistema gerenciador de banco de dados </a:t>
             </a:r>
             <a:r>
-              <a:rPr lang="pt-BR" sz="4000" dirty="0" smtClean="0"/>
+              <a:rPr lang="pt-BR" sz="4000" dirty="0"/>
               <a:t>(SGBD) é um software de uso geral que facilita o processo de definição, construção manipulação e compartilhamento de banco de dados entre diversos usuários e aplicações. </a:t>
             </a:r>
-            <a:endParaRPr lang="pt-BR" sz="4000" dirty="0" smtClean="0"/>
           </a:p>
           <a:p>
             <a:pPr marL="0" indent="0" algn="r">
               <a:buNone/>
             </a:pPr>
-            <a:endParaRPr lang="pt-BR" sz="3600" dirty="0" smtClean="0">
+            <a:endParaRPr lang="pt-BR" sz="3600" dirty="0">
               <a:effectLst>
                 <a:outerShdw blurRad="38100" dist="38100" dir="2700000" algn="tl">
                   <a:srgbClr val="000000">
@@ -11478,7 +13946,7 @@
               <a:buNone/>
             </a:pPr>
             <a:r>
-              <a:rPr lang="pt-BR" sz="3600" dirty="0" err="1" smtClean="0">
+              <a:rPr lang="pt-BR" sz="3600" dirty="0" err="1">
                 <a:effectLst>
                   <a:outerShdw blurRad="38100" dist="38100" dir="2700000" algn="tl">
                     <a:srgbClr val="000000">
@@ -11806,13 +14274,6 @@
   <p:clrMapOvr>
     <a:masterClrMapping/>
   </p:clrMapOvr>
-  <p:timing>
-    <p:tnLst>
-      <p:par>
-        <p:cTn id="1" dur="indefinite" restart="never" nodeType="tmRoot"/>
-      </p:par>
-    </p:tnLst>
-  </p:timing>
 </p:sld>
 </file>
 
@@ -11854,7 +14315,7 @@
           <a:lstStyle/>
           <a:p>
             <a:r>
-              <a:rPr lang="pt-BR" dirty="0" smtClean="0">
+              <a:rPr lang="pt-BR" dirty="0">
                 <a:effectLst>
                   <a:outerShdw blurRad="38100" dist="38100" dir="2700000" algn="tl">
                     <a:srgbClr val="000000">
@@ -11865,15 +14326,6 @@
               </a:rPr>
               <a:t>Em aulas anteriores...</a:t>
             </a:r>
-            <a:endParaRPr lang="pt-BR" dirty="0">
-              <a:effectLst>
-                <a:outerShdw blurRad="38100" dist="38100" dir="2700000" algn="tl">
-                  <a:srgbClr val="000000">
-                    <a:alpha val="43137"/>
-                  </a:srgbClr>
-                </a:outerShdw>
-              </a:effectLst>
-            </a:endParaRPr>
           </a:p>
         </p:txBody>
       </p:sp>
@@ -11903,18 +14355,6 @@
               <a:buNone/>
             </a:pPr>
             <a:r>
-              <a:rPr lang="pt-BR" sz="4000" b="1" dirty="0" smtClean="0">
-                <a:effectLst>
-                  <a:outerShdw blurRad="38100" dist="38100" dir="2700000" algn="tl">
-                    <a:srgbClr val="000000">
-                      <a:alpha val="43137"/>
-                    </a:srgbClr>
-                  </a:outerShdw>
-                </a:effectLst>
-              </a:rPr>
-              <a:t>Modelo </a:t>
-            </a:r>
-            <a:r>
               <a:rPr lang="pt-BR" sz="4000" b="1" dirty="0">
                 <a:effectLst>
                   <a:outerShdw blurRad="38100" dist="38100" dir="2700000" algn="tl">
@@ -11924,18 +14364,14 @@
                   </a:outerShdw>
                 </a:effectLst>
               </a:rPr>
-              <a:t>de Dados </a:t>
+              <a:t>Modelo de Dados </a:t>
             </a:r>
             <a:r>
               <a:rPr lang="pt-BR" sz="4000" dirty="0"/>
-              <a:t>é uma coleção de conceitos que podem ser usados para descrever a estrutura de um banco de dados</a:t>
-            </a:r>
-            <a:r>
-              <a:rPr lang="pt-BR" sz="4000" dirty="0" smtClean="0"/>
-              <a:t>.</a:t>
-            </a:r>
-            <a:r>
-              <a:rPr lang="pt-BR" sz="4000" dirty="0" smtClean="0">
+              <a:t>é uma coleção de conceitos que podem ser usados para descrever a estrutura de um banco de dados.</a:t>
+            </a:r>
+            <a:r>
+              <a:rPr lang="pt-BR" sz="4000" dirty="0">
                 <a:effectLst>
                   <a:outerShdw blurRad="38100" dist="38100" dir="2700000" algn="tl">
                     <a:srgbClr val="000000">
@@ -11951,14 +14387,14 @@
             <a:pPr marL="0" indent="0" algn="r">
               <a:buNone/>
             </a:pPr>
-            <a:endParaRPr lang="pt-BR" sz="3600" dirty="0" smtClean="0"/>
+            <a:endParaRPr lang="pt-BR" sz="3600" dirty="0"/>
           </a:p>
           <a:p>
             <a:pPr marL="0" indent="0" algn="r">
               <a:buNone/>
             </a:pPr>
             <a:r>
-              <a:rPr lang="pt-BR" sz="3600" dirty="0" err="1" smtClean="0">
+              <a:rPr lang="pt-BR" sz="3600" dirty="0" err="1">
                 <a:effectLst>
                   <a:outerShdw blurRad="38100" dist="38100" dir="2700000" algn="tl">
                     <a:srgbClr val="000000">
@@ -12196,13 +14632,6 @@
   <p:clrMapOvr>
     <a:masterClrMapping/>
   </p:clrMapOvr>
-  <p:timing>
-    <p:tnLst>
-      <p:par>
-        <p:cTn id="1" dur="indefinite" restart="never" nodeType="tmRoot"/>
-      </p:par>
-    </p:tnLst>
-  </p:timing>
 </p:sld>
 </file>
 
@@ -12244,7 +14673,7 @@
           <a:lstStyle/>
           <a:p>
             <a:r>
-              <a:rPr lang="pt-BR" dirty="0" smtClean="0">
+              <a:rPr lang="pt-BR" dirty="0">
                 <a:effectLst>
                   <a:outerShdw blurRad="38100" dist="38100" dir="2700000" algn="tl">
                     <a:srgbClr val="000000">
@@ -12255,15 +14684,6 @@
               </a:rPr>
               <a:t>Em aulas anteriores...</a:t>
             </a:r>
-            <a:endParaRPr lang="pt-BR" dirty="0">
-              <a:effectLst>
-                <a:outerShdw blurRad="38100" dist="38100" dir="2700000" algn="tl">
-                  <a:srgbClr val="000000">
-                    <a:alpha val="43137"/>
-                  </a:srgbClr>
-                </a:outerShdw>
-              </a:effectLst>
-            </a:endParaRPr>
           </a:p>
         </p:txBody>
       </p:sp>
@@ -12482,7 +14902,7 @@
             <p:ph idx="1"/>
             <p:extLst>
               <p:ext uri="{D42A27DB-BD31-4B8C-83A1-F6EECF244321}">
-                <p14:modId xmlns:p14="http://schemas.microsoft.com/office/powerpoint/2010/main" val="2667141638"/>
+                <p14:modId xmlns:p14="http://schemas.microsoft.com/office/powerpoint/2010/main" val="1505831248"/>
               </p:ext>
             </p:extLst>
           </p:nvPr>
@@ -12507,13 +14927,6 @@
   <p:clrMapOvr>
     <a:masterClrMapping/>
   </p:clrMapOvr>
-  <p:timing>
-    <p:tnLst>
-      <p:par>
-        <p:cTn id="1" dur="indefinite" restart="never" nodeType="tmRoot"/>
-      </p:par>
-    </p:tnLst>
-  </p:timing>
 </p:sld>
 </file>
 
@@ -12555,7 +14968,7 @@
           <a:lstStyle/>
           <a:p>
             <a:r>
-              <a:rPr lang="pt-BR" dirty="0" smtClean="0">
+              <a:rPr lang="pt-BR" dirty="0">
                 <a:effectLst>
                   <a:outerShdw blurRad="38100" dist="38100" dir="2700000" algn="tl">
                     <a:srgbClr val="000000">
@@ -12566,15 +14979,6 @@
               </a:rPr>
               <a:t>O que iremos aprender:</a:t>
             </a:r>
-            <a:endParaRPr lang="pt-BR" dirty="0">
-              <a:effectLst>
-                <a:outerShdw blurRad="38100" dist="38100" dir="2700000" algn="tl">
-                  <a:srgbClr val="000000">
-                    <a:alpha val="43137"/>
-                  </a:srgbClr>
-                </a:outerShdw>
-              </a:effectLst>
-            </a:endParaRPr>
           </a:p>
         </p:txBody>
       </p:sp>
@@ -12604,7 +15008,7 @@
               <a:buNone/>
             </a:pPr>
             <a:r>
-              <a:rPr lang="pt-BR" sz="3600" dirty="0" smtClean="0"/>
+              <a:rPr lang="pt-BR" sz="3600" dirty="0"/>
               <a:t>Conceitos de modelagem do modelo entidade-relacionamento (modelo ER). </a:t>
             </a:r>
           </a:p>
@@ -12837,7 +15241,7 @@
         </p:blipFill>
         <p:spPr>
           <a:xfrm>
-            <a:off x="2706563" y="3471333"/>
+            <a:off x="2324476" y="3471333"/>
             <a:ext cx="6737508" cy="2421467"/>
           </a:xfrm>
           <a:prstGeom prst="rect">
@@ -12855,13 +15259,6 @@
   <p:clrMapOvr>
     <a:masterClrMapping/>
   </p:clrMapOvr>
-  <p:timing>
-    <p:tnLst>
-      <p:par>
-        <p:cTn id="1" dur="indefinite" restart="never" nodeType="tmRoot"/>
-      </p:par>
-    </p:tnLst>
-  </p:timing>
 </p:sld>
 </file>
 
@@ -12903,7 +15300,7 @@
           <a:lstStyle/>
           <a:p>
             <a:r>
-              <a:rPr lang="pt-BR" dirty="0" smtClean="0">
+              <a:rPr lang="pt-BR" dirty="0">
                 <a:effectLst>
                   <a:outerShdw blurRad="38100" dist="38100" dir="2700000" algn="tl">
                     <a:srgbClr val="000000">
@@ -12914,15 +15311,6 @@
               </a:rPr>
               <a:t>O que iremos aprender:</a:t>
             </a:r>
-            <a:endParaRPr lang="pt-BR" dirty="0">
-              <a:effectLst>
-                <a:outerShdw blurRad="38100" dist="38100" dir="2700000" algn="tl">
-                  <a:srgbClr val="000000">
-                    <a:alpha val="43137"/>
-                  </a:srgbClr>
-                </a:outerShdw>
-              </a:effectLst>
-            </a:endParaRPr>
           </a:p>
         </p:txBody>
       </p:sp>
@@ -12952,14 +15340,9 @@
               <a:buNone/>
             </a:pPr>
             <a:r>
-              <a:rPr lang="pt-BR" sz="3600" dirty="0" smtClean="0"/>
-              <a:t>Diagrama </a:t>
-            </a:r>
-            <a:r>
-              <a:rPr lang="pt-BR" sz="3600" dirty="0" smtClean="0"/>
-              <a:t>Entidade-Relacionamento (DER)</a:t>
-            </a:r>
-            <a:endParaRPr lang="pt-BR" sz="3600" dirty="0"/>
+              <a:rPr lang="pt-BR" sz="3600" dirty="0"/>
+              <a:t>Diagrama Entidade-Relacionamento (DER)</a:t>
+            </a:r>
           </a:p>
         </p:txBody>
       </p:sp>
@@ -13208,13 +15591,6 @@
   <p:clrMapOvr>
     <a:masterClrMapping/>
   </p:clrMapOvr>
-  <p:timing>
-    <p:tnLst>
-      <p:par>
-        <p:cTn id="1" dur="indefinite" restart="never" nodeType="tmRoot"/>
-      </p:par>
-    </p:tnLst>
-  </p:timing>
 </p:sld>
 </file>
 
@@ -13275,13 +15651,6 @@
   <p:clrMapOvr>
     <a:masterClrMapping/>
   </p:clrMapOvr>
-  <p:timing>
-    <p:tnLst>
-      <p:par>
-        <p:cTn id="1" dur="indefinite" restart="never" nodeType="tmRoot"/>
-      </p:par>
-    </p:tnLst>
-  </p:timing>
 </p:sld>
 </file>
 
@@ -13323,18 +15692,6 @@
           <a:lstStyle/>
           <a:p>
             <a:r>
-              <a:rPr lang="pt-BR" dirty="0" smtClean="0">
-                <a:effectLst>
-                  <a:outerShdw blurRad="38100" dist="38100" dir="2700000" algn="tl">
-                    <a:srgbClr val="000000">
-                      <a:alpha val="43137"/>
-                    </a:srgbClr>
-                  </a:outerShdw>
-                </a:effectLst>
-              </a:rPr>
-              <a:t>Modelo entidade </a:t>
-            </a:r>
-            <a:r>
               <a:rPr lang="pt-BR" dirty="0">
                 <a:effectLst>
                   <a:outerShdw blurRad="38100" dist="38100" dir="2700000" algn="tl">
@@ -13344,29 +15701,8 @@
                   </a:outerShdw>
                 </a:effectLst>
               </a:rPr>
-              <a:t>r</a:t>
-            </a:r>
-            <a:r>
-              <a:rPr lang="pt-BR" dirty="0" smtClean="0">
-                <a:effectLst>
-                  <a:outerShdw blurRad="38100" dist="38100" dir="2700000" algn="tl">
-                    <a:srgbClr val="000000">
-                      <a:alpha val="43137"/>
-                    </a:srgbClr>
-                  </a:outerShdw>
-                </a:effectLst>
-              </a:rPr>
-              <a:t>elacionamento</a:t>
-            </a:r>
-            <a:endParaRPr lang="pt-BR" dirty="0">
-              <a:effectLst>
-                <a:outerShdw blurRad="38100" dist="38100" dir="2700000" algn="tl">
-                  <a:srgbClr val="000000">
-                    <a:alpha val="43137"/>
-                  </a:srgbClr>
-                </a:outerShdw>
-              </a:effectLst>
-            </a:endParaRPr>
+              <a:t>Modelo entidade relacionamento</a:t>
+            </a:r>
           </a:p>
         </p:txBody>
       </p:sp>
@@ -13396,53 +15732,16 @@
               <a:buNone/>
             </a:pPr>
             <a:r>
-              <a:rPr lang="pt-BR" sz="3800" dirty="0" smtClean="0"/>
-              <a:t>É um </a:t>
-            </a:r>
-            <a:r>
               <a:rPr lang="pt-BR" sz="3800" dirty="0"/>
-              <a:t>m</a:t>
-            </a:r>
-            <a:r>
-              <a:rPr lang="pt-BR" sz="3800" dirty="0" smtClean="0"/>
-              <a:t>odelo </a:t>
-            </a:r>
-            <a:r>
-              <a:rPr lang="pt-BR" sz="3800" dirty="0"/>
-              <a:t>conceitual criado para </a:t>
+              <a:t>É um modelo conceitual criado para </a:t>
             </a:r>
             <a:br>
               <a:rPr lang="pt-BR" sz="3800" dirty="0"/>
             </a:br>
             <a:r>
-              <a:rPr lang="pt-BR" sz="3800" dirty="0" smtClean="0"/>
-              <a:t>representar </a:t>
-            </a:r>
-            <a:r>
               <a:rPr lang="pt-BR" sz="3800" dirty="0"/>
-              <a:t>toda a semântica que se </a:t>
-            </a:r>
-            <a:r>
-              <a:rPr lang="pt-BR" sz="3800" dirty="0" smtClean="0"/>
-              <a:t>encontra associada aos </a:t>
-            </a:r>
-            <a:r>
-              <a:rPr lang="pt-BR" sz="3800" dirty="0"/>
-              <a:t>dados presentes </a:t>
-            </a:r>
-            <a:r>
-              <a:rPr lang="pt-BR" sz="3800" dirty="0" smtClean="0"/>
-              <a:t>no minimundo </a:t>
-            </a:r>
-            <a:r>
-              <a:rPr lang="pt-BR" sz="3800" dirty="0"/>
-              <a:t>(universo de </a:t>
-            </a:r>
-            <a:r>
-              <a:rPr lang="pt-BR" sz="3800" dirty="0" smtClean="0"/>
-              <a:t>discurso).</a:t>
-            </a:r>
-            <a:endParaRPr lang="pt-BR" sz="3800" dirty="0" smtClean="0"/>
+              <a:t>representar toda a semântica que se encontra associada aos dados presentes no minimundo (universo de discurso).</a:t>
+            </a:r>
           </a:p>
         </p:txBody>
       </p:sp>
@@ -13661,13 +15960,6 @@
   <p:clrMapOvr>
     <a:masterClrMapping/>
   </p:clrMapOvr>
-  <p:timing>
-    <p:tnLst>
-      <p:par>
-        <p:cTn id="1" dur="indefinite" restart="never" nodeType="tmRoot"/>
-      </p:par>
-    </p:tnLst>
-  </p:timing>
 </p:sld>
 </file>
 

--- a/Banco de Dados/Banco de Dados.pptx
+++ b/Banco de Dados/Banco de Dados.pptx
@@ -5,7 +5,7 @@
     <p:sldMasterId id="2147483672" r:id="rId1"/>
   </p:sldMasterIdLst>
   <p:notesMasterIdLst>
-    <p:notesMasterId r:id="rId21"/>
+    <p:notesMasterId r:id="rId25"/>
   </p:notesMasterIdLst>
   <p:sldIdLst>
     <p:sldId id="256" r:id="rId2"/>
@@ -27,6 +27,10 @@
     <p:sldId id="277" r:id="rId18"/>
     <p:sldId id="278" r:id="rId19"/>
     <p:sldId id="279" r:id="rId20"/>
+    <p:sldId id="280" r:id="rId21"/>
+    <p:sldId id="281" r:id="rId22"/>
+    <p:sldId id="282" r:id="rId23"/>
+    <p:sldId id="283" r:id="rId24"/>
   </p:sldIdLst>
   <p:sldSz cx="12192000" cy="6858000"/>
   <p:notesSz cx="6858000" cy="9144000"/>
@@ -1045,14 +1049,35 @@
         </dgm:presLayoutVars>
       </dgm:prSet>
       <dgm:spPr/>
+      <dgm:t>
+        <a:bodyPr/>
+        <a:lstStyle/>
+        <a:p>
+          <a:endParaRPr lang="pt-BR"/>
+        </a:p>
+      </dgm:t>
     </dgm:pt>
     <dgm:pt modelId="{5F369866-7A7B-4DAE-B6B9-C0288D40CB8B}" type="pres">
       <dgm:prSet presAssocID="{A7A3B3FB-701B-4A53-B8D6-06EA1C567454}" presName="sibTrans" presStyleLbl="sibTrans2D1" presStyleIdx="0" presStyleCnt="2"/>
       <dgm:spPr/>
+      <dgm:t>
+        <a:bodyPr/>
+        <a:lstStyle/>
+        <a:p>
+          <a:endParaRPr lang="pt-BR"/>
+        </a:p>
+      </dgm:t>
     </dgm:pt>
     <dgm:pt modelId="{4D20C74A-9347-4A0C-A0D0-50AB19E27B00}" type="pres">
       <dgm:prSet presAssocID="{A7A3B3FB-701B-4A53-B8D6-06EA1C567454}" presName="connectorText" presStyleLbl="sibTrans2D1" presStyleIdx="0" presStyleCnt="2"/>
       <dgm:spPr/>
+      <dgm:t>
+        <a:bodyPr/>
+        <a:lstStyle/>
+        <a:p>
+          <a:endParaRPr lang="pt-BR"/>
+        </a:p>
+      </dgm:t>
     </dgm:pt>
     <dgm:pt modelId="{83E645D5-8EFE-4BE4-A604-DF583EB7D1E7}" type="pres">
       <dgm:prSet presAssocID="{2439F2C9-9671-4DDD-AB18-5004641B0823}" presName="node" presStyleLbl="node1" presStyleIdx="1" presStyleCnt="3" custScaleX="275777">
@@ -1061,14 +1086,35 @@
         </dgm:presLayoutVars>
       </dgm:prSet>
       <dgm:spPr/>
+      <dgm:t>
+        <a:bodyPr/>
+        <a:lstStyle/>
+        <a:p>
+          <a:endParaRPr lang="pt-BR"/>
+        </a:p>
+      </dgm:t>
     </dgm:pt>
     <dgm:pt modelId="{73B91226-3E9A-4A52-815F-511238FE970A}" type="pres">
       <dgm:prSet presAssocID="{0439C27F-ADF3-4D56-914D-CD4833DF8B89}" presName="sibTrans" presStyleLbl="sibTrans2D1" presStyleIdx="1" presStyleCnt="2"/>
       <dgm:spPr/>
+      <dgm:t>
+        <a:bodyPr/>
+        <a:lstStyle/>
+        <a:p>
+          <a:endParaRPr lang="pt-BR"/>
+        </a:p>
+      </dgm:t>
     </dgm:pt>
     <dgm:pt modelId="{DB412759-4EFA-40B7-B72C-A7038BE29F0F}" type="pres">
       <dgm:prSet presAssocID="{0439C27F-ADF3-4D56-914D-CD4833DF8B89}" presName="connectorText" presStyleLbl="sibTrans2D1" presStyleIdx="1" presStyleCnt="2"/>
       <dgm:spPr/>
+      <dgm:t>
+        <a:bodyPr/>
+        <a:lstStyle/>
+        <a:p>
+          <a:endParaRPr lang="pt-BR"/>
+        </a:p>
+      </dgm:t>
     </dgm:pt>
     <dgm:pt modelId="{A419CA9C-27D2-4695-A37C-9068BA28D35B}" type="pres">
       <dgm:prSet presAssocID="{B475D5D5-966C-4F5C-AB6C-C3A3AC2DDDB0}" presName="node" presStyleLbl="node1" presStyleIdx="2" presStyleCnt="3" custScaleX="275777">
@@ -1077,19 +1123,26 @@
         </dgm:presLayoutVars>
       </dgm:prSet>
       <dgm:spPr/>
+      <dgm:t>
+        <a:bodyPr/>
+        <a:lstStyle/>
+        <a:p>
+          <a:endParaRPr lang="pt-BR"/>
+        </a:p>
+      </dgm:t>
     </dgm:pt>
   </dgm:ptLst>
   <dgm:cxnLst>
+    <dgm:cxn modelId="{241F6CD4-FCA0-48C6-AEB9-D22CB36C9CD9}" srcId="{50A68ACB-36DF-40BF-B63B-69CA303B50FC}" destId="{690EC6D6-287E-49C7-AABA-61E7FF51CA91}" srcOrd="0" destOrd="0" parTransId="{4513D146-8FD1-474C-B953-DA0F110E130A}" sibTransId="{A7A3B3FB-701B-4A53-B8D6-06EA1C567454}"/>
+    <dgm:cxn modelId="{81B505C4-AEF2-4499-A5F8-AF2EBD99E6D3}" srcId="{50A68ACB-36DF-40BF-B63B-69CA303B50FC}" destId="{2439F2C9-9671-4DDD-AB18-5004641B0823}" srcOrd="1" destOrd="0" parTransId="{82C73283-E4AC-49F6-A121-9622F1F2135B}" sibTransId="{0439C27F-ADF3-4D56-914D-CD4833DF8B89}"/>
+    <dgm:cxn modelId="{567A8963-5180-4A8C-968A-BCE5EF047CB5}" type="presOf" srcId="{A7A3B3FB-701B-4A53-B8D6-06EA1C567454}" destId="{4D20C74A-9347-4A0C-A0D0-50AB19E27B00}" srcOrd="1" destOrd="0" presId="urn:microsoft.com/office/officeart/2005/8/layout/process2"/>
     <dgm:cxn modelId="{D9FE2627-A0DD-4E8E-ACEF-815C32F60EA4}" srcId="{50A68ACB-36DF-40BF-B63B-69CA303B50FC}" destId="{B475D5D5-966C-4F5C-AB6C-C3A3AC2DDDB0}" srcOrd="2" destOrd="0" parTransId="{B1C7C836-C7CF-457B-B900-5802E93E18A5}" sibTransId="{76C2644C-E5AB-4F21-B732-5F5B40BB4FB5}"/>
+    <dgm:cxn modelId="{C9AB29CF-C82C-4BDE-896D-DDFC8B891DFD}" type="presOf" srcId="{0439C27F-ADF3-4D56-914D-CD4833DF8B89}" destId="{73B91226-3E9A-4A52-815F-511238FE970A}" srcOrd="0" destOrd="0" presId="urn:microsoft.com/office/officeart/2005/8/layout/process2"/>
+    <dgm:cxn modelId="{EB0EE0B7-7A8A-4161-9C4C-C4D48D688CCF}" type="presOf" srcId="{A7A3B3FB-701B-4A53-B8D6-06EA1C567454}" destId="{5F369866-7A7B-4DAE-B6B9-C0288D40CB8B}" srcOrd="0" destOrd="0" presId="urn:microsoft.com/office/officeart/2005/8/layout/process2"/>
+    <dgm:cxn modelId="{F7B02983-6DA4-49DD-BEF4-EE4E28BB363E}" type="presOf" srcId="{50A68ACB-36DF-40BF-B63B-69CA303B50FC}" destId="{344C8044-1B56-48EC-8D27-6C269A3860B8}" srcOrd="0" destOrd="0" presId="urn:microsoft.com/office/officeart/2005/8/layout/process2"/>
     <dgm:cxn modelId="{6B14E562-026C-49EF-98BB-F6B19150B63B}" type="presOf" srcId="{0439C27F-ADF3-4D56-914D-CD4833DF8B89}" destId="{DB412759-4EFA-40B7-B72C-A7038BE29F0F}" srcOrd="1" destOrd="0" presId="urn:microsoft.com/office/officeart/2005/8/layout/process2"/>
-    <dgm:cxn modelId="{567A8963-5180-4A8C-968A-BCE5EF047CB5}" type="presOf" srcId="{A7A3B3FB-701B-4A53-B8D6-06EA1C567454}" destId="{4D20C74A-9347-4A0C-A0D0-50AB19E27B00}" srcOrd="1" destOrd="0" presId="urn:microsoft.com/office/officeart/2005/8/layout/process2"/>
-    <dgm:cxn modelId="{F7B02983-6DA4-49DD-BEF4-EE4E28BB363E}" type="presOf" srcId="{50A68ACB-36DF-40BF-B63B-69CA303B50FC}" destId="{344C8044-1B56-48EC-8D27-6C269A3860B8}" srcOrd="0" destOrd="0" presId="urn:microsoft.com/office/officeart/2005/8/layout/process2"/>
+    <dgm:cxn modelId="{A20BDDB1-8DDD-4235-A0C0-ABA8924CA3FC}" type="presOf" srcId="{2439F2C9-9671-4DDD-AB18-5004641B0823}" destId="{83E645D5-8EFE-4BE4-A604-DF583EB7D1E7}" srcOrd="0" destOrd="0" presId="urn:microsoft.com/office/officeart/2005/8/layout/process2"/>
     <dgm:cxn modelId="{24CC6487-7C9F-4BCA-A0F1-C04BD08671D0}" type="presOf" srcId="{690EC6D6-287E-49C7-AABA-61E7FF51CA91}" destId="{58D5694F-A2D5-4789-AFFF-1D11A972640F}" srcOrd="0" destOrd="0" presId="urn:microsoft.com/office/officeart/2005/8/layout/process2"/>
-    <dgm:cxn modelId="{A20BDDB1-8DDD-4235-A0C0-ABA8924CA3FC}" type="presOf" srcId="{2439F2C9-9671-4DDD-AB18-5004641B0823}" destId="{83E645D5-8EFE-4BE4-A604-DF583EB7D1E7}" srcOrd="0" destOrd="0" presId="urn:microsoft.com/office/officeart/2005/8/layout/process2"/>
-    <dgm:cxn modelId="{EB0EE0B7-7A8A-4161-9C4C-C4D48D688CCF}" type="presOf" srcId="{A7A3B3FB-701B-4A53-B8D6-06EA1C567454}" destId="{5F369866-7A7B-4DAE-B6B9-C0288D40CB8B}" srcOrd="0" destOrd="0" presId="urn:microsoft.com/office/officeart/2005/8/layout/process2"/>
-    <dgm:cxn modelId="{81B505C4-AEF2-4499-A5F8-AF2EBD99E6D3}" srcId="{50A68ACB-36DF-40BF-B63B-69CA303B50FC}" destId="{2439F2C9-9671-4DDD-AB18-5004641B0823}" srcOrd="1" destOrd="0" parTransId="{82C73283-E4AC-49F6-A121-9622F1F2135B}" sibTransId="{0439C27F-ADF3-4D56-914D-CD4833DF8B89}"/>
-    <dgm:cxn modelId="{C9AB29CF-C82C-4BDE-896D-DDFC8B891DFD}" type="presOf" srcId="{0439C27F-ADF3-4D56-914D-CD4833DF8B89}" destId="{73B91226-3E9A-4A52-815F-511238FE970A}" srcOrd="0" destOrd="0" presId="urn:microsoft.com/office/officeart/2005/8/layout/process2"/>
-    <dgm:cxn modelId="{241F6CD4-FCA0-48C6-AEB9-D22CB36C9CD9}" srcId="{50A68ACB-36DF-40BF-B63B-69CA303B50FC}" destId="{690EC6D6-287E-49C7-AABA-61E7FF51CA91}" srcOrd="0" destOrd="0" parTransId="{4513D146-8FD1-474C-B953-DA0F110E130A}" sibTransId="{A7A3B3FB-701B-4A53-B8D6-06EA1C567454}"/>
     <dgm:cxn modelId="{D46A43F3-4679-4ED6-82B9-EE210D7DF6F7}" type="presOf" srcId="{B475D5D5-966C-4F5C-AB6C-C3A3AC2DDDB0}" destId="{A419CA9C-27D2-4695-A37C-9068BA28D35B}" srcOrd="0" destOrd="0" presId="urn:microsoft.com/office/officeart/2005/8/layout/process2"/>
     <dgm:cxn modelId="{45D83319-8953-48F4-BEB0-221D581BF218}" type="presParOf" srcId="{344C8044-1B56-48EC-8D27-6C269A3860B8}" destId="{58D5694F-A2D5-4789-AFFF-1D11A972640F}" srcOrd="0" destOrd="0" presId="urn:microsoft.com/office/officeart/2005/8/layout/process2"/>
     <dgm:cxn modelId="{46EAD134-456D-4A3D-96C3-11739D0B769E}" type="presParOf" srcId="{344C8044-1B56-48EC-8D27-6C269A3860B8}" destId="{5F369866-7A7B-4DAE-B6B9-C0288D40CB8B}" srcOrd="1" destOrd="0" presId="urn:microsoft.com/office/officeart/2005/8/layout/process2"/>
@@ -1174,7 +1227,7 @@
         </a:bodyPr>
         <a:lstStyle/>
         <a:p>
-          <a:pPr marL="0" lvl="0" indent="0" algn="ctr" defTabSz="1778000">
+          <a:pPr lvl="0" algn="ctr" defTabSz="1778000">
             <a:lnSpc>
               <a:spcPct val="90000"/>
             </a:lnSpc>
@@ -1184,7 +1237,6 @@
             <a:spcAft>
               <a:spcPct val="35000"/>
             </a:spcAft>
-            <a:buNone/>
           </a:pPr>
           <a:r>
             <a:rPr lang="pt-BR" sz="4000" kern="1200" dirty="0"/>
@@ -1246,7 +1298,7 @@
         </a:bodyPr>
         <a:lstStyle/>
         <a:p>
-          <a:pPr marL="0" lvl="0" indent="0" algn="ctr" defTabSz="889000">
+          <a:pPr lvl="0" algn="ctr" defTabSz="889000">
             <a:lnSpc>
               <a:spcPct val="90000"/>
             </a:lnSpc>
@@ -1256,7 +1308,6 @@
             <a:spcAft>
               <a:spcPct val="35000"/>
             </a:spcAft>
-            <a:buNone/>
           </a:pPr>
           <a:endParaRPr lang="pt-BR" sz="2000" kern="1200"/>
         </a:p>
@@ -1323,7 +1374,7 @@
         </a:bodyPr>
         <a:lstStyle/>
         <a:p>
-          <a:pPr marL="0" lvl="0" indent="0" algn="ctr" defTabSz="1733550">
+          <a:pPr lvl="0" algn="ctr" defTabSz="1733550">
             <a:lnSpc>
               <a:spcPct val="90000"/>
             </a:lnSpc>
@@ -1333,7 +1384,6 @@
             <a:spcAft>
               <a:spcPct val="35000"/>
             </a:spcAft>
-            <a:buNone/>
           </a:pPr>
           <a:r>
             <a:rPr lang="pt-BR" sz="3900" kern="1200" dirty="0"/>
@@ -1395,7 +1445,7 @@
         </a:bodyPr>
         <a:lstStyle/>
         <a:p>
-          <a:pPr marL="0" lvl="0" indent="0" algn="ctr" defTabSz="889000">
+          <a:pPr lvl="0" algn="ctr" defTabSz="889000">
             <a:lnSpc>
               <a:spcPct val="90000"/>
             </a:lnSpc>
@@ -1405,7 +1455,6 @@
             <a:spcAft>
               <a:spcPct val="35000"/>
             </a:spcAft>
-            <a:buNone/>
           </a:pPr>
           <a:endParaRPr lang="pt-BR" sz="2000" kern="1200"/>
         </a:p>
@@ -1472,7 +1521,7 @@
         </a:bodyPr>
         <a:lstStyle/>
         <a:p>
-          <a:pPr marL="0" lvl="0" indent="0" algn="ctr" defTabSz="1733550">
+          <a:pPr lvl="0" algn="ctr" defTabSz="1733550">
             <a:lnSpc>
               <a:spcPct val="90000"/>
             </a:lnSpc>
@@ -1482,7 +1531,6 @@
             <a:spcAft>
               <a:spcPct val="35000"/>
             </a:spcAft>
-            <a:buNone/>
           </a:pPr>
           <a:r>
             <a:rPr lang="pt-BR" sz="3900" kern="1200" dirty="0"/>
@@ -4010,7 +4058,7 @@
               <a:defRPr/>
             </a:pPr>
             <a:r>
-              <a:rPr lang="pt-BR" sz="1200" kern="1200" dirty="0">
+              <a:rPr lang="pt-BR" sz="1200" kern="1200" dirty="0" smtClean="0">
                 <a:solidFill>
                   <a:schemeClr val="tx1"/>
                 </a:solidFill>
@@ -4019,8 +4067,29 @@
                 <a:ea typeface="+mn-ea"/>
                 <a:cs typeface="+mn-cs"/>
               </a:rPr>
-              <a:t>E é o modelo mais utilizado para o projeto conceitual de aplicações de BD. Muitas ferramentas de projeto de banco de dados fazem uso dos seus conceitos. Até a UML emprega conceitos do ER: diagrama de classe.</a:t>
-            </a:r>
+              <a:t>Outro</a:t>
+            </a:r>
+            <a:r>
+              <a:rPr lang="pt-BR" sz="1200" kern="1200" baseline="0" dirty="0" smtClean="0">
+                <a:solidFill>
+                  <a:schemeClr val="tx1"/>
+                </a:solidFill>
+                <a:effectLst/>
+                <a:latin typeface="+mn-lt"/>
+                <a:ea typeface="+mn-ea"/>
+                <a:cs typeface="+mn-cs"/>
+              </a:rPr>
+              <a:t>s exemplos de conceitual: Projeto, curso universitário, cargo.</a:t>
+            </a:r>
+            <a:endParaRPr lang="pt-BR" sz="1200" kern="1200" dirty="0">
+              <a:solidFill>
+                <a:schemeClr val="tx1"/>
+              </a:solidFill>
+              <a:effectLst/>
+              <a:latin typeface="+mn-lt"/>
+              <a:ea typeface="+mn-ea"/>
+              <a:cs typeface="+mn-cs"/>
+            </a:endParaRPr>
           </a:p>
         </p:txBody>
       </p:sp>
@@ -4051,6 +4120,284 @@
     <p:extLst>
       <p:ext uri="{BB962C8B-B14F-4D97-AF65-F5344CB8AC3E}">
         <p14:creationId xmlns:p14="http://schemas.microsoft.com/office/powerpoint/2010/main" val="1962103958"/>
+      </p:ext>
+    </p:extLst>
+  </p:cSld>
+  <p:clrMapOvr>
+    <a:masterClrMapping/>
+  </p:clrMapOvr>
+</p:notes>
+</file>
+
+<file path=ppt/notesSlides/notesSlide18.xml><?xml version="1.0" encoding="utf-8"?>
+<p:notes xmlns:a="http://schemas.openxmlformats.org/drawingml/2006/main" xmlns:r="http://schemas.openxmlformats.org/officeDocument/2006/relationships" xmlns:p="http://schemas.openxmlformats.org/presentationml/2006/main">
+  <p:cSld>
+    <p:spTree>
+      <p:nvGrpSpPr>
+        <p:cNvPr id="1" name=""/>
+        <p:cNvGrpSpPr/>
+        <p:nvPr/>
+      </p:nvGrpSpPr>
+      <p:grpSpPr>
+        <a:xfrm>
+          <a:off x="0" y="0"/>
+          <a:ext cx="0" cy="0"/>
+          <a:chOff x="0" y="0"/>
+          <a:chExt cx="0" cy="0"/>
+        </a:xfrm>
+      </p:grpSpPr>
+      <p:sp>
+        <p:nvSpPr>
+          <p:cNvPr id="2" name="Espaço Reservado para Imagem de Slide 1"/>
+          <p:cNvSpPr>
+            <a:spLocks noGrp="1" noRot="1" noChangeAspect="1"/>
+          </p:cNvSpPr>
+          <p:nvPr>
+            <p:ph type="sldImg"/>
+          </p:nvPr>
+        </p:nvSpPr>
+        <p:spPr/>
+      </p:sp>
+      <p:sp>
+        <p:nvSpPr>
+          <p:cNvPr id="3" name="Espaço Reservado para Anotações 2"/>
+          <p:cNvSpPr>
+            <a:spLocks noGrp="1"/>
+          </p:cNvSpPr>
+          <p:nvPr>
+            <p:ph type="body" idx="1"/>
+          </p:nvPr>
+        </p:nvSpPr>
+        <p:spPr/>
+        <p:txBody>
+          <a:bodyPr/>
+          <a:lstStyle/>
+          <a:p>
+            <a:pPr marL="0" marR="0" indent="0" algn="l" defTabSz="914400" rtl="0" eaLnBrk="1" fontAlgn="auto" latinLnBrk="0" hangingPunct="1">
+              <a:lnSpc>
+                <a:spcPct val="100000"/>
+              </a:lnSpc>
+              <a:spcBef>
+                <a:spcPts val="0"/>
+              </a:spcBef>
+              <a:spcAft>
+                <a:spcPts val="0"/>
+              </a:spcAft>
+              <a:buClrTx/>
+              <a:buSzTx/>
+              <a:buFontTx/>
+              <a:buNone/>
+              <a:tabLst/>
+              <a:defRPr/>
+            </a:pPr>
+            <a:r>
+              <a:rPr lang="pt-BR" sz="1200" kern="1200" dirty="0" smtClean="0">
+                <a:solidFill>
+                  <a:schemeClr val="tx1"/>
+                </a:solidFill>
+                <a:effectLst/>
+                <a:latin typeface="+mn-lt"/>
+                <a:ea typeface="+mn-ea"/>
+                <a:cs typeface="+mn-cs"/>
+              </a:rPr>
+              <a:t>Outro</a:t>
+            </a:r>
+            <a:r>
+              <a:rPr lang="pt-BR" sz="1200" kern="1200" baseline="0" dirty="0" smtClean="0">
+                <a:solidFill>
+                  <a:schemeClr val="tx1"/>
+                </a:solidFill>
+                <a:effectLst/>
+                <a:latin typeface="+mn-lt"/>
+                <a:ea typeface="+mn-ea"/>
+                <a:cs typeface="+mn-cs"/>
+              </a:rPr>
+              <a:t>s exemplos de conceitual: Projeto, curso universitário, cargo.</a:t>
+            </a:r>
+            <a:endParaRPr lang="pt-BR" sz="1200" kern="1200" dirty="0">
+              <a:solidFill>
+                <a:schemeClr val="tx1"/>
+              </a:solidFill>
+              <a:effectLst/>
+              <a:latin typeface="+mn-lt"/>
+              <a:ea typeface="+mn-ea"/>
+              <a:cs typeface="+mn-cs"/>
+            </a:endParaRPr>
+          </a:p>
+        </p:txBody>
+      </p:sp>
+      <p:sp>
+        <p:nvSpPr>
+          <p:cNvPr id="4" name="Espaço Reservado para Número de Slide 3"/>
+          <p:cNvSpPr>
+            <a:spLocks noGrp="1"/>
+          </p:cNvSpPr>
+          <p:nvPr>
+            <p:ph type="sldNum" sz="quarter" idx="10"/>
+          </p:nvPr>
+        </p:nvSpPr>
+        <p:spPr/>
+        <p:txBody>
+          <a:bodyPr/>
+          <a:lstStyle/>
+          <a:p>
+            <a:fld id="{B01B1A7E-8D18-4E30-BAA7-1D756AD2B49F}" type="slidenum">
+              <a:rPr lang="pt-BR" smtClean="0"/>
+              <a:t>20</a:t>
+            </a:fld>
+            <a:endParaRPr lang="pt-BR"/>
+          </a:p>
+        </p:txBody>
+      </p:sp>
+    </p:spTree>
+    <p:extLst>
+      <p:ext uri="{BB962C8B-B14F-4D97-AF65-F5344CB8AC3E}">
+        <p14:creationId xmlns:p14="http://schemas.microsoft.com/office/powerpoint/2010/main" val="3924946203"/>
+      </p:ext>
+    </p:extLst>
+  </p:cSld>
+  <p:clrMapOvr>
+    <a:masterClrMapping/>
+  </p:clrMapOvr>
+</p:notes>
+</file>
+
+<file path=ppt/notesSlides/notesSlide19.xml><?xml version="1.0" encoding="utf-8"?>
+<p:notes xmlns:a="http://schemas.openxmlformats.org/drawingml/2006/main" xmlns:r="http://schemas.openxmlformats.org/officeDocument/2006/relationships" xmlns:p="http://schemas.openxmlformats.org/presentationml/2006/main">
+  <p:cSld>
+    <p:spTree>
+      <p:nvGrpSpPr>
+        <p:cNvPr id="1" name=""/>
+        <p:cNvGrpSpPr/>
+        <p:nvPr/>
+      </p:nvGrpSpPr>
+      <p:grpSpPr>
+        <a:xfrm>
+          <a:off x="0" y="0"/>
+          <a:ext cx="0" cy="0"/>
+          <a:chOff x="0" y="0"/>
+          <a:chExt cx="0" cy="0"/>
+        </a:xfrm>
+      </p:grpSpPr>
+      <p:sp>
+        <p:nvSpPr>
+          <p:cNvPr id="2" name="Espaço Reservado para Imagem de Slide 1"/>
+          <p:cNvSpPr>
+            <a:spLocks noGrp="1" noRot="1" noChangeAspect="1"/>
+          </p:cNvSpPr>
+          <p:nvPr>
+            <p:ph type="sldImg"/>
+          </p:nvPr>
+        </p:nvSpPr>
+        <p:spPr/>
+      </p:sp>
+      <p:sp>
+        <p:nvSpPr>
+          <p:cNvPr id="3" name="Espaço Reservado para Anotações 2"/>
+          <p:cNvSpPr>
+            <a:spLocks noGrp="1"/>
+          </p:cNvSpPr>
+          <p:nvPr>
+            <p:ph type="body" idx="1"/>
+          </p:nvPr>
+        </p:nvSpPr>
+        <p:spPr/>
+        <p:txBody>
+          <a:bodyPr/>
+          <a:lstStyle/>
+          <a:p>
+            <a:pPr marL="0" marR="0" indent="0" algn="l" defTabSz="914400" rtl="0" eaLnBrk="1" fontAlgn="auto" latinLnBrk="0" hangingPunct="1">
+              <a:lnSpc>
+                <a:spcPct val="100000"/>
+              </a:lnSpc>
+              <a:spcBef>
+                <a:spcPts val="0"/>
+              </a:spcBef>
+              <a:spcAft>
+                <a:spcPts val="0"/>
+              </a:spcAft>
+              <a:buClrTx/>
+              <a:buSzTx/>
+              <a:buFontTx/>
+              <a:buNone/>
+              <a:tabLst/>
+              <a:defRPr/>
+            </a:pPr>
+            <a:r>
+              <a:rPr lang="pt-BR" sz="1200" kern="1200" dirty="0" smtClean="0">
+                <a:solidFill>
+                  <a:schemeClr val="tx1"/>
+                </a:solidFill>
+                <a:effectLst/>
+                <a:latin typeface="+mn-lt"/>
+                <a:ea typeface="+mn-ea"/>
+                <a:cs typeface="+mn-cs"/>
+              </a:rPr>
+              <a:t>O retângulo do</a:t>
+            </a:r>
+            <a:r>
+              <a:rPr lang="pt-BR" sz="1200" kern="1200" baseline="0" dirty="0" smtClean="0">
+                <a:solidFill>
+                  <a:schemeClr val="tx1"/>
+                </a:solidFill>
+                <a:effectLst/>
+                <a:latin typeface="+mn-lt"/>
+                <a:ea typeface="+mn-ea"/>
+                <a:cs typeface="+mn-cs"/>
+              </a:rPr>
+              <a:t> Cliente</a:t>
+            </a:r>
+            <a:r>
+              <a:rPr lang="pt-BR" sz="1200" kern="1200" dirty="0" smtClean="0">
+                <a:solidFill>
+                  <a:schemeClr val="tx1"/>
+                </a:solidFill>
+                <a:effectLst/>
+                <a:latin typeface="+mn-lt"/>
+                <a:ea typeface="+mn-ea"/>
+                <a:cs typeface="+mn-cs"/>
+              </a:rPr>
+              <a:t> designa o conjunto de todas os clientes sobre as quais se deseja manter informações no banco de dados</a:t>
+            </a:r>
+            <a:endParaRPr lang="pt-BR" sz="1200" kern="1200" dirty="0">
+              <a:solidFill>
+                <a:schemeClr val="tx1"/>
+              </a:solidFill>
+              <a:effectLst/>
+              <a:latin typeface="+mn-lt"/>
+              <a:ea typeface="+mn-ea"/>
+              <a:cs typeface="+mn-cs"/>
+            </a:endParaRPr>
+          </a:p>
+        </p:txBody>
+      </p:sp>
+      <p:sp>
+        <p:nvSpPr>
+          <p:cNvPr id="4" name="Espaço Reservado para Número de Slide 3"/>
+          <p:cNvSpPr>
+            <a:spLocks noGrp="1"/>
+          </p:cNvSpPr>
+          <p:nvPr>
+            <p:ph type="sldNum" sz="quarter" idx="10"/>
+          </p:nvPr>
+        </p:nvSpPr>
+        <p:spPr/>
+        <p:txBody>
+          <a:bodyPr/>
+          <a:lstStyle/>
+          <a:p>
+            <a:fld id="{B01B1A7E-8D18-4E30-BAA7-1D756AD2B49F}" type="slidenum">
+              <a:rPr lang="pt-BR" smtClean="0"/>
+              <a:t>21</a:t>
+            </a:fld>
+            <a:endParaRPr lang="pt-BR"/>
+          </a:p>
+        </p:txBody>
+      </p:sp>
+    </p:spTree>
+    <p:extLst>
+      <p:ext uri="{BB962C8B-B14F-4D97-AF65-F5344CB8AC3E}">
+        <p14:creationId xmlns:p14="http://schemas.microsoft.com/office/powerpoint/2010/main" val="2057621713"/>
       </p:ext>
     </p:extLst>
   </p:cSld>
@@ -4163,6 +4510,291 @@
     <p:extLst>
       <p:ext uri="{BB962C8B-B14F-4D97-AF65-F5344CB8AC3E}">
         <p14:creationId xmlns:p14="http://schemas.microsoft.com/office/powerpoint/2010/main" val="801531378"/>
+      </p:ext>
+    </p:extLst>
+  </p:cSld>
+  <p:clrMapOvr>
+    <a:masterClrMapping/>
+  </p:clrMapOvr>
+</p:notes>
+</file>
+
+<file path=ppt/notesSlides/notesSlide20.xml><?xml version="1.0" encoding="utf-8"?>
+<p:notes xmlns:a="http://schemas.openxmlformats.org/drawingml/2006/main" xmlns:r="http://schemas.openxmlformats.org/officeDocument/2006/relationships" xmlns:p="http://schemas.openxmlformats.org/presentationml/2006/main">
+  <p:cSld>
+    <p:spTree>
+      <p:nvGrpSpPr>
+        <p:cNvPr id="1" name=""/>
+        <p:cNvGrpSpPr/>
+        <p:nvPr/>
+      </p:nvGrpSpPr>
+      <p:grpSpPr>
+        <a:xfrm>
+          <a:off x="0" y="0"/>
+          <a:ext cx="0" cy="0"/>
+          <a:chOff x="0" y="0"/>
+          <a:chExt cx="0" cy="0"/>
+        </a:xfrm>
+      </p:grpSpPr>
+      <p:sp>
+        <p:nvSpPr>
+          <p:cNvPr id="2" name="Espaço Reservado para Imagem de Slide 1"/>
+          <p:cNvSpPr>
+            <a:spLocks noGrp="1" noRot="1" noChangeAspect="1"/>
+          </p:cNvSpPr>
+          <p:nvPr>
+            <p:ph type="sldImg"/>
+          </p:nvPr>
+        </p:nvSpPr>
+        <p:spPr/>
+      </p:sp>
+      <p:sp>
+        <p:nvSpPr>
+          <p:cNvPr id="3" name="Espaço Reservado para Anotações 2"/>
+          <p:cNvSpPr>
+            <a:spLocks noGrp="1"/>
+          </p:cNvSpPr>
+          <p:nvPr>
+            <p:ph type="body" idx="1"/>
+          </p:nvPr>
+        </p:nvSpPr>
+        <p:spPr/>
+        <p:txBody>
+          <a:bodyPr/>
+          <a:lstStyle/>
+          <a:p>
+            <a:pPr marL="0" marR="0" indent="0" algn="l" defTabSz="914400" rtl="0" eaLnBrk="1" fontAlgn="auto" latinLnBrk="0" hangingPunct="1">
+              <a:lnSpc>
+                <a:spcPct val="100000"/>
+              </a:lnSpc>
+              <a:spcBef>
+                <a:spcPts val="0"/>
+              </a:spcBef>
+              <a:spcAft>
+                <a:spcPts val="0"/>
+              </a:spcAft>
+              <a:buClrTx/>
+              <a:buSzTx/>
+              <a:buFontTx/>
+              <a:buNone/>
+              <a:tabLst/>
+              <a:defRPr/>
+            </a:pPr>
+            <a:r>
+              <a:rPr lang="pt-BR" sz="1200" kern="1200" dirty="0" smtClean="0">
+                <a:solidFill>
+                  <a:schemeClr val="tx1"/>
+                </a:solidFill>
+                <a:effectLst/>
+                <a:latin typeface="+mn-lt"/>
+                <a:ea typeface="+mn-ea"/>
+                <a:cs typeface="+mn-cs"/>
+              </a:rPr>
+              <a:t>O retângulo do</a:t>
+            </a:r>
+            <a:r>
+              <a:rPr lang="pt-BR" sz="1200" kern="1200" baseline="0" dirty="0" smtClean="0">
+                <a:solidFill>
+                  <a:schemeClr val="tx1"/>
+                </a:solidFill>
+                <a:effectLst/>
+                <a:latin typeface="+mn-lt"/>
+                <a:ea typeface="+mn-ea"/>
+                <a:cs typeface="+mn-cs"/>
+              </a:rPr>
+              <a:t> Cliente</a:t>
+            </a:r>
+            <a:r>
+              <a:rPr lang="pt-BR" sz="1200" kern="1200" dirty="0" smtClean="0">
+                <a:solidFill>
+                  <a:schemeClr val="tx1"/>
+                </a:solidFill>
+                <a:effectLst/>
+                <a:latin typeface="+mn-lt"/>
+                <a:ea typeface="+mn-ea"/>
+                <a:cs typeface="+mn-cs"/>
+              </a:rPr>
+              <a:t> designa o conjunto de todas os clientes sobre as quais se deseja manter informações no banco de dados</a:t>
+            </a:r>
+            <a:endParaRPr lang="pt-BR" sz="1200" kern="1200" dirty="0">
+              <a:solidFill>
+                <a:schemeClr val="tx1"/>
+              </a:solidFill>
+              <a:effectLst/>
+              <a:latin typeface="+mn-lt"/>
+              <a:ea typeface="+mn-ea"/>
+              <a:cs typeface="+mn-cs"/>
+            </a:endParaRPr>
+          </a:p>
+        </p:txBody>
+      </p:sp>
+      <p:sp>
+        <p:nvSpPr>
+          <p:cNvPr id="4" name="Espaço Reservado para Número de Slide 3"/>
+          <p:cNvSpPr>
+            <a:spLocks noGrp="1"/>
+          </p:cNvSpPr>
+          <p:nvPr>
+            <p:ph type="sldNum" sz="quarter" idx="10"/>
+          </p:nvPr>
+        </p:nvSpPr>
+        <p:spPr/>
+        <p:txBody>
+          <a:bodyPr/>
+          <a:lstStyle/>
+          <a:p>
+            <a:fld id="{B01B1A7E-8D18-4E30-BAA7-1D756AD2B49F}" type="slidenum">
+              <a:rPr lang="pt-BR" smtClean="0"/>
+              <a:t>22</a:t>
+            </a:fld>
+            <a:endParaRPr lang="pt-BR"/>
+          </a:p>
+        </p:txBody>
+      </p:sp>
+    </p:spTree>
+    <p:extLst>
+      <p:ext uri="{BB962C8B-B14F-4D97-AF65-F5344CB8AC3E}">
+        <p14:creationId xmlns:p14="http://schemas.microsoft.com/office/powerpoint/2010/main" val="3719950628"/>
+      </p:ext>
+    </p:extLst>
+  </p:cSld>
+  <p:clrMapOvr>
+    <a:masterClrMapping/>
+  </p:clrMapOvr>
+</p:notes>
+</file>
+
+<file path=ppt/notesSlides/notesSlide21.xml><?xml version="1.0" encoding="utf-8"?>
+<p:notes xmlns:a="http://schemas.openxmlformats.org/drawingml/2006/main" xmlns:r="http://schemas.openxmlformats.org/officeDocument/2006/relationships" xmlns:p="http://schemas.openxmlformats.org/presentationml/2006/main">
+  <p:cSld>
+    <p:spTree>
+      <p:nvGrpSpPr>
+        <p:cNvPr id="1" name=""/>
+        <p:cNvGrpSpPr/>
+        <p:nvPr/>
+      </p:nvGrpSpPr>
+      <p:grpSpPr>
+        <a:xfrm>
+          <a:off x="0" y="0"/>
+          <a:ext cx="0" cy="0"/>
+          <a:chOff x="0" y="0"/>
+          <a:chExt cx="0" cy="0"/>
+        </a:xfrm>
+      </p:grpSpPr>
+      <p:sp>
+        <p:nvSpPr>
+          <p:cNvPr id="2" name="Espaço Reservado para Imagem de Slide 1"/>
+          <p:cNvSpPr>
+            <a:spLocks noGrp="1" noRot="1" noChangeAspect="1"/>
+          </p:cNvSpPr>
+          <p:nvPr>
+            <p:ph type="sldImg"/>
+          </p:nvPr>
+        </p:nvSpPr>
+        <p:spPr/>
+      </p:sp>
+      <p:sp>
+        <p:nvSpPr>
+          <p:cNvPr id="3" name="Espaço Reservado para Anotações 2"/>
+          <p:cNvSpPr>
+            <a:spLocks noGrp="1"/>
+          </p:cNvSpPr>
+          <p:nvPr>
+            <p:ph type="body" idx="1"/>
+          </p:nvPr>
+        </p:nvSpPr>
+        <p:spPr/>
+        <p:txBody>
+          <a:bodyPr/>
+          <a:lstStyle/>
+          <a:p>
+            <a:pPr marL="0" marR="0" indent="0" algn="l" defTabSz="914400" rtl="0" eaLnBrk="1" fontAlgn="auto" latinLnBrk="0" hangingPunct="1">
+              <a:lnSpc>
+                <a:spcPct val="100000"/>
+              </a:lnSpc>
+              <a:spcBef>
+                <a:spcPts val="0"/>
+              </a:spcBef>
+              <a:spcAft>
+                <a:spcPts val="0"/>
+              </a:spcAft>
+              <a:buClrTx/>
+              <a:buSzTx/>
+              <a:buFontTx/>
+              <a:buNone/>
+              <a:tabLst/>
+              <a:defRPr/>
+            </a:pPr>
+            <a:r>
+              <a:rPr lang="pt-BR" sz="1200" kern="1200" dirty="0" smtClean="0">
+                <a:solidFill>
+                  <a:schemeClr val="tx1"/>
+                </a:solidFill>
+                <a:effectLst/>
+                <a:latin typeface="+mn-lt"/>
+                <a:ea typeface="+mn-ea"/>
+                <a:cs typeface="+mn-cs"/>
+              </a:rPr>
+              <a:t>As entidades indicam apenas os conjuntos de objetos sobre os quais deseja-se manter informações, mas não quais as informações que devem ser mantidas para cada objeto especifico.</a:t>
+            </a:r>
+          </a:p>
+          <a:p>
+            <a:pPr marL="0" marR="0" indent="0" algn="l" defTabSz="914400" rtl="0" eaLnBrk="1" fontAlgn="auto" latinLnBrk="0" hangingPunct="1">
+              <a:lnSpc>
+                <a:spcPct val="100000"/>
+              </a:lnSpc>
+              <a:spcBef>
+                <a:spcPts val="0"/>
+              </a:spcBef>
+              <a:spcAft>
+                <a:spcPts val="0"/>
+              </a:spcAft>
+              <a:buClrTx/>
+              <a:buSzTx/>
+              <a:buFontTx/>
+              <a:buNone/>
+              <a:tabLst/>
+              <a:defRPr/>
+            </a:pPr>
+            <a:endParaRPr lang="pt-BR" sz="1200" kern="1200" dirty="0">
+              <a:solidFill>
+                <a:schemeClr val="tx1"/>
+              </a:solidFill>
+              <a:effectLst/>
+              <a:latin typeface="+mn-lt"/>
+              <a:ea typeface="+mn-ea"/>
+              <a:cs typeface="+mn-cs"/>
+            </a:endParaRPr>
+          </a:p>
+        </p:txBody>
+      </p:sp>
+      <p:sp>
+        <p:nvSpPr>
+          <p:cNvPr id="4" name="Espaço Reservado para Número de Slide 3"/>
+          <p:cNvSpPr>
+            <a:spLocks noGrp="1"/>
+          </p:cNvSpPr>
+          <p:nvPr>
+            <p:ph type="sldNum" sz="quarter" idx="10"/>
+          </p:nvPr>
+        </p:nvSpPr>
+        <p:spPr/>
+        <p:txBody>
+          <a:bodyPr/>
+          <a:lstStyle/>
+          <a:p>
+            <a:fld id="{B01B1A7E-8D18-4E30-BAA7-1D756AD2B49F}" type="slidenum">
+              <a:rPr lang="pt-BR" smtClean="0"/>
+              <a:t>23</a:t>
+            </a:fld>
+            <a:endParaRPr lang="pt-BR"/>
+          </a:p>
+        </p:txBody>
+      </p:sp>
+    </p:spTree>
+    <p:extLst>
+      <p:ext uri="{BB962C8B-B14F-4D97-AF65-F5344CB8AC3E}">
+        <p14:creationId xmlns:p14="http://schemas.microsoft.com/office/powerpoint/2010/main" val="1993701660"/>
       </p:ext>
     </p:extLst>
   </p:cSld>
@@ -8398,6 +9030,13 @@
   <p:clrMapOvr>
     <a:masterClrMapping/>
   </p:clrMapOvr>
+  <p:timing>
+    <p:tnLst>
+      <p:par>
+        <p:cTn id="1" dur="indefinite" restart="never" nodeType="tmRoot"/>
+      </p:par>
+    </p:tnLst>
+  </p:timing>
 </p:sld>
 </file>
 
@@ -9891,6 +10530,13 @@
   <p:clrMapOvr>
     <a:masterClrMapping/>
   </p:clrMapOvr>
+  <p:timing>
+    <p:tnLst>
+      <p:par>
+        <p:cTn id="1" dur="indefinite" restart="never" nodeType="tmRoot"/>
+      </p:par>
+    </p:tnLst>
+  </p:timing>
 </p:sld>
 </file>
 
@@ -10220,6 +10866,13 @@
   <p:clrMapOvr>
     <a:masterClrMapping/>
   </p:clrMapOvr>
+  <p:timing>
+    <p:tnLst>
+      <p:par>
+        <p:cTn id="1" dur="indefinite" restart="never" nodeType="tmRoot"/>
+      </p:par>
+    </p:tnLst>
+  </p:timing>
 </p:sld>
 </file>
 
@@ -10528,6 +11181,13 @@
   <p:clrMapOvr>
     <a:masterClrMapping/>
   </p:clrMapOvr>
+  <p:timing>
+    <p:tnLst>
+      <p:par>
+        <p:cTn id="1" dur="indefinite" restart="never" nodeType="tmRoot"/>
+      </p:par>
+    </p:tnLst>
+  </p:timing>
 </p:sld>
 </file>
 
@@ -10601,7 +11261,7 @@
         </p:spPr>
         <p:txBody>
           <a:bodyPr>
-            <a:normAutofit/>
+            <a:normAutofit fontScale="92500"/>
           </a:bodyPr>
           <a:lstStyle/>
           <a:p>
@@ -10914,6 +11574,13 @@
   <p:clrMapOvr>
     <a:masterClrMapping/>
   </p:clrMapOvr>
+  <p:timing>
+    <p:tnLst>
+      <p:par>
+        <p:cTn id="1" dur="indefinite" restart="never" nodeType="tmRoot"/>
+      </p:par>
+    </p:tnLst>
+  </p:timing>
 </p:sld>
 </file>
 
@@ -10987,7 +11654,7 @@
         </p:spPr>
         <p:txBody>
           <a:bodyPr>
-            <a:normAutofit/>
+            <a:normAutofit fontScale="92500"/>
           </a:bodyPr>
           <a:lstStyle/>
           <a:p>
@@ -11352,6 +12019,13 @@
   <p:clrMapOvr>
     <a:masterClrMapping/>
   </p:clrMapOvr>
+  <p:timing>
+    <p:tnLst>
+      <p:par>
+        <p:cTn id="1" dur="indefinite" restart="never" nodeType="tmRoot"/>
+      </p:par>
+    </p:tnLst>
+  </p:timing>
 </p:sld>
 </file>
 
@@ -11738,6 +12412,13 @@
   <p:clrMapOvr>
     <a:masterClrMapping/>
   </p:clrMapOvr>
+  <p:timing>
+    <p:tnLst>
+      <p:par>
+        <p:cTn id="1" dur="indefinite" restart="never" nodeType="tmRoot"/>
+      </p:par>
+    </p:tnLst>
+  </p:timing>
 </p:sld>
 </file>
 
@@ -12176,6 +12857,13 @@
   <p:clrMapOvr>
     <a:masterClrMapping/>
   </p:clrMapOvr>
+  <p:timing>
+    <p:tnLst>
+      <p:par>
+        <p:cTn id="1" dur="indefinite" restart="never" nodeType="tmRoot"/>
+      </p:par>
+    </p:tnLst>
+  </p:timing>
 </p:sld>
 </file>
 
@@ -12385,6 +13073,13 @@
   <p:clrMapOvr>
     <a:masterClrMapping/>
   </p:clrMapOvr>
+  <p:timing>
+    <p:tnLst>
+      <p:par>
+        <p:cTn id="1" dur="indefinite" restart="never" nodeType="tmRoot"/>
+      </p:par>
+    </p:tnLst>
+  </p:timing>
 </p:sld>
 </file>
 
@@ -12452,8 +13147,8 @@
         </p:nvSpPr>
         <p:spPr>
           <a:xfrm>
-            <a:off x="250372" y="1953930"/>
-            <a:ext cx="11649891" cy="1356528"/>
+            <a:off x="250372" y="1953929"/>
+            <a:ext cx="11649891" cy="3989671"/>
           </a:xfrm>
         </p:spPr>
         <p:txBody>
@@ -12467,8 +13162,41 @@
             </a:pPr>
             <a:r>
               <a:rPr lang="pt-BR" sz="3600" dirty="0"/>
-              <a:t>É o conjunto de objetos da realidade modelada sobre os quais deseja-se manter informações no banco de dados.</a:t>
-            </a:r>
+              <a:t>É o conjunto de objetos da realidade modelada sobre os quais deseja-se manter informações no banco de dados</a:t>
+            </a:r>
+            <a:r>
+              <a:rPr lang="pt-BR" sz="3600" dirty="0" smtClean="0"/>
+              <a:t>.</a:t>
+            </a:r>
+          </a:p>
+          <a:p>
+            <a:pPr marL="0" indent="0">
+              <a:buNone/>
+            </a:pPr>
+            <a:endParaRPr lang="pt-BR" sz="3600" dirty="0" smtClean="0"/>
+          </a:p>
+          <a:p>
+            <a:pPr lvl="1"/>
+            <a:r>
+              <a:rPr lang="pt-BR" sz="3200" dirty="0" smtClean="0"/>
+              <a:t>Depende do minimundo.</a:t>
+            </a:r>
+          </a:p>
+          <a:p>
+            <a:pPr lvl="1"/>
+            <a:endParaRPr lang="pt-BR" sz="3200" dirty="0"/>
+          </a:p>
+          <a:p>
+            <a:pPr lvl="1"/>
+            <a:r>
+              <a:rPr lang="pt-BR" sz="3200" dirty="0" smtClean="0"/>
+              <a:t>Possui existência independente.</a:t>
+            </a:r>
+          </a:p>
+          <a:p>
+            <a:pPr marL="0" indent="0">
+              <a:buNone/>
+            </a:pPr>
             <a:endParaRPr lang="pt-BR" sz="4400" dirty="0"/>
           </a:p>
         </p:txBody>
@@ -12678,145 +13406,370 @@
           </a:p>
         </p:txBody>
       </p:sp>
-      <p:sp>
-        <p:nvSpPr>
-          <p:cNvPr id="12" name="Retângulo: Cantos Arredondados 11"/>
-          <p:cNvSpPr/>
-          <p:nvPr/>
+    </p:spTree>
+    <p:extLst>
+      <p:ext uri="{BB962C8B-B14F-4D97-AF65-F5344CB8AC3E}">
+        <p14:creationId xmlns:p14="http://schemas.microsoft.com/office/powerpoint/2010/main" val="2139332676"/>
+      </p:ext>
+    </p:extLst>
+  </p:cSld>
+  <p:clrMapOvr>
+    <a:masterClrMapping/>
+  </p:clrMapOvr>
+  <p:timing>
+    <p:tnLst>
+      <p:par>
+        <p:cTn id="1" dur="indefinite" restart="never" nodeType="tmRoot"/>
+      </p:par>
+    </p:tnLst>
+  </p:timing>
+</p:sld>
+</file>
+
+<file path=ppt/slides/slide19.xml><?xml version="1.0" encoding="utf-8"?>
+<p:sld xmlns:a="http://schemas.openxmlformats.org/drawingml/2006/main" xmlns:r="http://schemas.openxmlformats.org/officeDocument/2006/relationships" xmlns:p="http://schemas.openxmlformats.org/presentationml/2006/main">
+  <p:cSld>
+    <p:spTree>
+      <p:nvGrpSpPr>
+        <p:cNvPr id="1" name=""/>
+        <p:cNvGrpSpPr/>
+        <p:nvPr/>
+      </p:nvGrpSpPr>
+      <p:grpSpPr>
+        <a:xfrm>
+          <a:off x="0" y="0"/>
+          <a:ext cx="0" cy="0"/>
+          <a:chOff x="0" y="0"/>
+          <a:chExt cx="0" cy="0"/>
+        </a:xfrm>
+      </p:grpSpPr>
+      <p:sp>
+        <p:nvSpPr>
+          <p:cNvPr id="2" name="Título 1"/>
+          <p:cNvSpPr>
+            <a:spLocks noGrp="1"/>
+          </p:cNvSpPr>
+          <p:nvPr>
+            <p:ph type="title"/>
+          </p:nvPr>
         </p:nvSpPr>
         <p:spPr>
           <a:xfrm>
-            <a:off x="395338" y="3482724"/>
-            <a:ext cx="5436159" cy="2578510"/>
+            <a:off x="250372" y="72023"/>
+            <a:ext cx="10515600" cy="1325563"/>
           </a:xfrm>
-          <a:prstGeom prst="roundRect">
-            <a:avLst/>
-          </a:prstGeom>
-          <a:noFill/>
-          <a:ln>
-            <a:solidFill>
-              <a:srgbClr val="92D050"/>
-            </a:solidFill>
-          </a:ln>
         </p:spPr>
-        <p:style>
-          <a:lnRef idx="2">
-            <a:schemeClr val="accent1">
-              <a:shade val="50000"/>
-            </a:schemeClr>
-          </a:lnRef>
-          <a:fillRef idx="1">
-            <a:schemeClr val="accent1"/>
-          </a:fillRef>
-          <a:effectRef idx="0">
-            <a:schemeClr val="accent1"/>
-          </a:effectRef>
-          <a:fontRef idx="minor">
-            <a:schemeClr val="lt1"/>
-          </a:fontRef>
-        </p:style>
         <p:txBody>
-          <a:bodyPr rtlCol="0" anchor="t"/>
+          <a:bodyPr/>
           <a:lstStyle/>
           <a:p>
-            <a:pPr algn="ctr"/>
-            <a:r>
-              <a:rPr lang="pt-BR" sz="2800" dirty="0">
-                <a:ln w="0"/>
-                <a:solidFill>
-                  <a:schemeClr val="tx1"/>
-                </a:solidFill>
+            <a:r>
+              <a:rPr lang="pt-BR" dirty="0" smtClean="0">
                 <a:effectLst>
-                  <a:outerShdw blurRad="38100" dist="19050" dir="2700000" algn="tl" rotWithShape="0">
-                    <a:schemeClr val="dk1">
-                      <a:alpha val="40000"/>
-                    </a:schemeClr>
+                  <a:outerShdw blurRad="38100" dist="38100" dir="2700000" algn="tl">
+                    <a:srgbClr val="000000">
+                      <a:alpha val="43137"/>
+                    </a:srgbClr>
                   </a:outerShdw>
                 </a:effectLst>
               </a:rPr>
-              <a:t>Banco de dados de um hospital</a:t>
-            </a:r>
+              <a:t>Exemplos de entidade</a:t>
+            </a:r>
+            <a:endParaRPr lang="pt-BR" dirty="0">
+              <a:effectLst>
+                <a:outerShdw blurRad="38100" dist="38100" dir="2700000" algn="tl">
+                  <a:srgbClr val="000000">
+                    <a:alpha val="43137"/>
+                  </a:srgbClr>
+                </a:outerShdw>
+              </a:effectLst>
+            </a:endParaRPr>
           </a:p>
         </p:txBody>
       </p:sp>
       <p:sp>
         <p:nvSpPr>
-          <p:cNvPr id="17" name="Retângulo: Cantos Arredondados 16"/>
-          <p:cNvSpPr/>
+          <p:cNvPr id="4" name="Espaço Reservado para Conteúdo 2"/>
+          <p:cNvSpPr txBox="1">
+            <a:spLocks/>
+          </p:cNvSpPr>
           <p:nvPr/>
         </p:nvSpPr>
         <p:spPr>
           <a:xfrm>
-            <a:off x="6286814" y="3488846"/>
-            <a:ext cx="5436159" cy="2578510"/>
+            <a:off x="838200" y="2063828"/>
+            <a:ext cx="10515600" cy="878386"/>
           </a:xfrm>
-          <a:prstGeom prst="roundRect">
+          <a:prstGeom prst="rect">
             <a:avLst/>
           </a:prstGeom>
-          <a:noFill/>
-          <a:ln>
-            <a:solidFill>
-              <a:srgbClr val="92D050"/>
-            </a:solidFill>
-          </a:ln>
         </p:spPr>
-        <p:style>
-          <a:lnRef idx="2">
-            <a:schemeClr val="accent1">
-              <a:shade val="50000"/>
-            </a:schemeClr>
-          </a:lnRef>
-          <a:fillRef idx="1">
-            <a:schemeClr val="accent1"/>
-          </a:fillRef>
-          <a:effectRef idx="0">
-            <a:schemeClr val="accent1"/>
-          </a:effectRef>
-          <a:fontRef idx="minor">
-            <a:schemeClr val="lt1"/>
-          </a:fontRef>
-        </p:style>
         <p:txBody>
-          <a:bodyPr rtlCol="0" anchor="t"/>
-          <a:lstStyle/>
-          <a:p>
-            <a:pPr algn="ctr"/>
-            <a:r>
-              <a:rPr lang="pt-BR" sz="2800" dirty="0">
-                <a:ln w="0"/>
+          <a:bodyPr vert="horz" lIns="91440" tIns="45720" rIns="91440" bIns="45720" rtlCol="0">
+            <a:normAutofit/>
+          </a:bodyPr>
+          <a:lstStyle>
+            <a:lvl1pPr marL="228600" indent="-228600" algn="l" defTabSz="914400" rtl="0" eaLnBrk="1" latinLnBrk="0" hangingPunct="1">
+              <a:lnSpc>
+                <a:spcPct val="90000"/>
+              </a:lnSpc>
+              <a:spcBef>
+                <a:spcPts val="1000"/>
+              </a:spcBef>
+              <a:buFont typeface="Arial" panose="020B0604020202020204" pitchFamily="34" charset="0"/>
+              <a:buChar char="•"/>
+              <a:defRPr sz="2800" kern="1200">
+                <a:solidFill>
+                  <a:schemeClr val="tx1">
+                    <a:lumMod val="85000"/>
+                    <a:lumOff val="15000"/>
+                  </a:schemeClr>
+                </a:solidFill>
+                <a:latin typeface="Open Sans Semibold" panose="020B0706030804020204" pitchFamily="34" charset="0"/>
+                <a:ea typeface="Open Sans Semibold" panose="020B0706030804020204" pitchFamily="34" charset="0"/>
+                <a:cs typeface="Open Sans Semibold" panose="020B0706030804020204" pitchFamily="34" charset="0"/>
+              </a:defRPr>
+            </a:lvl1pPr>
+            <a:lvl2pPr marL="685800" indent="-228600" algn="l" defTabSz="914400" rtl="0" eaLnBrk="1" latinLnBrk="0" hangingPunct="1">
+              <a:lnSpc>
+                <a:spcPct val="90000"/>
+              </a:lnSpc>
+              <a:spcBef>
+                <a:spcPts val="500"/>
+              </a:spcBef>
+              <a:buFont typeface="Arial" panose="020B0604020202020204" pitchFamily="34" charset="0"/>
+              <a:buChar char="•"/>
+              <a:defRPr sz="2400" kern="1200">
+                <a:solidFill>
+                  <a:schemeClr val="tx1">
+                    <a:lumMod val="85000"/>
+                    <a:lumOff val="15000"/>
+                  </a:schemeClr>
+                </a:solidFill>
+                <a:latin typeface="Open Sans Semibold" panose="020B0706030804020204" pitchFamily="34" charset="0"/>
+                <a:ea typeface="Open Sans Semibold" panose="020B0706030804020204" pitchFamily="34" charset="0"/>
+                <a:cs typeface="Open Sans Semibold" panose="020B0706030804020204" pitchFamily="34" charset="0"/>
+              </a:defRPr>
+            </a:lvl2pPr>
+            <a:lvl3pPr marL="1143000" indent="-228600" algn="l" defTabSz="914400" rtl="0" eaLnBrk="1" latinLnBrk="0" hangingPunct="1">
+              <a:lnSpc>
+                <a:spcPct val="90000"/>
+              </a:lnSpc>
+              <a:spcBef>
+                <a:spcPts val="500"/>
+              </a:spcBef>
+              <a:buFont typeface="Arial" panose="020B0604020202020204" pitchFamily="34" charset="0"/>
+              <a:buChar char="•"/>
+              <a:defRPr sz="2000" kern="1200">
+                <a:solidFill>
+                  <a:schemeClr val="tx1">
+                    <a:lumMod val="85000"/>
+                    <a:lumOff val="15000"/>
+                  </a:schemeClr>
+                </a:solidFill>
+                <a:latin typeface="Open Sans Semibold" panose="020B0706030804020204" pitchFamily="34" charset="0"/>
+                <a:ea typeface="Open Sans Semibold" panose="020B0706030804020204" pitchFamily="34" charset="0"/>
+                <a:cs typeface="Open Sans Semibold" panose="020B0706030804020204" pitchFamily="34" charset="0"/>
+              </a:defRPr>
+            </a:lvl3pPr>
+            <a:lvl4pPr marL="1600200" indent="-228600" algn="l" defTabSz="914400" rtl="0" eaLnBrk="1" latinLnBrk="0" hangingPunct="1">
+              <a:lnSpc>
+                <a:spcPct val="90000"/>
+              </a:lnSpc>
+              <a:spcBef>
+                <a:spcPts val="500"/>
+              </a:spcBef>
+              <a:buFont typeface="Arial" panose="020B0604020202020204" pitchFamily="34" charset="0"/>
+              <a:buChar char="•"/>
+              <a:defRPr sz="1800" kern="1200">
+                <a:solidFill>
+                  <a:schemeClr val="tx1">
+                    <a:lumMod val="85000"/>
+                    <a:lumOff val="15000"/>
+                  </a:schemeClr>
+                </a:solidFill>
+                <a:latin typeface="Open Sans Semibold" panose="020B0706030804020204" pitchFamily="34" charset="0"/>
+                <a:ea typeface="Open Sans Semibold" panose="020B0706030804020204" pitchFamily="34" charset="0"/>
+                <a:cs typeface="Open Sans Semibold" panose="020B0706030804020204" pitchFamily="34" charset="0"/>
+              </a:defRPr>
+            </a:lvl4pPr>
+            <a:lvl5pPr marL="2057400" indent="-228600" algn="l" defTabSz="914400" rtl="0" eaLnBrk="1" latinLnBrk="0" hangingPunct="1">
+              <a:lnSpc>
+                <a:spcPct val="90000"/>
+              </a:lnSpc>
+              <a:spcBef>
+                <a:spcPts val="500"/>
+              </a:spcBef>
+              <a:buFont typeface="Arial" panose="020B0604020202020204" pitchFamily="34" charset="0"/>
+              <a:buChar char="•"/>
+              <a:defRPr sz="1800" kern="1200">
+                <a:solidFill>
+                  <a:schemeClr val="tx1">
+                    <a:lumMod val="85000"/>
+                    <a:lumOff val="15000"/>
+                  </a:schemeClr>
+                </a:solidFill>
+                <a:latin typeface="Open Sans Semibold" panose="020B0706030804020204" pitchFamily="34" charset="0"/>
+                <a:ea typeface="Open Sans Semibold" panose="020B0706030804020204" pitchFamily="34" charset="0"/>
+                <a:cs typeface="Open Sans Semibold" panose="020B0706030804020204" pitchFamily="34" charset="0"/>
+              </a:defRPr>
+            </a:lvl5pPr>
+            <a:lvl6pPr marL="2514600" indent="-228600" algn="l" defTabSz="914400" rtl="0" eaLnBrk="1" latinLnBrk="0" hangingPunct="1">
+              <a:lnSpc>
+                <a:spcPct val="90000"/>
+              </a:lnSpc>
+              <a:spcBef>
+                <a:spcPts val="500"/>
+              </a:spcBef>
+              <a:buFont typeface="Arial" panose="020B0604020202020204" pitchFamily="34" charset="0"/>
+              <a:buChar char="•"/>
+              <a:defRPr sz="1800" kern="1200">
                 <a:solidFill>
                   <a:schemeClr val="tx1"/>
                 </a:solidFill>
-                <a:effectLst>
-                  <a:outerShdw blurRad="38100" dist="19050" dir="2700000" algn="tl" rotWithShape="0">
-                    <a:schemeClr val="dk1">
-                      <a:alpha val="40000"/>
-                    </a:schemeClr>
-                  </a:outerShdw>
-                </a:effectLst>
-              </a:rPr>
-              <a:t>Banco de dados de uma livraria</a:t>
-            </a:r>
+                <a:latin typeface="+mn-lt"/>
+                <a:ea typeface="+mn-ea"/>
+                <a:cs typeface="+mn-cs"/>
+              </a:defRPr>
+            </a:lvl6pPr>
+            <a:lvl7pPr marL="2971800" indent="-228600" algn="l" defTabSz="914400" rtl="0" eaLnBrk="1" latinLnBrk="0" hangingPunct="1">
+              <a:lnSpc>
+                <a:spcPct val="90000"/>
+              </a:lnSpc>
+              <a:spcBef>
+                <a:spcPts val="500"/>
+              </a:spcBef>
+              <a:buFont typeface="Arial" panose="020B0604020202020204" pitchFamily="34" charset="0"/>
+              <a:buChar char="•"/>
+              <a:defRPr sz="1800" kern="1200">
+                <a:solidFill>
+                  <a:schemeClr val="tx1"/>
+                </a:solidFill>
+                <a:latin typeface="+mn-lt"/>
+                <a:ea typeface="+mn-ea"/>
+                <a:cs typeface="+mn-cs"/>
+              </a:defRPr>
+            </a:lvl7pPr>
+            <a:lvl8pPr marL="3429000" indent="-228600" algn="l" defTabSz="914400" rtl="0" eaLnBrk="1" latinLnBrk="0" hangingPunct="1">
+              <a:lnSpc>
+                <a:spcPct val="90000"/>
+              </a:lnSpc>
+              <a:spcBef>
+                <a:spcPts val="500"/>
+              </a:spcBef>
+              <a:buFont typeface="Arial" panose="020B0604020202020204" pitchFamily="34" charset="0"/>
+              <a:buChar char="•"/>
+              <a:defRPr sz="1800" kern="1200">
+                <a:solidFill>
+                  <a:schemeClr val="tx1"/>
+                </a:solidFill>
+                <a:latin typeface="+mn-lt"/>
+                <a:ea typeface="+mn-ea"/>
+                <a:cs typeface="+mn-cs"/>
+              </a:defRPr>
+            </a:lvl8pPr>
+            <a:lvl9pPr marL="3886200" indent="-228600" algn="l" defTabSz="914400" rtl="0" eaLnBrk="1" latinLnBrk="0" hangingPunct="1">
+              <a:lnSpc>
+                <a:spcPct val="90000"/>
+              </a:lnSpc>
+              <a:spcBef>
+                <a:spcPts val="500"/>
+              </a:spcBef>
+              <a:buFont typeface="Arial" panose="020B0604020202020204" pitchFamily="34" charset="0"/>
+              <a:buChar char="•"/>
+              <a:defRPr sz="1800" kern="1200">
+                <a:solidFill>
+                  <a:schemeClr val="tx1"/>
+                </a:solidFill>
+                <a:latin typeface="+mn-lt"/>
+                <a:ea typeface="+mn-ea"/>
+                <a:cs typeface="+mn-cs"/>
+              </a:defRPr>
+            </a:lvl9pPr>
+          </a:lstStyle>
+          <a:p>
+            <a:endParaRPr lang="pt-BR" dirty="0"/>
           </a:p>
         </p:txBody>
       </p:sp>
       <p:grpSp>
         <p:nvGrpSpPr>
-          <p:cNvPr id="24" name="Agrupar 23"/>
+          <p:cNvPr id="3" name="Agrupar 2"/>
           <p:cNvGrpSpPr/>
           <p:nvPr/>
         </p:nvGrpSpPr>
         <p:grpSpPr>
           <a:xfrm>
-            <a:off x="6698444" y="4298976"/>
-            <a:ext cx="4642350" cy="1399890"/>
-            <a:chOff x="6698444" y="4298976"/>
-            <a:chExt cx="4642350" cy="1399890"/>
+            <a:off x="347883" y="2503021"/>
+            <a:ext cx="5436159" cy="2578510"/>
+            <a:chOff x="395338" y="3482724"/>
+            <a:chExt cx="5436159" cy="2578510"/>
           </a:xfrm>
         </p:grpSpPr>
+        <p:sp>
+          <p:nvSpPr>
+            <p:cNvPr id="6" name="Retângulo: Cantos Arredondados 11"/>
+            <p:cNvSpPr/>
+            <p:nvPr/>
+          </p:nvSpPr>
+          <p:spPr>
+            <a:xfrm>
+              <a:off x="395338" y="3482724"/>
+              <a:ext cx="5436159" cy="2578510"/>
+            </a:xfrm>
+            <a:prstGeom prst="roundRect">
+              <a:avLst/>
+            </a:prstGeom>
+            <a:noFill/>
+            <a:ln>
+              <a:solidFill>
+                <a:srgbClr val="92D050"/>
+              </a:solidFill>
+            </a:ln>
+          </p:spPr>
+          <p:style>
+            <a:lnRef idx="2">
+              <a:schemeClr val="accent1">
+                <a:shade val="50000"/>
+              </a:schemeClr>
+            </a:lnRef>
+            <a:fillRef idx="1">
+              <a:schemeClr val="accent1"/>
+            </a:fillRef>
+            <a:effectRef idx="0">
+              <a:schemeClr val="accent1"/>
+            </a:effectRef>
+            <a:fontRef idx="minor">
+              <a:schemeClr val="lt1"/>
+            </a:fontRef>
+          </p:style>
+          <p:txBody>
+            <a:bodyPr rtlCol="0" anchor="t"/>
+            <a:lstStyle/>
+            <a:p>
+              <a:pPr algn="ctr"/>
+              <a:r>
+                <a:rPr lang="pt-BR" sz="2800" dirty="0">
+                  <a:ln w="0"/>
+                  <a:solidFill>
+                    <a:schemeClr val="tx1"/>
+                  </a:solidFill>
+                  <a:effectLst>
+                    <a:outerShdw blurRad="38100" dist="19050" dir="2700000" algn="tl" rotWithShape="0">
+                      <a:schemeClr val="dk1">
+                        <a:alpha val="40000"/>
+                      </a:schemeClr>
+                    </a:outerShdw>
+                  </a:effectLst>
+                </a:rPr>
+                <a:t>Banco de dados de um hospital</a:t>
+              </a:r>
+            </a:p>
+          </p:txBody>
+        </p:sp>
         <p:pic>
           <p:nvPicPr>
-            <p:cNvPr id="19" name="Imagem 18"/>
+            <p:cNvPr id="10" name="Imagem 9"/>
             <p:cNvPicPr>
               <a:picLocks noChangeAspect="1"/>
             </p:cNvPicPr>
@@ -12824,6 +13777,290 @@
           </p:nvPicPr>
           <p:blipFill>
             <a:blip r:embed="rId3">
+              <a:extLst>
+                <a:ext uri="{28A0092B-C50C-407E-A947-70E740481C1C}">
+                  <a14:useLocalDpi xmlns:a14="http://schemas.microsoft.com/office/drawing/2010/main" val="0"/>
+                </a:ext>
+              </a:extLst>
+            </a:blip>
+            <a:stretch>
+              <a:fillRect/>
+            </a:stretch>
+          </p:blipFill>
+          <p:spPr>
+            <a:xfrm>
+              <a:off x="840607" y="4331077"/>
+              <a:ext cx="1207646" cy="1207646"/>
+            </a:xfrm>
+            <a:prstGeom prst="rect">
+              <a:avLst/>
+            </a:prstGeom>
+          </p:spPr>
+        </p:pic>
+        <p:sp>
+          <p:nvSpPr>
+            <p:cNvPr id="11" name="CaixaDeTexto 10"/>
+            <p:cNvSpPr txBox="1"/>
+            <p:nvPr/>
+          </p:nvSpPr>
+          <p:spPr>
+            <a:xfrm>
+              <a:off x="983830" y="5615312"/>
+              <a:ext cx="889667" cy="369332"/>
+            </a:xfrm>
+            <a:prstGeom prst="rect">
+              <a:avLst/>
+            </a:prstGeom>
+            <a:noFill/>
+          </p:spPr>
+          <p:txBody>
+            <a:bodyPr wrap="none" rtlCol="0">
+              <a:spAutoFit/>
+            </a:bodyPr>
+            <a:lstStyle/>
+            <a:p>
+              <a:r>
+                <a:rPr lang="pt-BR" dirty="0"/>
+                <a:t>Médico</a:t>
+              </a:r>
+            </a:p>
+          </p:txBody>
+        </p:sp>
+        <p:grpSp>
+          <p:nvGrpSpPr>
+            <p:cNvPr id="12" name="Agrupar 11"/>
+            <p:cNvGrpSpPr/>
+            <p:nvPr/>
+          </p:nvGrpSpPr>
+          <p:grpSpPr>
+            <a:xfrm>
+              <a:off x="2248005" y="4140787"/>
+              <a:ext cx="1588226" cy="1843857"/>
+              <a:chOff x="2268101" y="4140787"/>
+              <a:chExt cx="1588226" cy="1843857"/>
+            </a:xfrm>
+          </p:grpSpPr>
+          <p:pic>
+            <p:nvPicPr>
+              <p:cNvPr id="13" name="Imagem 12"/>
+              <p:cNvPicPr>
+                <a:picLocks noChangeAspect="1"/>
+              </p:cNvPicPr>
+              <p:nvPr/>
+            </p:nvPicPr>
+            <p:blipFill>
+              <a:blip r:embed="rId4">
+                <a:extLst>
+                  <a:ext uri="{28A0092B-C50C-407E-A947-70E740481C1C}">
+                    <a14:useLocalDpi xmlns:a14="http://schemas.microsoft.com/office/drawing/2010/main" val="0"/>
+                  </a:ext>
+                </a:extLst>
+              </a:blip>
+              <a:stretch>
+                <a:fillRect/>
+              </a:stretch>
+            </p:blipFill>
+            <p:spPr>
+              <a:xfrm>
+                <a:off x="2268101" y="4140787"/>
+                <a:ext cx="1588226" cy="1588226"/>
+              </a:xfrm>
+              <a:prstGeom prst="rect">
+                <a:avLst/>
+              </a:prstGeom>
+            </p:spPr>
+          </p:pic>
+          <p:sp>
+            <p:nvSpPr>
+              <p:cNvPr id="14" name="CaixaDeTexto 13"/>
+              <p:cNvSpPr txBox="1"/>
+              <p:nvPr/>
+            </p:nvSpPr>
+            <p:spPr>
+              <a:xfrm>
+                <a:off x="2509389" y="5615312"/>
+                <a:ext cx="984629" cy="369332"/>
+              </a:xfrm>
+              <a:prstGeom prst="rect">
+                <a:avLst/>
+              </a:prstGeom>
+              <a:noFill/>
+            </p:spPr>
+            <p:txBody>
+              <a:bodyPr wrap="none" rtlCol="0">
+                <a:spAutoFit/>
+              </a:bodyPr>
+              <a:lstStyle/>
+              <a:p>
+                <a:r>
+                  <a:rPr lang="pt-BR" dirty="0"/>
+                  <a:t>Paciente</a:t>
+                </a:r>
+              </a:p>
+            </p:txBody>
+          </p:sp>
+        </p:grpSp>
+        <p:grpSp>
+          <p:nvGrpSpPr>
+            <p:cNvPr id="15" name="Agrupar 14"/>
+            <p:cNvGrpSpPr/>
+            <p:nvPr/>
+          </p:nvGrpSpPr>
+          <p:grpSpPr>
+            <a:xfrm>
+              <a:off x="3971998" y="4331077"/>
+              <a:ext cx="1494448" cy="1653567"/>
+              <a:chOff x="3941854" y="4331077"/>
+              <a:chExt cx="1494448" cy="1653567"/>
+            </a:xfrm>
+          </p:grpSpPr>
+          <p:pic>
+            <p:nvPicPr>
+              <p:cNvPr id="16" name="Imagem 15"/>
+              <p:cNvPicPr>
+                <a:picLocks noChangeAspect="1"/>
+              </p:cNvPicPr>
+              <p:nvPr/>
+            </p:nvPicPr>
+            <p:blipFill>
+              <a:blip r:embed="rId5">
+                <a:extLst>
+                  <a:ext uri="{28A0092B-C50C-407E-A947-70E740481C1C}">
+                    <a14:useLocalDpi xmlns:a14="http://schemas.microsoft.com/office/drawing/2010/main" val="0"/>
+                  </a:ext>
+                </a:extLst>
+              </a:blip>
+              <a:stretch>
+                <a:fillRect/>
+              </a:stretch>
+            </p:blipFill>
+            <p:spPr>
+              <a:xfrm>
+                <a:off x="4066098" y="4331077"/>
+                <a:ext cx="1209600" cy="1209600"/>
+              </a:xfrm>
+              <a:prstGeom prst="rect">
+                <a:avLst/>
+              </a:prstGeom>
+            </p:spPr>
+          </p:pic>
+          <p:sp>
+            <p:nvSpPr>
+              <p:cNvPr id="17" name="CaixaDeTexto 16"/>
+              <p:cNvSpPr txBox="1"/>
+              <p:nvPr/>
+            </p:nvSpPr>
+            <p:spPr>
+              <a:xfrm>
+                <a:off x="3941854" y="5615312"/>
+                <a:ext cx="1494448" cy="369332"/>
+              </a:xfrm>
+              <a:prstGeom prst="rect">
+                <a:avLst/>
+              </a:prstGeom>
+              <a:noFill/>
+            </p:spPr>
+            <p:txBody>
+              <a:bodyPr wrap="none" rtlCol="0">
+                <a:spAutoFit/>
+              </a:bodyPr>
+              <a:lstStyle/>
+              <a:p>
+                <a:r>
+                  <a:rPr lang="pt-BR" dirty="0" smtClean="0"/>
+                  <a:t>Medicamento</a:t>
+                </a:r>
+                <a:endParaRPr lang="pt-BR" dirty="0"/>
+              </a:p>
+            </p:txBody>
+          </p:sp>
+        </p:grpSp>
+      </p:grpSp>
+      <p:grpSp>
+        <p:nvGrpSpPr>
+          <p:cNvPr id="23" name="Agrupar 22"/>
+          <p:cNvGrpSpPr/>
+          <p:nvPr/>
+        </p:nvGrpSpPr>
+        <p:grpSpPr>
+          <a:xfrm>
+            <a:off x="6292149" y="2503021"/>
+            <a:ext cx="5436159" cy="2578510"/>
+            <a:chOff x="6286814" y="3488846"/>
+            <a:chExt cx="5436159" cy="2578510"/>
+          </a:xfrm>
+        </p:grpSpPr>
+        <p:sp>
+          <p:nvSpPr>
+            <p:cNvPr id="7" name="Retângulo: Cantos Arredondados 16"/>
+            <p:cNvSpPr/>
+            <p:nvPr/>
+          </p:nvSpPr>
+          <p:spPr>
+            <a:xfrm>
+              <a:off x="6286814" y="3488846"/>
+              <a:ext cx="5436159" cy="2578510"/>
+            </a:xfrm>
+            <a:prstGeom prst="roundRect">
+              <a:avLst/>
+            </a:prstGeom>
+            <a:noFill/>
+            <a:ln>
+              <a:solidFill>
+                <a:srgbClr val="92D050"/>
+              </a:solidFill>
+            </a:ln>
+          </p:spPr>
+          <p:style>
+            <a:lnRef idx="2">
+              <a:schemeClr val="accent1">
+                <a:shade val="50000"/>
+              </a:schemeClr>
+            </a:lnRef>
+            <a:fillRef idx="1">
+              <a:schemeClr val="accent1"/>
+            </a:fillRef>
+            <a:effectRef idx="0">
+              <a:schemeClr val="accent1"/>
+            </a:effectRef>
+            <a:fontRef idx="minor">
+              <a:schemeClr val="lt1"/>
+            </a:fontRef>
+          </p:style>
+          <p:txBody>
+            <a:bodyPr rtlCol="0" anchor="t"/>
+            <a:lstStyle/>
+            <a:p>
+              <a:pPr algn="ctr"/>
+              <a:r>
+                <a:rPr lang="pt-BR" sz="2800" dirty="0">
+                  <a:ln w="0"/>
+                  <a:solidFill>
+                    <a:schemeClr val="tx1"/>
+                  </a:solidFill>
+                  <a:effectLst>
+                    <a:outerShdw blurRad="38100" dist="19050" dir="2700000" algn="tl" rotWithShape="0">
+                      <a:schemeClr val="dk1">
+                        <a:alpha val="40000"/>
+                      </a:schemeClr>
+                    </a:outerShdw>
+                  </a:effectLst>
+                </a:rPr>
+                <a:t>Banco de dados de uma livraria</a:t>
+              </a:r>
+            </a:p>
+          </p:txBody>
+        </p:sp>
+        <p:pic>
+          <p:nvPicPr>
+            <p:cNvPr id="8" name="Imagem 7"/>
+            <p:cNvPicPr>
+              <a:picLocks noChangeAspect="1"/>
+            </p:cNvPicPr>
+            <p:nvPr/>
+          </p:nvPicPr>
+          <p:blipFill>
+            <a:blip r:embed="rId6">
               <a:extLst>
                 <a:ext uri="{28A0092B-C50C-407E-A947-70E740481C1C}">
                   <a14:useLocalDpi xmlns:a14="http://schemas.microsoft.com/office/drawing/2010/main" val="0"/>
@@ -12846,44 +14083,14 @@
         </p:pic>
         <p:pic>
           <p:nvPicPr>
-            <p:cNvPr id="21" name="Imagem 20"/>
+            <p:cNvPr id="9" name="Imagem 8"/>
             <p:cNvPicPr>
               <a:picLocks noChangeAspect="1"/>
             </p:cNvPicPr>
             <p:nvPr/>
           </p:nvPicPr>
           <p:blipFill>
-            <a:blip r:embed="rId4">
-              <a:extLst>
-                <a:ext uri="{28A0092B-C50C-407E-A947-70E740481C1C}">
-                  <a14:useLocalDpi xmlns:a14="http://schemas.microsoft.com/office/drawing/2010/main" val="0"/>
-                </a:ext>
-              </a:extLst>
-            </a:blip>
-            <a:stretch>
-              <a:fillRect/>
-            </a:stretch>
-          </p:blipFill>
-          <p:spPr>
-            <a:xfrm>
-              <a:off x="8319674" y="4298976"/>
-              <a:ext cx="1399890" cy="1399890"/>
-            </a:xfrm>
-            <a:prstGeom prst="rect">
-              <a:avLst/>
-            </a:prstGeom>
-          </p:spPr>
-        </p:pic>
-        <p:pic>
-          <p:nvPicPr>
-            <p:cNvPr id="23" name="Imagem 22"/>
-            <p:cNvPicPr>
-              <a:picLocks noChangeAspect="1"/>
-            </p:cNvPicPr>
-            <p:nvPr/>
-          </p:nvPicPr>
-          <p:blipFill>
-            <a:blip r:embed="rId5">
+            <a:blip r:embed="rId7">
               <a:extLst>
                 <a:ext uri="{28A0092B-C50C-407E-A947-70E740481C1C}">
                   <a14:useLocalDpi xmlns:a14="http://schemas.microsoft.com/office/drawing/2010/main" val="0"/>
@@ -12904,61 +14111,16 @@
             </a:prstGeom>
           </p:spPr>
         </p:pic>
-      </p:grpSp>
-      <p:grpSp>
-        <p:nvGrpSpPr>
-          <p:cNvPr id="31" name="Agrupar 30"/>
-          <p:cNvGrpSpPr/>
-          <p:nvPr/>
-        </p:nvGrpSpPr>
-        <p:grpSpPr>
-          <a:xfrm>
-            <a:off x="840607" y="4331077"/>
-            <a:ext cx="1207646" cy="1653567"/>
-            <a:chOff x="850655" y="4331077"/>
-            <a:chExt cx="1207646" cy="1653567"/>
-          </a:xfrm>
-        </p:grpSpPr>
-        <p:pic>
-          <p:nvPicPr>
-            <p:cNvPr id="7" name="Imagem 6"/>
-            <p:cNvPicPr>
-              <a:picLocks noChangeAspect="1"/>
-            </p:cNvPicPr>
-            <p:nvPr/>
-          </p:nvPicPr>
-          <p:blipFill>
-            <a:blip r:embed="rId6">
-              <a:extLst>
-                <a:ext uri="{28A0092B-C50C-407E-A947-70E740481C1C}">
-                  <a14:useLocalDpi xmlns:a14="http://schemas.microsoft.com/office/drawing/2010/main" val="0"/>
-                </a:ext>
-              </a:extLst>
-            </a:blip>
-            <a:stretch>
-              <a:fillRect/>
-            </a:stretch>
-          </p:blipFill>
-          <p:spPr>
-            <a:xfrm>
-              <a:off x="850655" y="4331077"/>
-              <a:ext cx="1207646" cy="1207646"/>
-            </a:xfrm>
-            <a:prstGeom prst="rect">
-              <a:avLst/>
-            </a:prstGeom>
-          </p:spPr>
-        </p:pic>
         <p:sp>
           <p:nvSpPr>
-            <p:cNvPr id="25" name="CaixaDeTexto 24"/>
+            <p:cNvPr id="18" name="CaixaDeTexto 17"/>
             <p:cNvSpPr txBox="1"/>
             <p:nvPr/>
           </p:nvSpPr>
           <p:spPr>
             <a:xfrm>
-              <a:off x="1009644" y="5615312"/>
-              <a:ext cx="889667" cy="369332"/>
+              <a:off x="6883802" y="5615312"/>
+              <a:ext cx="838884" cy="369332"/>
             </a:xfrm>
             <a:prstGeom prst="rect">
               <a:avLst/>
@@ -12972,67 +14134,98 @@
             <a:lstStyle/>
             <a:p>
               <a:r>
-                <a:rPr lang="pt-BR" dirty="0"/>
-                <a:t>Médico</a:t>
+                <a:rPr lang="pt-BR" dirty="0" smtClean="0"/>
+                <a:t>Cliente</a:t>
               </a:r>
+              <a:endParaRPr lang="pt-BR" dirty="0"/>
             </a:p>
           </p:txBody>
         </p:sp>
-      </p:grpSp>
-      <p:grpSp>
-        <p:nvGrpSpPr>
-          <p:cNvPr id="29" name="Agrupar 28"/>
-          <p:cNvGrpSpPr/>
-          <p:nvPr/>
-        </p:nvGrpSpPr>
-        <p:grpSpPr>
-          <a:xfrm>
-            <a:off x="2248005" y="4140787"/>
-            <a:ext cx="1588226" cy="1843857"/>
-            <a:chOff x="2268101" y="4140787"/>
-            <a:chExt cx="1588226" cy="1843857"/>
-          </a:xfrm>
-        </p:grpSpPr>
-        <p:pic>
-          <p:nvPicPr>
-            <p:cNvPr id="9" name="Imagem 8"/>
-            <p:cNvPicPr>
-              <a:picLocks noChangeAspect="1"/>
-            </p:cNvPicPr>
+        <p:grpSp>
+          <p:nvGrpSpPr>
+            <p:cNvPr id="19" name="Agrupar 18"/>
+            <p:cNvGrpSpPr/>
             <p:nvPr/>
-          </p:nvPicPr>
-          <p:blipFill>
-            <a:blip r:embed="rId7">
-              <a:extLst>
-                <a:ext uri="{28A0092B-C50C-407E-A947-70E740481C1C}">
-                  <a14:useLocalDpi xmlns:a14="http://schemas.microsoft.com/office/drawing/2010/main" val="0"/>
-                </a:ext>
-              </a:extLst>
-            </a:blip>
-            <a:stretch>
-              <a:fillRect/>
-            </a:stretch>
-          </p:blipFill>
-          <p:spPr>
+          </p:nvGrpSpPr>
+          <p:grpSpPr>
             <a:xfrm>
-              <a:off x="2268101" y="4140787"/>
-              <a:ext cx="1588226" cy="1588226"/>
+              <a:off x="8351206" y="4298976"/>
+              <a:ext cx="1399890" cy="1685668"/>
+              <a:chOff x="8319674" y="4298976"/>
+              <a:chExt cx="1399890" cy="1685668"/>
             </a:xfrm>
-            <a:prstGeom prst="rect">
-              <a:avLst/>
-            </a:prstGeom>
-          </p:spPr>
-        </p:pic>
+          </p:grpSpPr>
+          <p:pic>
+            <p:nvPicPr>
+              <p:cNvPr id="20" name="Imagem 19"/>
+              <p:cNvPicPr>
+                <a:picLocks noChangeAspect="1"/>
+              </p:cNvPicPr>
+              <p:nvPr/>
+            </p:nvPicPr>
+            <p:blipFill>
+              <a:blip r:embed="rId8">
+                <a:extLst>
+                  <a:ext uri="{28A0092B-C50C-407E-A947-70E740481C1C}">
+                    <a14:useLocalDpi xmlns:a14="http://schemas.microsoft.com/office/drawing/2010/main" val="0"/>
+                  </a:ext>
+                </a:extLst>
+              </a:blip>
+              <a:stretch>
+                <a:fillRect/>
+              </a:stretch>
+            </p:blipFill>
+            <p:spPr>
+              <a:xfrm>
+                <a:off x="8319674" y="4298976"/>
+                <a:ext cx="1399890" cy="1399890"/>
+              </a:xfrm>
+              <a:prstGeom prst="rect">
+                <a:avLst/>
+              </a:prstGeom>
+            </p:spPr>
+          </p:pic>
+          <p:sp>
+            <p:nvSpPr>
+              <p:cNvPr id="21" name="CaixaDeTexto 20"/>
+              <p:cNvSpPr txBox="1"/>
+              <p:nvPr/>
+            </p:nvSpPr>
+            <p:spPr>
+              <a:xfrm>
+                <a:off x="8548752" y="5615312"/>
+                <a:ext cx="941733" cy="369332"/>
+              </a:xfrm>
+              <a:prstGeom prst="rect">
+                <a:avLst/>
+              </a:prstGeom>
+              <a:noFill/>
+            </p:spPr>
+            <p:txBody>
+              <a:bodyPr wrap="none" rtlCol="0">
+                <a:spAutoFit/>
+              </a:bodyPr>
+              <a:lstStyle/>
+              <a:p>
+                <a:r>
+                  <a:rPr lang="pt-BR" dirty="0" smtClean="0"/>
+                  <a:t>Produto</a:t>
+                </a:r>
+                <a:endParaRPr lang="pt-BR" dirty="0"/>
+              </a:p>
+            </p:txBody>
+          </p:sp>
+        </p:grpSp>
         <p:sp>
           <p:nvSpPr>
-            <p:cNvPr id="26" name="CaixaDeTexto 25"/>
+            <p:cNvPr id="22" name="CaixaDeTexto 21"/>
             <p:cNvSpPr txBox="1"/>
             <p:nvPr/>
           </p:nvSpPr>
           <p:spPr>
             <a:xfrm>
-              <a:off x="2509389" y="5615312"/>
-              <a:ext cx="984629" cy="369332"/>
+              <a:off x="10348836" y="5615312"/>
+              <a:ext cx="774315" cy="369332"/>
             </a:xfrm>
             <a:prstGeom prst="rect">
               <a:avLst/>
@@ -13046,411 +14239,14 @@
             <a:lstStyle/>
             <a:p>
               <a:r>
-                <a:rPr lang="pt-BR" dirty="0"/>
-                <a:t>Paciente</a:t>
+                <a:rPr lang="pt-BR" dirty="0" smtClean="0"/>
+                <a:t>Venda</a:t>
               </a:r>
+              <a:endParaRPr lang="pt-BR" dirty="0"/>
             </a:p>
           </p:txBody>
         </p:sp>
       </p:grpSp>
-      <p:grpSp>
-        <p:nvGrpSpPr>
-          <p:cNvPr id="28" name="Agrupar 27"/>
-          <p:cNvGrpSpPr/>
-          <p:nvPr/>
-        </p:nvGrpSpPr>
-        <p:grpSpPr>
-          <a:xfrm>
-            <a:off x="3908934" y="4331077"/>
-            <a:ext cx="1584216" cy="1653567"/>
-            <a:chOff x="3878790" y="4331077"/>
-            <a:chExt cx="1584216" cy="1653567"/>
-          </a:xfrm>
-        </p:grpSpPr>
-        <p:pic>
-          <p:nvPicPr>
-            <p:cNvPr id="11" name="Imagem 10"/>
-            <p:cNvPicPr>
-              <a:picLocks noChangeAspect="1"/>
-            </p:cNvPicPr>
-            <p:nvPr/>
-          </p:nvPicPr>
-          <p:blipFill>
-            <a:blip r:embed="rId8">
-              <a:extLst>
-                <a:ext uri="{28A0092B-C50C-407E-A947-70E740481C1C}">
-                  <a14:useLocalDpi xmlns:a14="http://schemas.microsoft.com/office/drawing/2010/main" val="0"/>
-                </a:ext>
-              </a:extLst>
-            </a:blip>
-            <a:stretch>
-              <a:fillRect/>
-            </a:stretch>
-          </p:blipFill>
-          <p:spPr>
-            <a:xfrm>
-              <a:off x="4066098" y="4331077"/>
-              <a:ext cx="1209600" cy="1209600"/>
-            </a:xfrm>
-            <a:prstGeom prst="rect">
-              <a:avLst/>
-            </a:prstGeom>
-          </p:spPr>
-        </p:pic>
-        <p:sp>
-          <p:nvSpPr>
-            <p:cNvPr id="27" name="CaixaDeTexto 26"/>
-            <p:cNvSpPr txBox="1"/>
-            <p:nvPr/>
-          </p:nvSpPr>
-          <p:spPr>
-            <a:xfrm>
-              <a:off x="3878790" y="5615312"/>
-              <a:ext cx="1584216" cy="369332"/>
-            </a:xfrm>
-            <a:prstGeom prst="rect">
-              <a:avLst/>
-            </a:prstGeom>
-            <a:noFill/>
-          </p:spPr>
-          <p:txBody>
-            <a:bodyPr wrap="none" rtlCol="0">
-              <a:spAutoFit/>
-            </a:bodyPr>
-            <a:lstStyle/>
-            <a:p>
-              <a:r>
-                <a:rPr lang="pt-BR" dirty="0"/>
-                <a:t>Medicamentos</a:t>
-              </a:r>
-            </a:p>
-          </p:txBody>
-        </p:sp>
-      </p:grpSp>
-    </p:spTree>
-    <p:extLst>
-      <p:ext uri="{BB962C8B-B14F-4D97-AF65-F5344CB8AC3E}">
-        <p14:creationId xmlns:p14="http://schemas.microsoft.com/office/powerpoint/2010/main" val="2139332676"/>
-      </p:ext>
-    </p:extLst>
-  </p:cSld>
-  <p:clrMapOvr>
-    <a:masterClrMapping/>
-  </p:clrMapOvr>
-</p:sld>
-</file>
-
-<file path=ppt/slides/slide19.xml><?xml version="1.0" encoding="utf-8"?>
-<p:sld xmlns:a="http://schemas.openxmlformats.org/drawingml/2006/main" xmlns:r="http://schemas.openxmlformats.org/officeDocument/2006/relationships" xmlns:p="http://schemas.openxmlformats.org/presentationml/2006/main">
-  <p:cSld>
-    <p:spTree>
-      <p:nvGrpSpPr>
-        <p:cNvPr id="1" name=""/>
-        <p:cNvGrpSpPr/>
-        <p:nvPr/>
-      </p:nvGrpSpPr>
-      <p:grpSpPr>
-        <a:xfrm>
-          <a:off x="0" y="0"/>
-          <a:ext cx="0" cy="0"/>
-          <a:chOff x="0" y="0"/>
-          <a:chExt cx="0" cy="0"/>
-        </a:xfrm>
-      </p:grpSpPr>
-      <p:sp>
-        <p:nvSpPr>
-          <p:cNvPr id="2" name="Título 1"/>
-          <p:cNvSpPr>
-            <a:spLocks noGrp="1"/>
-          </p:cNvSpPr>
-          <p:nvPr>
-            <p:ph type="title"/>
-          </p:nvPr>
-        </p:nvSpPr>
-        <p:spPr>
-          <a:xfrm>
-            <a:off x="250372" y="72023"/>
-            <a:ext cx="10515600" cy="1325563"/>
-          </a:xfrm>
-        </p:spPr>
-        <p:txBody>
-          <a:bodyPr/>
-          <a:lstStyle/>
-          <a:p>
-            <a:r>
-              <a:rPr lang="pt-BR" dirty="0">
-                <a:effectLst>
-                  <a:outerShdw blurRad="38100" dist="38100" dir="2700000" algn="tl">
-                    <a:srgbClr val="000000">
-                      <a:alpha val="43137"/>
-                    </a:srgbClr>
-                  </a:outerShdw>
-                </a:effectLst>
-              </a:rPr>
-              <a:t>Entidade</a:t>
-            </a:r>
-          </a:p>
-        </p:txBody>
-      </p:sp>
-      <p:sp>
-        <p:nvSpPr>
-          <p:cNvPr id="4" name="Espaço Reservado para Conteúdo 2"/>
-          <p:cNvSpPr txBox="1">
-            <a:spLocks/>
-          </p:cNvSpPr>
-          <p:nvPr/>
-        </p:nvSpPr>
-        <p:spPr>
-          <a:xfrm>
-            <a:off x="838200" y="2063828"/>
-            <a:ext cx="10515600" cy="878386"/>
-          </a:xfrm>
-          <a:prstGeom prst="rect">
-            <a:avLst/>
-          </a:prstGeom>
-        </p:spPr>
-        <p:txBody>
-          <a:bodyPr vert="horz" lIns="91440" tIns="45720" rIns="91440" bIns="45720" rtlCol="0">
-            <a:normAutofit/>
-          </a:bodyPr>
-          <a:lstStyle>
-            <a:lvl1pPr marL="228600" indent="-228600" algn="l" defTabSz="914400" rtl="0" eaLnBrk="1" latinLnBrk="0" hangingPunct="1">
-              <a:lnSpc>
-                <a:spcPct val="90000"/>
-              </a:lnSpc>
-              <a:spcBef>
-                <a:spcPts val="1000"/>
-              </a:spcBef>
-              <a:buFont typeface="Arial" panose="020B0604020202020204" pitchFamily="34" charset="0"/>
-              <a:buChar char="•"/>
-              <a:defRPr sz="2800" kern="1200">
-                <a:solidFill>
-                  <a:schemeClr val="tx1">
-                    <a:lumMod val="85000"/>
-                    <a:lumOff val="15000"/>
-                  </a:schemeClr>
-                </a:solidFill>
-                <a:latin typeface="Open Sans Semibold" panose="020B0706030804020204" pitchFamily="34" charset="0"/>
-                <a:ea typeface="Open Sans Semibold" panose="020B0706030804020204" pitchFamily="34" charset="0"/>
-                <a:cs typeface="Open Sans Semibold" panose="020B0706030804020204" pitchFamily="34" charset="0"/>
-              </a:defRPr>
-            </a:lvl1pPr>
-            <a:lvl2pPr marL="685800" indent="-228600" algn="l" defTabSz="914400" rtl="0" eaLnBrk="1" latinLnBrk="0" hangingPunct="1">
-              <a:lnSpc>
-                <a:spcPct val="90000"/>
-              </a:lnSpc>
-              <a:spcBef>
-                <a:spcPts val="500"/>
-              </a:spcBef>
-              <a:buFont typeface="Arial" panose="020B0604020202020204" pitchFamily="34" charset="0"/>
-              <a:buChar char="•"/>
-              <a:defRPr sz="2400" kern="1200">
-                <a:solidFill>
-                  <a:schemeClr val="tx1">
-                    <a:lumMod val="85000"/>
-                    <a:lumOff val="15000"/>
-                  </a:schemeClr>
-                </a:solidFill>
-                <a:latin typeface="Open Sans Semibold" panose="020B0706030804020204" pitchFamily="34" charset="0"/>
-                <a:ea typeface="Open Sans Semibold" panose="020B0706030804020204" pitchFamily="34" charset="0"/>
-                <a:cs typeface="Open Sans Semibold" panose="020B0706030804020204" pitchFamily="34" charset="0"/>
-              </a:defRPr>
-            </a:lvl2pPr>
-            <a:lvl3pPr marL="1143000" indent="-228600" algn="l" defTabSz="914400" rtl="0" eaLnBrk="1" latinLnBrk="0" hangingPunct="1">
-              <a:lnSpc>
-                <a:spcPct val="90000"/>
-              </a:lnSpc>
-              <a:spcBef>
-                <a:spcPts val="500"/>
-              </a:spcBef>
-              <a:buFont typeface="Arial" panose="020B0604020202020204" pitchFamily="34" charset="0"/>
-              <a:buChar char="•"/>
-              <a:defRPr sz="2000" kern="1200">
-                <a:solidFill>
-                  <a:schemeClr val="tx1">
-                    <a:lumMod val="85000"/>
-                    <a:lumOff val="15000"/>
-                  </a:schemeClr>
-                </a:solidFill>
-                <a:latin typeface="Open Sans Semibold" panose="020B0706030804020204" pitchFamily="34" charset="0"/>
-                <a:ea typeface="Open Sans Semibold" panose="020B0706030804020204" pitchFamily="34" charset="0"/>
-                <a:cs typeface="Open Sans Semibold" panose="020B0706030804020204" pitchFamily="34" charset="0"/>
-              </a:defRPr>
-            </a:lvl3pPr>
-            <a:lvl4pPr marL="1600200" indent="-228600" algn="l" defTabSz="914400" rtl="0" eaLnBrk="1" latinLnBrk="0" hangingPunct="1">
-              <a:lnSpc>
-                <a:spcPct val="90000"/>
-              </a:lnSpc>
-              <a:spcBef>
-                <a:spcPts val="500"/>
-              </a:spcBef>
-              <a:buFont typeface="Arial" panose="020B0604020202020204" pitchFamily="34" charset="0"/>
-              <a:buChar char="•"/>
-              <a:defRPr sz="1800" kern="1200">
-                <a:solidFill>
-                  <a:schemeClr val="tx1">
-                    <a:lumMod val="85000"/>
-                    <a:lumOff val="15000"/>
-                  </a:schemeClr>
-                </a:solidFill>
-                <a:latin typeface="Open Sans Semibold" panose="020B0706030804020204" pitchFamily="34" charset="0"/>
-                <a:ea typeface="Open Sans Semibold" panose="020B0706030804020204" pitchFamily="34" charset="0"/>
-                <a:cs typeface="Open Sans Semibold" panose="020B0706030804020204" pitchFamily="34" charset="0"/>
-              </a:defRPr>
-            </a:lvl4pPr>
-            <a:lvl5pPr marL="2057400" indent="-228600" algn="l" defTabSz="914400" rtl="0" eaLnBrk="1" latinLnBrk="0" hangingPunct="1">
-              <a:lnSpc>
-                <a:spcPct val="90000"/>
-              </a:lnSpc>
-              <a:spcBef>
-                <a:spcPts val="500"/>
-              </a:spcBef>
-              <a:buFont typeface="Arial" panose="020B0604020202020204" pitchFamily="34" charset="0"/>
-              <a:buChar char="•"/>
-              <a:defRPr sz="1800" kern="1200">
-                <a:solidFill>
-                  <a:schemeClr val="tx1">
-                    <a:lumMod val="85000"/>
-                    <a:lumOff val="15000"/>
-                  </a:schemeClr>
-                </a:solidFill>
-                <a:latin typeface="Open Sans Semibold" panose="020B0706030804020204" pitchFamily="34" charset="0"/>
-                <a:ea typeface="Open Sans Semibold" panose="020B0706030804020204" pitchFamily="34" charset="0"/>
-                <a:cs typeface="Open Sans Semibold" panose="020B0706030804020204" pitchFamily="34" charset="0"/>
-              </a:defRPr>
-            </a:lvl5pPr>
-            <a:lvl6pPr marL="2514600" indent="-228600" algn="l" defTabSz="914400" rtl="0" eaLnBrk="1" latinLnBrk="0" hangingPunct="1">
-              <a:lnSpc>
-                <a:spcPct val="90000"/>
-              </a:lnSpc>
-              <a:spcBef>
-                <a:spcPts val="500"/>
-              </a:spcBef>
-              <a:buFont typeface="Arial" panose="020B0604020202020204" pitchFamily="34" charset="0"/>
-              <a:buChar char="•"/>
-              <a:defRPr sz="1800" kern="1200">
-                <a:solidFill>
-                  <a:schemeClr val="tx1"/>
-                </a:solidFill>
-                <a:latin typeface="+mn-lt"/>
-                <a:ea typeface="+mn-ea"/>
-                <a:cs typeface="+mn-cs"/>
-              </a:defRPr>
-            </a:lvl6pPr>
-            <a:lvl7pPr marL="2971800" indent="-228600" algn="l" defTabSz="914400" rtl="0" eaLnBrk="1" latinLnBrk="0" hangingPunct="1">
-              <a:lnSpc>
-                <a:spcPct val="90000"/>
-              </a:lnSpc>
-              <a:spcBef>
-                <a:spcPts val="500"/>
-              </a:spcBef>
-              <a:buFont typeface="Arial" panose="020B0604020202020204" pitchFamily="34" charset="0"/>
-              <a:buChar char="•"/>
-              <a:defRPr sz="1800" kern="1200">
-                <a:solidFill>
-                  <a:schemeClr val="tx1"/>
-                </a:solidFill>
-                <a:latin typeface="+mn-lt"/>
-                <a:ea typeface="+mn-ea"/>
-                <a:cs typeface="+mn-cs"/>
-              </a:defRPr>
-            </a:lvl7pPr>
-            <a:lvl8pPr marL="3429000" indent="-228600" algn="l" defTabSz="914400" rtl="0" eaLnBrk="1" latinLnBrk="0" hangingPunct="1">
-              <a:lnSpc>
-                <a:spcPct val="90000"/>
-              </a:lnSpc>
-              <a:spcBef>
-                <a:spcPts val="500"/>
-              </a:spcBef>
-              <a:buFont typeface="Arial" panose="020B0604020202020204" pitchFamily="34" charset="0"/>
-              <a:buChar char="•"/>
-              <a:defRPr sz="1800" kern="1200">
-                <a:solidFill>
-                  <a:schemeClr val="tx1"/>
-                </a:solidFill>
-                <a:latin typeface="+mn-lt"/>
-                <a:ea typeface="+mn-ea"/>
-                <a:cs typeface="+mn-cs"/>
-              </a:defRPr>
-            </a:lvl8pPr>
-            <a:lvl9pPr marL="3886200" indent="-228600" algn="l" defTabSz="914400" rtl="0" eaLnBrk="1" latinLnBrk="0" hangingPunct="1">
-              <a:lnSpc>
-                <a:spcPct val="90000"/>
-              </a:lnSpc>
-              <a:spcBef>
-                <a:spcPts val="500"/>
-              </a:spcBef>
-              <a:buFont typeface="Arial" panose="020B0604020202020204" pitchFamily="34" charset="0"/>
-              <a:buChar char="•"/>
-              <a:defRPr sz="1800" kern="1200">
-                <a:solidFill>
-                  <a:schemeClr val="tx1"/>
-                </a:solidFill>
-                <a:latin typeface="+mn-lt"/>
-                <a:ea typeface="+mn-ea"/>
-                <a:cs typeface="+mn-cs"/>
-              </a:defRPr>
-            </a:lvl9pPr>
-          </a:lstStyle>
-          <a:p>
-            <a:endParaRPr lang="pt-BR" dirty="0"/>
-          </a:p>
-        </p:txBody>
-      </p:sp>
-      <p:sp>
-        <p:nvSpPr>
-          <p:cNvPr id="5" name="Retângulo: Cantos Arredondados 4"/>
-          <p:cNvSpPr/>
-          <p:nvPr/>
-        </p:nvSpPr>
-        <p:spPr>
-          <a:xfrm>
-            <a:off x="838200" y="2003538"/>
-            <a:ext cx="10515600" cy="1195754"/>
-          </a:xfrm>
-          <a:prstGeom prst="roundRect">
-            <a:avLst/>
-          </a:prstGeom>
-          <a:solidFill>
-            <a:schemeClr val="accent6"/>
-          </a:solidFill>
-          <a:ln>
-            <a:noFill/>
-          </a:ln>
-        </p:spPr>
-        <p:style>
-          <a:lnRef idx="0">
-            <a:scrgbClr r="0" g="0" b="0"/>
-          </a:lnRef>
-          <a:fillRef idx="0">
-            <a:scrgbClr r="0" g="0" b="0"/>
-          </a:fillRef>
-          <a:effectRef idx="0">
-            <a:scrgbClr r="0" g="0" b="0"/>
-          </a:effectRef>
-          <a:fontRef idx="minor">
-            <a:schemeClr val="lt1"/>
-          </a:fontRef>
-        </p:style>
-        <p:txBody>
-          <a:bodyPr rtlCol="0" anchor="ctr"/>
-          <a:lstStyle/>
-          <a:p>
-            <a:pPr algn="ctr"/>
-            <a:r>
-              <a:rPr lang="pt-BR" sz="2800" dirty="0"/>
-              <a:t>O objeto básico que o modelo ER representa é uma entidade, </a:t>
-            </a:r>
-          </a:p>
-          <a:p>
-            <a:pPr algn="ctr"/>
-            <a:r>
-              <a:rPr lang="pt-BR" sz="2800" dirty="0"/>
-              <a:t>que é algo no mundo real com uma existência independente.</a:t>
-            </a:r>
-          </a:p>
-        </p:txBody>
-      </p:sp>
     </p:spTree>
     <p:extLst>
       <p:ext uri="{BB962C8B-B14F-4D97-AF65-F5344CB8AC3E}">
@@ -13461,6 +14257,13 @@
   <p:clrMapOvr>
     <a:masterClrMapping/>
   </p:clrMapOvr>
+  <p:timing>
+    <p:tnLst>
+      <p:par>
+        <p:cTn id="1" dur="indefinite" restart="never" nodeType="tmRoot"/>
+      </p:par>
+    </p:tnLst>
+  </p:timing>
 </p:sld>
 </file>
 
@@ -13826,6 +14629,2629 @@
   <p:clrMapOvr>
     <a:masterClrMapping/>
   </p:clrMapOvr>
+  <p:timing>
+    <p:tnLst>
+      <p:par>
+        <p:cTn id="1" dur="indefinite" restart="never" nodeType="tmRoot"/>
+      </p:par>
+    </p:tnLst>
+  </p:timing>
+</p:sld>
+</file>
+
+<file path=ppt/slides/slide20.xml><?xml version="1.0" encoding="utf-8"?>
+<p:sld xmlns:a="http://schemas.openxmlformats.org/drawingml/2006/main" xmlns:r="http://schemas.openxmlformats.org/officeDocument/2006/relationships" xmlns:p="http://schemas.openxmlformats.org/presentationml/2006/main">
+  <p:cSld>
+    <p:spTree>
+      <p:nvGrpSpPr>
+        <p:cNvPr id="1" name=""/>
+        <p:cNvGrpSpPr/>
+        <p:nvPr/>
+      </p:nvGrpSpPr>
+      <p:grpSpPr>
+        <a:xfrm>
+          <a:off x="0" y="0"/>
+          <a:ext cx="0" cy="0"/>
+          <a:chOff x="0" y="0"/>
+          <a:chExt cx="0" cy="0"/>
+        </a:xfrm>
+      </p:grpSpPr>
+      <p:sp>
+        <p:nvSpPr>
+          <p:cNvPr id="2" name="Título 1"/>
+          <p:cNvSpPr>
+            <a:spLocks noGrp="1"/>
+          </p:cNvSpPr>
+          <p:nvPr>
+            <p:ph type="title"/>
+          </p:nvPr>
+        </p:nvSpPr>
+        <p:spPr>
+          <a:xfrm>
+            <a:off x="250372" y="72023"/>
+            <a:ext cx="10515600" cy="1325563"/>
+          </a:xfrm>
+        </p:spPr>
+        <p:txBody>
+          <a:bodyPr/>
+          <a:lstStyle/>
+          <a:p>
+            <a:r>
+              <a:rPr lang="pt-BR" dirty="0" smtClean="0">
+                <a:effectLst>
+                  <a:outerShdw blurRad="38100" dist="38100" dir="2700000" algn="tl">
+                    <a:srgbClr val="000000">
+                      <a:alpha val="43137"/>
+                    </a:srgbClr>
+                  </a:outerShdw>
+                </a:effectLst>
+              </a:rPr>
+              <a:t>Tipos de entidade</a:t>
+            </a:r>
+            <a:endParaRPr lang="pt-BR" dirty="0">
+              <a:effectLst>
+                <a:outerShdw blurRad="38100" dist="38100" dir="2700000" algn="tl">
+                  <a:srgbClr val="000000">
+                    <a:alpha val="43137"/>
+                  </a:srgbClr>
+                </a:outerShdw>
+              </a:effectLst>
+            </a:endParaRPr>
+          </a:p>
+        </p:txBody>
+      </p:sp>
+      <p:sp>
+        <p:nvSpPr>
+          <p:cNvPr id="4" name="Espaço Reservado para Conteúdo 2"/>
+          <p:cNvSpPr txBox="1">
+            <a:spLocks/>
+          </p:cNvSpPr>
+          <p:nvPr/>
+        </p:nvSpPr>
+        <p:spPr>
+          <a:xfrm>
+            <a:off x="838200" y="2063828"/>
+            <a:ext cx="10515600" cy="878386"/>
+          </a:xfrm>
+          <a:prstGeom prst="rect">
+            <a:avLst/>
+          </a:prstGeom>
+        </p:spPr>
+        <p:txBody>
+          <a:bodyPr vert="horz" lIns="91440" tIns="45720" rIns="91440" bIns="45720" rtlCol="0">
+            <a:normAutofit/>
+          </a:bodyPr>
+          <a:lstStyle>
+            <a:lvl1pPr marL="228600" indent="-228600" algn="l" defTabSz="914400" rtl="0" eaLnBrk="1" latinLnBrk="0" hangingPunct="1">
+              <a:lnSpc>
+                <a:spcPct val="90000"/>
+              </a:lnSpc>
+              <a:spcBef>
+                <a:spcPts val="1000"/>
+              </a:spcBef>
+              <a:buFont typeface="Arial" panose="020B0604020202020204" pitchFamily="34" charset="0"/>
+              <a:buChar char="•"/>
+              <a:defRPr sz="2800" kern="1200">
+                <a:solidFill>
+                  <a:schemeClr val="tx1">
+                    <a:lumMod val="85000"/>
+                    <a:lumOff val="15000"/>
+                  </a:schemeClr>
+                </a:solidFill>
+                <a:latin typeface="Open Sans Semibold" panose="020B0706030804020204" pitchFamily="34" charset="0"/>
+                <a:ea typeface="Open Sans Semibold" panose="020B0706030804020204" pitchFamily="34" charset="0"/>
+                <a:cs typeface="Open Sans Semibold" panose="020B0706030804020204" pitchFamily="34" charset="0"/>
+              </a:defRPr>
+            </a:lvl1pPr>
+            <a:lvl2pPr marL="685800" indent="-228600" algn="l" defTabSz="914400" rtl="0" eaLnBrk="1" latinLnBrk="0" hangingPunct="1">
+              <a:lnSpc>
+                <a:spcPct val="90000"/>
+              </a:lnSpc>
+              <a:spcBef>
+                <a:spcPts val="500"/>
+              </a:spcBef>
+              <a:buFont typeface="Arial" panose="020B0604020202020204" pitchFamily="34" charset="0"/>
+              <a:buChar char="•"/>
+              <a:defRPr sz="2400" kern="1200">
+                <a:solidFill>
+                  <a:schemeClr val="tx1">
+                    <a:lumMod val="85000"/>
+                    <a:lumOff val="15000"/>
+                  </a:schemeClr>
+                </a:solidFill>
+                <a:latin typeface="Open Sans Semibold" panose="020B0706030804020204" pitchFamily="34" charset="0"/>
+                <a:ea typeface="Open Sans Semibold" panose="020B0706030804020204" pitchFamily="34" charset="0"/>
+                <a:cs typeface="Open Sans Semibold" panose="020B0706030804020204" pitchFamily="34" charset="0"/>
+              </a:defRPr>
+            </a:lvl2pPr>
+            <a:lvl3pPr marL="1143000" indent="-228600" algn="l" defTabSz="914400" rtl="0" eaLnBrk="1" latinLnBrk="0" hangingPunct="1">
+              <a:lnSpc>
+                <a:spcPct val="90000"/>
+              </a:lnSpc>
+              <a:spcBef>
+                <a:spcPts val="500"/>
+              </a:spcBef>
+              <a:buFont typeface="Arial" panose="020B0604020202020204" pitchFamily="34" charset="0"/>
+              <a:buChar char="•"/>
+              <a:defRPr sz="2000" kern="1200">
+                <a:solidFill>
+                  <a:schemeClr val="tx1">
+                    <a:lumMod val="85000"/>
+                    <a:lumOff val="15000"/>
+                  </a:schemeClr>
+                </a:solidFill>
+                <a:latin typeface="Open Sans Semibold" panose="020B0706030804020204" pitchFamily="34" charset="0"/>
+                <a:ea typeface="Open Sans Semibold" panose="020B0706030804020204" pitchFamily="34" charset="0"/>
+                <a:cs typeface="Open Sans Semibold" panose="020B0706030804020204" pitchFamily="34" charset="0"/>
+              </a:defRPr>
+            </a:lvl3pPr>
+            <a:lvl4pPr marL="1600200" indent="-228600" algn="l" defTabSz="914400" rtl="0" eaLnBrk="1" latinLnBrk="0" hangingPunct="1">
+              <a:lnSpc>
+                <a:spcPct val="90000"/>
+              </a:lnSpc>
+              <a:spcBef>
+                <a:spcPts val="500"/>
+              </a:spcBef>
+              <a:buFont typeface="Arial" panose="020B0604020202020204" pitchFamily="34" charset="0"/>
+              <a:buChar char="•"/>
+              <a:defRPr sz="1800" kern="1200">
+                <a:solidFill>
+                  <a:schemeClr val="tx1">
+                    <a:lumMod val="85000"/>
+                    <a:lumOff val="15000"/>
+                  </a:schemeClr>
+                </a:solidFill>
+                <a:latin typeface="Open Sans Semibold" panose="020B0706030804020204" pitchFamily="34" charset="0"/>
+                <a:ea typeface="Open Sans Semibold" panose="020B0706030804020204" pitchFamily="34" charset="0"/>
+                <a:cs typeface="Open Sans Semibold" panose="020B0706030804020204" pitchFamily="34" charset="0"/>
+              </a:defRPr>
+            </a:lvl4pPr>
+            <a:lvl5pPr marL="2057400" indent="-228600" algn="l" defTabSz="914400" rtl="0" eaLnBrk="1" latinLnBrk="0" hangingPunct="1">
+              <a:lnSpc>
+                <a:spcPct val="90000"/>
+              </a:lnSpc>
+              <a:spcBef>
+                <a:spcPts val="500"/>
+              </a:spcBef>
+              <a:buFont typeface="Arial" panose="020B0604020202020204" pitchFamily="34" charset="0"/>
+              <a:buChar char="•"/>
+              <a:defRPr sz="1800" kern="1200">
+                <a:solidFill>
+                  <a:schemeClr val="tx1">
+                    <a:lumMod val="85000"/>
+                    <a:lumOff val="15000"/>
+                  </a:schemeClr>
+                </a:solidFill>
+                <a:latin typeface="Open Sans Semibold" panose="020B0706030804020204" pitchFamily="34" charset="0"/>
+                <a:ea typeface="Open Sans Semibold" panose="020B0706030804020204" pitchFamily="34" charset="0"/>
+                <a:cs typeface="Open Sans Semibold" panose="020B0706030804020204" pitchFamily="34" charset="0"/>
+              </a:defRPr>
+            </a:lvl5pPr>
+            <a:lvl6pPr marL="2514600" indent="-228600" algn="l" defTabSz="914400" rtl="0" eaLnBrk="1" latinLnBrk="0" hangingPunct="1">
+              <a:lnSpc>
+                <a:spcPct val="90000"/>
+              </a:lnSpc>
+              <a:spcBef>
+                <a:spcPts val="500"/>
+              </a:spcBef>
+              <a:buFont typeface="Arial" panose="020B0604020202020204" pitchFamily="34" charset="0"/>
+              <a:buChar char="•"/>
+              <a:defRPr sz="1800" kern="1200">
+                <a:solidFill>
+                  <a:schemeClr val="tx1"/>
+                </a:solidFill>
+                <a:latin typeface="+mn-lt"/>
+                <a:ea typeface="+mn-ea"/>
+                <a:cs typeface="+mn-cs"/>
+              </a:defRPr>
+            </a:lvl6pPr>
+            <a:lvl7pPr marL="2971800" indent="-228600" algn="l" defTabSz="914400" rtl="0" eaLnBrk="1" latinLnBrk="0" hangingPunct="1">
+              <a:lnSpc>
+                <a:spcPct val="90000"/>
+              </a:lnSpc>
+              <a:spcBef>
+                <a:spcPts val="500"/>
+              </a:spcBef>
+              <a:buFont typeface="Arial" panose="020B0604020202020204" pitchFamily="34" charset="0"/>
+              <a:buChar char="•"/>
+              <a:defRPr sz="1800" kern="1200">
+                <a:solidFill>
+                  <a:schemeClr val="tx1"/>
+                </a:solidFill>
+                <a:latin typeface="+mn-lt"/>
+                <a:ea typeface="+mn-ea"/>
+                <a:cs typeface="+mn-cs"/>
+              </a:defRPr>
+            </a:lvl7pPr>
+            <a:lvl8pPr marL="3429000" indent="-228600" algn="l" defTabSz="914400" rtl="0" eaLnBrk="1" latinLnBrk="0" hangingPunct="1">
+              <a:lnSpc>
+                <a:spcPct val="90000"/>
+              </a:lnSpc>
+              <a:spcBef>
+                <a:spcPts val="500"/>
+              </a:spcBef>
+              <a:buFont typeface="Arial" panose="020B0604020202020204" pitchFamily="34" charset="0"/>
+              <a:buChar char="•"/>
+              <a:defRPr sz="1800" kern="1200">
+                <a:solidFill>
+                  <a:schemeClr val="tx1"/>
+                </a:solidFill>
+                <a:latin typeface="+mn-lt"/>
+                <a:ea typeface="+mn-ea"/>
+                <a:cs typeface="+mn-cs"/>
+              </a:defRPr>
+            </a:lvl8pPr>
+            <a:lvl9pPr marL="3886200" indent="-228600" algn="l" defTabSz="914400" rtl="0" eaLnBrk="1" latinLnBrk="0" hangingPunct="1">
+              <a:lnSpc>
+                <a:spcPct val="90000"/>
+              </a:lnSpc>
+              <a:spcBef>
+                <a:spcPts val="500"/>
+              </a:spcBef>
+              <a:buFont typeface="Arial" panose="020B0604020202020204" pitchFamily="34" charset="0"/>
+              <a:buChar char="•"/>
+              <a:defRPr sz="1800" kern="1200">
+                <a:solidFill>
+                  <a:schemeClr val="tx1"/>
+                </a:solidFill>
+                <a:latin typeface="+mn-lt"/>
+                <a:ea typeface="+mn-ea"/>
+                <a:cs typeface="+mn-cs"/>
+              </a:defRPr>
+            </a:lvl9pPr>
+          </a:lstStyle>
+          <a:p>
+            <a:endParaRPr lang="pt-BR" dirty="0"/>
+          </a:p>
+        </p:txBody>
+      </p:sp>
+      <p:graphicFrame>
+        <p:nvGraphicFramePr>
+          <p:cNvPr id="5" name="Tabela 4"/>
+          <p:cNvGraphicFramePr>
+            <a:graphicFrameLocks noGrp="1"/>
+          </p:cNvGraphicFramePr>
+          <p:nvPr>
+            <p:extLst>
+              <p:ext uri="{D42A27DB-BD31-4B8C-83A1-F6EECF244321}">
+                <p14:modId xmlns:p14="http://schemas.microsoft.com/office/powerpoint/2010/main" val="3120158240"/>
+              </p:ext>
+            </p:extLst>
+          </p:nvPr>
+        </p:nvGraphicFramePr>
+        <p:xfrm>
+          <a:off x="1150882" y="2492170"/>
+          <a:ext cx="10202918" cy="2895600"/>
+        </p:xfrm>
+        <a:graphic>
+          <a:graphicData uri="http://schemas.openxmlformats.org/drawingml/2006/table">
+            <a:tbl>
+              <a:tblPr firstRow="1" bandRow="1">
+                <a:tableStyleId>{912C8C85-51F0-491E-9774-3900AFEF0FD7}</a:tableStyleId>
+              </a:tblPr>
+              <a:tblGrid>
+                <a:gridCol w="5101459">
+                  <a:extLst>
+                    <a:ext uri="{9D8B030D-6E8A-4147-A177-3AD203B41FA5}">
+                      <a16:colId xmlns:a16="http://schemas.microsoft.com/office/drawing/2014/main" val="1905163174"/>
+                    </a:ext>
+                  </a:extLst>
+                </a:gridCol>
+                <a:gridCol w="5101459">
+                  <a:extLst>
+                    <a:ext uri="{9D8B030D-6E8A-4147-A177-3AD203B41FA5}">
+                      <a16:colId xmlns:a16="http://schemas.microsoft.com/office/drawing/2014/main" val="2526992183"/>
+                    </a:ext>
+                  </a:extLst>
+                </a:gridCol>
+              </a:tblGrid>
+              <a:tr h="570468">
+                <a:tc>
+                  <a:txBody>
+                    <a:bodyPr/>
+                    <a:lstStyle/>
+                    <a:p>
+                      <a:pPr algn="ctr"/>
+                      <a:r>
+                        <a:rPr lang="pt-BR" sz="3200" b="1" kern="1200" dirty="0" smtClean="0">
+                          <a:solidFill>
+                            <a:schemeClr val="bg1"/>
+                          </a:solidFill>
+                          <a:effectLst/>
+                          <a:latin typeface="+mn-lt"/>
+                          <a:ea typeface="+mn-ea"/>
+                          <a:cs typeface="+mn-cs"/>
+                        </a:rPr>
+                        <a:t>Existência física</a:t>
+                      </a:r>
+                      <a:endParaRPr lang="pt-BR" sz="3200" dirty="0"/>
+                    </a:p>
+                  </a:txBody>
+                  <a:tcPr anchor="ctr"/>
+                </a:tc>
+                <a:tc>
+                  <a:txBody>
+                    <a:bodyPr/>
+                    <a:lstStyle/>
+                    <a:p>
+                      <a:pPr algn="ctr"/>
+                      <a:r>
+                        <a:rPr lang="pt-BR" sz="3200" b="1" kern="1200" dirty="0" smtClean="0">
+                          <a:solidFill>
+                            <a:schemeClr val="bg1"/>
+                          </a:solidFill>
+                          <a:effectLst/>
+                          <a:latin typeface="+mn-lt"/>
+                          <a:ea typeface="+mn-ea"/>
+                          <a:cs typeface="+mn-cs"/>
+                        </a:rPr>
+                        <a:t>Existência conceitual</a:t>
+                      </a:r>
+                      <a:endParaRPr lang="pt-BR" sz="3200" dirty="0"/>
+                    </a:p>
+                  </a:txBody>
+                  <a:tcPr anchor="ctr"/>
+                </a:tc>
+                <a:extLst>
+                  <a:ext uri="{0D108BD9-81ED-4DB2-BD59-A6C34878D82A}">
+                    <a16:rowId xmlns:a16="http://schemas.microsoft.com/office/drawing/2014/main" val="2837170963"/>
+                  </a:ext>
+                </a:extLst>
+              </a:tr>
+              <a:tr h="570468">
+                <a:tc>
+                  <a:txBody>
+                    <a:bodyPr/>
+                    <a:lstStyle/>
+                    <a:p>
+                      <a:pPr algn="ctr"/>
+                      <a:r>
+                        <a:rPr lang="pt-BR" sz="3200" dirty="0" smtClean="0"/>
+                        <a:t>Pessoa</a:t>
+                      </a:r>
+                      <a:endParaRPr lang="pt-BR" sz="3200" dirty="0"/>
+                    </a:p>
+                  </a:txBody>
+                  <a:tcPr anchor="ctr"/>
+                </a:tc>
+                <a:tc>
+                  <a:txBody>
+                    <a:bodyPr/>
+                    <a:lstStyle/>
+                    <a:p>
+                      <a:pPr algn="ctr"/>
+                      <a:r>
+                        <a:rPr lang="pt-BR" sz="3200" dirty="0" smtClean="0"/>
+                        <a:t>Cargo</a:t>
+                      </a:r>
+                      <a:endParaRPr lang="pt-BR" sz="3200" dirty="0"/>
+                    </a:p>
+                  </a:txBody>
+                  <a:tcPr anchor="ctr"/>
+                </a:tc>
+                <a:extLst>
+                  <a:ext uri="{0D108BD9-81ED-4DB2-BD59-A6C34878D82A}">
+                    <a16:rowId xmlns:a16="http://schemas.microsoft.com/office/drawing/2014/main" val="1009263118"/>
+                  </a:ext>
+                </a:extLst>
+              </a:tr>
+              <a:tr h="570468">
+                <a:tc>
+                  <a:txBody>
+                    <a:bodyPr/>
+                    <a:lstStyle/>
+                    <a:p>
+                      <a:pPr algn="ctr"/>
+                      <a:r>
+                        <a:rPr lang="pt-BR" sz="3200" dirty="0" smtClean="0"/>
+                        <a:t>Carro</a:t>
+                      </a:r>
+                      <a:endParaRPr lang="pt-BR" sz="3200" dirty="0"/>
+                    </a:p>
+                  </a:txBody>
+                  <a:tcPr anchor="ctr"/>
+                </a:tc>
+                <a:tc>
+                  <a:txBody>
+                    <a:bodyPr/>
+                    <a:lstStyle/>
+                    <a:p>
+                      <a:pPr algn="ctr"/>
+                      <a:r>
+                        <a:rPr lang="pt-BR" sz="3200" dirty="0" smtClean="0"/>
+                        <a:t>Curso universitário</a:t>
+                      </a:r>
+                      <a:endParaRPr lang="pt-BR" sz="3200" dirty="0"/>
+                    </a:p>
+                  </a:txBody>
+                  <a:tcPr anchor="ctr"/>
+                </a:tc>
+                <a:extLst>
+                  <a:ext uri="{0D108BD9-81ED-4DB2-BD59-A6C34878D82A}">
+                    <a16:rowId xmlns:a16="http://schemas.microsoft.com/office/drawing/2014/main" val="1630223040"/>
+                  </a:ext>
+                </a:extLst>
+              </a:tr>
+              <a:tr h="570468">
+                <a:tc>
+                  <a:txBody>
+                    <a:bodyPr/>
+                    <a:lstStyle/>
+                    <a:p>
+                      <a:pPr algn="ctr"/>
+                      <a:r>
+                        <a:rPr lang="pt-BR" sz="3200" dirty="0" smtClean="0"/>
+                        <a:t>Casa</a:t>
+                      </a:r>
+                      <a:endParaRPr lang="pt-BR" sz="3200" dirty="0"/>
+                    </a:p>
+                  </a:txBody>
+                  <a:tcPr anchor="ctr"/>
+                </a:tc>
+                <a:tc>
+                  <a:txBody>
+                    <a:bodyPr/>
+                    <a:lstStyle/>
+                    <a:p>
+                      <a:pPr algn="ctr"/>
+                      <a:r>
+                        <a:rPr lang="pt-BR" sz="3200" dirty="0" smtClean="0"/>
+                        <a:t>Projeto</a:t>
+                      </a:r>
+                      <a:endParaRPr lang="pt-BR" sz="3200" dirty="0"/>
+                    </a:p>
+                  </a:txBody>
+                  <a:tcPr anchor="ctr"/>
+                </a:tc>
+                <a:extLst>
+                  <a:ext uri="{0D108BD9-81ED-4DB2-BD59-A6C34878D82A}">
+                    <a16:rowId xmlns:a16="http://schemas.microsoft.com/office/drawing/2014/main" val="2993445575"/>
+                  </a:ext>
+                </a:extLst>
+              </a:tr>
+              <a:tr h="570468">
+                <a:tc>
+                  <a:txBody>
+                    <a:bodyPr/>
+                    <a:lstStyle/>
+                    <a:p>
+                      <a:pPr algn="ctr"/>
+                      <a:r>
+                        <a:rPr lang="pt-BR" sz="3200" dirty="0" smtClean="0"/>
+                        <a:t>Funcionário</a:t>
+                      </a:r>
+                      <a:endParaRPr lang="pt-BR" sz="3200" dirty="0"/>
+                    </a:p>
+                  </a:txBody>
+                  <a:tcPr anchor="ctr"/>
+                </a:tc>
+                <a:tc>
+                  <a:txBody>
+                    <a:bodyPr/>
+                    <a:lstStyle/>
+                    <a:p>
+                      <a:pPr algn="ctr"/>
+                      <a:r>
+                        <a:rPr lang="pt-BR" sz="3200" dirty="0" smtClean="0"/>
+                        <a:t>Venda</a:t>
+                      </a:r>
+                      <a:endParaRPr lang="pt-BR" sz="3200" dirty="0"/>
+                    </a:p>
+                  </a:txBody>
+                  <a:tcPr anchor="ctr"/>
+                </a:tc>
+                <a:extLst>
+                  <a:ext uri="{0D108BD9-81ED-4DB2-BD59-A6C34878D82A}">
+                    <a16:rowId xmlns:a16="http://schemas.microsoft.com/office/drawing/2014/main" val="1673232172"/>
+                  </a:ext>
+                </a:extLst>
+              </a:tr>
+            </a:tbl>
+          </a:graphicData>
+        </a:graphic>
+      </p:graphicFrame>
+    </p:spTree>
+    <p:extLst>
+      <p:ext uri="{BB962C8B-B14F-4D97-AF65-F5344CB8AC3E}">
+        <p14:creationId xmlns:p14="http://schemas.microsoft.com/office/powerpoint/2010/main" val="1389520499"/>
+      </p:ext>
+    </p:extLst>
+  </p:cSld>
+  <p:clrMapOvr>
+    <a:masterClrMapping/>
+  </p:clrMapOvr>
+  <p:timing>
+    <p:tnLst>
+      <p:par>
+        <p:cTn id="1" dur="indefinite" restart="never" nodeType="tmRoot"/>
+      </p:par>
+    </p:tnLst>
+  </p:timing>
+</p:sld>
+</file>
+
+<file path=ppt/slides/slide21.xml><?xml version="1.0" encoding="utf-8"?>
+<p:sld xmlns:a="http://schemas.openxmlformats.org/drawingml/2006/main" xmlns:r="http://schemas.openxmlformats.org/officeDocument/2006/relationships" xmlns:p="http://schemas.openxmlformats.org/presentationml/2006/main">
+  <p:cSld>
+    <p:spTree>
+      <p:nvGrpSpPr>
+        <p:cNvPr id="1" name=""/>
+        <p:cNvGrpSpPr/>
+        <p:nvPr/>
+      </p:nvGrpSpPr>
+      <p:grpSpPr>
+        <a:xfrm>
+          <a:off x="0" y="0"/>
+          <a:ext cx="0" cy="0"/>
+          <a:chOff x="0" y="0"/>
+          <a:chExt cx="0" cy="0"/>
+        </a:xfrm>
+      </p:grpSpPr>
+      <p:sp>
+        <p:nvSpPr>
+          <p:cNvPr id="2" name="Título 1"/>
+          <p:cNvSpPr>
+            <a:spLocks noGrp="1"/>
+          </p:cNvSpPr>
+          <p:nvPr>
+            <p:ph type="title"/>
+          </p:nvPr>
+        </p:nvSpPr>
+        <p:spPr>
+          <a:xfrm>
+            <a:off x="250372" y="72023"/>
+            <a:ext cx="10515600" cy="1325563"/>
+          </a:xfrm>
+        </p:spPr>
+        <p:txBody>
+          <a:bodyPr/>
+          <a:lstStyle/>
+          <a:p>
+            <a:r>
+              <a:rPr lang="pt-BR" dirty="0"/>
+              <a:t>Representação gráfica </a:t>
+            </a:r>
+            <a:r>
+              <a:rPr lang="pt-BR" dirty="0" smtClean="0"/>
+              <a:t>no </a:t>
+            </a:r>
+            <a:r>
+              <a:rPr lang="pt-BR" dirty="0"/>
+              <a:t>DER</a:t>
+            </a:r>
+            <a:endParaRPr lang="pt-BR" dirty="0">
+              <a:effectLst>
+                <a:outerShdw blurRad="38100" dist="38100" dir="2700000" algn="tl">
+                  <a:srgbClr val="000000">
+                    <a:alpha val="43137"/>
+                  </a:srgbClr>
+                </a:outerShdw>
+              </a:effectLst>
+            </a:endParaRPr>
+          </a:p>
+        </p:txBody>
+      </p:sp>
+      <p:sp>
+        <p:nvSpPr>
+          <p:cNvPr id="4" name="Espaço Reservado para Conteúdo 2"/>
+          <p:cNvSpPr txBox="1">
+            <a:spLocks/>
+          </p:cNvSpPr>
+          <p:nvPr/>
+        </p:nvSpPr>
+        <p:spPr>
+          <a:xfrm>
+            <a:off x="538652" y="3167418"/>
+            <a:ext cx="10515600" cy="878386"/>
+          </a:xfrm>
+          <a:prstGeom prst="rect">
+            <a:avLst/>
+          </a:prstGeom>
+        </p:spPr>
+        <p:txBody>
+          <a:bodyPr vert="horz" lIns="91440" tIns="45720" rIns="91440" bIns="45720" rtlCol="0">
+            <a:normAutofit/>
+          </a:bodyPr>
+          <a:lstStyle>
+            <a:lvl1pPr marL="228600" indent="-228600" algn="l" defTabSz="914400" rtl="0" eaLnBrk="1" latinLnBrk="0" hangingPunct="1">
+              <a:lnSpc>
+                <a:spcPct val="90000"/>
+              </a:lnSpc>
+              <a:spcBef>
+                <a:spcPts val="1000"/>
+              </a:spcBef>
+              <a:buFont typeface="Arial" panose="020B0604020202020204" pitchFamily="34" charset="0"/>
+              <a:buChar char="•"/>
+              <a:defRPr sz="2800" kern="1200">
+                <a:solidFill>
+                  <a:schemeClr val="tx1">
+                    <a:lumMod val="85000"/>
+                    <a:lumOff val="15000"/>
+                  </a:schemeClr>
+                </a:solidFill>
+                <a:latin typeface="Open Sans Semibold" panose="020B0706030804020204" pitchFamily="34" charset="0"/>
+                <a:ea typeface="Open Sans Semibold" panose="020B0706030804020204" pitchFamily="34" charset="0"/>
+                <a:cs typeface="Open Sans Semibold" panose="020B0706030804020204" pitchFamily="34" charset="0"/>
+              </a:defRPr>
+            </a:lvl1pPr>
+            <a:lvl2pPr marL="685800" indent="-228600" algn="l" defTabSz="914400" rtl="0" eaLnBrk="1" latinLnBrk="0" hangingPunct="1">
+              <a:lnSpc>
+                <a:spcPct val="90000"/>
+              </a:lnSpc>
+              <a:spcBef>
+                <a:spcPts val="500"/>
+              </a:spcBef>
+              <a:buFont typeface="Arial" panose="020B0604020202020204" pitchFamily="34" charset="0"/>
+              <a:buChar char="•"/>
+              <a:defRPr sz="2400" kern="1200">
+                <a:solidFill>
+                  <a:schemeClr val="tx1">
+                    <a:lumMod val="85000"/>
+                    <a:lumOff val="15000"/>
+                  </a:schemeClr>
+                </a:solidFill>
+                <a:latin typeface="Open Sans Semibold" panose="020B0706030804020204" pitchFamily="34" charset="0"/>
+                <a:ea typeface="Open Sans Semibold" panose="020B0706030804020204" pitchFamily="34" charset="0"/>
+                <a:cs typeface="Open Sans Semibold" panose="020B0706030804020204" pitchFamily="34" charset="0"/>
+              </a:defRPr>
+            </a:lvl2pPr>
+            <a:lvl3pPr marL="1143000" indent="-228600" algn="l" defTabSz="914400" rtl="0" eaLnBrk="1" latinLnBrk="0" hangingPunct="1">
+              <a:lnSpc>
+                <a:spcPct val="90000"/>
+              </a:lnSpc>
+              <a:spcBef>
+                <a:spcPts val="500"/>
+              </a:spcBef>
+              <a:buFont typeface="Arial" panose="020B0604020202020204" pitchFamily="34" charset="0"/>
+              <a:buChar char="•"/>
+              <a:defRPr sz="2000" kern="1200">
+                <a:solidFill>
+                  <a:schemeClr val="tx1">
+                    <a:lumMod val="85000"/>
+                    <a:lumOff val="15000"/>
+                  </a:schemeClr>
+                </a:solidFill>
+                <a:latin typeface="Open Sans Semibold" panose="020B0706030804020204" pitchFamily="34" charset="0"/>
+                <a:ea typeface="Open Sans Semibold" panose="020B0706030804020204" pitchFamily="34" charset="0"/>
+                <a:cs typeface="Open Sans Semibold" panose="020B0706030804020204" pitchFamily="34" charset="0"/>
+              </a:defRPr>
+            </a:lvl3pPr>
+            <a:lvl4pPr marL="1600200" indent="-228600" algn="l" defTabSz="914400" rtl="0" eaLnBrk="1" latinLnBrk="0" hangingPunct="1">
+              <a:lnSpc>
+                <a:spcPct val="90000"/>
+              </a:lnSpc>
+              <a:spcBef>
+                <a:spcPts val="500"/>
+              </a:spcBef>
+              <a:buFont typeface="Arial" panose="020B0604020202020204" pitchFamily="34" charset="0"/>
+              <a:buChar char="•"/>
+              <a:defRPr sz="1800" kern="1200">
+                <a:solidFill>
+                  <a:schemeClr val="tx1">
+                    <a:lumMod val="85000"/>
+                    <a:lumOff val="15000"/>
+                  </a:schemeClr>
+                </a:solidFill>
+                <a:latin typeface="Open Sans Semibold" panose="020B0706030804020204" pitchFamily="34" charset="0"/>
+                <a:ea typeface="Open Sans Semibold" panose="020B0706030804020204" pitchFamily="34" charset="0"/>
+                <a:cs typeface="Open Sans Semibold" panose="020B0706030804020204" pitchFamily="34" charset="0"/>
+              </a:defRPr>
+            </a:lvl4pPr>
+            <a:lvl5pPr marL="2057400" indent="-228600" algn="l" defTabSz="914400" rtl="0" eaLnBrk="1" latinLnBrk="0" hangingPunct="1">
+              <a:lnSpc>
+                <a:spcPct val="90000"/>
+              </a:lnSpc>
+              <a:spcBef>
+                <a:spcPts val="500"/>
+              </a:spcBef>
+              <a:buFont typeface="Arial" panose="020B0604020202020204" pitchFamily="34" charset="0"/>
+              <a:buChar char="•"/>
+              <a:defRPr sz="1800" kern="1200">
+                <a:solidFill>
+                  <a:schemeClr val="tx1">
+                    <a:lumMod val="85000"/>
+                    <a:lumOff val="15000"/>
+                  </a:schemeClr>
+                </a:solidFill>
+                <a:latin typeface="Open Sans Semibold" panose="020B0706030804020204" pitchFamily="34" charset="0"/>
+                <a:ea typeface="Open Sans Semibold" panose="020B0706030804020204" pitchFamily="34" charset="0"/>
+                <a:cs typeface="Open Sans Semibold" panose="020B0706030804020204" pitchFamily="34" charset="0"/>
+              </a:defRPr>
+            </a:lvl5pPr>
+            <a:lvl6pPr marL="2514600" indent="-228600" algn="l" defTabSz="914400" rtl="0" eaLnBrk="1" latinLnBrk="0" hangingPunct="1">
+              <a:lnSpc>
+                <a:spcPct val="90000"/>
+              </a:lnSpc>
+              <a:spcBef>
+                <a:spcPts val="500"/>
+              </a:spcBef>
+              <a:buFont typeface="Arial" panose="020B0604020202020204" pitchFamily="34" charset="0"/>
+              <a:buChar char="•"/>
+              <a:defRPr sz="1800" kern="1200">
+                <a:solidFill>
+                  <a:schemeClr val="tx1"/>
+                </a:solidFill>
+                <a:latin typeface="+mn-lt"/>
+                <a:ea typeface="+mn-ea"/>
+                <a:cs typeface="+mn-cs"/>
+              </a:defRPr>
+            </a:lvl6pPr>
+            <a:lvl7pPr marL="2971800" indent="-228600" algn="l" defTabSz="914400" rtl="0" eaLnBrk="1" latinLnBrk="0" hangingPunct="1">
+              <a:lnSpc>
+                <a:spcPct val="90000"/>
+              </a:lnSpc>
+              <a:spcBef>
+                <a:spcPts val="500"/>
+              </a:spcBef>
+              <a:buFont typeface="Arial" panose="020B0604020202020204" pitchFamily="34" charset="0"/>
+              <a:buChar char="•"/>
+              <a:defRPr sz="1800" kern="1200">
+                <a:solidFill>
+                  <a:schemeClr val="tx1"/>
+                </a:solidFill>
+                <a:latin typeface="+mn-lt"/>
+                <a:ea typeface="+mn-ea"/>
+                <a:cs typeface="+mn-cs"/>
+              </a:defRPr>
+            </a:lvl7pPr>
+            <a:lvl8pPr marL="3429000" indent="-228600" algn="l" defTabSz="914400" rtl="0" eaLnBrk="1" latinLnBrk="0" hangingPunct="1">
+              <a:lnSpc>
+                <a:spcPct val="90000"/>
+              </a:lnSpc>
+              <a:spcBef>
+                <a:spcPts val="500"/>
+              </a:spcBef>
+              <a:buFont typeface="Arial" panose="020B0604020202020204" pitchFamily="34" charset="0"/>
+              <a:buChar char="•"/>
+              <a:defRPr sz="1800" kern="1200">
+                <a:solidFill>
+                  <a:schemeClr val="tx1"/>
+                </a:solidFill>
+                <a:latin typeface="+mn-lt"/>
+                <a:ea typeface="+mn-ea"/>
+                <a:cs typeface="+mn-cs"/>
+              </a:defRPr>
+            </a:lvl8pPr>
+            <a:lvl9pPr marL="3886200" indent="-228600" algn="l" defTabSz="914400" rtl="0" eaLnBrk="1" latinLnBrk="0" hangingPunct="1">
+              <a:lnSpc>
+                <a:spcPct val="90000"/>
+              </a:lnSpc>
+              <a:spcBef>
+                <a:spcPts val="500"/>
+              </a:spcBef>
+              <a:buFont typeface="Arial" panose="020B0604020202020204" pitchFamily="34" charset="0"/>
+              <a:buChar char="•"/>
+              <a:defRPr sz="1800" kern="1200">
+                <a:solidFill>
+                  <a:schemeClr val="tx1"/>
+                </a:solidFill>
+                <a:latin typeface="+mn-lt"/>
+                <a:ea typeface="+mn-ea"/>
+                <a:cs typeface="+mn-cs"/>
+              </a:defRPr>
+            </a:lvl9pPr>
+          </a:lstStyle>
+          <a:p>
+            <a:endParaRPr lang="pt-BR" dirty="0"/>
+          </a:p>
+        </p:txBody>
+      </p:sp>
+      <p:sp>
+        <p:nvSpPr>
+          <p:cNvPr id="3" name="Retângulo 2"/>
+          <p:cNvSpPr/>
+          <p:nvPr/>
+        </p:nvSpPr>
+        <p:spPr>
+          <a:xfrm>
+            <a:off x="157648" y="3389590"/>
+            <a:ext cx="3783725" cy="819807"/>
+          </a:xfrm>
+          <a:prstGeom prst="rect">
+            <a:avLst/>
+          </a:prstGeom>
+        </p:spPr>
+        <p:style>
+          <a:lnRef idx="2">
+            <a:schemeClr val="dk1"/>
+          </a:lnRef>
+          <a:fillRef idx="1">
+            <a:schemeClr val="lt1"/>
+          </a:fillRef>
+          <a:effectRef idx="0">
+            <a:schemeClr val="dk1"/>
+          </a:effectRef>
+          <a:fontRef idx="minor">
+            <a:schemeClr val="dk1"/>
+          </a:fontRef>
+        </p:style>
+        <p:txBody>
+          <a:bodyPr rtlCol="0" anchor="ctr"/>
+          <a:lstStyle/>
+          <a:p>
+            <a:pPr algn="ctr"/>
+            <a:r>
+              <a:rPr lang="pt-BR" sz="3200" b="1" dirty="0" smtClean="0"/>
+              <a:t>Cliente</a:t>
+            </a:r>
+            <a:endParaRPr lang="pt-BR" sz="3200" b="1" dirty="0"/>
+          </a:p>
+        </p:txBody>
+      </p:sp>
+      <p:sp>
+        <p:nvSpPr>
+          <p:cNvPr id="6" name="Retângulo 5"/>
+          <p:cNvSpPr/>
+          <p:nvPr/>
+        </p:nvSpPr>
+        <p:spPr>
+          <a:xfrm>
+            <a:off x="4175227" y="3405355"/>
+            <a:ext cx="3783725" cy="819807"/>
+          </a:xfrm>
+          <a:prstGeom prst="rect">
+            <a:avLst/>
+          </a:prstGeom>
+        </p:spPr>
+        <p:style>
+          <a:lnRef idx="2">
+            <a:schemeClr val="dk1"/>
+          </a:lnRef>
+          <a:fillRef idx="1">
+            <a:schemeClr val="lt1"/>
+          </a:fillRef>
+          <a:effectRef idx="0">
+            <a:schemeClr val="dk1"/>
+          </a:effectRef>
+          <a:fontRef idx="minor">
+            <a:schemeClr val="dk1"/>
+          </a:fontRef>
+        </p:style>
+        <p:txBody>
+          <a:bodyPr rtlCol="0" anchor="ctr"/>
+          <a:lstStyle/>
+          <a:p>
+            <a:pPr algn="ctr"/>
+            <a:r>
+              <a:rPr lang="pt-BR" sz="3200" b="1" dirty="0" smtClean="0"/>
+              <a:t>Médico</a:t>
+            </a:r>
+            <a:endParaRPr lang="pt-BR" sz="3200" b="1" dirty="0"/>
+          </a:p>
+        </p:txBody>
+      </p:sp>
+      <p:sp>
+        <p:nvSpPr>
+          <p:cNvPr id="7" name="Retângulo 6"/>
+          <p:cNvSpPr/>
+          <p:nvPr/>
+        </p:nvSpPr>
+        <p:spPr>
+          <a:xfrm>
+            <a:off x="8192806" y="3405355"/>
+            <a:ext cx="3783725" cy="819807"/>
+          </a:xfrm>
+          <a:prstGeom prst="rect">
+            <a:avLst/>
+          </a:prstGeom>
+        </p:spPr>
+        <p:style>
+          <a:lnRef idx="2">
+            <a:schemeClr val="dk1"/>
+          </a:lnRef>
+          <a:fillRef idx="1">
+            <a:schemeClr val="lt1"/>
+          </a:fillRef>
+          <a:effectRef idx="0">
+            <a:schemeClr val="dk1"/>
+          </a:effectRef>
+          <a:fontRef idx="minor">
+            <a:schemeClr val="dk1"/>
+          </a:fontRef>
+        </p:style>
+        <p:txBody>
+          <a:bodyPr rtlCol="0" anchor="ctr"/>
+          <a:lstStyle/>
+          <a:p>
+            <a:pPr algn="ctr"/>
+            <a:r>
+              <a:rPr lang="pt-BR" sz="3200" b="1" dirty="0" smtClean="0"/>
+              <a:t>Venda</a:t>
+            </a:r>
+            <a:endParaRPr lang="pt-BR" sz="3200" b="1" dirty="0"/>
+          </a:p>
+        </p:txBody>
+      </p:sp>
+      <p:sp>
+        <p:nvSpPr>
+          <p:cNvPr id="8" name="CaixaDeTexto 7"/>
+          <p:cNvSpPr txBox="1"/>
+          <p:nvPr/>
+        </p:nvSpPr>
+        <p:spPr>
+          <a:xfrm>
+            <a:off x="409903" y="2065283"/>
+            <a:ext cx="45719" cy="369332"/>
+          </a:xfrm>
+          <a:prstGeom prst="rect">
+            <a:avLst/>
+          </a:prstGeom>
+          <a:noFill/>
+        </p:spPr>
+        <p:txBody>
+          <a:bodyPr wrap="square" rtlCol="0">
+            <a:spAutoFit/>
+          </a:bodyPr>
+          <a:lstStyle/>
+          <a:p>
+            <a:endParaRPr lang="pt-BR" dirty="0"/>
+          </a:p>
+        </p:txBody>
+      </p:sp>
+      <p:sp>
+        <p:nvSpPr>
+          <p:cNvPr id="9" name="Espaço Reservado para Conteúdo 2"/>
+          <p:cNvSpPr>
+            <a:spLocks noGrp="1"/>
+          </p:cNvSpPr>
+          <p:nvPr>
+            <p:ph idx="1"/>
+          </p:nvPr>
+        </p:nvSpPr>
+        <p:spPr>
+          <a:xfrm>
+            <a:off x="250372" y="1953929"/>
+            <a:ext cx="11649891" cy="1213489"/>
+          </a:xfrm>
+        </p:spPr>
+        <p:txBody>
+          <a:bodyPr>
+            <a:normAutofit/>
+          </a:bodyPr>
+          <a:lstStyle/>
+          <a:p>
+            <a:pPr marL="0" indent="0">
+              <a:buNone/>
+            </a:pPr>
+            <a:r>
+              <a:rPr lang="pt-BR" sz="3600" dirty="0" smtClean="0"/>
+              <a:t>Uma </a:t>
+            </a:r>
+            <a:r>
+              <a:rPr lang="pt-BR" sz="3600" dirty="0"/>
+              <a:t>entidade é representada através de um retângulo que contém o nome da </a:t>
+            </a:r>
+            <a:r>
+              <a:rPr lang="pt-BR" sz="3600" dirty="0" smtClean="0"/>
+              <a:t>entidade.</a:t>
+            </a:r>
+            <a:endParaRPr lang="pt-BR" sz="5400" dirty="0"/>
+          </a:p>
+        </p:txBody>
+      </p:sp>
+      <p:sp>
+        <p:nvSpPr>
+          <p:cNvPr id="10" name="Espaço Reservado para Conteúdo 2"/>
+          <p:cNvSpPr txBox="1">
+            <a:spLocks/>
+          </p:cNvSpPr>
+          <p:nvPr/>
+        </p:nvSpPr>
+        <p:spPr>
+          <a:xfrm>
+            <a:off x="250372" y="4652548"/>
+            <a:ext cx="11649891" cy="1385260"/>
+          </a:xfrm>
+          <a:prstGeom prst="rect">
+            <a:avLst/>
+          </a:prstGeom>
+        </p:spPr>
+        <p:txBody>
+          <a:bodyPr vert="horz" lIns="91440" tIns="45720" rIns="91440" bIns="45720" rtlCol="0">
+            <a:normAutofit/>
+          </a:bodyPr>
+          <a:lstStyle>
+            <a:lvl1pPr marL="228600" indent="-228600" algn="l" defTabSz="914400" rtl="0" eaLnBrk="1" latinLnBrk="0" hangingPunct="1">
+              <a:lnSpc>
+                <a:spcPct val="90000"/>
+              </a:lnSpc>
+              <a:spcBef>
+                <a:spcPts val="1000"/>
+              </a:spcBef>
+              <a:buFont typeface="Arial" panose="020B0604020202020204" pitchFamily="34" charset="0"/>
+              <a:buChar char="•"/>
+              <a:defRPr sz="2800" kern="1200">
+                <a:solidFill>
+                  <a:schemeClr val="tx1">
+                    <a:lumMod val="85000"/>
+                    <a:lumOff val="15000"/>
+                  </a:schemeClr>
+                </a:solidFill>
+                <a:latin typeface="Open Sans Semibold" panose="020B0706030804020204" pitchFamily="34" charset="0"/>
+                <a:ea typeface="Open Sans Semibold" panose="020B0706030804020204" pitchFamily="34" charset="0"/>
+                <a:cs typeface="Open Sans Semibold" panose="020B0706030804020204" pitchFamily="34" charset="0"/>
+              </a:defRPr>
+            </a:lvl1pPr>
+            <a:lvl2pPr marL="685800" indent="-228600" algn="l" defTabSz="914400" rtl="0" eaLnBrk="1" latinLnBrk="0" hangingPunct="1">
+              <a:lnSpc>
+                <a:spcPct val="90000"/>
+              </a:lnSpc>
+              <a:spcBef>
+                <a:spcPts val="500"/>
+              </a:spcBef>
+              <a:buFont typeface="Arial" panose="020B0604020202020204" pitchFamily="34" charset="0"/>
+              <a:buChar char="•"/>
+              <a:defRPr sz="2400" kern="1200">
+                <a:solidFill>
+                  <a:schemeClr val="tx1">
+                    <a:lumMod val="85000"/>
+                    <a:lumOff val="15000"/>
+                  </a:schemeClr>
+                </a:solidFill>
+                <a:latin typeface="Open Sans Semibold" panose="020B0706030804020204" pitchFamily="34" charset="0"/>
+                <a:ea typeface="Open Sans Semibold" panose="020B0706030804020204" pitchFamily="34" charset="0"/>
+                <a:cs typeface="Open Sans Semibold" panose="020B0706030804020204" pitchFamily="34" charset="0"/>
+              </a:defRPr>
+            </a:lvl2pPr>
+            <a:lvl3pPr marL="1143000" indent="-228600" algn="l" defTabSz="914400" rtl="0" eaLnBrk="1" latinLnBrk="0" hangingPunct="1">
+              <a:lnSpc>
+                <a:spcPct val="90000"/>
+              </a:lnSpc>
+              <a:spcBef>
+                <a:spcPts val="500"/>
+              </a:spcBef>
+              <a:buFont typeface="Arial" panose="020B0604020202020204" pitchFamily="34" charset="0"/>
+              <a:buChar char="•"/>
+              <a:defRPr sz="2000" kern="1200">
+                <a:solidFill>
+                  <a:schemeClr val="tx1">
+                    <a:lumMod val="85000"/>
+                    <a:lumOff val="15000"/>
+                  </a:schemeClr>
+                </a:solidFill>
+                <a:latin typeface="Open Sans Semibold" panose="020B0706030804020204" pitchFamily="34" charset="0"/>
+                <a:ea typeface="Open Sans Semibold" panose="020B0706030804020204" pitchFamily="34" charset="0"/>
+                <a:cs typeface="Open Sans Semibold" panose="020B0706030804020204" pitchFamily="34" charset="0"/>
+              </a:defRPr>
+            </a:lvl3pPr>
+            <a:lvl4pPr marL="1600200" indent="-228600" algn="l" defTabSz="914400" rtl="0" eaLnBrk="1" latinLnBrk="0" hangingPunct="1">
+              <a:lnSpc>
+                <a:spcPct val="90000"/>
+              </a:lnSpc>
+              <a:spcBef>
+                <a:spcPts val="500"/>
+              </a:spcBef>
+              <a:buFont typeface="Arial" panose="020B0604020202020204" pitchFamily="34" charset="0"/>
+              <a:buChar char="•"/>
+              <a:defRPr sz="1800" kern="1200">
+                <a:solidFill>
+                  <a:schemeClr val="tx1">
+                    <a:lumMod val="85000"/>
+                    <a:lumOff val="15000"/>
+                  </a:schemeClr>
+                </a:solidFill>
+                <a:latin typeface="Open Sans Semibold" panose="020B0706030804020204" pitchFamily="34" charset="0"/>
+                <a:ea typeface="Open Sans Semibold" panose="020B0706030804020204" pitchFamily="34" charset="0"/>
+                <a:cs typeface="Open Sans Semibold" panose="020B0706030804020204" pitchFamily="34" charset="0"/>
+              </a:defRPr>
+            </a:lvl4pPr>
+            <a:lvl5pPr marL="2057400" indent="-228600" algn="l" defTabSz="914400" rtl="0" eaLnBrk="1" latinLnBrk="0" hangingPunct="1">
+              <a:lnSpc>
+                <a:spcPct val="90000"/>
+              </a:lnSpc>
+              <a:spcBef>
+                <a:spcPts val="500"/>
+              </a:spcBef>
+              <a:buFont typeface="Arial" panose="020B0604020202020204" pitchFamily="34" charset="0"/>
+              <a:buChar char="•"/>
+              <a:defRPr sz="1800" kern="1200">
+                <a:solidFill>
+                  <a:schemeClr val="tx1">
+                    <a:lumMod val="85000"/>
+                    <a:lumOff val="15000"/>
+                  </a:schemeClr>
+                </a:solidFill>
+                <a:latin typeface="Open Sans Semibold" panose="020B0706030804020204" pitchFamily="34" charset="0"/>
+                <a:ea typeface="Open Sans Semibold" panose="020B0706030804020204" pitchFamily="34" charset="0"/>
+                <a:cs typeface="Open Sans Semibold" panose="020B0706030804020204" pitchFamily="34" charset="0"/>
+              </a:defRPr>
+            </a:lvl5pPr>
+            <a:lvl6pPr marL="2514600" indent="-228600" algn="l" defTabSz="914400" rtl="0" eaLnBrk="1" latinLnBrk="0" hangingPunct="1">
+              <a:lnSpc>
+                <a:spcPct val="90000"/>
+              </a:lnSpc>
+              <a:spcBef>
+                <a:spcPts val="500"/>
+              </a:spcBef>
+              <a:buFont typeface="Arial" panose="020B0604020202020204" pitchFamily="34" charset="0"/>
+              <a:buChar char="•"/>
+              <a:defRPr sz="1800" kern="1200">
+                <a:solidFill>
+                  <a:schemeClr val="tx1"/>
+                </a:solidFill>
+                <a:latin typeface="+mn-lt"/>
+                <a:ea typeface="+mn-ea"/>
+                <a:cs typeface="+mn-cs"/>
+              </a:defRPr>
+            </a:lvl6pPr>
+            <a:lvl7pPr marL="2971800" indent="-228600" algn="l" defTabSz="914400" rtl="0" eaLnBrk="1" latinLnBrk="0" hangingPunct="1">
+              <a:lnSpc>
+                <a:spcPct val="90000"/>
+              </a:lnSpc>
+              <a:spcBef>
+                <a:spcPts val="500"/>
+              </a:spcBef>
+              <a:buFont typeface="Arial" panose="020B0604020202020204" pitchFamily="34" charset="0"/>
+              <a:buChar char="•"/>
+              <a:defRPr sz="1800" kern="1200">
+                <a:solidFill>
+                  <a:schemeClr val="tx1"/>
+                </a:solidFill>
+                <a:latin typeface="+mn-lt"/>
+                <a:ea typeface="+mn-ea"/>
+                <a:cs typeface="+mn-cs"/>
+              </a:defRPr>
+            </a:lvl7pPr>
+            <a:lvl8pPr marL="3429000" indent="-228600" algn="l" defTabSz="914400" rtl="0" eaLnBrk="1" latinLnBrk="0" hangingPunct="1">
+              <a:lnSpc>
+                <a:spcPct val="90000"/>
+              </a:lnSpc>
+              <a:spcBef>
+                <a:spcPts val="500"/>
+              </a:spcBef>
+              <a:buFont typeface="Arial" panose="020B0604020202020204" pitchFamily="34" charset="0"/>
+              <a:buChar char="•"/>
+              <a:defRPr sz="1800" kern="1200">
+                <a:solidFill>
+                  <a:schemeClr val="tx1"/>
+                </a:solidFill>
+                <a:latin typeface="+mn-lt"/>
+                <a:ea typeface="+mn-ea"/>
+                <a:cs typeface="+mn-cs"/>
+              </a:defRPr>
+            </a:lvl8pPr>
+            <a:lvl9pPr marL="3886200" indent="-228600" algn="l" defTabSz="914400" rtl="0" eaLnBrk="1" latinLnBrk="0" hangingPunct="1">
+              <a:lnSpc>
+                <a:spcPct val="90000"/>
+              </a:lnSpc>
+              <a:spcBef>
+                <a:spcPts val="500"/>
+              </a:spcBef>
+              <a:buFont typeface="Arial" panose="020B0604020202020204" pitchFamily="34" charset="0"/>
+              <a:buChar char="•"/>
+              <a:defRPr sz="1800" kern="1200">
+                <a:solidFill>
+                  <a:schemeClr val="tx1"/>
+                </a:solidFill>
+                <a:latin typeface="+mn-lt"/>
+                <a:ea typeface="+mn-ea"/>
+                <a:cs typeface="+mn-cs"/>
+              </a:defRPr>
+            </a:lvl9pPr>
+          </a:lstStyle>
+          <a:p>
+            <a:pPr marL="0" indent="0">
+              <a:buNone/>
+            </a:pPr>
+            <a:r>
+              <a:rPr lang="pt-BR" sz="3600" dirty="0"/>
+              <a:t>Cada entidade representa um conjunto de objetos sobre os quais deseja-se guardar </a:t>
+            </a:r>
+            <a:r>
+              <a:rPr lang="pt-BR" sz="3600" dirty="0" smtClean="0"/>
+              <a:t>informações.</a:t>
+            </a:r>
+            <a:endParaRPr lang="pt-BR" sz="6600" dirty="0"/>
+          </a:p>
+        </p:txBody>
+      </p:sp>
+    </p:spTree>
+    <p:extLst>
+      <p:ext uri="{BB962C8B-B14F-4D97-AF65-F5344CB8AC3E}">
+        <p14:creationId xmlns:p14="http://schemas.microsoft.com/office/powerpoint/2010/main" val="3159087809"/>
+      </p:ext>
+    </p:extLst>
+  </p:cSld>
+  <p:clrMapOvr>
+    <a:masterClrMapping/>
+  </p:clrMapOvr>
+  <p:timing>
+    <p:tnLst>
+      <p:par>
+        <p:cTn id="1" dur="indefinite" restart="never" nodeType="tmRoot"/>
+      </p:par>
+    </p:tnLst>
+  </p:timing>
+</p:sld>
+</file>
+
+<file path=ppt/slides/slide22.xml><?xml version="1.0" encoding="utf-8"?>
+<p:sld xmlns:a="http://schemas.openxmlformats.org/drawingml/2006/main" xmlns:r="http://schemas.openxmlformats.org/officeDocument/2006/relationships" xmlns:p="http://schemas.openxmlformats.org/presentationml/2006/main">
+  <p:cSld>
+    <p:spTree>
+      <p:nvGrpSpPr>
+        <p:cNvPr id="1" name=""/>
+        <p:cNvGrpSpPr/>
+        <p:nvPr/>
+      </p:nvGrpSpPr>
+      <p:grpSpPr>
+        <a:xfrm>
+          <a:off x="0" y="0"/>
+          <a:ext cx="0" cy="0"/>
+          <a:chOff x="0" y="0"/>
+          <a:chExt cx="0" cy="0"/>
+        </a:xfrm>
+      </p:grpSpPr>
+      <p:sp>
+        <p:nvSpPr>
+          <p:cNvPr id="2" name="Título 1"/>
+          <p:cNvSpPr>
+            <a:spLocks noGrp="1"/>
+          </p:cNvSpPr>
+          <p:nvPr>
+            <p:ph type="title"/>
+          </p:nvPr>
+        </p:nvSpPr>
+        <p:spPr>
+          <a:xfrm>
+            <a:off x="250372" y="72023"/>
+            <a:ext cx="10515600" cy="1325563"/>
+          </a:xfrm>
+        </p:spPr>
+        <p:txBody>
+          <a:bodyPr/>
+          <a:lstStyle/>
+          <a:p>
+            <a:r>
+              <a:rPr lang="pt-BR" dirty="0"/>
+              <a:t>Representação gráfica </a:t>
+            </a:r>
+            <a:r>
+              <a:rPr lang="pt-BR" dirty="0" smtClean="0"/>
+              <a:t>no </a:t>
+            </a:r>
+            <a:r>
+              <a:rPr lang="pt-BR" dirty="0"/>
+              <a:t>DER</a:t>
+            </a:r>
+            <a:endParaRPr lang="pt-BR" dirty="0">
+              <a:effectLst>
+                <a:outerShdw blurRad="38100" dist="38100" dir="2700000" algn="tl">
+                  <a:srgbClr val="000000">
+                    <a:alpha val="43137"/>
+                  </a:srgbClr>
+                </a:outerShdw>
+              </a:effectLst>
+            </a:endParaRPr>
+          </a:p>
+        </p:txBody>
+      </p:sp>
+      <p:sp>
+        <p:nvSpPr>
+          <p:cNvPr id="4" name="Espaço Reservado para Conteúdo 2"/>
+          <p:cNvSpPr txBox="1">
+            <a:spLocks/>
+          </p:cNvSpPr>
+          <p:nvPr/>
+        </p:nvSpPr>
+        <p:spPr>
+          <a:xfrm>
+            <a:off x="538652" y="3167418"/>
+            <a:ext cx="10515600" cy="878386"/>
+          </a:xfrm>
+          <a:prstGeom prst="rect">
+            <a:avLst/>
+          </a:prstGeom>
+        </p:spPr>
+        <p:txBody>
+          <a:bodyPr vert="horz" lIns="91440" tIns="45720" rIns="91440" bIns="45720" rtlCol="0">
+            <a:normAutofit/>
+          </a:bodyPr>
+          <a:lstStyle>
+            <a:lvl1pPr marL="228600" indent="-228600" algn="l" defTabSz="914400" rtl="0" eaLnBrk="1" latinLnBrk="0" hangingPunct="1">
+              <a:lnSpc>
+                <a:spcPct val="90000"/>
+              </a:lnSpc>
+              <a:spcBef>
+                <a:spcPts val="1000"/>
+              </a:spcBef>
+              <a:buFont typeface="Arial" panose="020B0604020202020204" pitchFamily="34" charset="0"/>
+              <a:buChar char="•"/>
+              <a:defRPr sz="2800" kern="1200">
+                <a:solidFill>
+                  <a:schemeClr val="tx1">
+                    <a:lumMod val="85000"/>
+                    <a:lumOff val="15000"/>
+                  </a:schemeClr>
+                </a:solidFill>
+                <a:latin typeface="Open Sans Semibold" panose="020B0706030804020204" pitchFamily="34" charset="0"/>
+                <a:ea typeface="Open Sans Semibold" panose="020B0706030804020204" pitchFamily="34" charset="0"/>
+                <a:cs typeface="Open Sans Semibold" panose="020B0706030804020204" pitchFamily="34" charset="0"/>
+              </a:defRPr>
+            </a:lvl1pPr>
+            <a:lvl2pPr marL="685800" indent="-228600" algn="l" defTabSz="914400" rtl="0" eaLnBrk="1" latinLnBrk="0" hangingPunct="1">
+              <a:lnSpc>
+                <a:spcPct val="90000"/>
+              </a:lnSpc>
+              <a:spcBef>
+                <a:spcPts val="500"/>
+              </a:spcBef>
+              <a:buFont typeface="Arial" panose="020B0604020202020204" pitchFamily="34" charset="0"/>
+              <a:buChar char="•"/>
+              <a:defRPr sz="2400" kern="1200">
+                <a:solidFill>
+                  <a:schemeClr val="tx1">
+                    <a:lumMod val="85000"/>
+                    <a:lumOff val="15000"/>
+                  </a:schemeClr>
+                </a:solidFill>
+                <a:latin typeface="Open Sans Semibold" panose="020B0706030804020204" pitchFamily="34" charset="0"/>
+                <a:ea typeface="Open Sans Semibold" panose="020B0706030804020204" pitchFamily="34" charset="0"/>
+                <a:cs typeface="Open Sans Semibold" panose="020B0706030804020204" pitchFamily="34" charset="0"/>
+              </a:defRPr>
+            </a:lvl2pPr>
+            <a:lvl3pPr marL="1143000" indent="-228600" algn="l" defTabSz="914400" rtl="0" eaLnBrk="1" latinLnBrk="0" hangingPunct="1">
+              <a:lnSpc>
+                <a:spcPct val="90000"/>
+              </a:lnSpc>
+              <a:spcBef>
+                <a:spcPts val="500"/>
+              </a:spcBef>
+              <a:buFont typeface="Arial" panose="020B0604020202020204" pitchFamily="34" charset="0"/>
+              <a:buChar char="•"/>
+              <a:defRPr sz="2000" kern="1200">
+                <a:solidFill>
+                  <a:schemeClr val="tx1">
+                    <a:lumMod val="85000"/>
+                    <a:lumOff val="15000"/>
+                  </a:schemeClr>
+                </a:solidFill>
+                <a:latin typeface="Open Sans Semibold" panose="020B0706030804020204" pitchFamily="34" charset="0"/>
+                <a:ea typeface="Open Sans Semibold" panose="020B0706030804020204" pitchFamily="34" charset="0"/>
+                <a:cs typeface="Open Sans Semibold" panose="020B0706030804020204" pitchFamily="34" charset="0"/>
+              </a:defRPr>
+            </a:lvl3pPr>
+            <a:lvl4pPr marL="1600200" indent="-228600" algn="l" defTabSz="914400" rtl="0" eaLnBrk="1" latinLnBrk="0" hangingPunct="1">
+              <a:lnSpc>
+                <a:spcPct val="90000"/>
+              </a:lnSpc>
+              <a:spcBef>
+                <a:spcPts val="500"/>
+              </a:spcBef>
+              <a:buFont typeface="Arial" panose="020B0604020202020204" pitchFamily="34" charset="0"/>
+              <a:buChar char="•"/>
+              <a:defRPr sz="1800" kern="1200">
+                <a:solidFill>
+                  <a:schemeClr val="tx1">
+                    <a:lumMod val="85000"/>
+                    <a:lumOff val="15000"/>
+                  </a:schemeClr>
+                </a:solidFill>
+                <a:latin typeface="Open Sans Semibold" panose="020B0706030804020204" pitchFamily="34" charset="0"/>
+                <a:ea typeface="Open Sans Semibold" panose="020B0706030804020204" pitchFamily="34" charset="0"/>
+                <a:cs typeface="Open Sans Semibold" panose="020B0706030804020204" pitchFamily="34" charset="0"/>
+              </a:defRPr>
+            </a:lvl4pPr>
+            <a:lvl5pPr marL="2057400" indent="-228600" algn="l" defTabSz="914400" rtl="0" eaLnBrk="1" latinLnBrk="0" hangingPunct="1">
+              <a:lnSpc>
+                <a:spcPct val="90000"/>
+              </a:lnSpc>
+              <a:spcBef>
+                <a:spcPts val="500"/>
+              </a:spcBef>
+              <a:buFont typeface="Arial" panose="020B0604020202020204" pitchFamily="34" charset="0"/>
+              <a:buChar char="•"/>
+              <a:defRPr sz="1800" kern="1200">
+                <a:solidFill>
+                  <a:schemeClr val="tx1">
+                    <a:lumMod val="85000"/>
+                    <a:lumOff val="15000"/>
+                  </a:schemeClr>
+                </a:solidFill>
+                <a:latin typeface="Open Sans Semibold" panose="020B0706030804020204" pitchFamily="34" charset="0"/>
+                <a:ea typeface="Open Sans Semibold" panose="020B0706030804020204" pitchFamily="34" charset="0"/>
+                <a:cs typeface="Open Sans Semibold" panose="020B0706030804020204" pitchFamily="34" charset="0"/>
+              </a:defRPr>
+            </a:lvl5pPr>
+            <a:lvl6pPr marL="2514600" indent="-228600" algn="l" defTabSz="914400" rtl="0" eaLnBrk="1" latinLnBrk="0" hangingPunct="1">
+              <a:lnSpc>
+                <a:spcPct val="90000"/>
+              </a:lnSpc>
+              <a:spcBef>
+                <a:spcPts val="500"/>
+              </a:spcBef>
+              <a:buFont typeface="Arial" panose="020B0604020202020204" pitchFamily="34" charset="0"/>
+              <a:buChar char="•"/>
+              <a:defRPr sz="1800" kern="1200">
+                <a:solidFill>
+                  <a:schemeClr val="tx1"/>
+                </a:solidFill>
+                <a:latin typeface="+mn-lt"/>
+                <a:ea typeface="+mn-ea"/>
+                <a:cs typeface="+mn-cs"/>
+              </a:defRPr>
+            </a:lvl6pPr>
+            <a:lvl7pPr marL="2971800" indent="-228600" algn="l" defTabSz="914400" rtl="0" eaLnBrk="1" latinLnBrk="0" hangingPunct="1">
+              <a:lnSpc>
+                <a:spcPct val="90000"/>
+              </a:lnSpc>
+              <a:spcBef>
+                <a:spcPts val="500"/>
+              </a:spcBef>
+              <a:buFont typeface="Arial" panose="020B0604020202020204" pitchFamily="34" charset="0"/>
+              <a:buChar char="•"/>
+              <a:defRPr sz="1800" kern="1200">
+                <a:solidFill>
+                  <a:schemeClr val="tx1"/>
+                </a:solidFill>
+                <a:latin typeface="+mn-lt"/>
+                <a:ea typeface="+mn-ea"/>
+                <a:cs typeface="+mn-cs"/>
+              </a:defRPr>
+            </a:lvl7pPr>
+            <a:lvl8pPr marL="3429000" indent="-228600" algn="l" defTabSz="914400" rtl="0" eaLnBrk="1" latinLnBrk="0" hangingPunct="1">
+              <a:lnSpc>
+                <a:spcPct val="90000"/>
+              </a:lnSpc>
+              <a:spcBef>
+                <a:spcPts val="500"/>
+              </a:spcBef>
+              <a:buFont typeface="Arial" panose="020B0604020202020204" pitchFamily="34" charset="0"/>
+              <a:buChar char="•"/>
+              <a:defRPr sz="1800" kern="1200">
+                <a:solidFill>
+                  <a:schemeClr val="tx1"/>
+                </a:solidFill>
+                <a:latin typeface="+mn-lt"/>
+                <a:ea typeface="+mn-ea"/>
+                <a:cs typeface="+mn-cs"/>
+              </a:defRPr>
+            </a:lvl8pPr>
+            <a:lvl9pPr marL="3886200" indent="-228600" algn="l" defTabSz="914400" rtl="0" eaLnBrk="1" latinLnBrk="0" hangingPunct="1">
+              <a:lnSpc>
+                <a:spcPct val="90000"/>
+              </a:lnSpc>
+              <a:spcBef>
+                <a:spcPts val="500"/>
+              </a:spcBef>
+              <a:buFont typeface="Arial" panose="020B0604020202020204" pitchFamily="34" charset="0"/>
+              <a:buChar char="•"/>
+              <a:defRPr sz="1800" kern="1200">
+                <a:solidFill>
+                  <a:schemeClr val="tx1"/>
+                </a:solidFill>
+                <a:latin typeface="+mn-lt"/>
+                <a:ea typeface="+mn-ea"/>
+                <a:cs typeface="+mn-cs"/>
+              </a:defRPr>
+            </a:lvl9pPr>
+          </a:lstStyle>
+          <a:p>
+            <a:endParaRPr lang="pt-BR" dirty="0"/>
+          </a:p>
+        </p:txBody>
+      </p:sp>
+      <p:sp>
+        <p:nvSpPr>
+          <p:cNvPr id="3" name="Retângulo 2"/>
+          <p:cNvSpPr/>
+          <p:nvPr/>
+        </p:nvSpPr>
+        <p:spPr>
+          <a:xfrm>
+            <a:off x="157648" y="3389590"/>
+            <a:ext cx="3783725" cy="819807"/>
+          </a:xfrm>
+          <a:prstGeom prst="rect">
+            <a:avLst/>
+          </a:prstGeom>
+        </p:spPr>
+        <p:style>
+          <a:lnRef idx="2">
+            <a:schemeClr val="dk1"/>
+          </a:lnRef>
+          <a:fillRef idx="1">
+            <a:schemeClr val="lt1"/>
+          </a:fillRef>
+          <a:effectRef idx="0">
+            <a:schemeClr val="dk1"/>
+          </a:effectRef>
+          <a:fontRef idx="minor">
+            <a:schemeClr val="dk1"/>
+          </a:fontRef>
+        </p:style>
+        <p:txBody>
+          <a:bodyPr rtlCol="0" anchor="ctr"/>
+          <a:lstStyle/>
+          <a:p>
+            <a:pPr algn="ctr"/>
+            <a:r>
+              <a:rPr lang="pt-BR" sz="3200" b="1" dirty="0" smtClean="0"/>
+              <a:t>Cliente</a:t>
+            </a:r>
+            <a:endParaRPr lang="pt-BR" sz="3200" b="1" dirty="0"/>
+          </a:p>
+        </p:txBody>
+      </p:sp>
+      <p:sp>
+        <p:nvSpPr>
+          <p:cNvPr id="6" name="Retângulo 5"/>
+          <p:cNvSpPr/>
+          <p:nvPr/>
+        </p:nvSpPr>
+        <p:spPr>
+          <a:xfrm>
+            <a:off x="4175227" y="3405355"/>
+            <a:ext cx="3783725" cy="819807"/>
+          </a:xfrm>
+          <a:prstGeom prst="rect">
+            <a:avLst/>
+          </a:prstGeom>
+        </p:spPr>
+        <p:style>
+          <a:lnRef idx="2">
+            <a:schemeClr val="dk1"/>
+          </a:lnRef>
+          <a:fillRef idx="1">
+            <a:schemeClr val="lt1"/>
+          </a:fillRef>
+          <a:effectRef idx="0">
+            <a:schemeClr val="dk1"/>
+          </a:effectRef>
+          <a:fontRef idx="minor">
+            <a:schemeClr val="dk1"/>
+          </a:fontRef>
+        </p:style>
+        <p:txBody>
+          <a:bodyPr rtlCol="0" anchor="ctr"/>
+          <a:lstStyle/>
+          <a:p>
+            <a:pPr algn="ctr"/>
+            <a:r>
+              <a:rPr lang="pt-BR" sz="3200" b="1" dirty="0" smtClean="0"/>
+              <a:t>Médico</a:t>
+            </a:r>
+            <a:endParaRPr lang="pt-BR" sz="3200" b="1" dirty="0"/>
+          </a:p>
+        </p:txBody>
+      </p:sp>
+      <p:sp>
+        <p:nvSpPr>
+          <p:cNvPr id="7" name="Retângulo 6"/>
+          <p:cNvSpPr/>
+          <p:nvPr/>
+        </p:nvSpPr>
+        <p:spPr>
+          <a:xfrm>
+            <a:off x="8192806" y="3405355"/>
+            <a:ext cx="3783725" cy="819807"/>
+          </a:xfrm>
+          <a:prstGeom prst="rect">
+            <a:avLst/>
+          </a:prstGeom>
+        </p:spPr>
+        <p:style>
+          <a:lnRef idx="2">
+            <a:schemeClr val="dk1"/>
+          </a:lnRef>
+          <a:fillRef idx="1">
+            <a:schemeClr val="lt1"/>
+          </a:fillRef>
+          <a:effectRef idx="0">
+            <a:schemeClr val="dk1"/>
+          </a:effectRef>
+          <a:fontRef idx="minor">
+            <a:schemeClr val="dk1"/>
+          </a:fontRef>
+        </p:style>
+        <p:txBody>
+          <a:bodyPr rtlCol="0" anchor="ctr"/>
+          <a:lstStyle/>
+          <a:p>
+            <a:pPr algn="ctr"/>
+            <a:r>
+              <a:rPr lang="pt-BR" sz="3200" b="1" dirty="0" smtClean="0"/>
+              <a:t>Venda</a:t>
+            </a:r>
+            <a:endParaRPr lang="pt-BR" sz="3200" b="1" dirty="0"/>
+          </a:p>
+        </p:txBody>
+      </p:sp>
+      <p:sp>
+        <p:nvSpPr>
+          <p:cNvPr id="8" name="CaixaDeTexto 7"/>
+          <p:cNvSpPr txBox="1"/>
+          <p:nvPr/>
+        </p:nvSpPr>
+        <p:spPr>
+          <a:xfrm>
+            <a:off x="409903" y="2065283"/>
+            <a:ext cx="45719" cy="369332"/>
+          </a:xfrm>
+          <a:prstGeom prst="rect">
+            <a:avLst/>
+          </a:prstGeom>
+          <a:noFill/>
+        </p:spPr>
+        <p:txBody>
+          <a:bodyPr wrap="square" rtlCol="0">
+            <a:spAutoFit/>
+          </a:bodyPr>
+          <a:lstStyle/>
+          <a:p>
+            <a:endParaRPr lang="pt-BR" dirty="0"/>
+          </a:p>
+        </p:txBody>
+      </p:sp>
+      <p:sp>
+        <p:nvSpPr>
+          <p:cNvPr id="9" name="Espaço Reservado para Conteúdo 2"/>
+          <p:cNvSpPr>
+            <a:spLocks noGrp="1"/>
+          </p:cNvSpPr>
+          <p:nvPr>
+            <p:ph idx="1"/>
+          </p:nvPr>
+        </p:nvSpPr>
+        <p:spPr>
+          <a:xfrm>
+            <a:off x="250372" y="1953929"/>
+            <a:ext cx="11649891" cy="1213489"/>
+          </a:xfrm>
+        </p:spPr>
+        <p:txBody>
+          <a:bodyPr>
+            <a:normAutofit/>
+          </a:bodyPr>
+          <a:lstStyle/>
+          <a:p>
+            <a:pPr marL="0" indent="0">
+              <a:buNone/>
+            </a:pPr>
+            <a:r>
+              <a:rPr lang="pt-BR" sz="3600" dirty="0" smtClean="0"/>
+              <a:t>Uma </a:t>
+            </a:r>
+            <a:r>
+              <a:rPr lang="pt-BR" sz="3600" dirty="0"/>
+              <a:t>entidade é representada através de um retângulo que contém o nome da </a:t>
+            </a:r>
+            <a:r>
+              <a:rPr lang="pt-BR" sz="3600" dirty="0" smtClean="0"/>
+              <a:t>entidade.</a:t>
+            </a:r>
+            <a:endParaRPr lang="pt-BR" sz="5400" dirty="0"/>
+          </a:p>
+        </p:txBody>
+      </p:sp>
+      <p:sp>
+        <p:nvSpPr>
+          <p:cNvPr id="10" name="Espaço Reservado para Conteúdo 2"/>
+          <p:cNvSpPr txBox="1">
+            <a:spLocks/>
+          </p:cNvSpPr>
+          <p:nvPr/>
+        </p:nvSpPr>
+        <p:spPr>
+          <a:xfrm>
+            <a:off x="250372" y="4652548"/>
+            <a:ext cx="11649891" cy="1385260"/>
+          </a:xfrm>
+          <a:prstGeom prst="rect">
+            <a:avLst/>
+          </a:prstGeom>
+        </p:spPr>
+        <p:txBody>
+          <a:bodyPr vert="horz" lIns="91440" tIns="45720" rIns="91440" bIns="45720" rtlCol="0">
+            <a:normAutofit/>
+          </a:bodyPr>
+          <a:lstStyle>
+            <a:lvl1pPr marL="228600" indent="-228600" algn="l" defTabSz="914400" rtl="0" eaLnBrk="1" latinLnBrk="0" hangingPunct="1">
+              <a:lnSpc>
+                <a:spcPct val="90000"/>
+              </a:lnSpc>
+              <a:spcBef>
+                <a:spcPts val="1000"/>
+              </a:spcBef>
+              <a:buFont typeface="Arial" panose="020B0604020202020204" pitchFamily="34" charset="0"/>
+              <a:buChar char="•"/>
+              <a:defRPr sz="2800" kern="1200">
+                <a:solidFill>
+                  <a:schemeClr val="tx1">
+                    <a:lumMod val="85000"/>
+                    <a:lumOff val="15000"/>
+                  </a:schemeClr>
+                </a:solidFill>
+                <a:latin typeface="Open Sans Semibold" panose="020B0706030804020204" pitchFamily="34" charset="0"/>
+                <a:ea typeface="Open Sans Semibold" panose="020B0706030804020204" pitchFamily="34" charset="0"/>
+                <a:cs typeface="Open Sans Semibold" panose="020B0706030804020204" pitchFamily="34" charset="0"/>
+              </a:defRPr>
+            </a:lvl1pPr>
+            <a:lvl2pPr marL="685800" indent="-228600" algn="l" defTabSz="914400" rtl="0" eaLnBrk="1" latinLnBrk="0" hangingPunct="1">
+              <a:lnSpc>
+                <a:spcPct val="90000"/>
+              </a:lnSpc>
+              <a:spcBef>
+                <a:spcPts val="500"/>
+              </a:spcBef>
+              <a:buFont typeface="Arial" panose="020B0604020202020204" pitchFamily="34" charset="0"/>
+              <a:buChar char="•"/>
+              <a:defRPr sz="2400" kern="1200">
+                <a:solidFill>
+                  <a:schemeClr val="tx1">
+                    <a:lumMod val="85000"/>
+                    <a:lumOff val="15000"/>
+                  </a:schemeClr>
+                </a:solidFill>
+                <a:latin typeface="Open Sans Semibold" panose="020B0706030804020204" pitchFamily="34" charset="0"/>
+                <a:ea typeface="Open Sans Semibold" panose="020B0706030804020204" pitchFamily="34" charset="0"/>
+                <a:cs typeface="Open Sans Semibold" panose="020B0706030804020204" pitchFamily="34" charset="0"/>
+              </a:defRPr>
+            </a:lvl2pPr>
+            <a:lvl3pPr marL="1143000" indent="-228600" algn="l" defTabSz="914400" rtl="0" eaLnBrk="1" latinLnBrk="0" hangingPunct="1">
+              <a:lnSpc>
+                <a:spcPct val="90000"/>
+              </a:lnSpc>
+              <a:spcBef>
+                <a:spcPts val="500"/>
+              </a:spcBef>
+              <a:buFont typeface="Arial" panose="020B0604020202020204" pitchFamily="34" charset="0"/>
+              <a:buChar char="•"/>
+              <a:defRPr sz="2000" kern="1200">
+                <a:solidFill>
+                  <a:schemeClr val="tx1">
+                    <a:lumMod val="85000"/>
+                    <a:lumOff val="15000"/>
+                  </a:schemeClr>
+                </a:solidFill>
+                <a:latin typeface="Open Sans Semibold" panose="020B0706030804020204" pitchFamily="34" charset="0"/>
+                <a:ea typeface="Open Sans Semibold" panose="020B0706030804020204" pitchFamily="34" charset="0"/>
+                <a:cs typeface="Open Sans Semibold" panose="020B0706030804020204" pitchFamily="34" charset="0"/>
+              </a:defRPr>
+            </a:lvl3pPr>
+            <a:lvl4pPr marL="1600200" indent="-228600" algn="l" defTabSz="914400" rtl="0" eaLnBrk="1" latinLnBrk="0" hangingPunct="1">
+              <a:lnSpc>
+                <a:spcPct val="90000"/>
+              </a:lnSpc>
+              <a:spcBef>
+                <a:spcPts val="500"/>
+              </a:spcBef>
+              <a:buFont typeface="Arial" panose="020B0604020202020204" pitchFamily="34" charset="0"/>
+              <a:buChar char="•"/>
+              <a:defRPr sz="1800" kern="1200">
+                <a:solidFill>
+                  <a:schemeClr val="tx1">
+                    <a:lumMod val="85000"/>
+                    <a:lumOff val="15000"/>
+                  </a:schemeClr>
+                </a:solidFill>
+                <a:latin typeface="Open Sans Semibold" panose="020B0706030804020204" pitchFamily="34" charset="0"/>
+                <a:ea typeface="Open Sans Semibold" panose="020B0706030804020204" pitchFamily="34" charset="0"/>
+                <a:cs typeface="Open Sans Semibold" panose="020B0706030804020204" pitchFamily="34" charset="0"/>
+              </a:defRPr>
+            </a:lvl4pPr>
+            <a:lvl5pPr marL="2057400" indent="-228600" algn="l" defTabSz="914400" rtl="0" eaLnBrk="1" latinLnBrk="0" hangingPunct="1">
+              <a:lnSpc>
+                <a:spcPct val="90000"/>
+              </a:lnSpc>
+              <a:spcBef>
+                <a:spcPts val="500"/>
+              </a:spcBef>
+              <a:buFont typeface="Arial" panose="020B0604020202020204" pitchFamily="34" charset="0"/>
+              <a:buChar char="•"/>
+              <a:defRPr sz="1800" kern="1200">
+                <a:solidFill>
+                  <a:schemeClr val="tx1">
+                    <a:lumMod val="85000"/>
+                    <a:lumOff val="15000"/>
+                  </a:schemeClr>
+                </a:solidFill>
+                <a:latin typeface="Open Sans Semibold" panose="020B0706030804020204" pitchFamily="34" charset="0"/>
+                <a:ea typeface="Open Sans Semibold" panose="020B0706030804020204" pitchFamily="34" charset="0"/>
+                <a:cs typeface="Open Sans Semibold" panose="020B0706030804020204" pitchFamily="34" charset="0"/>
+              </a:defRPr>
+            </a:lvl5pPr>
+            <a:lvl6pPr marL="2514600" indent="-228600" algn="l" defTabSz="914400" rtl="0" eaLnBrk="1" latinLnBrk="0" hangingPunct="1">
+              <a:lnSpc>
+                <a:spcPct val="90000"/>
+              </a:lnSpc>
+              <a:spcBef>
+                <a:spcPts val="500"/>
+              </a:spcBef>
+              <a:buFont typeface="Arial" panose="020B0604020202020204" pitchFamily="34" charset="0"/>
+              <a:buChar char="•"/>
+              <a:defRPr sz="1800" kern="1200">
+                <a:solidFill>
+                  <a:schemeClr val="tx1"/>
+                </a:solidFill>
+                <a:latin typeface="+mn-lt"/>
+                <a:ea typeface="+mn-ea"/>
+                <a:cs typeface="+mn-cs"/>
+              </a:defRPr>
+            </a:lvl6pPr>
+            <a:lvl7pPr marL="2971800" indent="-228600" algn="l" defTabSz="914400" rtl="0" eaLnBrk="1" latinLnBrk="0" hangingPunct="1">
+              <a:lnSpc>
+                <a:spcPct val="90000"/>
+              </a:lnSpc>
+              <a:spcBef>
+                <a:spcPts val="500"/>
+              </a:spcBef>
+              <a:buFont typeface="Arial" panose="020B0604020202020204" pitchFamily="34" charset="0"/>
+              <a:buChar char="•"/>
+              <a:defRPr sz="1800" kern="1200">
+                <a:solidFill>
+                  <a:schemeClr val="tx1"/>
+                </a:solidFill>
+                <a:latin typeface="+mn-lt"/>
+                <a:ea typeface="+mn-ea"/>
+                <a:cs typeface="+mn-cs"/>
+              </a:defRPr>
+            </a:lvl7pPr>
+            <a:lvl8pPr marL="3429000" indent="-228600" algn="l" defTabSz="914400" rtl="0" eaLnBrk="1" latinLnBrk="0" hangingPunct="1">
+              <a:lnSpc>
+                <a:spcPct val="90000"/>
+              </a:lnSpc>
+              <a:spcBef>
+                <a:spcPts val="500"/>
+              </a:spcBef>
+              <a:buFont typeface="Arial" panose="020B0604020202020204" pitchFamily="34" charset="0"/>
+              <a:buChar char="•"/>
+              <a:defRPr sz="1800" kern="1200">
+                <a:solidFill>
+                  <a:schemeClr val="tx1"/>
+                </a:solidFill>
+                <a:latin typeface="+mn-lt"/>
+                <a:ea typeface="+mn-ea"/>
+                <a:cs typeface="+mn-cs"/>
+              </a:defRPr>
+            </a:lvl8pPr>
+            <a:lvl9pPr marL="3886200" indent="-228600" algn="l" defTabSz="914400" rtl="0" eaLnBrk="1" latinLnBrk="0" hangingPunct="1">
+              <a:lnSpc>
+                <a:spcPct val="90000"/>
+              </a:lnSpc>
+              <a:spcBef>
+                <a:spcPts val="500"/>
+              </a:spcBef>
+              <a:buFont typeface="Arial" panose="020B0604020202020204" pitchFamily="34" charset="0"/>
+              <a:buChar char="•"/>
+              <a:defRPr sz="1800" kern="1200">
+                <a:solidFill>
+                  <a:schemeClr val="tx1"/>
+                </a:solidFill>
+                <a:latin typeface="+mn-lt"/>
+                <a:ea typeface="+mn-ea"/>
+                <a:cs typeface="+mn-cs"/>
+              </a:defRPr>
+            </a:lvl9pPr>
+          </a:lstStyle>
+          <a:p>
+            <a:pPr marL="0" indent="0">
+              <a:buNone/>
+            </a:pPr>
+            <a:r>
+              <a:rPr lang="pt-BR" sz="3600" dirty="0"/>
+              <a:t>Cada entidade representa um conjunto de objetos sobre os quais deseja-se guardar </a:t>
+            </a:r>
+            <a:r>
+              <a:rPr lang="pt-BR" sz="3600" dirty="0" smtClean="0"/>
+              <a:t>informações.</a:t>
+            </a:r>
+            <a:endParaRPr lang="pt-BR" sz="6600" dirty="0"/>
+          </a:p>
+        </p:txBody>
+      </p:sp>
+    </p:spTree>
+    <p:extLst>
+      <p:ext uri="{BB962C8B-B14F-4D97-AF65-F5344CB8AC3E}">
+        <p14:creationId xmlns:p14="http://schemas.microsoft.com/office/powerpoint/2010/main" val="1397959002"/>
+      </p:ext>
+    </p:extLst>
+  </p:cSld>
+  <p:clrMapOvr>
+    <a:masterClrMapping/>
+  </p:clrMapOvr>
+  <p:timing>
+    <p:tnLst>
+      <p:par>
+        <p:cTn id="1" dur="indefinite" restart="never" nodeType="tmRoot"/>
+      </p:par>
+    </p:tnLst>
+  </p:timing>
+</p:sld>
+</file>
+
+<file path=ppt/slides/slide23.xml><?xml version="1.0" encoding="utf-8"?>
+<p:sld xmlns:a="http://schemas.openxmlformats.org/drawingml/2006/main" xmlns:r="http://schemas.openxmlformats.org/officeDocument/2006/relationships" xmlns:p="http://schemas.openxmlformats.org/presentationml/2006/main">
+  <p:cSld>
+    <p:spTree>
+      <p:nvGrpSpPr>
+        <p:cNvPr id="1" name=""/>
+        <p:cNvGrpSpPr/>
+        <p:nvPr/>
+      </p:nvGrpSpPr>
+      <p:grpSpPr>
+        <a:xfrm>
+          <a:off x="0" y="0"/>
+          <a:ext cx="0" cy="0"/>
+          <a:chOff x="0" y="0"/>
+          <a:chExt cx="0" cy="0"/>
+        </a:xfrm>
+      </p:grpSpPr>
+      <p:sp>
+        <p:nvSpPr>
+          <p:cNvPr id="2" name="Título 1"/>
+          <p:cNvSpPr>
+            <a:spLocks noGrp="1"/>
+          </p:cNvSpPr>
+          <p:nvPr>
+            <p:ph type="title"/>
+          </p:nvPr>
+        </p:nvSpPr>
+        <p:spPr>
+          <a:xfrm>
+            <a:off x="250372" y="72023"/>
+            <a:ext cx="10515600" cy="1325563"/>
+          </a:xfrm>
+        </p:spPr>
+        <p:txBody>
+          <a:bodyPr/>
+          <a:lstStyle/>
+          <a:p>
+            <a:r>
+              <a:rPr lang="pt-BR" dirty="0" smtClean="0">
+                <a:effectLst>
+                  <a:outerShdw blurRad="38100" dist="38100" dir="2700000" algn="tl">
+                    <a:srgbClr val="000000">
+                      <a:alpha val="43137"/>
+                    </a:srgbClr>
+                  </a:outerShdw>
+                </a:effectLst>
+              </a:rPr>
+              <a:t>Atributos</a:t>
+            </a:r>
+            <a:endParaRPr lang="pt-BR" dirty="0">
+              <a:effectLst>
+                <a:outerShdw blurRad="38100" dist="38100" dir="2700000" algn="tl">
+                  <a:srgbClr val="000000">
+                    <a:alpha val="43137"/>
+                  </a:srgbClr>
+                </a:outerShdw>
+              </a:effectLst>
+            </a:endParaRPr>
+          </a:p>
+        </p:txBody>
+      </p:sp>
+      <p:sp>
+        <p:nvSpPr>
+          <p:cNvPr id="4" name="Espaço Reservado para Conteúdo 2"/>
+          <p:cNvSpPr txBox="1">
+            <a:spLocks/>
+          </p:cNvSpPr>
+          <p:nvPr/>
+        </p:nvSpPr>
+        <p:spPr>
+          <a:xfrm>
+            <a:off x="538652" y="3167418"/>
+            <a:ext cx="10515600" cy="878386"/>
+          </a:xfrm>
+          <a:prstGeom prst="rect">
+            <a:avLst/>
+          </a:prstGeom>
+        </p:spPr>
+        <p:txBody>
+          <a:bodyPr vert="horz" lIns="91440" tIns="45720" rIns="91440" bIns="45720" rtlCol="0">
+            <a:normAutofit/>
+          </a:bodyPr>
+          <a:lstStyle>
+            <a:lvl1pPr marL="228600" indent="-228600" algn="l" defTabSz="914400" rtl="0" eaLnBrk="1" latinLnBrk="0" hangingPunct="1">
+              <a:lnSpc>
+                <a:spcPct val="90000"/>
+              </a:lnSpc>
+              <a:spcBef>
+                <a:spcPts val="1000"/>
+              </a:spcBef>
+              <a:buFont typeface="Arial" panose="020B0604020202020204" pitchFamily="34" charset="0"/>
+              <a:buChar char="•"/>
+              <a:defRPr sz="2800" kern="1200">
+                <a:solidFill>
+                  <a:schemeClr val="tx1">
+                    <a:lumMod val="85000"/>
+                    <a:lumOff val="15000"/>
+                  </a:schemeClr>
+                </a:solidFill>
+                <a:latin typeface="Open Sans Semibold" panose="020B0706030804020204" pitchFamily="34" charset="0"/>
+                <a:ea typeface="Open Sans Semibold" panose="020B0706030804020204" pitchFamily="34" charset="0"/>
+                <a:cs typeface="Open Sans Semibold" panose="020B0706030804020204" pitchFamily="34" charset="0"/>
+              </a:defRPr>
+            </a:lvl1pPr>
+            <a:lvl2pPr marL="685800" indent="-228600" algn="l" defTabSz="914400" rtl="0" eaLnBrk="1" latinLnBrk="0" hangingPunct="1">
+              <a:lnSpc>
+                <a:spcPct val="90000"/>
+              </a:lnSpc>
+              <a:spcBef>
+                <a:spcPts val="500"/>
+              </a:spcBef>
+              <a:buFont typeface="Arial" panose="020B0604020202020204" pitchFamily="34" charset="0"/>
+              <a:buChar char="•"/>
+              <a:defRPr sz="2400" kern="1200">
+                <a:solidFill>
+                  <a:schemeClr val="tx1">
+                    <a:lumMod val="85000"/>
+                    <a:lumOff val="15000"/>
+                  </a:schemeClr>
+                </a:solidFill>
+                <a:latin typeface="Open Sans Semibold" panose="020B0706030804020204" pitchFamily="34" charset="0"/>
+                <a:ea typeface="Open Sans Semibold" panose="020B0706030804020204" pitchFamily="34" charset="0"/>
+                <a:cs typeface="Open Sans Semibold" panose="020B0706030804020204" pitchFamily="34" charset="0"/>
+              </a:defRPr>
+            </a:lvl2pPr>
+            <a:lvl3pPr marL="1143000" indent="-228600" algn="l" defTabSz="914400" rtl="0" eaLnBrk="1" latinLnBrk="0" hangingPunct="1">
+              <a:lnSpc>
+                <a:spcPct val="90000"/>
+              </a:lnSpc>
+              <a:spcBef>
+                <a:spcPts val="500"/>
+              </a:spcBef>
+              <a:buFont typeface="Arial" panose="020B0604020202020204" pitchFamily="34" charset="0"/>
+              <a:buChar char="•"/>
+              <a:defRPr sz="2000" kern="1200">
+                <a:solidFill>
+                  <a:schemeClr val="tx1">
+                    <a:lumMod val="85000"/>
+                    <a:lumOff val="15000"/>
+                  </a:schemeClr>
+                </a:solidFill>
+                <a:latin typeface="Open Sans Semibold" panose="020B0706030804020204" pitchFamily="34" charset="0"/>
+                <a:ea typeface="Open Sans Semibold" panose="020B0706030804020204" pitchFamily="34" charset="0"/>
+                <a:cs typeface="Open Sans Semibold" panose="020B0706030804020204" pitchFamily="34" charset="0"/>
+              </a:defRPr>
+            </a:lvl3pPr>
+            <a:lvl4pPr marL="1600200" indent="-228600" algn="l" defTabSz="914400" rtl="0" eaLnBrk="1" latinLnBrk="0" hangingPunct="1">
+              <a:lnSpc>
+                <a:spcPct val="90000"/>
+              </a:lnSpc>
+              <a:spcBef>
+                <a:spcPts val="500"/>
+              </a:spcBef>
+              <a:buFont typeface="Arial" panose="020B0604020202020204" pitchFamily="34" charset="0"/>
+              <a:buChar char="•"/>
+              <a:defRPr sz="1800" kern="1200">
+                <a:solidFill>
+                  <a:schemeClr val="tx1">
+                    <a:lumMod val="85000"/>
+                    <a:lumOff val="15000"/>
+                  </a:schemeClr>
+                </a:solidFill>
+                <a:latin typeface="Open Sans Semibold" panose="020B0706030804020204" pitchFamily="34" charset="0"/>
+                <a:ea typeface="Open Sans Semibold" panose="020B0706030804020204" pitchFamily="34" charset="0"/>
+                <a:cs typeface="Open Sans Semibold" panose="020B0706030804020204" pitchFamily="34" charset="0"/>
+              </a:defRPr>
+            </a:lvl4pPr>
+            <a:lvl5pPr marL="2057400" indent="-228600" algn="l" defTabSz="914400" rtl="0" eaLnBrk="1" latinLnBrk="0" hangingPunct="1">
+              <a:lnSpc>
+                <a:spcPct val="90000"/>
+              </a:lnSpc>
+              <a:spcBef>
+                <a:spcPts val="500"/>
+              </a:spcBef>
+              <a:buFont typeface="Arial" panose="020B0604020202020204" pitchFamily="34" charset="0"/>
+              <a:buChar char="•"/>
+              <a:defRPr sz="1800" kern="1200">
+                <a:solidFill>
+                  <a:schemeClr val="tx1">
+                    <a:lumMod val="85000"/>
+                    <a:lumOff val="15000"/>
+                  </a:schemeClr>
+                </a:solidFill>
+                <a:latin typeface="Open Sans Semibold" panose="020B0706030804020204" pitchFamily="34" charset="0"/>
+                <a:ea typeface="Open Sans Semibold" panose="020B0706030804020204" pitchFamily="34" charset="0"/>
+                <a:cs typeface="Open Sans Semibold" panose="020B0706030804020204" pitchFamily="34" charset="0"/>
+              </a:defRPr>
+            </a:lvl5pPr>
+            <a:lvl6pPr marL="2514600" indent="-228600" algn="l" defTabSz="914400" rtl="0" eaLnBrk="1" latinLnBrk="0" hangingPunct="1">
+              <a:lnSpc>
+                <a:spcPct val="90000"/>
+              </a:lnSpc>
+              <a:spcBef>
+                <a:spcPts val="500"/>
+              </a:spcBef>
+              <a:buFont typeface="Arial" panose="020B0604020202020204" pitchFamily="34" charset="0"/>
+              <a:buChar char="•"/>
+              <a:defRPr sz="1800" kern="1200">
+                <a:solidFill>
+                  <a:schemeClr val="tx1"/>
+                </a:solidFill>
+                <a:latin typeface="+mn-lt"/>
+                <a:ea typeface="+mn-ea"/>
+                <a:cs typeface="+mn-cs"/>
+              </a:defRPr>
+            </a:lvl6pPr>
+            <a:lvl7pPr marL="2971800" indent="-228600" algn="l" defTabSz="914400" rtl="0" eaLnBrk="1" latinLnBrk="0" hangingPunct="1">
+              <a:lnSpc>
+                <a:spcPct val="90000"/>
+              </a:lnSpc>
+              <a:spcBef>
+                <a:spcPts val="500"/>
+              </a:spcBef>
+              <a:buFont typeface="Arial" panose="020B0604020202020204" pitchFamily="34" charset="0"/>
+              <a:buChar char="•"/>
+              <a:defRPr sz="1800" kern="1200">
+                <a:solidFill>
+                  <a:schemeClr val="tx1"/>
+                </a:solidFill>
+                <a:latin typeface="+mn-lt"/>
+                <a:ea typeface="+mn-ea"/>
+                <a:cs typeface="+mn-cs"/>
+              </a:defRPr>
+            </a:lvl7pPr>
+            <a:lvl8pPr marL="3429000" indent="-228600" algn="l" defTabSz="914400" rtl="0" eaLnBrk="1" latinLnBrk="0" hangingPunct="1">
+              <a:lnSpc>
+                <a:spcPct val="90000"/>
+              </a:lnSpc>
+              <a:spcBef>
+                <a:spcPts val="500"/>
+              </a:spcBef>
+              <a:buFont typeface="Arial" panose="020B0604020202020204" pitchFamily="34" charset="0"/>
+              <a:buChar char="•"/>
+              <a:defRPr sz="1800" kern="1200">
+                <a:solidFill>
+                  <a:schemeClr val="tx1"/>
+                </a:solidFill>
+                <a:latin typeface="+mn-lt"/>
+                <a:ea typeface="+mn-ea"/>
+                <a:cs typeface="+mn-cs"/>
+              </a:defRPr>
+            </a:lvl8pPr>
+            <a:lvl9pPr marL="3886200" indent="-228600" algn="l" defTabSz="914400" rtl="0" eaLnBrk="1" latinLnBrk="0" hangingPunct="1">
+              <a:lnSpc>
+                <a:spcPct val="90000"/>
+              </a:lnSpc>
+              <a:spcBef>
+                <a:spcPts val="500"/>
+              </a:spcBef>
+              <a:buFont typeface="Arial" panose="020B0604020202020204" pitchFamily="34" charset="0"/>
+              <a:buChar char="•"/>
+              <a:defRPr sz="1800" kern="1200">
+                <a:solidFill>
+                  <a:schemeClr val="tx1"/>
+                </a:solidFill>
+                <a:latin typeface="+mn-lt"/>
+                <a:ea typeface="+mn-ea"/>
+                <a:cs typeface="+mn-cs"/>
+              </a:defRPr>
+            </a:lvl9pPr>
+          </a:lstStyle>
+          <a:p>
+            <a:endParaRPr lang="pt-BR" dirty="0"/>
+          </a:p>
+        </p:txBody>
+      </p:sp>
+      <p:sp>
+        <p:nvSpPr>
+          <p:cNvPr id="3" name="Retângulo 2"/>
+          <p:cNvSpPr/>
+          <p:nvPr/>
+        </p:nvSpPr>
+        <p:spPr>
+          <a:xfrm>
+            <a:off x="157648" y="3389590"/>
+            <a:ext cx="3783725" cy="819807"/>
+          </a:xfrm>
+          <a:prstGeom prst="rect">
+            <a:avLst/>
+          </a:prstGeom>
+        </p:spPr>
+        <p:style>
+          <a:lnRef idx="2">
+            <a:schemeClr val="dk1"/>
+          </a:lnRef>
+          <a:fillRef idx="1">
+            <a:schemeClr val="lt1"/>
+          </a:fillRef>
+          <a:effectRef idx="0">
+            <a:schemeClr val="dk1"/>
+          </a:effectRef>
+          <a:fontRef idx="minor">
+            <a:schemeClr val="dk1"/>
+          </a:fontRef>
+        </p:style>
+        <p:txBody>
+          <a:bodyPr rtlCol="0" anchor="ctr"/>
+          <a:lstStyle/>
+          <a:p>
+            <a:pPr algn="ctr"/>
+            <a:r>
+              <a:rPr lang="pt-BR" sz="3200" b="1" dirty="0" smtClean="0"/>
+              <a:t>Cliente</a:t>
+            </a:r>
+            <a:endParaRPr lang="pt-BR" sz="3200" b="1" dirty="0"/>
+          </a:p>
+        </p:txBody>
+      </p:sp>
+      <p:sp>
+        <p:nvSpPr>
+          <p:cNvPr id="6" name="Retângulo 5"/>
+          <p:cNvSpPr/>
+          <p:nvPr/>
+        </p:nvSpPr>
+        <p:spPr>
+          <a:xfrm>
+            <a:off x="4175227" y="3405355"/>
+            <a:ext cx="3783725" cy="819807"/>
+          </a:xfrm>
+          <a:prstGeom prst="rect">
+            <a:avLst/>
+          </a:prstGeom>
+        </p:spPr>
+        <p:style>
+          <a:lnRef idx="2">
+            <a:schemeClr val="dk1"/>
+          </a:lnRef>
+          <a:fillRef idx="1">
+            <a:schemeClr val="lt1"/>
+          </a:fillRef>
+          <a:effectRef idx="0">
+            <a:schemeClr val="dk1"/>
+          </a:effectRef>
+          <a:fontRef idx="minor">
+            <a:schemeClr val="dk1"/>
+          </a:fontRef>
+        </p:style>
+        <p:txBody>
+          <a:bodyPr rtlCol="0" anchor="ctr"/>
+          <a:lstStyle/>
+          <a:p>
+            <a:pPr algn="ctr"/>
+            <a:r>
+              <a:rPr lang="pt-BR" sz="3200" b="1" dirty="0" smtClean="0"/>
+              <a:t>Médico</a:t>
+            </a:r>
+            <a:endParaRPr lang="pt-BR" sz="3200" b="1" dirty="0"/>
+          </a:p>
+        </p:txBody>
+      </p:sp>
+      <p:sp>
+        <p:nvSpPr>
+          <p:cNvPr id="7" name="Retângulo 6"/>
+          <p:cNvSpPr/>
+          <p:nvPr/>
+        </p:nvSpPr>
+        <p:spPr>
+          <a:xfrm>
+            <a:off x="8192806" y="3405355"/>
+            <a:ext cx="3783725" cy="819807"/>
+          </a:xfrm>
+          <a:prstGeom prst="rect">
+            <a:avLst/>
+          </a:prstGeom>
+        </p:spPr>
+        <p:style>
+          <a:lnRef idx="2">
+            <a:schemeClr val="dk1"/>
+          </a:lnRef>
+          <a:fillRef idx="1">
+            <a:schemeClr val="lt1"/>
+          </a:fillRef>
+          <a:effectRef idx="0">
+            <a:schemeClr val="dk1"/>
+          </a:effectRef>
+          <a:fontRef idx="minor">
+            <a:schemeClr val="dk1"/>
+          </a:fontRef>
+        </p:style>
+        <p:txBody>
+          <a:bodyPr rtlCol="0" anchor="ctr"/>
+          <a:lstStyle/>
+          <a:p>
+            <a:pPr algn="ctr"/>
+            <a:r>
+              <a:rPr lang="pt-BR" sz="3200" b="1" dirty="0" smtClean="0"/>
+              <a:t>Venda</a:t>
+            </a:r>
+            <a:endParaRPr lang="pt-BR" sz="3200" b="1" dirty="0"/>
+          </a:p>
+        </p:txBody>
+      </p:sp>
+      <p:sp>
+        <p:nvSpPr>
+          <p:cNvPr id="8" name="CaixaDeTexto 7"/>
+          <p:cNvSpPr txBox="1"/>
+          <p:nvPr/>
+        </p:nvSpPr>
+        <p:spPr>
+          <a:xfrm>
+            <a:off x="409903" y="2065283"/>
+            <a:ext cx="45719" cy="369332"/>
+          </a:xfrm>
+          <a:prstGeom prst="rect">
+            <a:avLst/>
+          </a:prstGeom>
+          <a:noFill/>
+        </p:spPr>
+        <p:txBody>
+          <a:bodyPr wrap="square" rtlCol="0">
+            <a:spAutoFit/>
+          </a:bodyPr>
+          <a:lstStyle/>
+          <a:p>
+            <a:endParaRPr lang="pt-BR" dirty="0"/>
+          </a:p>
+        </p:txBody>
+      </p:sp>
+      <p:sp>
+        <p:nvSpPr>
+          <p:cNvPr id="9" name="Espaço Reservado para Conteúdo 2"/>
+          <p:cNvSpPr>
+            <a:spLocks noGrp="1"/>
+          </p:cNvSpPr>
+          <p:nvPr>
+            <p:ph idx="1"/>
+          </p:nvPr>
+        </p:nvSpPr>
+        <p:spPr>
+          <a:xfrm>
+            <a:off x="250372" y="1953929"/>
+            <a:ext cx="11649891" cy="1213489"/>
+          </a:xfrm>
+        </p:spPr>
+        <p:txBody>
+          <a:bodyPr>
+            <a:normAutofit/>
+          </a:bodyPr>
+          <a:lstStyle/>
+          <a:p>
+            <a:pPr marL="0" indent="0">
+              <a:buNone/>
+            </a:pPr>
+            <a:r>
+              <a:rPr lang="pt-BR" sz="3600" dirty="0" smtClean="0"/>
+              <a:t>Uma </a:t>
+            </a:r>
+            <a:r>
+              <a:rPr lang="pt-BR" sz="3600" dirty="0"/>
+              <a:t>entidade é representada através de um retângulo que contém o nome da </a:t>
+            </a:r>
+            <a:r>
+              <a:rPr lang="pt-BR" sz="3600" dirty="0" smtClean="0"/>
+              <a:t>entidade.</a:t>
+            </a:r>
+            <a:endParaRPr lang="pt-BR" sz="5400" dirty="0"/>
+          </a:p>
+        </p:txBody>
+      </p:sp>
+      <p:sp>
+        <p:nvSpPr>
+          <p:cNvPr id="10" name="Espaço Reservado para Conteúdo 2"/>
+          <p:cNvSpPr txBox="1">
+            <a:spLocks/>
+          </p:cNvSpPr>
+          <p:nvPr/>
+        </p:nvSpPr>
+        <p:spPr>
+          <a:xfrm>
+            <a:off x="250372" y="4652548"/>
+            <a:ext cx="11649891" cy="1385260"/>
+          </a:xfrm>
+          <a:prstGeom prst="rect">
+            <a:avLst/>
+          </a:prstGeom>
+        </p:spPr>
+        <p:txBody>
+          <a:bodyPr vert="horz" lIns="91440" tIns="45720" rIns="91440" bIns="45720" rtlCol="0">
+            <a:normAutofit/>
+          </a:bodyPr>
+          <a:lstStyle>
+            <a:lvl1pPr marL="228600" indent="-228600" algn="l" defTabSz="914400" rtl="0" eaLnBrk="1" latinLnBrk="0" hangingPunct="1">
+              <a:lnSpc>
+                <a:spcPct val="90000"/>
+              </a:lnSpc>
+              <a:spcBef>
+                <a:spcPts val="1000"/>
+              </a:spcBef>
+              <a:buFont typeface="Arial" panose="020B0604020202020204" pitchFamily="34" charset="0"/>
+              <a:buChar char="•"/>
+              <a:defRPr sz="2800" kern="1200">
+                <a:solidFill>
+                  <a:schemeClr val="tx1">
+                    <a:lumMod val="85000"/>
+                    <a:lumOff val="15000"/>
+                  </a:schemeClr>
+                </a:solidFill>
+                <a:latin typeface="Open Sans Semibold" panose="020B0706030804020204" pitchFamily="34" charset="0"/>
+                <a:ea typeface="Open Sans Semibold" panose="020B0706030804020204" pitchFamily="34" charset="0"/>
+                <a:cs typeface="Open Sans Semibold" panose="020B0706030804020204" pitchFamily="34" charset="0"/>
+              </a:defRPr>
+            </a:lvl1pPr>
+            <a:lvl2pPr marL="685800" indent="-228600" algn="l" defTabSz="914400" rtl="0" eaLnBrk="1" latinLnBrk="0" hangingPunct="1">
+              <a:lnSpc>
+                <a:spcPct val="90000"/>
+              </a:lnSpc>
+              <a:spcBef>
+                <a:spcPts val="500"/>
+              </a:spcBef>
+              <a:buFont typeface="Arial" panose="020B0604020202020204" pitchFamily="34" charset="0"/>
+              <a:buChar char="•"/>
+              <a:defRPr sz="2400" kern="1200">
+                <a:solidFill>
+                  <a:schemeClr val="tx1">
+                    <a:lumMod val="85000"/>
+                    <a:lumOff val="15000"/>
+                  </a:schemeClr>
+                </a:solidFill>
+                <a:latin typeface="Open Sans Semibold" panose="020B0706030804020204" pitchFamily="34" charset="0"/>
+                <a:ea typeface="Open Sans Semibold" panose="020B0706030804020204" pitchFamily="34" charset="0"/>
+                <a:cs typeface="Open Sans Semibold" panose="020B0706030804020204" pitchFamily="34" charset="0"/>
+              </a:defRPr>
+            </a:lvl2pPr>
+            <a:lvl3pPr marL="1143000" indent="-228600" algn="l" defTabSz="914400" rtl="0" eaLnBrk="1" latinLnBrk="0" hangingPunct="1">
+              <a:lnSpc>
+                <a:spcPct val="90000"/>
+              </a:lnSpc>
+              <a:spcBef>
+                <a:spcPts val="500"/>
+              </a:spcBef>
+              <a:buFont typeface="Arial" panose="020B0604020202020204" pitchFamily="34" charset="0"/>
+              <a:buChar char="•"/>
+              <a:defRPr sz="2000" kern="1200">
+                <a:solidFill>
+                  <a:schemeClr val="tx1">
+                    <a:lumMod val="85000"/>
+                    <a:lumOff val="15000"/>
+                  </a:schemeClr>
+                </a:solidFill>
+                <a:latin typeface="Open Sans Semibold" panose="020B0706030804020204" pitchFamily="34" charset="0"/>
+                <a:ea typeface="Open Sans Semibold" panose="020B0706030804020204" pitchFamily="34" charset="0"/>
+                <a:cs typeface="Open Sans Semibold" panose="020B0706030804020204" pitchFamily="34" charset="0"/>
+              </a:defRPr>
+            </a:lvl3pPr>
+            <a:lvl4pPr marL="1600200" indent="-228600" algn="l" defTabSz="914400" rtl="0" eaLnBrk="1" latinLnBrk="0" hangingPunct="1">
+              <a:lnSpc>
+                <a:spcPct val="90000"/>
+              </a:lnSpc>
+              <a:spcBef>
+                <a:spcPts val="500"/>
+              </a:spcBef>
+              <a:buFont typeface="Arial" panose="020B0604020202020204" pitchFamily="34" charset="0"/>
+              <a:buChar char="•"/>
+              <a:defRPr sz="1800" kern="1200">
+                <a:solidFill>
+                  <a:schemeClr val="tx1">
+                    <a:lumMod val="85000"/>
+                    <a:lumOff val="15000"/>
+                  </a:schemeClr>
+                </a:solidFill>
+                <a:latin typeface="Open Sans Semibold" panose="020B0706030804020204" pitchFamily="34" charset="0"/>
+                <a:ea typeface="Open Sans Semibold" panose="020B0706030804020204" pitchFamily="34" charset="0"/>
+                <a:cs typeface="Open Sans Semibold" panose="020B0706030804020204" pitchFamily="34" charset="0"/>
+              </a:defRPr>
+            </a:lvl4pPr>
+            <a:lvl5pPr marL="2057400" indent="-228600" algn="l" defTabSz="914400" rtl="0" eaLnBrk="1" latinLnBrk="0" hangingPunct="1">
+              <a:lnSpc>
+                <a:spcPct val="90000"/>
+              </a:lnSpc>
+              <a:spcBef>
+                <a:spcPts val="500"/>
+              </a:spcBef>
+              <a:buFont typeface="Arial" panose="020B0604020202020204" pitchFamily="34" charset="0"/>
+              <a:buChar char="•"/>
+              <a:defRPr sz="1800" kern="1200">
+                <a:solidFill>
+                  <a:schemeClr val="tx1">
+                    <a:lumMod val="85000"/>
+                    <a:lumOff val="15000"/>
+                  </a:schemeClr>
+                </a:solidFill>
+                <a:latin typeface="Open Sans Semibold" panose="020B0706030804020204" pitchFamily="34" charset="0"/>
+                <a:ea typeface="Open Sans Semibold" panose="020B0706030804020204" pitchFamily="34" charset="0"/>
+                <a:cs typeface="Open Sans Semibold" panose="020B0706030804020204" pitchFamily="34" charset="0"/>
+              </a:defRPr>
+            </a:lvl5pPr>
+            <a:lvl6pPr marL="2514600" indent="-228600" algn="l" defTabSz="914400" rtl="0" eaLnBrk="1" latinLnBrk="0" hangingPunct="1">
+              <a:lnSpc>
+                <a:spcPct val="90000"/>
+              </a:lnSpc>
+              <a:spcBef>
+                <a:spcPts val="500"/>
+              </a:spcBef>
+              <a:buFont typeface="Arial" panose="020B0604020202020204" pitchFamily="34" charset="0"/>
+              <a:buChar char="•"/>
+              <a:defRPr sz="1800" kern="1200">
+                <a:solidFill>
+                  <a:schemeClr val="tx1"/>
+                </a:solidFill>
+                <a:latin typeface="+mn-lt"/>
+                <a:ea typeface="+mn-ea"/>
+                <a:cs typeface="+mn-cs"/>
+              </a:defRPr>
+            </a:lvl6pPr>
+            <a:lvl7pPr marL="2971800" indent="-228600" algn="l" defTabSz="914400" rtl="0" eaLnBrk="1" latinLnBrk="0" hangingPunct="1">
+              <a:lnSpc>
+                <a:spcPct val="90000"/>
+              </a:lnSpc>
+              <a:spcBef>
+                <a:spcPts val="500"/>
+              </a:spcBef>
+              <a:buFont typeface="Arial" panose="020B0604020202020204" pitchFamily="34" charset="0"/>
+              <a:buChar char="•"/>
+              <a:defRPr sz="1800" kern="1200">
+                <a:solidFill>
+                  <a:schemeClr val="tx1"/>
+                </a:solidFill>
+                <a:latin typeface="+mn-lt"/>
+                <a:ea typeface="+mn-ea"/>
+                <a:cs typeface="+mn-cs"/>
+              </a:defRPr>
+            </a:lvl7pPr>
+            <a:lvl8pPr marL="3429000" indent="-228600" algn="l" defTabSz="914400" rtl="0" eaLnBrk="1" latinLnBrk="0" hangingPunct="1">
+              <a:lnSpc>
+                <a:spcPct val="90000"/>
+              </a:lnSpc>
+              <a:spcBef>
+                <a:spcPts val="500"/>
+              </a:spcBef>
+              <a:buFont typeface="Arial" panose="020B0604020202020204" pitchFamily="34" charset="0"/>
+              <a:buChar char="•"/>
+              <a:defRPr sz="1800" kern="1200">
+                <a:solidFill>
+                  <a:schemeClr val="tx1"/>
+                </a:solidFill>
+                <a:latin typeface="+mn-lt"/>
+                <a:ea typeface="+mn-ea"/>
+                <a:cs typeface="+mn-cs"/>
+              </a:defRPr>
+            </a:lvl8pPr>
+            <a:lvl9pPr marL="3886200" indent="-228600" algn="l" defTabSz="914400" rtl="0" eaLnBrk="1" latinLnBrk="0" hangingPunct="1">
+              <a:lnSpc>
+                <a:spcPct val="90000"/>
+              </a:lnSpc>
+              <a:spcBef>
+                <a:spcPts val="500"/>
+              </a:spcBef>
+              <a:buFont typeface="Arial" panose="020B0604020202020204" pitchFamily="34" charset="0"/>
+              <a:buChar char="•"/>
+              <a:defRPr sz="1800" kern="1200">
+                <a:solidFill>
+                  <a:schemeClr val="tx1"/>
+                </a:solidFill>
+                <a:latin typeface="+mn-lt"/>
+                <a:ea typeface="+mn-ea"/>
+                <a:cs typeface="+mn-cs"/>
+              </a:defRPr>
+            </a:lvl9pPr>
+          </a:lstStyle>
+          <a:p>
+            <a:pPr marL="0" indent="0">
+              <a:buNone/>
+            </a:pPr>
+            <a:r>
+              <a:rPr lang="pt-BR" sz="3600" dirty="0"/>
+              <a:t>Cada entidade representa um conjunto de objetos sobre os quais deseja-se guardar </a:t>
+            </a:r>
+            <a:r>
+              <a:rPr lang="pt-BR" sz="3600" dirty="0" smtClean="0"/>
+              <a:t>informações.</a:t>
+            </a:r>
+            <a:endParaRPr lang="pt-BR" sz="6600" dirty="0"/>
+          </a:p>
+        </p:txBody>
+      </p:sp>
+    </p:spTree>
+    <p:extLst>
+      <p:ext uri="{BB962C8B-B14F-4D97-AF65-F5344CB8AC3E}">
+        <p14:creationId xmlns:p14="http://schemas.microsoft.com/office/powerpoint/2010/main" val="3684173999"/>
+      </p:ext>
+    </p:extLst>
+  </p:cSld>
+  <p:clrMapOvr>
+    <a:masterClrMapping/>
+  </p:clrMapOvr>
+  <p:timing>
+    <p:tnLst>
+      <p:par>
+        <p:cTn id="1" dur="indefinite" restart="never" nodeType="tmRoot"/>
+      </p:par>
+    </p:tnLst>
+  </p:timing>
 </p:sld>
 </file>
 
@@ -14274,6 +17700,13 @@
   <p:clrMapOvr>
     <a:masterClrMapping/>
   </p:clrMapOvr>
+  <p:timing>
+    <p:tnLst>
+      <p:par>
+        <p:cTn id="1" dur="indefinite" restart="never" nodeType="tmRoot"/>
+      </p:par>
+    </p:tnLst>
+  </p:timing>
 </p:sld>
 </file>
 
@@ -14632,6 +18065,13 @@
   <p:clrMapOvr>
     <a:masterClrMapping/>
   </p:clrMapOvr>
+  <p:timing>
+    <p:tnLst>
+      <p:par>
+        <p:cTn id="1" dur="indefinite" restart="never" nodeType="tmRoot"/>
+      </p:par>
+    </p:tnLst>
+  </p:timing>
 </p:sld>
 </file>
 
@@ -14927,6 +18367,13 @@
   <p:clrMapOvr>
     <a:masterClrMapping/>
   </p:clrMapOvr>
+  <p:timing>
+    <p:tnLst>
+      <p:par>
+        <p:cTn id="1" dur="indefinite" restart="never" nodeType="tmRoot"/>
+      </p:par>
+    </p:tnLst>
+  </p:timing>
 </p:sld>
 </file>
 
@@ -15241,7 +18688,7 @@
         </p:blipFill>
         <p:spPr>
           <a:xfrm>
-            <a:off x="2324476" y="3471333"/>
+            <a:off x="2592498" y="3471333"/>
             <a:ext cx="6737508" cy="2421467"/>
           </a:xfrm>
           <a:prstGeom prst="rect">
@@ -15259,6 +18706,13 @@
   <p:clrMapOvr>
     <a:masterClrMapping/>
   </p:clrMapOvr>
+  <p:timing>
+    <p:tnLst>
+      <p:par>
+        <p:cTn id="1" dur="indefinite" restart="never" nodeType="tmRoot"/>
+      </p:par>
+    </p:tnLst>
+  </p:timing>
 </p:sld>
 </file>
 
@@ -15591,6 +19045,13 @@
   <p:clrMapOvr>
     <a:masterClrMapping/>
   </p:clrMapOvr>
+  <p:timing>
+    <p:tnLst>
+      <p:par>
+        <p:cTn id="1" dur="indefinite" restart="never" nodeType="tmRoot"/>
+      </p:par>
+    </p:tnLst>
+  </p:timing>
 </p:sld>
 </file>
 
@@ -15651,6 +19112,13 @@
   <p:clrMapOvr>
     <a:masterClrMapping/>
   </p:clrMapOvr>
+  <p:timing>
+    <p:tnLst>
+      <p:par>
+        <p:cTn id="1" dur="indefinite" restart="never" nodeType="tmRoot"/>
+      </p:par>
+    </p:tnLst>
+  </p:timing>
 </p:sld>
 </file>
 
@@ -15960,6 +19428,13 @@
   <p:clrMapOvr>
     <a:masterClrMapping/>
   </p:clrMapOvr>
+  <p:timing>
+    <p:tnLst>
+      <p:par>
+        <p:cTn id="1" dur="indefinite" restart="never" nodeType="tmRoot"/>
+      </p:par>
+    </p:tnLst>
+  </p:timing>
 </p:sld>
 </file>
 
